--- a/MHDS/Diagrams.pptx
+++ b/MHDS/Diagrams.pptx
@@ -8,6 +8,9 @@
     <p:sldId id="256" r:id="rId2"/>
     <p:sldId id="257" r:id="rId3"/>
     <p:sldId id="258" r:id="rId4"/>
+    <p:sldId id="259" r:id="rId5"/>
+    <p:sldId id="260" r:id="rId6"/>
+    <p:sldId id="261" r:id="rId7"/>
   </p:sldIdLst>
   <p:sldSz cx="12192000" cy="6858000"/>
   <p:notesSz cx="6858000" cy="9144000"/>
@@ -3434,20 +3437,20 @@
       </p:sp>
       <p:sp>
         <p:nvSpPr>
-          <p:cNvPr id="6" name="TextBox 5">
-            <a:extLst>
-              <a:ext uri="{FF2B5EF4-FFF2-40B4-BE49-F238E27FC236}">
-                <a16:creationId xmlns:a16="http://schemas.microsoft.com/office/drawing/2014/main" id="{14FA012C-5829-4533-A86C-4D3B726BA58C}"/>
-              </a:ext>
-            </a:extLst>
-          </p:cNvPr>
-          <p:cNvSpPr txBox="1"/>
-          <p:nvPr/>
-        </p:nvSpPr>
-        <p:spPr>
-          <a:xfrm>
-            <a:off x="528686" y="2252998"/>
-            <a:ext cx="2524259" cy="1200329"/>
+          <p:cNvPr id="7" name="TextBox 6">
+            <a:extLst>
+              <a:ext uri="{FF2B5EF4-FFF2-40B4-BE49-F238E27FC236}">
+                <a16:creationId xmlns:a16="http://schemas.microsoft.com/office/drawing/2014/main" id="{8967D933-D0EF-4F07-9A78-7EBD198AFE96}"/>
+              </a:ext>
+            </a:extLst>
+          </p:cNvPr>
+          <p:cNvSpPr txBox="1"/>
+          <p:nvPr/>
+        </p:nvSpPr>
+        <p:spPr>
+          <a:xfrm>
+            <a:off x="528684" y="2668156"/>
+            <a:ext cx="2524259" cy="1477328"/>
           </a:xfrm>
           <a:prstGeom prst="rect">
             <a:avLst/>
@@ -3467,7 +3470,7 @@
           <a:p>
             <a:r>
               <a:rPr lang="en-US" dirty="0"/>
-              <a:t>Patient Identity Source</a:t>
+              <a:t>Document Consumer</a:t>
             </a:r>
           </a:p>
           <a:p>
@@ -3479,24 +3482,27 @@
           <a:p>
             <a:endParaRPr lang="en-US" dirty="0"/>
           </a:p>
-        </p:txBody>
-      </p:sp>
-      <p:sp>
-        <p:nvSpPr>
-          <p:cNvPr id="7" name="TextBox 6">
-            <a:extLst>
-              <a:ext uri="{FF2B5EF4-FFF2-40B4-BE49-F238E27FC236}">
-                <a16:creationId xmlns:a16="http://schemas.microsoft.com/office/drawing/2014/main" id="{8967D933-D0EF-4F07-9A78-7EBD198AFE96}"/>
-              </a:ext>
-            </a:extLst>
-          </p:cNvPr>
-          <p:cNvSpPr txBox="1"/>
-          <p:nvPr/>
-        </p:nvSpPr>
-        <p:spPr>
-          <a:xfrm>
-            <a:off x="528686" y="3772877"/>
-            <a:ext cx="2524259" cy="1200329"/>
+          <a:p>
+            <a:endParaRPr lang="en-US" dirty="0"/>
+          </a:p>
+        </p:txBody>
+      </p:sp>
+      <p:sp>
+        <p:nvSpPr>
+          <p:cNvPr id="8" name="TextBox 7">
+            <a:extLst>
+              <a:ext uri="{FF2B5EF4-FFF2-40B4-BE49-F238E27FC236}">
+                <a16:creationId xmlns:a16="http://schemas.microsoft.com/office/drawing/2014/main" id="{2B0366D7-F416-4D38-AA98-B1E610C2BB2D}"/>
+              </a:ext>
+            </a:extLst>
+          </p:cNvPr>
+          <p:cNvSpPr txBox="1"/>
+          <p:nvPr/>
+        </p:nvSpPr>
+        <p:spPr>
+          <a:xfrm>
+            <a:off x="528684" y="4763444"/>
+            <a:ext cx="2524259" cy="1477328"/>
           </a:xfrm>
           <a:prstGeom prst="rect">
             <a:avLst/>
@@ -3516,7 +3522,7 @@
           <a:p>
             <a:r>
               <a:rPr lang="en-US" dirty="0"/>
-              <a:t>Document Consumer</a:t>
+              <a:t>Clinical Data Consumer</a:t>
             </a:r>
           </a:p>
           <a:p>
@@ -3528,24 +3534,27 @@
           <a:p>
             <a:endParaRPr lang="en-US" dirty="0"/>
           </a:p>
-        </p:txBody>
-      </p:sp>
-      <p:sp>
-        <p:nvSpPr>
-          <p:cNvPr id="8" name="TextBox 7">
-            <a:extLst>
-              <a:ext uri="{FF2B5EF4-FFF2-40B4-BE49-F238E27FC236}">
-                <a16:creationId xmlns:a16="http://schemas.microsoft.com/office/drawing/2014/main" id="{2B0366D7-F416-4D38-AA98-B1E610C2BB2D}"/>
-              </a:ext>
-            </a:extLst>
-          </p:cNvPr>
-          <p:cNvSpPr txBox="1"/>
-          <p:nvPr/>
-        </p:nvSpPr>
-        <p:spPr>
-          <a:xfrm>
-            <a:off x="528685" y="5292756"/>
-            <a:ext cx="2524259" cy="1200329"/>
+          <a:p>
+            <a:endParaRPr lang="en-US" dirty="0"/>
+          </a:p>
+        </p:txBody>
+      </p:sp>
+      <p:sp>
+        <p:nvSpPr>
+          <p:cNvPr id="27" name="TextBox 26">
+            <a:extLst>
+              <a:ext uri="{FF2B5EF4-FFF2-40B4-BE49-F238E27FC236}">
+                <a16:creationId xmlns:a16="http://schemas.microsoft.com/office/drawing/2014/main" id="{8E31FFFE-708C-4EE5-B05E-EC7BF5ED44D7}"/>
+              </a:ext>
+            </a:extLst>
+          </p:cNvPr>
+          <p:cNvSpPr txBox="1"/>
+          <p:nvPr/>
+        </p:nvSpPr>
+        <p:spPr>
+          <a:xfrm>
+            <a:off x="528687" y="715670"/>
+            <a:ext cx="2524259" cy="1477328"/>
           </a:xfrm>
           <a:prstGeom prst="rect">
             <a:avLst/>
@@ -3565,57 +3574,11 @@
           <a:p>
             <a:r>
               <a:rPr lang="en-US" dirty="0"/>
-              <a:t>Clinical Data Consumer</a:t>
+              <a:t>Document Source</a:t>
             </a:r>
           </a:p>
           <a:p>
             <a:endParaRPr lang="en-US" dirty="0"/>
-          </a:p>
-          <a:p>
-            <a:endParaRPr lang="en-US" dirty="0"/>
-          </a:p>
-          <a:p>
-            <a:endParaRPr lang="en-US" dirty="0"/>
-          </a:p>
-        </p:txBody>
-      </p:sp>
-      <p:sp>
-        <p:nvSpPr>
-          <p:cNvPr id="27" name="TextBox 26">
-            <a:extLst>
-              <a:ext uri="{FF2B5EF4-FFF2-40B4-BE49-F238E27FC236}">
-                <a16:creationId xmlns:a16="http://schemas.microsoft.com/office/drawing/2014/main" id="{8E31FFFE-708C-4EE5-B05E-EC7BF5ED44D7}"/>
-              </a:ext>
-            </a:extLst>
-          </p:cNvPr>
-          <p:cNvSpPr txBox="1"/>
-          <p:nvPr/>
-        </p:nvSpPr>
-        <p:spPr>
-          <a:xfrm>
-            <a:off x="528687" y="715670"/>
-            <a:ext cx="2524259" cy="1200329"/>
-          </a:xfrm>
-          <a:prstGeom prst="rect">
-            <a:avLst/>
-          </a:prstGeom>
-          <a:noFill/>
-          <a:ln>
-            <a:solidFill>
-              <a:schemeClr val="tx1"/>
-            </a:solidFill>
-          </a:ln>
-        </p:spPr>
-        <p:txBody>
-          <a:bodyPr wrap="square" rtlCol="0">
-            <a:spAutoFit/>
-          </a:bodyPr>
-          <a:lstStyle/>
-          <a:p>
-            <a:r>
-              <a:rPr lang="en-US" dirty="0"/>
-              <a:t>Document Source</a:t>
-            </a:r>
           </a:p>
           <a:p>
             <a:endParaRPr lang="en-US" dirty="0"/>
@@ -3783,7 +3746,7 @@
           <a:p>
             <a:r>
               <a:rPr lang="en-US" dirty="0"/>
-              <a:t>mSVS - ValueSet Registry</a:t>
+              <a:t>SVCM - ValueSet Registry</a:t>
             </a:r>
           </a:p>
         </p:txBody>
@@ -4740,7 +4703,7 @@
           <a:p>
             <a:r>
               <a:rPr lang="en-US" dirty="0"/>
-              <a:t>mSVS - ValueSet Registry</a:t>
+              <a:t>SVCM - ValueSet Registry</a:t>
             </a:r>
           </a:p>
         </p:txBody>
@@ -5118,6 +5081,4841 @@
     <p:extLst>
       <p:ext uri="{BB962C8B-B14F-4D97-AF65-F5344CB8AC3E}">
         <p14:creationId xmlns:p14="http://schemas.microsoft.com/office/powerpoint/2010/main" val="3363122148"/>
+      </p:ext>
+    </p:extLst>
+  </p:cSld>
+  <p:clrMapOvr>
+    <a:masterClrMapping/>
+  </p:clrMapOvr>
+</p:sld>
+</file>
+
+<file path=ppt/slides/slide4.xml><?xml version="1.0" encoding="utf-8"?>
+<p:sld xmlns:a="http://schemas.openxmlformats.org/drawingml/2006/main" xmlns:r="http://schemas.openxmlformats.org/officeDocument/2006/relationships" xmlns:p="http://schemas.openxmlformats.org/presentationml/2006/main">
+  <p:cSld>
+    <p:spTree>
+      <p:nvGrpSpPr>
+        <p:cNvPr id="1" name=""/>
+        <p:cNvGrpSpPr/>
+        <p:nvPr/>
+      </p:nvGrpSpPr>
+      <p:grpSpPr>
+        <a:xfrm>
+          <a:off x="0" y="0"/>
+          <a:ext cx="0" cy="0"/>
+          <a:chOff x="0" y="0"/>
+          <a:chExt cx="0" cy="0"/>
+        </a:xfrm>
+      </p:grpSpPr>
+      <p:sp>
+        <p:nvSpPr>
+          <p:cNvPr id="23" name="Rectangle 22">
+            <a:extLst>
+              <a:ext uri="{FF2B5EF4-FFF2-40B4-BE49-F238E27FC236}">
+                <a16:creationId xmlns:a16="http://schemas.microsoft.com/office/drawing/2014/main" id="{27C3C4B3-9E93-4C47-A8BE-320738C6219A}"/>
+              </a:ext>
+            </a:extLst>
+          </p:cNvPr>
+          <p:cNvSpPr/>
+          <p:nvPr/>
+        </p:nvSpPr>
+        <p:spPr>
+          <a:xfrm>
+            <a:off x="289561" y="155576"/>
+            <a:ext cx="5930721" cy="6538123"/>
+          </a:xfrm>
+          <a:prstGeom prst="rect">
+            <a:avLst/>
+          </a:prstGeom>
+          <a:solidFill>
+            <a:schemeClr val="accent2">
+              <a:lumMod val="40000"/>
+              <a:lumOff val="60000"/>
+            </a:schemeClr>
+          </a:solidFill>
+        </p:spPr>
+        <p:style>
+          <a:lnRef idx="2">
+            <a:schemeClr val="accent1">
+              <a:shade val="50000"/>
+            </a:schemeClr>
+          </a:lnRef>
+          <a:fillRef idx="1">
+            <a:schemeClr val="accent1"/>
+          </a:fillRef>
+          <a:effectRef idx="0">
+            <a:schemeClr val="accent1"/>
+          </a:effectRef>
+          <a:fontRef idx="minor">
+            <a:schemeClr val="lt1"/>
+          </a:fontRef>
+        </p:style>
+        <p:txBody>
+          <a:bodyPr rtlCol="0" anchor="t"/>
+          <a:lstStyle/>
+          <a:p>
+            <a:pPr algn="ctr"/>
+            <a:r>
+              <a:rPr lang="en-US" b="1" dirty="0"/>
+              <a:t>HIE partner types</a:t>
+            </a:r>
+          </a:p>
+        </p:txBody>
+      </p:sp>
+      <p:sp>
+        <p:nvSpPr>
+          <p:cNvPr id="4" name="Rectangle 3">
+            <a:extLst>
+              <a:ext uri="{FF2B5EF4-FFF2-40B4-BE49-F238E27FC236}">
+                <a16:creationId xmlns:a16="http://schemas.microsoft.com/office/drawing/2014/main" id="{59EDAE21-3F15-43EE-8106-631330D0CA78}"/>
+              </a:ext>
+            </a:extLst>
+          </p:cNvPr>
+          <p:cNvSpPr/>
+          <p:nvPr/>
+        </p:nvSpPr>
+        <p:spPr>
+          <a:xfrm>
+            <a:off x="6092824" y="145294"/>
+            <a:ext cx="5930720" cy="6558688"/>
+          </a:xfrm>
+          <a:prstGeom prst="rect">
+            <a:avLst/>
+          </a:prstGeom>
+        </p:spPr>
+        <p:style>
+          <a:lnRef idx="2">
+            <a:schemeClr val="accent1">
+              <a:shade val="50000"/>
+            </a:schemeClr>
+          </a:lnRef>
+          <a:fillRef idx="1">
+            <a:schemeClr val="accent1"/>
+          </a:fillRef>
+          <a:effectRef idx="0">
+            <a:schemeClr val="accent1"/>
+          </a:effectRef>
+          <a:fontRef idx="minor">
+            <a:schemeClr val="lt1"/>
+          </a:fontRef>
+        </p:style>
+        <p:txBody>
+          <a:bodyPr rtlCol="0" anchor="t"/>
+          <a:lstStyle/>
+          <a:p>
+            <a:pPr algn="ctr"/>
+            <a:r>
+              <a:rPr lang="en-US" b="1" dirty="0"/>
+              <a:t>Central Infrastructure</a:t>
+            </a:r>
+          </a:p>
+        </p:txBody>
+      </p:sp>
+      <p:sp>
+        <p:nvSpPr>
+          <p:cNvPr id="27" name="TextBox 26">
+            <a:extLst>
+              <a:ext uri="{FF2B5EF4-FFF2-40B4-BE49-F238E27FC236}">
+                <a16:creationId xmlns:a16="http://schemas.microsoft.com/office/drawing/2014/main" id="{8E31FFFE-708C-4EE5-B05E-EC7BF5ED44D7}"/>
+              </a:ext>
+            </a:extLst>
+          </p:cNvPr>
+          <p:cNvSpPr txBox="1"/>
+          <p:nvPr/>
+        </p:nvSpPr>
+        <p:spPr>
+          <a:xfrm>
+            <a:off x="528687" y="566585"/>
+            <a:ext cx="2524259" cy="4247317"/>
+          </a:xfrm>
+          <a:prstGeom prst="rect">
+            <a:avLst/>
+          </a:prstGeom>
+          <a:noFill/>
+          <a:ln>
+            <a:solidFill>
+              <a:schemeClr val="tx1"/>
+            </a:solidFill>
+          </a:ln>
+        </p:spPr>
+        <p:txBody>
+          <a:bodyPr wrap="square" rtlCol="0">
+            <a:spAutoFit/>
+          </a:bodyPr>
+          <a:lstStyle/>
+          <a:p>
+            <a:r>
+              <a:rPr lang="en-US" dirty="0"/>
+              <a:t>Document Source</a:t>
+            </a:r>
+          </a:p>
+          <a:p>
+            <a:endParaRPr lang="en-US" dirty="0"/>
+          </a:p>
+          <a:p>
+            <a:endParaRPr lang="en-US" dirty="0"/>
+          </a:p>
+          <a:p>
+            <a:endParaRPr lang="en-US" dirty="0"/>
+          </a:p>
+          <a:p>
+            <a:endParaRPr lang="en-US" dirty="0"/>
+          </a:p>
+          <a:p>
+            <a:endParaRPr lang="en-US" dirty="0"/>
+          </a:p>
+          <a:p>
+            <a:endParaRPr lang="en-US" dirty="0"/>
+          </a:p>
+          <a:p>
+            <a:endParaRPr lang="en-US" dirty="0"/>
+          </a:p>
+          <a:p>
+            <a:endParaRPr lang="en-US" dirty="0"/>
+          </a:p>
+          <a:p>
+            <a:endParaRPr lang="en-US" dirty="0"/>
+          </a:p>
+          <a:p>
+            <a:endParaRPr lang="en-US" dirty="0"/>
+          </a:p>
+          <a:p>
+            <a:endParaRPr lang="en-US" dirty="0"/>
+          </a:p>
+          <a:p>
+            <a:endParaRPr lang="en-US" dirty="0"/>
+          </a:p>
+          <a:p>
+            <a:endParaRPr lang="en-US" dirty="0"/>
+          </a:p>
+          <a:p>
+            <a:endParaRPr lang="en-US" dirty="0"/>
+          </a:p>
+        </p:txBody>
+      </p:sp>
+      <p:sp>
+        <p:nvSpPr>
+          <p:cNvPr id="28" name="TextBox 27">
+            <a:extLst>
+              <a:ext uri="{FF2B5EF4-FFF2-40B4-BE49-F238E27FC236}">
+                <a16:creationId xmlns:a16="http://schemas.microsoft.com/office/drawing/2014/main" id="{CA99CEDE-A1CD-4CD4-A3DF-C9240527A2B1}"/>
+              </a:ext>
+            </a:extLst>
+          </p:cNvPr>
+          <p:cNvSpPr txBox="1"/>
+          <p:nvPr/>
+        </p:nvSpPr>
+        <p:spPr>
+          <a:xfrm>
+            <a:off x="7515184" y="897778"/>
+            <a:ext cx="2969964" cy="369332"/>
+          </a:xfrm>
+          <a:prstGeom prst="rect">
+            <a:avLst/>
+          </a:prstGeom>
+          <a:noFill/>
+          <a:ln>
+            <a:solidFill>
+              <a:schemeClr val="tx1"/>
+            </a:solidFill>
+          </a:ln>
+        </p:spPr>
+        <p:txBody>
+          <a:bodyPr wrap="square" rtlCol="0">
+            <a:spAutoFit/>
+          </a:bodyPr>
+          <a:lstStyle/>
+          <a:p>
+            <a:r>
+              <a:rPr lang="en-US" dirty="0"/>
+              <a:t>Certificate Authority</a:t>
+            </a:r>
+          </a:p>
+        </p:txBody>
+      </p:sp>
+      <p:sp>
+        <p:nvSpPr>
+          <p:cNvPr id="29" name="TextBox 28">
+            <a:extLst>
+              <a:ext uri="{FF2B5EF4-FFF2-40B4-BE49-F238E27FC236}">
+                <a16:creationId xmlns:a16="http://schemas.microsoft.com/office/drawing/2014/main" id="{667D0742-048C-45A9-89A6-7BA53CA6111F}"/>
+              </a:ext>
+            </a:extLst>
+          </p:cNvPr>
+          <p:cNvSpPr txBox="1"/>
+          <p:nvPr/>
+        </p:nvSpPr>
+        <p:spPr>
+          <a:xfrm>
+            <a:off x="7515184" y="461842"/>
+            <a:ext cx="2969964" cy="369332"/>
+          </a:xfrm>
+          <a:prstGeom prst="rect">
+            <a:avLst/>
+          </a:prstGeom>
+          <a:noFill/>
+          <a:ln>
+            <a:solidFill>
+              <a:schemeClr val="tx1"/>
+            </a:solidFill>
+          </a:ln>
+        </p:spPr>
+        <p:txBody>
+          <a:bodyPr wrap="square" rtlCol="0">
+            <a:spAutoFit/>
+          </a:bodyPr>
+          <a:lstStyle/>
+          <a:p>
+            <a:r>
+              <a:rPr lang="en-US" dirty="0"/>
+              <a:t>MHDS - Registry</a:t>
+            </a:r>
+          </a:p>
+        </p:txBody>
+      </p:sp>
+      <p:sp>
+        <p:nvSpPr>
+          <p:cNvPr id="30" name="TextBox 29">
+            <a:extLst>
+              <a:ext uri="{FF2B5EF4-FFF2-40B4-BE49-F238E27FC236}">
+                <a16:creationId xmlns:a16="http://schemas.microsoft.com/office/drawing/2014/main" id="{56C17DEB-D46C-4711-BEED-4691F5F8924A}"/>
+              </a:ext>
+            </a:extLst>
+          </p:cNvPr>
+          <p:cNvSpPr txBox="1"/>
+          <p:nvPr/>
+        </p:nvSpPr>
+        <p:spPr>
+          <a:xfrm>
+            <a:off x="7515184" y="1733670"/>
+            <a:ext cx="2969964" cy="369332"/>
+          </a:xfrm>
+          <a:prstGeom prst="rect">
+            <a:avLst/>
+          </a:prstGeom>
+          <a:noFill/>
+          <a:ln>
+            <a:solidFill>
+              <a:schemeClr val="tx1"/>
+            </a:solidFill>
+          </a:ln>
+        </p:spPr>
+        <p:txBody>
+          <a:bodyPr wrap="square" rtlCol="0">
+            <a:spAutoFit/>
+          </a:bodyPr>
+          <a:lstStyle/>
+          <a:p>
+            <a:r>
+              <a:rPr lang="en-US" dirty="0"/>
+              <a:t>PMIR - Patient Manager</a:t>
+            </a:r>
+          </a:p>
+        </p:txBody>
+      </p:sp>
+      <p:sp>
+        <p:nvSpPr>
+          <p:cNvPr id="31" name="TextBox 30">
+            <a:extLst>
+              <a:ext uri="{FF2B5EF4-FFF2-40B4-BE49-F238E27FC236}">
+                <a16:creationId xmlns:a16="http://schemas.microsoft.com/office/drawing/2014/main" id="{50C2EA69-6429-4417-8548-D9CABC5BBB22}"/>
+              </a:ext>
+            </a:extLst>
+          </p:cNvPr>
+          <p:cNvSpPr txBox="1"/>
+          <p:nvPr/>
+        </p:nvSpPr>
+        <p:spPr>
+          <a:xfrm>
+            <a:off x="7505144" y="2169659"/>
+            <a:ext cx="2969964" cy="369332"/>
+          </a:xfrm>
+          <a:prstGeom prst="rect">
+            <a:avLst/>
+          </a:prstGeom>
+          <a:noFill/>
+          <a:ln>
+            <a:solidFill>
+              <a:schemeClr val="tx1"/>
+            </a:solidFill>
+          </a:ln>
+        </p:spPr>
+        <p:txBody>
+          <a:bodyPr wrap="square" rtlCol="0">
+            <a:spAutoFit/>
+          </a:bodyPr>
+          <a:lstStyle/>
+          <a:p>
+            <a:r>
+              <a:rPr lang="en-US" dirty="0"/>
+              <a:t>SVCM - ValueSet Registry</a:t>
+            </a:r>
+          </a:p>
+        </p:txBody>
+      </p:sp>
+      <p:sp>
+        <p:nvSpPr>
+          <p:cNvPr id="32" name="TextBox 31">
+            <a:extLst>
+              <a:ext uri="{FF2B5EF4-FFF2-40B4-BE49-F238E27FC236}">
+                <a16:creationId xmlns:a16="http://schemas.microsoft.com/office/drawing/2014/main" id="{25F91CC1-2808-420F-BF30-3C99BC5B198B}"/>
+              </a:ext>
+            </a:extLst>
+          </p:cNvPr>
+          <p:cNvSpPr txBox="1"/>
+          <p:nvPr/>
+        </p:nvSpPr>
+        <p:spPr>
+          <a:xfrm>
+            <a:off x="7515184" y="1305812"/>
+            <a:ext cx="2969964" cy="369332"/>
+          </a:xfrm>
+          <a:prstGeom prst="rect">
+            <a:avLst/>
+          </a:prstGeom>
+          <a:noFill/>
+          <a:ln>
+            <a:solidFill>
+              <a:schemeClr val="tx1"/>
+            </a:solidFill>
+          </a:ln>
+        </p:spPr>
+        <p:txBody>
+          <a:bodyPr wrap="square" rtlCol="0">
+            <a:spAutoFit/>
+          </a:bodyPr>
+          <a:lstStyle/>
+          <a:p>
+            <a:r>
+              <a:rPr lang="en-US" dirty="0"/>
+              <a:t>CT – Time Service</a:t>
+            </a:r>
+          </a:p>
+        </p:txBody>
+      </p:sp>
+      <p:sp>
+        <p:nvSpPr>
+          <p:cNvPr id="33" name="TextBox 32">
+            <a:extLst>
+              <a:ext uri="{FF2B5EF4-FFF2-40B4-BE49-F238E27FC236}">
+                <a16:creationId xmlns:a16="http://schemas.microsoft.com/office/drawing/2014/main" id="{C46A7726-325D-48EE-A397-C95A034D54F8}"/>
+              </a:ext>
+            </a:extLst>
+          </p:cNvPr>
+          <p:cNvSpPr txBox="1"/>
+          <p:nvPr/>
+        </p:nvSpPr>
+        <p:spPr>
+          <a:xfrm>
+            <a:off x="7505144" y="2572357"/>
+            <a:ext cx="2969964" cy="369332"/>
+          </a:xfrm>
+          <a:prstGeom prst="rect">
+            <a:avLst/>
+          </a:prstGeom>
+          <a:noFill/>
+          <a:ln>
+            <a:solidFill>
+              <a:schemeClr val="tx1"/>
+            </a:solidFill>
+          </a:ln>
+        </p:spPr>
+        <p:txBody>
+          <a:bodyPr wrap="square" rtlCol="0">
+            <a:spAutoFit/>
+          </a:bodyPr>
+          <a:lstStyle/>
+          <a:p>
+            <a:r>
+              <a:rPr lang="en-US" dirty="0"/>
+              <a:t>ATNA – Audit Record Repo</a:t>
+            </a:r>
+          </a:p>
+        </p:txBody>
+      </p:sp>
+      <p:sp>
+        <p:nvSpPr>
+          <p:cNvPr id="34" name="TextBox 33">
+            <a:extLst>
+              <a:ext uri="{FF2B5EF4-FFF2-40B4-BE49-F238E27FC236}">
+                <a16:creationId xmlns:a16="http://schemas.microsoft.com/office/drawing/2014/main" id="{FFBA27B9-D23A-4BB0-811F-43D5F08C77BE}"/>
+              </a:ext>
+            </a:extLst>
+          </p:cNvPr>
+          <p:cNvSpPr txBox="1"/>
+          <p:nvPr/>
+        </p:nvSpPr>
+        <p:spPr>
+          <a:xfrm>
+            <a:off x="7515184" y="3003650"/>
+            <a:ext cx="2969964" cy="369332"/>
+          </a:xfrm>
+          <a:prstGeom prst="rect">
+            <a:avLst/>
+          </a:prstGeom>
+          <a:noFill/>
+          <a:ln>
+            <a:solidFill>
+              <a:schemeClr val="tx1"/>
+            </a:solidFill>
+          </a:ln>
+        </p:spPr>
+        <p:txBody>
+          <a:bodyPr wrap="square" rtlCol="0">
+            <a:spAutoFit/>
+          </a:bodyPr>
+          <a:lstStyle/>
+          <a:p>
+            <a:r>
+              <a:rPr lang="en-US" dirty="0"/>
+              <a:t>mCSD – Provider Directory</a:t>
+            </a:r>
+          </a:p>
+        </p:txBody>
+      </p:sp>
+      <p:sp>
+        <p:nvSpPr>
+          <p:cNvPr id="35" name="TextBox 34">
+            <a:extLst>
+              <a:ext uri="{FF2B5EF4-FFF2-40B4-BE49-F238E27FC236}">
+                <a16:creationId xmlns:a16="http://schemas.microsoft.com/office/drawing/2014/main" id="{26461810-94AC-4479-BECF-2C0E7CDF7E1D}"/>
+              </a:ext>
+            </a:extLst>
+          </p:cNvPr>
+          <p:cNvSpPr txBox="1"/>
+          <p:nvPr/>
+        </p:nvSpPr>
+        <p:spPr>
+          <a:xfrm>
+            <a:off x="7482412" y="4997545"/>
+            <a:ext cx="2969964" cy="369332"/>
+          </a:xfrm>
+          <a:prstGeom prst="rect">
+            <a:avLst/>
+          </a:prstGeom>
+          <a:noFill/>
+          <a:ln>
+            <a:solidFill>
+              <a:schemeClr val="tx1"/>
+            </a:solidFill>
+          </a:ln>
+        </p:spPr>
+        <p:txBody>
+          <a:bodyPr wrap="square" rtlCol="0">
+            <a:spAutoFit/>
+          </a:bodyPr>
+          <a:lstStyle/>
+          <a:p>
+            <a:r>
+              <a:rPr lang="en-US" dirty="0"/>
+              <a:t>NPFS – File Manager</a:t>
+            </a:r>
+          </a:p>
+        </p:txBody>
+      </p:sp>
+      <p:sp>
+        <p:nvSpPr>
+          <p:cNvPr id="36" name="TextBox 35">
+            <a:extLst>
+              <a:ext uri="{FF2B5EF4-FFF2-40B4-BE49-F238E27FC236}">
+                <a16:creationId xmlns:a16="http://schemas.microsoft.com/office/drawing/2014/main" id="{06D1038C-91F7-46FD-BACA-95B1640A940A}"/>
+              </a:ext>
+            </a:extLst>
+          </p:cNvPr>
+          <p:cNvSpPr txBox="1"/>
+          <p:nvPr/>
+        </p:nvSpPr>
+        <p:spPr>
+          <a:xfrm>
+            <a:off x="7515184" y="3613351"/>
+            <a:ext cx="2969964" cy="369332"/>
+          </a:xfrm>
+          <a:prstGeom prst="rect">
+            <a:avLst/>
+          </a:prstGeom>
+          <a:noFill/>
+          <a:ln>
+            <a:solidFill>
+              <a:schemeClr val="tx1"/>
+            </a:solidFill>
+          </a:ln>
+        </p:spPr>
+        <p:txBody>
+          <a:bodyPr wrap="square" rtlCol="0">
+            <a:spAutoFit/>
+          </a:bodyPr>
+          <a:lstStyle/>
+          <a:p>
+            <a:r>
+              <a:rPr lang="en-US" dirty="0"/>
+              <a:t>mXDE – Data Element Extract</a:t>
+            </a:r>
+          </a:p>
+        </p:txBody>
+      </p:sp>
+      <p:sp>
+        <p:nvSpPr>
+          <p:cNvPr id="37" name="TextBox 36">
+            <a:extLst>
+              <a:ext uri="{FF2B5EF4-FFF2-40B4-BE49-F238E27FC236}">
+                <a16:creationId xmlns:a16="http://schemas.microsoft.com/office/drawing/2014/main" id="{A9A22824-3500-4267-BF55-7E641E9DFC81}"/>
+              </a:ext>
+            </a:extLst>
+          </p:cNvPr>
+          <p:cNvSpPr txBox="1"/>
+          <p:nvPr/>
+        </p:nvSpPr>
+        <p:spPr>
+          <a:xfrm>
+            <a:off x="7832714" y="3987549"/>
+            <a:ext cx="2969964" cy="369332"/>
+          </a:xfrm>
+          <a:prstGeom prst="rect">
+            <a:avLst/>
+          </a:prstGeom>
+          <a:noFill/>
+          <a:ln>
+            <a:solidFill>
+              <a:schemeClr val="tx1"/>
+            </a:solidFill>
+          </a:ln>
+        </p:spPr>
+        <p:txBody>
+          <a:bodyPr wrap="square" rtlCol="0">
+            <a:spAutoFit/>
+          </a:bodyPr>
+          <a:lstStyle/>
+          <a:p>
+            <a:r>
+              <a:rPr lang="en-US" dirty="0"/>
+              <a:t>QEDm –Clinical Data Source</a:t>
+            </a:r>
+          </a:p>
+        </p:txBody>
+      </p:sp>
+      <p:sp>
+        <p:nvSpPr>
+          <p:cNvPr id="38" name="TextBox 37">
+            <a:extLst>
+              <a:ext uri="{FF2B5EF4-FFF2-40B4-BE49-F238E27FC236}">
+                <a16:creationId xmlns:a16="http://schemas.microsoft.com/office/drawing/2014/main" id="{5289A489-DAF5-459B-8C2C-E78503073D98}"/>
+              </a:ext>
+            </a:extLst>
+          </p:cNvPr>
+          <p:cNvSpPr txBox="1"/>
+          <p:nvPr/>
+        </p:nvSpPr>
+        <p:spPr>
+          <a:xfrm>
+            <a:off x="7482412" y="6216734"/>
+            <a:ext cx="2969964" cy="369332"/>
+          </a:xfrm>
+          <a:prstGeom prst="rect">
+            <a:avLst/>
+          </a:prstGeom>
+          <a:noFill/>
+          <a:ln>
+            <a:solidFill>
+              <a:schemeClr val="tx1"/>
+            </a:solidFill>
+          </a:ln>
+        </p:spPr>
+        <p:txBody>
+          <a:bodyPr wrap="square" rtlCol="0">
+            <a:spAutoFit/>
+          </a:bodyPr>
+          <a:lstStyle/>
+          <a:p>
+            <a:r>
+              <a:rPr lang="en-US" dirty="0"/>
+              <a:t>Consent Manager</a:t>
+            </a:r>
+          </a:p>
+        </p:txBody>
+      </p:sp>
+      <p:sp>
+        <p:nvSpPr>
+          <p:cNvPr id="39" name="TextBox 38">
+            <a:extLst>
+              <a:ext uri="{FF2B5EF4-FFF2-40B4-BE49-F238E27FC236}">
+                <a16:creationId xmlns:a16="http://schemas.microsoft.com/office/drawing/2014/main" id="{E2287BF6-823F-42ED-A97B-3E595CD4CDD0}"/>
+              </a:ext>
+            </a:extLst>
+          </p:cNvPr>
+          <p:cNvSpPr txBox="1"/>
+          <p:nvPr/>
+        </p:nvSpPr>
+        <p:spPr>
+          <a:xfrm rot="5400000">
+            <a:off x="3896426" y="3299103"/>
+            <a:ext cx="6470163" cy="369332"/>
+          </a:xfrm>
+          <a:prstGeom prst="rect">
+            <a:avLst/>
+          </a:prstGeom>
+          <a:noFill/>
+          <a:ln>
+            <a:solidFill>
+              <a:schemeClr val="tx1"/>
+            </a:solidFill>
+          </a:ln>
+        </p:spPr>
+        <p:txBody>
+          <a:bodyPr wrap="square" rtlCol="0">
+            <a:spAutoFit/>
+          </a:bodyPr>
+          <a:lstStyle/>
+          <a:p>
+            <a:r>
+              <a:rPr lang="en-US" dirty="0"/>
+              <a:t>Access Control</a:t>
+            </a:r>
+          </a:p>
+        </p:txBody>
+      </p:sp>
+      <p:sp>
+        <p:nvSpPr>
+          <p:cNvPr id="40" name="TextBox 39">
+            <a:extLst>
+              <a:ext uri="{FF2B5EF4-FFF2-40B4-BE49-F238E27FC236}">
+                <a16:creationId xmlns:a16="http://schemas.microsoft.com/office/drawing/2014/main" id="{C8FF9E79-9D59-4560-A315-DC6C7C276898}"/>
+              </a:ext>
+            </a:extLst>
+          </p:cNvPr>
+          <p:cNvSpPr txBox="1"/>
+          <p:nvPr/>
+        </p:nvSpPr>
+        <p:spPr>
+          <a:xfrm>
+            <a:off x="7482412" y="4541547"/>
+            <a:ext cx="2969964" cy="369332"/>
+          </a:xfrm>
+          <a:prstGeom prst="rect">
+            <a:avLst/>
+          </a:prstGeom>
+          <a:noFill/>
+          <a:ln>
+            <a:solidFill>
+              <a:schemeClr val="tx1"/>
+            </a:solidFill>
+          </a:ln>
+        </p:spPr>
+        <p:txBody>
+          <a:bodyPr wrap="square" rtlCol="0">
+            <a:spAutoFit/>
+          </a:bodyPr>
+          <a:lstStyle/>
+          <a:p>
+            <a:r>
+              <a:rPr lang="en-US" dirty="0" err="1"/>
+              <a:t>mACM</a:t>
+            </a:r>
+            <a:r>
+              <a:rPr lang="en-US" dirty="0"/>
+              <a:t> –Alert Comm </a:t>
+            </a:r>
+            <a:r>
+              <a:rPr lang="en-US" dirty="0" err="1"/>
+              <a:t>Mgr</a:t>
+            </a:r>
+            <a:endParaRPr lang="en-US" dirty="0"/>
+          </a:p>
+        </p:txBody>
+      </p:sp>
+      <p:cxnSp>
+        <p:nvCxnSpPr>
+          <p:cNvPr id="3" name="Straight Arrow Connector 2">
+            <a:extLst>
+              <a:ext uri="{FF2B5EF4-FFF2-40B4-BE49-F238E27FC236}">
+                <a16:creationId xmlns:a16="http://schemas.microsoft.com/office/drawing/2014/main" id="{226B1B99-0D55-402C-A3F4-556F78B76134}"/>
+              </a:ext>
+            </a:extLst>
+          </p:cNvPr>
+          <p:cNvCxnSpPr>
+            <a:endCxn id="29" idx="1"/>
+          </p:cNvCxnSpPr>
+          <p:nvPr/>
+        </p:nvCxnSpPr>
+        <p:spPr>
+          <a:xfrm flipV="1">
+            <a:off x="3052946" y="646508"/>
+            <a:ext cx="4462238" cy="251270"/>
+          </a:xfrm>
+          <a:prstGeom prst="straightConnector1">
+            <a:avLst/>
+          </a:prstGeom>
+          <a:ln w="88900">
+            <a:solidFill>
+              <a:schemeClr val="bg1"/>
+            </a:solidFill>
+            <a:tailEnd type="triangle"/>
+          </a:ln>
+        </p:spPr>
+        <p:style>
+          <a:lnRef idx="3">
+            <a:schemeClr val="accent1"/>
+          </a:lnRef>
+          <a:fillRef idx="0">
+            <a:schemeClr val="accent1"/>
+          </a:fillRef>
+          <a:effectRef idx="2">
+            <a:schemeClr val="accent1"/>
+          </a:effectRef>
+          <a:fontRef idx="minor">
+            <a:schemeClr val="tx1"/>
+          </a:fontRef>
+        </p:style>
+      </p:cxnSp>
+      <p:cxnSp>
+        <p:nvCxnSpPr>
+          <p:cNvPr id="24" name="Straight Arrow Connector 23">
+            <a:extLst>
+              <a:ext uri="{FF2B5EF4-FFF2-40B4-BE49-F238E27FC236}">
+                <a16:creationId xmlns:a16="http://schemas.microsoft.com/office/drawing/2014/main" id="{A82E44FD-4037-41E6-8D49-C0DA71B3FDCB}"/>
+              </a:ext>
+            </a:extLst>
+          </p:cNvPr>
+          <p:cNvCxnSpPr>
+            <a:cxnSpLocks/>
+            <a:endCxn id="28" idx="1"/>
+          </p:cNvCxnSpPr>
+          <p:nvPr/>
+        </p:nvCxnSpPr>
+        <p:spPr>
+          <a:xfrm flipV="1">
+            <a:off x="3052946" y="1082444"/>
+            <a:ext cx="4462238" cy="32254"/>
+          </a:xfrm>
+          <a:prstGeom prst="straightConnector1">
+            <a:avLst/>
+          </a:prstGeom>
+          <a:ln>
+            <a:solidFill>
+              <a:schemeClr val="bg1"/>
+            </a:solidFill>
+            <a:tailEnd type="triangle"/>
+          </a:ln>
+        </p:spPr>
+        <p:style>
+          <a:lnRef idx="3">
+            <a:schemeClr val="accent1"/>
+          </a:lnRef>
+          <a:fillRef idx="0">
+            <a:schemeClr val="accent1"/>
+          </a:fillRef>
+          <a:effectRef idx="2">
+            <a:schemeClr val="accent1"/>
+          </a:effectRef>
+          <a:fontRef idx="minor">
+            <a:schemeClr val="tx1"/>
+          </a:fontRef>
+        </p:style>
+      </p:cxnSp>
+      <p:cxnSp>
+        <p:nvCxnSpPr>
+          <p:cNvPr id="26" name="Straight Arrow Connector 25">
+            <a:extLst>
+              <a:ext uri="{FF2B5EF4-FFF2-40B4-BE49-F238E27FC236}">
+                <a16:creationId xmlns:a16="http://schemas.microsoft.com/office/drawing/2014/main" id="{F1477231-46B5-454F-BC30-10E3E630C2AF}"/>
+              </a:ext>
+            </a:extLst>
+          </p:cNvPr>
+          <p:cNvCxnSpPr>
+            <a:cxnSpLocks/>
+            <a:endCxn id="32" idx="1"/>
+          </p:cNvCxnSpPr>
+          <p:nvPr/>
+        </p:nvCxnSpPr>
+        <p:spPr>
+          <a:xfrm>
+            <a:off x="3052946" y="1464362"/>
+            <a:ext cx="4462238" cy="26116"/>
+          </a:xfrm>
+          <a:prstGeom prst="straightConnector1">
+            <a:avLst/>
+          </a:prstGeom>
+          <a:ln>
+            <a:solidFill>
+              <a:schemeClr val="bg1"/>
+            </a:solidFill>
+            <a:tailEnd type="triangle"/>
+          </a:ln>
+        </p:spPr>
+        <p:style>
+          <a:lnRef idx="3">
+            <a:schemeClr val="accent1"/>
+          </a:lnRef>
+          <a:fillRef idx="0">
+            <a:schemeClr val="accent1"/>
+          </a:fillRef>
+          <a:effectRef idx="2">
+            <a:schemeClr val="accent1"/>
+          </a:effectRef>
+          <a:fontRef idx="minor">
+            <a:schemeClr val="tx1"/>
+          </a:fontRef>
+        </p:style>
+      </p:cxnSp>
+      <p:cxnSp>
+        <p:nvCxnSpPr>
+          <p:cNvPr id="41" name="Straight Arrow Connector 40">
+            <a:extLst>
+              <a:ext uri="{FF2B5EF4-FFF2-40B4-BE49-F238E27FC236}">
+                <a16:creationId xmlns:a16="http://schemas.microsoft.com/office/drawing/2014/main" id="{61863785-FBE7-4A8E-8DA5-2D5E2DC694B3}"/>
+              </a:ext>
+            </a:extLst>
+          </p:cNvPr>
+          <p:cNvCxnSpPr>
+            <a:cxnSpLocks/>
+            <a:endCxn id="30" idx="1"/>
+          </p:cNvCxnSpPr>
+          <p:nvPr/>
+        </p:nvCxnSpPr>
+        <p:spPr>
+          <a:xfrm>
+            <a:off x="3043234" y="1679971"/>
+            <a:ext cx="4471950" cy="238365"/>
+          </a:xfrm>
+          <a:prstGeom prst="straightConnector1">
+            <a:avLst/>
+          </a:prstGeom>
+          <a:ln w="88900">
+            <a:solidFill>
+              <a:schemeClr val="bg1"/>
+            </a:solidFill>
+            <a:tailEnd type="triangle"/>
+          </a:ln>
+        </p:spPr>
+        <p:style>
+          <a:lnRef idx="3">
+            <a:schemeClr val="accent1"/>
+          </a:lnRef>
+          <a:fillRef idx="0">
+            <a:schemeClr val="accent1"/>
+          </a:fillRef>
+          <a:effectRef idx="2">
+            <a:schemeClr val="accent1"/>
+          </a:effectRef>
+          <a:fontRef idx="minor">
+            <a:schemeClr val="tx1"/>
+          </a:fontRef>
+        </p:style>
+      </p:cxnSp>
+      <p:cxnSp>
+        <p:nvCxnSpPr>
+          <p:cNvPr id="42" name="Straight Arrow Connector 41">
+            <a:extLst>
+              <a:ext uri="{FF2B5EF4-FFF2-40B4-BE49-F238E27FC236}">
+                <a16:creationId xmlns:a16="http://schemas.microsoft.com/office/drawing/2014/main" id="{530041D0-9A73-4F8C-BEEB-45F23686DFB0}"/>
+              </a:ext>
+            </a:extLst>
+          </p:cNvPr>
+          <p:cNvCxnSpPr>
+            <a:cxnSpLocks/>
+          </p:cNvCxnSpPr>
+          <p:nvPr/>
+        </p:nvCxnSpPr>
+        <p:spPr>
+          <a:xfrm>
+            <a:off x="3052946" y="2283263"/>
+            <a:ext cx="4462238" cy="71810"/>
+          </a:xfrm>
+          <a:prstGeom prst="straightConnector1">
+            <a:avLst/>
+          </a:prstGeom>
+          <a:ln>
+            <a:solidFill>
+              <a:schemeClr val="bg1"/>
+            </a:solidFill>
+            <a:tailEnd type="triangle"/>
+          </a:ln>
+        </p:spPr>
+        <p:style>
+          <a:lnRef idx="3">
+            <a:schemeClr val="accent1"/>
+          </a:lnRef>
+          <a:fillRef idx="0">
+            <a:schemeClr val="accent1"/>
+          </a:fillRef>
+          <a:effectRef idx="2">
+            <a:schemeClr val="accent1"/>
+          </a:effectRef>
+          <a:fontRef idx="minor">
+            <a:schemeClr val="tx1"/>
+          </a:fontRef>
+        </p:style>
+      </p:cxnSp>
+      <p:cxnSp>
+        <p:nvCxnSpPr>
+          <p:cNvPr id="43" name="Straight Arrow Connector 42">
+            <a:extLst>
+              <a:ext uri="{FF2B5EF4-FFF2-40B4-BE49-F238E27FC236}">
+                <a16:creationId xmlns:a16="http://schemas.microsoft.com/office/drawing/2014/main" id="{19BF4A5D-B01C-44D8-81EF-7C465930A59A}"/>
+              </a:ext>
+            </a:extLst>
+          </p:cNvPr>
+          <p:cNvCxnSpPr>
+            <a:cxnSpLocks/>
+            <a:endCxn id="33" idx="1"/>
+          </p:cNvCxnSpPr>
+          <p:nvPr/>
+        </p:nvCxnSpPr>
+        <p:spPr>
+          <a:xfrm>
+            <a:off x="3052946" y="2642530"/>
+            <a:ext cx="4452198" cy="114493"/>
+          </a:xfrm>
+          <a:prstGeom prst="straightConnector1">
+            <a:avLst/>
+          </a:prstGeom>
+          <a:ln>
+            <a:solidFill>
+              <a:schemeClr val="bg1"/>
+            </a:solidFill>
+            <a:tailEnd type="triangle"/>
+          </a:ln>
+        </p:spPr>
+        <p:style>
+          <a:lnRef idx="3">
+            <a:schemeClr val="accent1"/>
+          </a:lnRef>
+          <a:fillRef idx="0">
+            <a:schemeClr val="accent1"/>
+          </a:fillRef>
+          <a:effectRef idx="2">
+            <a:schemeClr val="accent1"/>
+          </a:effectRef>
+          <a:fontRef idx="minor">
+            <a:schemeClr val="tx1"/>
+          </a:fontRef>
+        </p:style>
+      </p:cxnSp>
+      <p:cxnSp>
+        <p:nvCxnSpPr>
+          <p:cNvPr id="44" name="Straight Arrow Connector 43">
+            <a:extLst>
+              <a:ext uri="{FF2B5EF4-FFF2-40B4-BE49-F238E27FC236}">
+                <a16:creationId xmlns:a16="http://schemas.microsoft.com/office/drawing/2014/main" id="{5A7B8C74-DFF6-40D7-AC3E-67D657F966EB}"/>
+              </a:ext>
+            </a:extLst>
+          </p:cNvPr>
+          <p:cNvCxnSpPr>
+            <a:cxnSpLocks/>
+            <a:endCxn id="34" idx="1"/>
+          </p:cNvCxnSpPr>
+          <p:nvPr/>
+        </p:nvCxnSpPr>
+        <p:spPr>
+          <a:xfrm>
+            <a:off x="3076007" y="3003650"/>
+            <a:ext cx="4439177" cy="184666"/>
+          </a:xfrm>
+          <a:prstGeom prst="straightConnector1">
+            <a:avLst/>
+          </a:prstGeom>
+          <a:ln>
+            <a:solidFill>
+              <a:schemeClr val="bg1"/>
+            </a:solidFill>
+            <a:prstDash val="dash"/>
+            <a:tailEnd type="triangle"/>
+          </a:ln>
+        </p:spPr>
+        <p:style>
+          <a:lnRef idx="3">
+            <a:schemeClr val="accent1"/>
+          </a:lnRef>
+          <a:fillRef idx="0">
+            <a:schemeClr val="accent1"/>
+          </a:fillRef>
+          <a:effectRef idx="2">
+            <a:schemeClr val="accent1"/>
+          </a:effectRef>
+          <a:fontRef idx="minor">
+            <a:schemeClr val="tx1"/>
+          </a:fontRef>
+        </p:style>
+      </p:cxnSp>
+      <p:sp>
+        <p:nvSpPr>
+          <p:cNvPr id="20" name="TextBox 19">
+            <a:extLst>
+              <a:ext uri="{FF2B5EF4-FFF2-40B4-BE49-F238E27FC236}">
+                <a16:creationId xmlns:a16="http://schemas.microsoft.com/office/drawing/2014/main" id="{B175D033-0B2A-40BA-AFAD-11E53B862FDF}"/>
+              </a:ext>
+            </a:extLst>
+          </p:cNvPr>
+          <p:cNvSpPr txBox="1"/>
+          <p:nvPr/>
+        </p:nvSpPr>
+        <p:spPr>
+          <a:xfrm>
+            <a:off x="4283313" y="2872044"/>
+            <a:ext cx="1918539" cy="923330"/>
+          </a:xfrm>
+          <a:prstGeom prst="rect">
+            <a:avLst/>
+          </a:prstGeom>
+          <a:noFill/>
+        </p:spPr>
+        <p:txBody>
+          <a:bodyPr wrap="none" rtlCol="0">
+            <a:spAutoFit/>
+          </a:bodyPr>
+          <a:lstStyle/>
+          <a:p>
+            <a:r>
+              <a:rPr lang="en-US" dirty="0"/>
+              <a:t>Find Endpoints</a:t>
+            </a:r>
+          </a:p>
+          <a:p>
+            <a:r>
+              <a:rPr lang="en-US" dirty="0"/>
+              <a:t>Find Organizations</a:t>
+            </a:r>
+          </a:p>
+          <a:p>
+            <a:r>
+              <a:rPr lang="en-US" dirty="0"/>
+              <a:t>Find Practitioners</a:t>
+            </a:r>
+          </a:p>
+        </p:txBody>
+      </p:sp>
+      <p:sp>
+        <p:nvSpPr>
+          <p:cNvPr id="22" name="TextBox 21">
+            <a:extLst>
+              <a:ext uri="{FF2B5EF4-FFF2-40B4-BE49-F238E27FC236}">
+                <a16:creationId xmlns:a16="http://schemas.microsoft.com/office/drawing/2014/main" id="{68886F65-45F9-4BF4-90A4-8B67D7421D01}"/>
+              </a:ext>
+            </a:extLst>
+          </p:cNvPr>
+          <p:cNvSpPr txBox="1"/>
+          <p:nvPr/>
+        </p:nvSpPr>
+        <p:spPr>
+          <a:xfrm>
+            <a:off x="3457830" y="2507620"/>
+            <a:ext cx="1970796" cy="369332"/>
+          </a:xfrm>
+          <a:prstGeom prst="rect">
+            <a:avLst/>
+          </a:prstGeom>
+          <a:noFill/>
+        </p:spPr>
+        <p:txBody>
+          <a:bodyPr wrap="none" rtlCol="0">
+            <a:spAutoFit/>
+          </a:bodyPr>
+          <a:lstStyle/>
+          <a:p>
+            <a:r>
+              <a:rPr lang="en-US" dirty="0"/>
+              <a:t>Record Audit Event</a:t>
+            </a:r>
+          </a:p>
+        </p:txBody>
+      </p:sp>
+      <p:sp>
+        <p:nvSpPr>
+          <p:cNvPr id="45" name="TextBox 44">
+            <a:extLst>
+              <a:ext uri="{FF2B5EF4-FFF2-40B4-BE49-F238E27FC236}">
+                <a16:creationId xmlns:a16="http://schemas.microsoft.com/office/drawing/2014/main" id="{D36F3662-31E3-4DC0-AAD0-43E8CDD03D1F}"/>
+              </a:ext>
+            </a:extLst>
+          </p:cNvPr>
+          <p:cNvSpPr txBox="1"/>
+          <p:nvPr/>
+        </p:nvSpPr>
+        <p:spPr>
+          <a:xfrm>
+            <a:off x="4099622" y="2156873"/>
+            <a:ext cx="2427396" cy="369332"/>
+          </a:xfrm>
+          <a:prstGeom prst="rect">
+            <a:avLst/>
+          </a:prstGeom>
+          <a:noFill/>
+        </p:spPr>
+        <p:txBody>
+          <a:bodyPr wrap="none" rtlCol="0">
+            <a:spAutoFit/>
+          </a:bodyPr>
+          <a:lstStyle/>
+          <a:p>
+            <a:r>
+              <a:rPr lang="en-US" dirty="0"/>
+              <a:t>Lookup </a:t>
+            </a:r>
+            <a:r>
+              <a:rPr lang="en-US" dirty="0" err="1"/>
+              <a:t>Valueset</a:t>
+            </a:r>
+            <a:r>
+              <a:rPr lang="en-US" dirty="0"/>
+              <a:t> entries</a:t>
+            </a:r>
+          </a:p>
+        </p:txBody>
+      </p:sp>
+      <p:sp>
+        <p:nvSpPr>
+          <p:cNvPr id="47" name="TextBox 46">
+            <a:extLst>
+              <a:ext uri="{FF2B5EF4-FFF2-40B4-BE49-F238E27FC236}">
+                <a16:creationId xmlns:a16="http://schemas.microsoft.com/office/drawing/2014/main" id="{16DD801F-2081-477B-AC3F-4C42367FDCBE}"/>
+              </a:ext>
+            </a:extLst>
+          </p:cNvPr>
+          <p:cNvSpPr txBox="1"/>
+          <p:nvPr/>
+        </p:nvSpPr>
+        <p:spPr>
+          <a:xfrm>
+            <a:off x="3381573" y="1483828"/>
+            <a:ext cx="2800447" cy="646331"/>
+          </a:xfrm>
+          <a:prstGeom prst="rect">
+            <a:avLst/>
+          </a:prstGeom>
+          <a:noFill/>
+        </p:spPr>
+        <p:txBody>
+          <a:bodyPr wrap="none" rtlCol="0">
+            <a:spAutoFit/>
+          </a:bodyPr>
+          <a:lstStyle/>
+          <a:p>
+            <a:r>
+              <a:rPr lang="en-US" dirty="0"/>
+              <a:t>Feed Patient Updates</a:t>
+            </a:r>
+          </a:p>
+          <a:p>
+            <a:r>
+              <a:rPr lang="en-US" dirty="0"/>
+              <a:t>Find Patient Master Identity</a:t>
+            </a:r>
+          </a:p>
+        </p:txBody>
+      </p:sp>
+      <p:sp>
+        <p:nvSpPr>
+          <p:cNvPr id="49" name="TextBox 48">
+            <a:extLst>
+              <a:ext uri="{FF2B5EF4-FFF2-40B4-BE49-F238E27FC236}">
+                <a16:creationId xmlns:a16="http://schemas.microsoft.com/office/drawing/2014/main" id="{68543A5D-523E-44DD-B04F-2E9CDC7F7AC7}"/>
+              </a:ext>
+            </a:extLst>
+          </p:cNvPr>
+          <p:cNvSpPr txBox="1"/>
+          <p:nvPr/>
+        </p:nvSpPr>
+        <p:spPr>
+          <a:xfrm>
+            <a:off x="5078744" y="1279371"/>
+            <a:ext cx="1129220" cy="369332"/>
+          </a:xfrm>
+          <a:prstGeom prst="rect">
+            <a:avLst/>
+          </a:prstGeom>
+          <a:noFill/>
+        </p:spPr>
+        <p:txBody>
+          <a:bodyPr wrap="none" rtlCol="0">
+            <a:spAutoFit/>
+          </a:bodyPr>
+          <a:lstStyle/>
+          <a:p>
+            <a:r>
+              <a:rPr lang="en-US" dirty="0"/>
+              <a:t>Sync Time</a:t>
+            </a:r>
+          </a:p>
+        </p:txBody>
+      </p:sp>
+      <p:sp>
+        <p:nvSpPr>
+          <p:cNvPr id="50" name="TextBox 49">
+            <a:extLst>
+              <a:ext uri="{FF2B5EF4-FFF2-40B4-BE49-F238E27FC236}">
+                <a16:creationId xmlns:a16="http://schemas.microsoft.com/office/drawing/2014/main" id="{584598C2-3F17-4B59-B27C-0CF5CDB9D7F0}"/>
+              </a:ext>
+            </a:extLst>
+          </p:cNvPr>
+          <p:cNvSpPr txBox="1"/>
+          <p:nvPr/>
+        </p:nvSpPr>
+        <p:spPr>
+          <a:xfrm>
+            <a:off x="3675017" y="952046"/>
+            <a:ext cx="3038396" cy="369332"/>
+          </a:xfrm>
+          <a:prstGeom prst="rect">
+            <a:avLst/>
+          </a:prstGeom>
+          <a:noFill/>
+        </p:spPr>
+        <p:txBody>
+          <a:bodyPr wrap="none" rtlCol="0">
+            <a:spAutoFit/>
+          </a:bodyPr>
+          <a:lstStyle/>
+          <a:p>
+            <a:r>
+              <a:rPr lang="en-US" dirty="0"/>
+              <a:t>Register Cert, Cert Revocation </a:t>
+            </a:r>
+          </a:p>
+        </p:txBody>
+      </p:sp>
+      <p:sp>
+        <p:nvSpPr>
+          <p:cNvPr id="51" name="TextBox 50">
+            <a:extLst>
+              <a:ext uri="{FF2B5EF4-FFF2-40B4-BE49-F238E27FC236}">
+                <a16:creationId xmlns:a16="http://schemas.microsoft.com/office/drawing/2014/main" id="{46826ACA-58E8-4A50-9821-28F26FD196A5}"/>
+              </a:ext>
+            </a:extLst>
+          </p:cNvPr>
+          <p:cNvSpPr txBox="1"/>
+          <p:nvPr/>
+        </p:nvSpPr>
+        <p:spPr>
+          <a:xfrm>
+            <a:off x="4066753" y="602746"/>
+            <a:ext cx="1897764" cy="369332"/>
+          </a:xfrm>
+          <a:prstGeom prst="rect">
+            <a:avLst/>
+          </a:prstGeom>
+          <a:noFill/>
+        </p:spPr>
+        <p:txBody>
+          <a:bodyPr wrap="none" rtlCol="0">
+            <a:spAutoFit/>
+          </a:bodyPr>
+          <a:lstStyle/>
+          <a:p>
+            <a:r>
+              <a:rPr lang="en-US" dirty="0"/>
+              <a:t>Publish Document</a:t>
+            </a:r>
+          </a:p>
+        </p:txBody>
+      </p:sp>
+      <p:cxnSp>
+        <p:nvCxnSpPr>
+          <p:cNvPr id="54" name="Straight Arrow Connector 53">
+            <a:extLst>
+              <a:ext uri="{FF2B5EF4-FFF2-40B4-BE49-F238E27FC236}">
+                <a16:creationId xmlns:a16="http://schemas.microsoft.com/office/drawing/2014/main" id="{2B679FC9-8584-4E10-B4EC-64E2BB8A5E04}"/>
+              </a:ext>
+            </a:extLst>
+          </p:cNvPr>
+          <p:cNvCxnSpPr>
+            <a:cxnSpLocks/>
+          </p:cNvCxnSpPr>
+          <p:nvPr/>
+        </p:nvCxnSpPr>
+        <p:spPr>
+          <a:xfrm>
+            <a:off x="3043235" y="3923098"/>
+            <a:ext cx="4439177" cy="1259113"/>
+          </a:xfrm>
+          <a:prstGeom prst="straightConnector1">
+            <a:avLst/>
+          </a:prstGeom>
+          <a:ln>
+            <a:solidFill>
+              <a:schemeClr val="bg1"/>
+            </a:solidFill>
+            <a:prstDash val="dash"/>
+            <a:tailEnd type="triangle"/>
+          </a:ln>
+        </p:spPr>
+        <p:style>
+          <a:lnRef idx="3">
+            <a:schemeClr val="accent1"/>
+          </a:lnRef>
+          <a:fillRef idx="0">
+            <a:schemeClr val="accent1"/>
+          </a:fillRef>
+          <a:effectRef idx="2">
+            <a:schemeClr val="accent1"/>
+          </a:effectRef>
+          <a:fontRef idx="minor">
+            <a:schemeClr val="tx1"/>
+          </a:fontRef>
+        </p:style>
+      </p:cxnSp>
+      <p:sp>
+        <p:nvSpPr>
+          <p:cNvPr id="56" name="TextBox 55">
+            <a:extLst>
+              <a:ext uri="{FF2B5EF4-FFF2-40B4-BE49-F238E27FC236}">
+                <a16:creationId xmlns:a16="http://schemas.microsoft.com/office/drawing/2014/main" id="{3A35DEAE-7086-49A4-9CDC-B5F8A3216C77}"/>
+              </a:ext>
+            </a:extLst>
+          </p:cNvPr>
+          <p:cNvSpPr txBox="1"/>
+          <p:nvPr/>
+        </p:nvSpPr>
+        <p:spPr>
+          <a:xfrm>
+            <a:off x="4311729" y="4147688"/>
+            <a:ext cx="1931747" cy="646331"/>
+          </a:xfrm>
+          <a:prstGeom prst="rect">
+            <a:avLst/>
+          </a:prstGeom>
+          <a:noFill/>
+        </p:spPr>
+        <p:txBody>
+          <a:bodyPr wrap="none" rtlCol="0">
+            <a:spAutoFit/>
+          </a:bodyPr>
+          <a:lstStyle/>
+          <a:p>
+            <a:r>
+              <a:rPr lang="en-US" dirty="0"/>
+              <a:t>Configuration Files</a:t>
+            </a:r>
+          </a:p>
+          <a:p>
+            <a:r>
+              <a:rPr lang="en-US" dirty="0"/>
+              <a:t>Privacy Policy</a:t>
+            </a:r>
+          </a:p>
+        </p:txBody>
+      </p:sp>
+      <p:cxnSp>
+        <p:nvCxnSpPr>
+          <p:cNvPr id="57" name="Straight Arrow Connector 56">
+            <a:extLst>
+              <a:ext uri="{FF2B5EF4-FFF2-40B4-BE49-F238E27FC236}">
+                <a16:creationId xmlns:a16="http://schemas.microsoft.com/office/drawing/2014/main" id="{98C59BCE-5CF4-4147-8B96-996A39244C0A}"/>
+              </a:ext>
+            </a:extLst>
+          </p:cNvPr>
+          <p:cNvCxnSpPr>
+            <a:cxnSpLocks/>
+            <a:endCxn id="38" idx="1"/>
+          </p:cNvCxnSpPr>
+          <p:nvPr/>
+        </p:nvCxnSpPr>
+        <p:spPr>
+          <a:xfrm>
+            <a:off x="3043234" y="4674023"/>
+            <a:ext cx="4439178" cy="1727377"/>
+          </a:xfrm>
+          <a:prstGeom prst="straightConnector1">
+            <a:avLst/>
+          </a:prstGeom>
+          <a:ln>
+            <a:solidFill>
+              <a:schemeClr val="bg1"/>
+            </a:solidFill>
+            <a:prstDash val="dash"/>
+            <a:tailEnd type="triangle"/>
+          </a:ln>
+        </p:spPr>
+        <p:style>
+          <a:lnRef idx="3">
+            <a:schemeClr val="accent1"/>
+          </a:lnRef>
+          <a:fillRef idx="0">
+            <a:schemeClr val="accent1"/>
+          </a:fillRef>
+          <a:effectRef idx="2">
+            <a:schemeClr val="accent1"/>
+          </a:effectRef>
+          <a:fontRef idx="minor">
+            <a:schemeClr val="tx1"/>
+          </a:fontRef>
+        </p:style>
+      </p:cxnSp>
+      <p:sp>
+        <p:nvSpPr>
+          <p:cNvPr id="59" name="TextBox 58">
+            <a:extLst>
+              <a:ext uri="{FF2B5EF4-FFF2-40B4-BE49-F238E27FC236}">
+                <a16:creationId xmlns:a16="http://schemas.microsoft.com/office/drawing/2014/main" id="{73872795-CFCB-45EA-AA74-7B8F9F0A86F8}"/>
+              </a:ext>
+            </a:extLst>
+          </p:cNvPr>
+          <p:cNvSpPr txBox="1"/>
+          <p:nvPr/>
+        </p:nvSpPr>
+        <p:spPr>
+          <a:xfrm>
+            <a:off x="4363973" y="5160239"/>
+            <a:ext cx="1741439" cy="646331"/>
+          </a:xfrm>
+          <a:prstGeom prst="rect">
+            <a:avLst/>
+          </a:prstGeom>
+          <a:noFill/>
+        </p:spPr>
+        <p:txBody>
+          <a:bodyPr wrap="none" rtlCol="0">
+            <a:spAutoFit/>
+          </a:bodyPr>
+          <a:lstStyle/>
+          <a:p>
+            <a:r>
+              <a:rPr lang="en-US" dirty="0"/>
+              <a:t>Record Consent</a:t>
+            </a:r>
+          </a:p>
+          <a:p>
+            <a:r>
+              <a:rPr lang="en-US" dirty="0"/>
+              <a:t>Replace Consent</a:t>
+            </a:r>
+          </a:p>
+        </p:txBody>
+      </p:sp>
+      <p:cxnSp>
+        <p:nvCxnSpPr>
+          <p:cNvPr id="60" name="Straight Arrow Connector 59">
+            <a:extLst>
+              <a:ext uri="{FF2B5EF4-FFF2-40B4-BE49-F238E27FC236}">
+                <a16:creationId xmlns:a16="http://schemas.microsoft.com/office/drawing/2014/main" id="{08407319-5AA2-4B84-9F89-E858A9B271B7}"/>
+              </a:ext>
+            </a:extLst>
+          </p:cNvPr>
+          <p:cNvCxnSpPr>
+            <a:cxnSpLocks/>
+          </p:cNvCxnSpPr>
+          <p:nvPr/>
+        </p:nvCxnSpPr>
+        <p:spPr>
+          <a:xfrm flipV="1">
+            <a:off x="3052946" y="418081"/>
+            <a:ext cx="3893895" cy="260599"/>
+          </a:xfrm>
+          <a:prstGeom prst="straightConnector1">
+            <a:avLst/>
+          </a:prstGeom>
+          <a:ln>
+            <a:solidFill>
+              <a:schemeClr val="bg1"/>
+            </a:solidFill>
+            <a:tailEnd type="triangle"/>
+          </a:ln>
+        </p:spPr>
+        <p:style>
+          <a:lnRef idx="3">
+            <a:schemeClr val="accent1"/>
+          </a:lnRef>
+          <a:fillRef idx="0">
+            <a:schemeClr val="accent1"/>
+          </a:fillRef>
+          <a:effectRef idx="2">
+            <a:schemeClr val="accent1"/>
+          </a:effectRef>
+          <a:fontRef idx="minor">
+            <a:schemeClr val="tx1"/>
+          </a:fontRef>
+        </p:style>
+      </p:cxnSp>
+      <p:sp>
+        <p:nvSpPr>
+          <p:cNvPr id="66" name="TextBox 65">
+            <a:extLst>
+              <a:ext uri="{FF2B5EF4-FFF2-40B4-BE49-F238E27FC236}">
+                <a16:creationId xmlns:a16="http://schemas.microsoft.com/office/drawing/2014/main" id="{B02AC129-2CEA-414D-AB81-E6E053073F2A}"/>
+              </a:ext>
+            </a:extLst>
+          </p:cNvPr>
+          <p:cNvSpPr txBox="1"/>
+          <p:nvPr/>
+        </p:nvSpPr>
+        <p:spPr>
+          <a:xfrm>
+            <a:off x="4167900" y="318858"/>
+            <a:ext cx="2511393" cy="369332"/>
+          </a:xfrm>
+          <a:prstGeom prst="rect">
+            <a:avLst/>
+          </a:prstGeom>
+          <a:noFill/>
+        </p:spPr>
+        <p:txBody>
+          <a:bodyPr wrap="none" rtlCol="0">
+            <a:spAutoFit/>
+          </a:bodyPr>
+          <a:lstStyle/>
+          <a:p>
+            <a:r>
+              <a:rPr lang="en-US" dirty="0"/>
+              <a:t>Get Security Auth Token</a:t>
+            </a:r>
+          </a:p>
+        </p:txBody>
+      </p:sp>
+    </p:spTree>
+    <p:extLst>
+      <p:ext uri="{BB962C8B-B14F-4D97-AF65-F5344CB8AC3E}">
+        <p14:creationId xmlns:p14="http://schemas.microsoft.com/office/powerpoint/2010/main" val="1497459077"/>
+      </p:ext>
+    </p:extLst>
+  </p:cSld>
+  <p:clrMapOvr>
+    <a:masterClrMapping/>
+  </p:clrMapOvr>
+</p:sld>
+</file>
+
+<file path=ppt/slides/slide5.xml><?xml version="1.0" encoding="utf-8"?>
+<p:sld xmlns:a="http://schemas.openxmlformats.org/drawingml/2006/main" xmlns:r="http://schemas.openxmlformats.org/officeDocument/2006/relationships" xmlns:p="http://schemas.openxmlformats.org/presentationml/2006/main">
+  <p:cSld>
+    <p:spTree>
+      <p:nvGrpSpPr>
+        <p:cNvPr id="1" name=""/>
+        <p:cNvGrpSpPr/>
+        <p:nvPr/>
+      </p:nvGrpSpPr>
+      <p:grpSpPr>
+        <a:xfrm>
+          <a:off x="0" y="0"/>
+          <a:ext cx="0" cy="0"/>
+          <a:chOff x="0" y="0"/>
+          <a:chExt cx="0" cy="0"/>
+        </a:xfrm>
+      </p:grpSpPr>
+      <p:sp>
+        <p:nvSpPr>
+          <p:cNvPr id="23" name="Rectangle 22">
+            <a:extLst>
+              <a:ext uri="{FF2B5EF4-FFF2-40B4-BE49-F238E27FC236}">
+                <a16:creationId xmlns:a16="http://schemas.microsoft.com/office/drawing/2014/main" id="{27C3C4B3-9E93-4C47-A8BE-320738C6219A}"/>
+              </a:ext>
+            </a:extLst>
+          </p:cNvPr>
+          <p:cNvSpPr/>
+          <p:nvPr/>
+        </p:nvSpPr>
+        <p:spPr>
+          <a:xfrm>
+            <a:off x="289561" y="145637"/>
+            <a:ext cx="5930721" cy="6538123"/>
+          </a:xfrm>
+          <a:prstGeom prst="rect">
+            <a:avLst/>
+          </a:prstGeom>
+          <a:solidFill>
+            <a:schemeClr val="accent2">
+              <a:lumMod val="40000"/>
+              <a:lumOff val="60000"/>
+            </a:schemeClr>
+          </a:solidFill>
+        </p:spPr>
+        <p:style>
+          <a:lnRef idx="2">
+            <a:schemeClr val="accent1">
+              <a:shade val="50000"/>
+            </a:schemeClr>
+          </a:lnRef>
+          <a:fillRef idx="1">
+            <a:schemeClr val="accent1"/>
+          </a:fillRef>
+          <a:effectRef idx="0">
+            <a:schemeClr val="accent1"/>
+          </a:effectRef>
+          <a:fontRef idx="minor">
+            <a:schemeClr val="lt1"/>
+          </a:fontRef>
+        </p:style>
+        <p:txBody>
+          <a:bodyPr rtlCol="0" anchor="t"/>
+          <a:lstStyle/>
+          <a:p>
+            <a:pPr algn="ctr"/>
+            <a:r>
+              <a:rPr lang="en-US" b="1" dirty="0"/>
+              <a:t>HIE partner types</a:t>
+            </a:r>
+          </a:p>
+        </p:txBody>
+      </p:sp>
+      <p:sp>
+        <p:nvSpPr>
+          <p:cNvPr id="4" name="Rectangle 3">
+            <a:extLst>
+              <a:ext uri="{FF2B5EF4-FFF2-40B4-BE49-F238E27FC236}">
+                <a16:creationId xmlns:a16="http://schemas.microsoft.com/office/drawing/2014/main" id="{59EDAE21-3F15-43EE-8106-631330D0CA78}"/>
+              </a:ext>
+            </a:extLst>
+          </p:cNvPr>
+          <p:cNvSpPr/>
+          <p:nvPr/>
+        </p:nvSpPr>
+        <p:spPr>
+          <a:xfrm>
+            <a:off x="6092824" y="145294"/>
+            <a:ext cx="5930720" cy="6558688"/>
+          </a:xfrm>
+          <a:prstGeom prst="rect">
+            <a:avLst/>
+          </a:prstGeom>
+        </p:spPr>
+        <p:style>
+          <a:lnRef idx="2">
+            <a:schemeClr val="accent1">
+              <a:shade val="50000"/>
+            </a:schemeClr>
+          </a:lnRef>
+          <a:fillRef idx="1">
+            <a:schemeClr val="accent1"/>
+          </a:fillRef>
+          <a:effectRef idx="0">
+            <a:schemeClr val="accent1"/>
+          </a:effectRef>
+          <a:fontRef idx="minor">
+            <a:schemeClr val="lt1"/>
+          </a:fontRef>
+        </p:style>
+        <p:txBody>
+          <a:bodyPr rtlCol="0" anchor="t"/>
+          <a:lstStyle/>
+          <a:p>
+            <a:pPr algn="ctr"/>
+            <a:r>
+              <a:rPr lang="en-US" b="1" dirty="0"/>
+              <a:t>Central Infrastructure</a:t>
+            </a:r>
+          </a:p>
+        </p:txBody>
+      </p:sp>
+      <p:sp>
+        <p:nvSpPr>
+          <p:cNvPr id="27" name="TextBox 26">
+            <a:extLst>
+              <a:ext uri="{FF2B5EF4-FFF2-40B4-BE49-F238E27FC236}">
+                <a16:creationId xmlns:a16="http://schemas.microsoft.com/office/drawing/2014/main" id="{8E31FFFE-708C-4EE5-B05E-EC7BF5ED44D7}"/>
+              </a:ext>
+            </a:extLst>
+          </p:cNvPr>
+          <p:cNvSpPr txBox="1"/>
+          <p:nvPr/>
+        </p:nvSpPr>
+        <p:spPr>
+          <a:xfrm>
+            <a:off x="528687" y="626219"/>
+            <a:ext cx="2524259" cy="4247317"/>
+          </a:xfrm>
+          <a:prstGeom prst="rect">
+            <a:avLst/>
+          </a:prstGeom>
+          <a:noFill/>
+          <a:ln>
+            <a:solidFill>
+              <a:schemeClr val="tx1"/>
+            </a:solidFill>
+          </a:ln>
+        </p:spPr>
+        <p:txBody>
+          <a:bodyPr wrap="square" rtlCol="0">
+            <a:spAutoFit/>
+          </a:bodyPr>
+          <a:lstStyle/>
+          <a:p>
+            <a:r>
+              <a:rPr lang="en-US" dirty="0"/>
+              <a:t>Document Consumer</a:t>
+            </a:r>
+          </a:p>
+          <a:p>
+            <a:endParaRPr lang="en-US" dirty="0"/>
+          </a:p>
+          <a:p>
+            <a:endParaRPr lang="en-US" dirty="0"/>
+          </a:p>
+          <a:p>
+            <a:endParaRPr lang="en-US" dirty="0"/>
+          </a:p>
+          <a:p>
+            <a:endParaRPr lang="en-US" dirty="0"/>
+          </a:p>
+          <a:p>
+            <a:endParaRPr lang="en-US" dirty="0"/>
+          </a:p>
+          <a:p>
+            <a:endParaRPr lang="en-US" dirty="0"/>
+          </a:p>
+          <a:p>
+            <a:endParaRPr lang="en-US" dirty="0"/>
+          </a:p>
+          <a:p>
+            <a:endParaRPr lang="en-US" dirty="0"/>
+          </a:p>
+          <a:p>
+            <a:endParaRPr lang="en-US" dirty="0"/>
+          </a:p>
+          <a:p>
+            <a:endParaRPr lang="en-US" dirty="0"/>
+          </a:p>
+          <a:p>
+            <a:endParaRPr lang="en-US" dirty="0"/>
+          </a:p>
+          <a:p>
+            <a:endParaRPr lang="en-US" dirty="0"/>
+          </a:p>
+          <a:p>
+            <a:endParaRPr lang="en-US" dirty="0"/>
+          </a:p>
+          <a:p>
+            <a:endParaRPr lang="en-US" dirty="0"/>
+          </a:p>
+        </p:txBody>
+      </p:sp>
+      <p:sp>
+        <p:nvSpPr>
+          <p:cNvPr id="28" name="TextBox 27">
+            <a:extLst>
+              <a:ext uri="{FF2B5EF4-FFF2-40B4-BE49-F238E27FC236}">
+                <a16:creationId xmlns:a16="http://schemas.microsoft.com/office/drawing/2014/main" id="{CA99CEDE-A1CD-4CD4-A3DF-C9240527A2B1}"/>
+              </a:ext>
+            </a:extLst>
+          </p:cNvPr>
+          <p:cNvSpPr txBox="1"/>
+          <p:nvPr/>
+        </p:nvSpPr>
+        <p:spPr>
+          <a:xfrm>
+            <a:off x="7515184" y="897778"/>
+            <a:ext cx="2969964" cy="369332"/>
+          </a:xfrm>
+          <a:prstGeom prst="rect">
+            <a:avLst/>
+          </a:prstGeom>
+          <a:noFill/>
+          <a:ln>
+            <a:solidFill>
+              <a:schemeClr val="tx1"/>
+            </a:solidFill>
+          </a:ln>
+        </p:spPr>
+        <p:txBody>
+          <a:bodyPr wrap="square" rtlCol="0">
+            <a:spAutoFit/>
+          </a:bodyPr>
+          <a:lstStyle/>
+          <a:p>
+            <a:r>
+              <a:rPr lang="en-US" dirty="0"/>
+              <a:t>Certificate Authority</a:t>
+            </a:r>
+          </a:p>
+        </p:txBody>
+      </p:sp>
+      <p:sp>
+        <p:nvSpPr>
+          <p:cNvPr id="29" name="TextBox 28">
+            <a:extLst>
+              <a:ext uri="{FF2B5EF4-FFF2-40B4-BE49-F238E27FC236}">
+                <a16:creationId xmlns:a16="http://schemas.microsoft.com/office/drawing/2014/main" id="{667D0742-048C-45A9-89A6-7BA53CA6111F}"/>
+              </a:ext>
+            </a:extLst>
+          </p:cNvPr>
+          <p:cNvSpPr txBox="1"/>
+          <p:nvPr/>
+        </p:nvSpPr>
+        <p:spPr>
+          <a:xfrm>
+            <a:off x="7515184" y="461842"/>
+            <a:ext cx="2969964" cy="369332"/>
+          </a:xfrm>
+          <a:prstGeom prst="rect">
+            <a:avLst/>
+          </a:prstGeom>
+          <a:noFill/>
+          <a:ln>
+            <a:solidFill>
+              <a:schemeClr val="tx1"/>
+            </a:solidFill>
+          </a:ln>
+        </p:spPr>
+        <p:txBody>
+          <a:bodyPr wrap="square" rtlCol="0">
+            <a:spAutoFit/>
+          </a:bodyPr>
+          <a:lstStyle/>
+          <a:p>
+            <a:r>
+              <a:rPr lang="en-US" dirty="0"/>
+              <a:t>MHDS - Registry</a:t>
+            </a:r>
+          </a:p>
+        </p:txBody>
+      </p:sp>
+      <p:sp>
+        <p:nvSpPr>
+          <p:cNvPr id="30" name="TextBox 29">
+            <a:extLst>
+              <a:ext uri="{FF2B5EF4-FFF2-40B4-BE49-F238E27FC236}">
+                <a16:creationId xmlns:a16="http://schemas.microsoft.com/office/drawing/2014/main" id="{56C17DEB-D46C-4711-BEED-4691F5F8924A}"/>
+              </a:ext>
+            </a:extLst>
+          </p:cNvPr>
+          <p:cNvSpPr txBox="1"/>
+          <p:nvPr/>
+        </p:nvSpPr>
+        <p:spPr>
+          <a:xfrm>
+            <a:off x="7515184" y="1733670"/>
+            <a:ext cx="2969964" cy="369332"/>
+          </a:xfrm>
+          <a:prstGeom prst="rect">
+            <a:avLst/>
+          </a:prstGeom>
+          <a:noFill/>
+          <a:ln>
+            <a:solidFill>
+              <a:schemeClr val="tx1"/>
+            </a:solidFill>
+          </a:ln>
+        </p:spPr>
+        <p:txBody>
+          <a:bodyPr wrap="square" rtlCol="0">
+            <a:spAutoFit/>
+          </a:bodyPr>
+          <a:lstStyle/>
+          <a:p>
+            <a:r>
+              <a:rPr lang="en-US" dirty="0"/>
+              <a:t>PMIR - Patient Manager</a:t>
+            </a:r>
+          </a:p>
+        </p:txBody>
+      </p:sp>
+      <p:sp>
+        <p:nvSpPr>
+          <p:cNvPr id="31" name="TextBox 30">
+            <a:extLst>
+              <a:ext uri="{FF2B5EF4-FFF2-40B4-BE49-F238E27FC236}">
+                <a16:creationId xmlns:a16="http://schemas.microsoft.com/office/drawing/2014/main" id="{50C2EA69-6429-4417-8548-D9CABC5BBB22}"/>
+              </a:ext>
+            </a:extLst>
+          </p:cNvPr>
+          <p:cNvSpPr txBox="1"/>
+          <p:nvPr/>
+        </p:nvSpPr>
+        <p:spPr>
+          <a:xfrm>
+            <a:off x="7505144" y="2169659"/>
+            <a:ext cx="2969964" cy="369332"/>
+          </a:xfrm>
+          <a:prstGeom prst="rect">
+            <a:avLst/>
+          </a:prstGeom>
+          <a:noFill/>
+          <a:ln>
+            <a:solidFill>
+              <a:schemeClr val="tx1"/>
+            </a:solidFill>
+          </a:ln>
+        </p:spPr>
+        <p:txBody>
+          <a:bodyPr wrap="square" rtlCol="0">
+            <a:spAutoFit/>
+          </a:bodyPr>
+          <a:lstStyle/>
+          <a:p>
+            <a:r>
+              <a:rPr lang="en-US" dirty="0"/>
+              <a:t>SVCM - ValueSet Registry</a:t>
+            </a:r>
+          </a:p>
+        </p:txBody>
+      </p:sp>
+      <p:sp>
+        <p:nvSpPr>
+          <p:cNvPr id="32" name="TextBox 31">
+            <a:extLst>
+              <a:ext uri="{FF2B5EF4-FFF2-40B4-BE49-F238E27FC236}">
+                <a16:creationId xmlns:a16="http://schemas.microsoft.com/office/drawing/2014/main" id="{25F91CC1-2808-420F-BF30-3C99BC5B198B}"/>
+              </a:ext>
+            </a:extLst>
+          </p:cNvPr>
+          <p:cNvSpPr txBox="1"/>
+          <p:nvPr/>
+        </p:nvSpPr>
+        <p:spPr>
+          <a:xfrm>
+            <a:off x="7515184" y="1305812"/>
+            <a:ext cx="2969964" cy="369332"/>
+          </a:xfrm>
+          <a:prstGeom prst="rect">
+            <a:avLst/>
+          </a:prstGeom>
+          <a:noFill/>
+          <a:ln>
+            <a:solidFill>
+              <a:schemeClr val="tx1"/>
+            </a:solidFill>
+          </a:ln>
+        </p:spPr>
+        <p:txBody>
+          <a:bodyPr wrap="square" rtlCol="0">
+            <a:spAutoFit/>
+          </a:bodyPr>
+          <a:lstStyle/>
+          <a:p>
+            <a:r>
+              <a:rPr lang="en-US" dirty="0"/>
+              <a:t>CT – Time Service</a:t>
+            </a:r>
+          </a:p>
+        </p:txBody>
+      </p:sp>
+      <p:sp>
+        <p:nvSpPr>
+          <p:cNvPr id="33" name="TextBox 32">
+            <a:extLst>
+              <a:ext uri="{FF2B5EF4-FFF2-40B4-BE49-F238E27FC236}">
+                <a16:creationId xmlns:a16="http://schemas.microsoft.com/office/drawing/2014/main" id="{C46A7726-325D-48EE-A397-C95A034D54F8}"/>
+              </a:ext>
+            </a:extLst>
+          </p:cNvPr>
+          <p:cNvSpPr txBox="1"/>
+          <p:nvPr/>
+        </p:nvSpPr>
+        <p:spPr>
+          <a:xfrm>
+            <a:off x="7505144" y="2572357"/>
+            <a:ext cx="2969964" cy="369332"/>
+          </a:xfrm>
+          <a:prstGeom prst="rect">
+            <a:avLst/>
+          </a:prstGeom>
+          <a:noFill/>
+          <a:ln>
+            <a:solidFill>
+              <a:schemeClr val="tx1"/>
+            </a:solidFill>
+          </a:ln>
+        </p:spPr>
+        <p:txBody>
+          <a:bodyPr wrap="square" rtlCol="0">
+            <a:spAutoFit/>
+          </a:bodyPr>
+          <a:lstStyle/>
+          <a:p>
+            <a:r>
+              <a:rPr lang="en-US" dirty="0"/>
+              <a:t>ATNA – Audit Record Repo</a:t>
+            </a:r>
+          </a:p>
+        </p:txBody>
+      </p:sp>
+      <p:sp>
+        <p:nvSpPr>
+          <p:cNvPr id="34" name="TextBox 33">
+            <a:extLst>
+              <a:ext uri="{FF2B5EF4-FFF2-40B4-BE49-F238E27FC236}">
+                <a16:creationId xmlns:a16="http://schemas.microsoft.com/office/drawing/2014/main" id="{FFBA27B9-D23A-4BB0-811F-43D5F08C77BE}"/>
+              </a:ext>
+            </a:extLst>
+          </p:cNvPr>
+          <p:cNvSpPr txBox="1"/>
+          <p:nvPr/>
+        </p:nvSpPr>
+        <p:spPr>
+          <a:xfrm>
+            <a:off x="7515184" y="3003650"/>
+            <a:ext cx="2969964" cy="369332"/>
+          </a:xfrm>
+          <a:prstGeom prst="rect">
+            <a:avLst/>
+          </a:prstGeom>
+          <a:noFill/>
+          <a:ln>
+            <a:solidFill>
+              <a:schemeClr val="tx1"/>
+            </a:solidFill>
+          </a:ln>
+        </p:spPr>
+        <p:txBody>
+          <a:bodyPr wrap="square" rtlCol="0">
+            <a:spAutoFit/>
+          </a:bodyPr>
+          <a:lstStyle/>
+          <a:p>
+            <a:r>
+              <a:rPr lang="en-US" dirty="0"/>
+              <a:t>mCSD – Provider Directory</a:t>
+            </a:r>
+          </a:p>
+        </p:txBody>
+      </p:sp>
+      <p:sp>
+        <p:nvSpPr>
+          <p:cNvPr id="35" name="TextBox 34">
+            <a:extLst>
+              <a:ext uri="{FF2B5EF4-FFF2-40B4-BE49-F238E27FC236}">
+                <a16:creationId xmlns:a16="http://schemas.microsoft.com/office/drawing/2014/main" id="{26461810-94AC-4479-BECF-2C0E7CDF7E1D}"/>
+              </a:ext>
+            </a:extLst>
+          </p:cNvPr>
+          <p:cNvSpPr txBox="1"/>
+          <p:nvPr/>
+        </p:nvSpPr>
+        <p:spPr>
+          <a:xfrm>
+            <a:off x="7482412" y="4997545"/>
+            <a:ext cx="2969964" cy="369332"/>
+          </a:xfrm>
+          <a:prstGeom prst="rect">
+            <a:avLst/>
+          </a:prstGeom>
+          <a:noFill/>
+          <a:ln>
+            <a:solidFill>
+              <a:schemeClr val="tx1"/>
+            </a:solidFill>
+          </a:ln>
+        </p:spPr>
+        <p:txBody>
+          <a:bodyPr wrap="square" rtlCol="0">
+            <a:spAutoFit/>
+          </a:bodyPr>
+          <a:lstStyle/>
+          <a:p>
+            <a:r>
+              <a:rPr lang="en-US" dirty="0"/>
+              <a:t>NPFS – File Manager</a:t>
+            </a:r>
+          </a:p>
+        </p:txBody>
+      </p:sp>
+      <p:sp>
+        <p:nvSpPr>
+          <p:cNvPr id="36" name="TextBox 35">
+            <a:extLst>
+              <a:ext uri="{FF2B5EF4-FFF2-40B4-BE49-F238E27FC236}">
+                <a16:creationId xmlns:a16="http://schemas.microsoft.com/office/drawing/2014/main" id="{06D1038C-91F7-46FD-BACA-95B1640A940A}"/>
+              </a:ext>
+            </a:extLst>
+          </p:cNvPr>
+          <p:cNvSpPr txBox="1"/>
+          <p:nvPr/>
+        </p:nvSpPr>
+        <p:spPr>
+          <a:xfrm>
+            <a:off x="7515184" y="3613351"/>
+            <a:ext cx="2969964" cy="369332"/>
+          </a:xfrm>
+          <a:prstGeom prst="rect">
+            <a:avLst/>
+          </a:prstGeom>
+          <a:noFill/>
+          <a:ln>
+            <a:solidFill>
+              <a:schemeClr val="tx1"/>
+            </a:solidFill>
+          </a:ln>
+        </p:spPr>
+        <p:txBody>
+          <a:bodyPr wrap="square" rtlCol="0">
+            <a:spAutoFit/>
+          </a:bodyPr>
+          <a:lstStyle/>
+          <a:p>
+            <a:r>
+              <a:rPr lang="en-US" dirty="0"/>
+              <a:t>mXDE – Data Element Extract</a:t>
+            </a:r>
+          </a:p>
+        </p:txBody>
+      </p:sp>
+      <p:sp>
+        <p:nvSpPr>
+          <p:cNvPr id="37" name="TextBox 36">
+            <a:extLst>
+              <a:ext uri="{FF2B5EF4-FFF2-40B4-BE49-F238E27FC236}">
+                <a16:creationId xmlns:a16="http://schemas.microsoft.com/office/drawing/2014/main" id="{A9A22824-3500-4267-BF55-7E641E9DFC81}"/>
+              </a:ext>
+            </a:extLst>
+          </p:cNvPr>
+          <p:cNvSpPr txBox="1"/>
+          <p:nvPr/>
+        </p:nvSpPr>
+        <p:spPr>
+          <a:xfrm>
+            <a:off x="7832714" y="3987549"/>
+            <a:ext cx="2969964" cy="369332"/>
+          </a:xfrm>
+          <a:prstGeom prst="rect">
+            <a:avLst/>
+          </a:prstGeom>
+          <a:noFill/>
+          <a:ln>
+            <a:solidFill>
+              <a:schemeClr val="tx1"/>
+            </a:solidFill>
+          </a:ln>
+        </p:spPr>
+        <p:txBody>
+          <a:bodyPr wrap="square" rtlCol="0">
+            <a:spAutoFit/>
+          </a:bodyPr>
+          <a:lstStyle/>
+          <a:p>
+            <a:r>
+              <a:rPr lang="en-US" dirty="0"/>
+              <a:t>QEDm –Clinical Data Source</a:t>
+            </a:r>
+          </a:p>
+        </p:txBody>
+      </p:sp>
+      <p:sp>
+        <p:nvSpPr>
+          <p:cNvPr id="38" name="TextBox 37">
+            <a:extLst>
+              <a:ext uri="{FF2B5EF4-FFF2-40B4-BE49-F238E27FC236}">
+                <a16:creationId xmlns:a16="http://schemas.microsoft.com/office/drawing/2014/main" id="{5289A489-DAF5-459B-8C2C-E78503073D98}"/>
+              </a:ext>
+            </a:extLst>
+          </p:cNvPr>
+          <p:cNvSpPr txBox="1"/>
+          <p:nvPr/>
+        </p:nvSpPr>
+        <p:spPr>
+          <a:xfrm>
+            <a:off x="7482412" y="6216734"/>
+            <a:ext cx="2969964" cy="369332"/>
+          </a:xfrm>
+          <a:prstGeom prst="rect">
+            <a:avLst/>
+          </a:prstGeom>
+          <a:noFill/>
+          <a:ln>
+            <a:solidFill>
+              <a:schemeClr val="tx1"/>
+            </a:solidFill>
+          </a:ln>
+        </p:spPr>
+        <p:txBody>
+          <a:bodyPr wrap="square" rtlCol="0">
+            <a:spAutoFit/>
+          </a:bodyPr>
+          <a:lstStyle/>
+          <a:p>
+            <a:r>
+              <a:rPr lang="en-US" dirty="0"/>
+              <a:t>Consent Manager</a:t>
+            </a:r>
+          </a:p>
+        </p:txBody>
+      </p:sp>
+      <p:sp>
+        <p:nvSpPr>
+          <p:cNvPr id="39" name="TextBox 38">
+            <a:extLst>
+              <a:ext uri="{FF2B5EF4-FFF2-40B4-BE49-F238E27FC236}">
+                <a16:creationId xmlns:a16="http://schemas.microsoft.com/office/drawing/2014/main" id="{E2287BF6-823F-42ED-A97B-3E595CD4CDD0}"/>
+              </a:ext>
+            </a:extLst>
+          </p:cNvPr>
+          <p:cNvSpPr txBox="1"/>
+          <p:nvPr/>
+        </p:nvSpPr>
+        <p:spPr>
+          <a:xfrm rot="5400000">
+            <a:off x="3896426" y="3299103"/>
+            <a:ext cx="6470163" cy="369332"/>
+          </a:xfrm>
+          <a:prstGeom prst="rect">
+            <a:avLst/>
+          </a:prstGeom>
+          <a:noFill/>
+          <a:ln>
+            <a:solidFill>
+              <a:schemeClr val="tx1"/>
+            </a:solidFill>
+          </a:ln>
+        </p:spPr>
+        <p:txBody>
+          <a:bodyPr wrap="square" rtlCol="0">
+            <a:spAutoFit/>
+          </a:bodyPr>
+          <a:lstStyle/>
+          <a:p>
+            <a:r>
+              <a:rPr lang="en-US" dirty="0"/>
+              <a:t>Access Control</a:t>
+            </a:r>
+          </a:p>
+        </p:txBody>
+      </p:sp>
+      <p:sp>
+        <p:nvSpPr>
+          <p:cNvPr id="40" name="TextBox 39">
+            <a:extLst>
+              <a:ext uri="{FF2B5EF4-FFF2-40B4-BE49-F238E27FC236}">
+                <a16:creationId xmlns:a16="http://schemas.microsoft.com/office/drawing/2014/main" id="{C8FF9E79-9D59-4560-A315-DC6C7C276898}"/>
+              </a:ext>
+            </a:extLst>
+          </p:cNvPr>
+          <p:cNvSpPr txBox="1"/>
+          <p:nvPr/>
+        </p:nvSpPr>
+        <p:spPr>
+          <a:xfrm>
+            <a:off x="7482412" y="4541547"/>
+            <a:ext cx="2969964" cy="369332"/>
+          </a:xfrm>
+          <a:prstGeom prst="rect">
+            <a:avLst/>
+          </a:prstGeom>
+          <a:noFill/>
+          <a:ln>
+            <a:solidFill>
+              <a:schemeClr val="tx1"/>
+            </a:solidFill>
+          </a:ln>
+        </p:spPr>
+        <p:txBody>
+          <a:bodyPr wrap="square" rtlCol="0">
+            <a:spAutoFit/>
+          </a:bodyPr>
+          <a:lstStyle/>
+          <a:p>
+            <a:r>
+              <a:rPr lang="en-US" dirty="0" err="1"/>
+              <a:t>mACM</a:t>
+            </a:r>
+            <a:r>
+              <a:rPr lang="en-US" dirty="0"/>
+              <a:t> –Alert Comm </a:t>
+            </a:r>
+            <a:r>
+              <a:rPr lang="en-US" dirty="0" err="1"/>
+              <a:t>Mgr</a:t>
+            </a:r>
+            <a:endParaRPr lang="en-US" dirty="0"/>
+          </a:p>
+        </p:txBody>
+      </p:sp>
+      <p:cxnSp>
+        <p:nvCxnSpPr>
+          <p:cNvPr id="3" name="Straight Arrow Connector 2">
+            <a:extLst>
+              <a:ext uri="{FF2B5EF4-FFF2-40B4-BE49-F238E27FC236}">
+                <a16:creationId xmlns:a16="http://schemas.microsoft.com/office/drawing/2014/main" id="{226B1B99-0D55-402C-A3F4-556F78B76134}"/>
+              </a:ext>
+            </a:extLst>
+          </p:cNvPr>
+          <p:cNvCxnSpPr>
+            <a:endCxn id="29" idx="1"/>
+          </p:cNvCxnSpPr>
+          <p:nvPr/>
+        </p:nvCxnSpPr>
+        <p:spPr>
+          <a:xfrm flipV="1">
+            <a:off x="3052946" y="646508"/>
+            <a:ext cx="4462238" cy="251270"/>
+          </a:xfrm>
+          <a:prstGeom prst="straightConnector1">
+            <a:avLst/>
+          </a:prstGeom>
+          <a:ln w="88900">
+            <a:solidFill>
+              <a:schemeClr val="bg1"/>
+            </a:solidFill>
+            <a:tailEnd type="triangle"/>
+          </a:ln>
+        </p:spPr>
+        <p:style>
+          <a:lnRef idx="3">
+            <a:schemeClr val="accent1"/>
+          </a:lnRef>
+          <a:fillRef idx="0">
+            <a:schemeClr val="accent1"/>
+          </a:fillRef>
+          <a:effectRef idx="2">
+            <a:schemeClr val="accent1"/>
+          </a:effectRef>
+          <a:fontRef idx="minor">
+            <a:schemeClr val="tx1"/>
+          </a:fontRef>
+        </p:style>
+      </p:cxnSp>
+      <p:cxnSp>
+        <p:nvCxnSpPr>
+          <p:cNvPr id="24" name="Straight Arrow Connector 23">
+            <a:extLst>
+              <a:ext uri="{FF2B5EF4-FFF2-40B4-BE49-F238E27FC236}">
+                <a16:creationId xmlns:a16="http://schemas.microsoft.com/office/drawing/2014/main" id="{A82E44FD-4037-41E6-8D49-C0DA71B3FDCB}"/>
+              </a:ext>
+            </a:extLst>
+          </p:cNvPr>
+          <p:cNvCxnSpPr>
+            <a:cxnSpLocks/>
+            <a:endCxn id="28" idx="1"/>
+          </p:cNvCxnSpPr>
+          <p:nvPr/>
+        </p:nvCxnSpPr>
+        <p:spPr>
+          <a:xfrm flipV="1">
+            <a:off x="3052946" y="1082444"/>
+            <a:ext cx="4462238" cy="32254"/>
+          </a:xfrm>
+          <a:prstGeom prst="straightConnector1">
+            <a:avLst/>
+          </a:prstGeom>
+          <a:ln>
+            <a:solidFill>
+              <a:schemeClr val="bg1"/>
+            </a:solidFill>
+            <a:tailEnd type="triangle"/>
+          </a:ln>
+        </p:spPr>
+        <p:style>
+          <a:lnRef idx="3">
+            <a:schemeClr val="accent1"/>
+          </a:lnRef>
+          <a:fillRef idx="0">
+            <a:schemeClr val="accent1"/>
+          </a:fillRef>
+          <a:effectRef idx="2">
+            <a:schemeClr val="accent1"/>
+          </a:effectRef>
+          <a:fontRef idx="minor">
+            <a:schemeClr val="tx1"/>
+          </a:fontRef>
+        </p:style>
+      </p:cxnSp>
+      <p:cxnSp>
+        <p:nvCxnSpPr>
+          <p:cNvPr id="26" name="Straight Arrow Connector 25">
+            <a:extLst>
+              <a:ext uri="{FF2B5EF4-FFF2-40B4-BE49-F238E27FC236}">
+                <a16:creationId xmlns:a16="http://schemas.microsoft.com/office/drawing/2014/main" id="{F1477231-46B5-454F-BC30-10E3E630C2AF}"/>
+              </a:ext>
+            </a:extLst>
+          </p:cNvPr>
+          <p:cNvCxnSpPr>
+            <a:cxnSpLocks/>
+            <a:endCxn id="32" idx="1"/>
+          </p:cNvCxnSpPr>
+          <p:nvPr/>
+        </p:nvCxnSpPr>
+        <p:spPr>
+          <a:xfrm>
+            <a:off x="3052946" y="1464362"/>
+            <a:ext cx="4462238" cy="26116"/>
+          </a:xfrm>
+          <a:prstGeom prst="straightConnector1">
+            <a:avLst/>
+          </a:prstGeom>
+          <a:ln>
+            <a:solidFill>
+              <a:schemeClr val="bg1"/>
+            </a:solidFill>
+            <a:tailEnd type="triangle"/>
+          </a:ln>
+        </p:spPr>
+        <p:style>
+          <a:lnRef idx="3">
+            <a:schemeClr val="accent1"/>
+          </a:lnRef>
+          <a:fillRef idx="0">
+            <a:schemeClr val="accent1"/>
+          </a:fillRef>
+          <a:effectRef idx="2">
+            <a:schemeClr val="accent1"/>
+          </a:effectRef>
+          <a:fontRef idx="minor">
+            <a:schemeClr val="tx1"/>
+          </a:fontRef>
+        </p:style>
+      </p:cxnSp>
+      <p:cxnSp>
+        <p:nvCxnSpPr>
+          <p:cNvPr id="41" name="Straight Arrow Connector 40">
+            <a:extLst>
+              <a:ext uri="{FF2B5EF4-FFF2-40B4-BE49-F238E27FC236}">
+                <a16:creationId xmlns:a16="http://schemas.microsoft.com/office/drawing/2014/main" id="{61863785-FBE7-4A8E-8DA5-2D5E2DC694B3}"/>
+              </a:ext>
+            </a:extLst>
+          </p:cNvPr>
+          <p:cNvCxnSpPr>
+            <a:cxnSpLocks/>
+            <a:endCxn id="30" idx="1"/>
+          </p:cNvCxnSpPr>
+          <p:nvPr/>
+        </p:nvCxnSpPr>
+        <p:spPr>
+          <a:xfrm>
+            <a:off x="3087537" y="1695652"/>
+            <a:ext cx="4427647" cy="222684"/>
+          </a:xfrm>
+          <a:prstGeom prst="straightConnector1">
+            <a:avLst/>
+          </a:prstGeom>
+          <a:ln w="88900">
+            <a:solidFill>
+              <a:schemeClr val="bg1"/>
+            </a:solidFill>
+            <a:tailEnd type="triangle"/>
+          </a:ln>
+        </p:spPr>
+        <p:style>
+          <a:lnRef idx="3">
+            <a:schemeClr val="accent1"/>
+          </a:lnRef>
+          <a:fillRef idx="0">
+            <a:schemeClr val="accent1"/>
+          </a:fillRef>
+          <a:effectRef idx="2">
+            <a:schemeClr val="accent1"/>
+          </a:effectRef>
+          <a:fontRef idx="minor">
+            <a:schemeClr val="tx1"/>
+          </a:fontRef>
+        </p:style>
+      </p:cxnSp>
+      <p:cxnSp>
+        <p:nvCxnSpPr>
+          <p:cNvPr id="42" name="Straight Arrow Connector 41">
+            <a:extLst>
+              <a:ext uri="{FF2B5EF4-FFF2-40B4-BE49-F238E27FC236}">
+                <a16:creationId xmlns:a16="http://schemas.microsoft.com/office/drawing/2014/main" id="{530041D0-9A73-4F8C-BEEB-45F23686DFB0}"/>
+              </a:ext>
+            </a:extLst>
+          </p:cNvPr>
+          <p:cNvCxnSpPr>
+            <a:cxnSpLocks/>
+          </p:cNvCxnSpPr>
+          <p:nvPr/>
+        </p:nvCxnSpPr>
+        <p:spPr>
+          <a:xfrm>
+            <a:off x="3052946" y="2283263"/>
+            <a:ext cx="4462238" cy="71810"/>
+          </a:xfrm>
+          <a:prstGeom prst="straightConnector1">
+            <a:avLst/>
+          </a:prstGeom>
+          <a:ln>
+            <a:solidFill>
+              <a:schemeClr val="bg1"/>
+            </a:solidFill>
+            <a:prstDash val="dash"/>
+            <a:tailEnd type="triangle"/>
+          </a:ln>
+        </p:spPr>
+        <p:style>
+          <a:lnRef idx="3">
+            <a:schemeClr val="accent1"/>
+          </a:lnRef>
+          <a:fillRef idx="0">
+            <a:schemeClr val="accent1"/>
+          </a:fillRef>
+          <a:effectRef idx="2">
+            <a:schemeClr val="accent1"/>
+          </a:effectRef>
+          <a:fontRef idx="minor">
+            <a:schemeClr val="tx1"/>
+          </a:fontRef>
+        </p:style>
+      </p:cxnSp>
+      <p:cxnSp>
+        <p:nvCxnSpPr>
+          <p:cNvPr id="43" name="Straight Arrow Connector 42">
+            <a:extLst>
+              <a:ext uri="{FF2B5EF4-FFF2-40B4-BE49-F238E27FC236}">
+                <a16:creationId xmlns:a16="http://schemas.microsoft.com/office/drawing/2014/main" id="{19BF4A5D-B01C-44D8-81EF-7C465930A59A}"/>
+              </a:ext>
+            </a:extLst>
+          </p:cNvPr>
+          <p:cNvCxnSpPr>
+            <a:cxnSpLocks/>
+            <a:endCxn id="33" idx="1"/>
+          </p:cNvCxnSpPr>
+          <p:nvPr/>
+        </p:nvCxnSpPr>
+        <p:spPr>
+          <a:xfrm>
+            <a:off x="3052946" y="2642530"/>
+            <a:ext cx="4452198" cy="114493"/>
+          </a:xfrm>
+          <a:prstGeom prst="straightConnector1">
+            <a:avLst/>
+          </a:prstGeom>
+          <a:ln>
+            <a:solidFill>
+              <a:schemeClr val="bg1"/>
+            </a:solidFill>
+            <a:tailEnd type="triangle"/>
+          </a:ln>
+        </p:spPr>
+        <p:style>
+          <a:lnRef idx="3">
+            <a:schemeClr val="accent1"/>
+          </a:lnRef>
+          <a:fillRef idx="0">
+            <a:schemeClr val="accent1"/>
+          </a:fillRef>
+          <a:effectRef idx="2">
+            <a:schemeClr val="accent1"/>
+          </a:effectRef>
+          <a:fontRef idx="minor">
+            <a:schemeClr val="tx1"/>
+          </a:fontRef>
+        </p:style>
+      </p:cxnSp>
+      <p:cxnSp>
+        <p:nvCxnSpPr>
+          <p:cNvPr id="44" name="Straight Arrow Connector 43">
+            <a:extLst>
+              <a:ext uri="{FF2B5EF4-FFF2-40B4-BE49-F238E27FC236}">
+                <a16:creationId xmlns:a16="http://schemas.microsoft.com/office/drawing/2014/main" id="{5A7B8C74-DFF6-40D7-AC3E-67D657F966EB}"/>
+              </a:ext>
+            </a:extLst>
+          </p:cNvPr>
+          <p:cNvCxnSpPr>
+            <a:cxnSpLocks/>
+            <a:endCxn id="34" idx="1"/>
+          </p:cNvCxnSpPr>
+          <p:nvPr/>
+        </p:nvCxnSpPr>
+        <p:spPr>
+          <a:xfrm>
+            <a:off x="3076007" y="3003650"/>
+            <a:ext cx="4439177" cy="184666"/>
+          </a:xfrm>
+          <a:prstGeom prst="straightConnector1">
+            <a:avLst/>
+          </a:prstGeom>
+          <a:ln>
+            <a:solidFill>
+              <a:schemeClr val="bg1"/>
+            </a:solidFill>
+            <a:prstDash val="dash"/>
+            <a:tailEnd type="triangle"/>
+          </a:ln>
+        </p:spPr>
+        <p:style>
+          <a:lnRef idx="3">
+            <a:schemeClr val="accent1"/>
+          </a:lnRef>
+          <a:fillRef idx="0">
+            <a:schemeClr val="accent1"/>
+          </a:fillRef>
+          <a:effectRef idx="2">
+            <a:schemeClr val="accent1"/>
+          </a:effectRef>
+          <a:fontRef idx="minor">
+            <a:schemeClr val="tx1"/>
+          </a:fontRef>
+        </p:style>
+      </p:cxnSp>
+      <p:sp>
+        <p:nvSpPr>
+          <p:cNvPr id="20" name="TextBox 19">
+            <a:extLst>
+              <a:ext uri="{FF2B5EF4-FFF2-40B4-BE49-F238E27FC236}">
+                <a16:creationId xmlns:a16="http://schemas.microsoft.com/office/drawing/2014/main" id="{B175D033-0B2A-40BA-AFAD-11E53B862FDF}"/>
+              </a:ext>
+            </a:extLst>
+          </p:cNvPr>
+          <p:cNvSpPr txBox="1"/>
+          <p:nvPr/>
+        </p:nvSpPr>
+        <p:spPr>
+          <a:xfrm>
+            <a:off x="4283313" y="2872044"/>
+            <a:ext cx="1918539" cy="923330"/>
+          </a:xfrm>
+          <a:prstGeom prst="rect">
+            <a:avLst/>
+          </a:prstGeom>
+          <a:noFill/>
+        </p:spPr>
+        <p:txBody>
+          <a:bodyPr wrap="none" rtlCol="0">
+            <a:spAutoFit/>
+          </a:bodyPr>
+          <a:lstStyle/>
+          <a:p>
+            <a:r>
+              <a:rPr lang="en-US" dirty="0"/>
+              <a:t>Find Endpoints</a:t>
+            </a:r>
+          </a:p>
+          <a:p>
+            <a:r>
+              <a:rPr lang="en-US" dirty="0"/>
+              <a:t>Find Organizations</a:t>
+            </a:r>
+          </a:p>
+          <a:p>
+            <a:r>
+              <a:rPr lang="en-US" dirty="0"/>
+              <a:t>Find Practitioners</a:t>
+            </a:r>
+          </a:p>
+        </p:txBody>
+      </p:sp>
+      <p:sp>
+        <p:nvSpPr>
+          <p:cNvPr id="22" name="TextBox 21">
+            <a:extLst>
+              <a:ext uri="{FF2B5EF4-FFF2-40B4-BE49-F238E27FC236}">
+                <a16:creationId xmlns:a16="http://schemas.microsoft.com/office/drawing/2014/main" id="{68886F65-45F9-4BF4-90A4-8B67D7421D01}"/>
+              </a:ext>
+            </a:extLst>
+          </p:cNvPr>
+          <p:cNvSpPr txBox="1"/>
+          <p:nvPr/>
+        </p:nvSpPr>
+        <p:spPr>
+          <a:xfrm>
+            <a:off x="3457830" y="2507620"/>
+            <a:ext cx="1970796" cy="369332"/>
+          </a:xfrm>
+          <a:prstGeom prst="rect">
+            <a:avLst/>
+          </a:prstGeom>
+          <a:noFill/>
+        </p:spPr>
+        <p:txBody>
+          <a:bodyPr wrap="none" rtlCol="0">
+            <a:spAutoFit/>
+          </a:bodyPr>
+          <a:lstStyle/>
+          <a:p>
+            <a:r>
+              <a:rPr lang="en-US" dirty="0"/>
+              <a:t>Record Audit Event</a:t>
+            </a:r>
+          </a:p>
+        </p:txBody>
+      </p:sp>
+      <p:sp>
+        <p:nvSpPr>
+          <p:cNvPr id="45" name="TextBox 44">
+            <a:extLst>
+              <a:ext uri="{FF2B5EF4-FFF2-40B4-BE49-F238E27FC236}">
+                <a16:creationId xmlns:a16="http://schemas.microsoft.com/office/drawing/2014/main" id="{D36F3662-31E3-4DC0-AAD0-43E8CDD03D1F}"/>
+              </a:ext>
+            </a:extLst>
+          </p:cNvPr>
+          <p:cNvSpPr txBox="1"/>
+          <p:nvPr/>
+        </p:nvSpPr>
+        <p:spPr>
+          <a:xfrm>
+            <a:off x="4099622" y="2156873"/>
+            <a:ext cx="2427396" cy="369332"/>
+          </a:xfrm>
+          <a:prstGeom prst="rect">
+            <a:avLst/>
+          </a:prstGeom>
+          <a:noFill/>
+        </p:spPr>
+        <p:txBody>
+          <a:bodyPr wrap="none" rtlCol="0">
+            <a:spAutoFit/>
+          </a:bodyPr>
+          <a:lstStyle/>
+          <a:p>
+            <a:r>
+              <a:rPr lang="en-US" dirty="0"/>
+              <a:t>Lookup </a:t>
+            </a:r>
+            <a:r>
+              <a:rPr lang="en-US" dirty="0" err="1"/>
+              <a:t>Valueset</a:t>
+            </a:r>
+            <a:r>
+              <a:rPr lang="en-US" dirty="0"/>
+              <a:t> entries</a:t>
+            </a:r>
+          </a:p>
+        </p:txBody>
+      </p:sp>
+      <p:sp>
+        <p:nvSpPr>
+          <p:cNvPr id="47" name="TextBox 46">
+            <a:extLst>
+              <a:ext uri="{FF2B5EF4-FFF2-40B4-BE49-F238E27FC236}">
+                <a16:creationId xmlns:a16="http://schemas.microsoft.com/office/drawing/2014/main" id="{16DD801F-2081-477B-AC3F-4C42367FDCBE}"/>
+              </a:ext>
+            </a:extLst>
+          </p:cNvPr>
+          <p:cNvSpPr txBox="1"/>
+          <p:nvPr/>
+        </p:nvSpPr>
+        <p:spPr>
+          <a:xfrm>
+            <a:off x="3381573" y="1483828"/>
+            <a:ext cx="2800447" cy="646331"/>
+          </a:xfrm>
+          <a:prstGeom prst="rect">
+            <a:avLst/>
+          </a:prstGeom>
+          <a:noFill/>
+        </p:spPr>
+        <p:txBody>
+          <a:bodyPr wrap="none" rtlCol="0">
+            <a:spAutoFit/>
+          </a:bodyPr>
+          <a:lstStyle/>
+          <a:p>
+            <a:r>
+              <a:rPr lang="en-US" dirty="0"/>
+              <a:t>Feed Patient Updates</a:t>
+            </a:r>
+          </a:p>
+          <a:p>
+            <a:r>
+              <a:rPr lang="en-US" dirty="0"/>
+              <a:t>Find Patient Master Identity</a:t>
+            </a:r>
+          </a:p>
+        </p:txBody>
+      </p:sp>
+      <p:sp>
+        <p:nvSpPr>
+          <p:cNvPr id="49" name="TextBox 48">
+            <a:extLst>
+              <a:ext uri="{FF2B5EF4-FFF2-40B4-BE49-F238E27FC236}">
+                <a16:creationId xmlns:a16="http://schemas.microsoft.com/office/drawing/2014/main" id="{68543A5D-523E-44DD-B04F-2E9CDC7F7AC7}"/>
+              </a:ext>
+            </a:extLst>
+          </p:cNvPr>
+          <p:cNvSpPr txBox="1"/>
+          <p:nvPr/>
+        </p:nvSpPr>
+        <p:spPr>
+          <a:xfrm>
+            <a:off x="5078744" y="1279371"/>
+            <a:ext cx="1129220" cy="369332"/>
+          </a:xfrm>
+          <a:prstGeom prst="rect">
+            <a:avLst/>
+          </a:prstGeom>
+          <a:noFill/>
+        </p:spPr>
+        <p:txBody>
+          <a:bodyPr wrap="none" rtlCol="0">
+            <a:spAutoFit/>
+          </a:bodyPr>
+          <a:lstStyle/>
+          <a:p>
+            <a:r>
+              <a:rPr lang="en-US" dirty="0"/>
+              <a:t>Sync Time</a:t>
+            </a:r>
+          </a:p>
+        </p:txBody>
+      </p:sp>
+      <p:sp>
+        <p:nvSpPr>
+          <p:cNvPr id="50" name="TextBox 49">
+            <a:extLst>
+              <a:ext uri="{FF2B5EF4-FFF2-40B4-BE49-F238E27FC236}">
+                <a16:creationId xmlns:a16="http://schemas.microsoft.com/office/drawing/2014/main" id="{584598C2-3F17-4B59-B27C-0CF5CDB9D7F0}"/>
+              </a:ext>
+            </a:extLst>
+          </p:cNvPr>
+          <p:cNvSpPr txBox="1"/>
+          <p:nvPr/>
+        </p:nvSpPr>
+        <p:spPr>
+          <a:xfrm>
+            <a:off x="3675017" y="952046"/>
+            <a:ext cx="3038396" cy="369332"/>
+          </a:xfrm>
+          <a:prstGeom prst="rect">
+            <a:avLst/>
+          </a:prstGeom>
+          <a:noFill/>
+        </p:spPr>
+        <p:txBody>
+          <a:bodyPr wrap="none" rtlCol="0">
+            <a:spAutoFit/>
+          </a:bodyPr>
+          <a:lstStyle/>
+          <a:p>
+            <a:r>
+              <a:rPr lang="en-US" dirty="0"/>
+              <a:t>Register Cert, Cert Revocation </a:t>
+            </a:r>
+          </a:p>
+        </p:txBody>
+      </p:sp>
+      <p:sp>
+        <p:nvSpPr>
+          <p:cNvPr id="51" name="TextBox 50">
+            <a:extLst>
+              <a:ext uri="{FF2B5EF4-FFF2-40B4-BE49-F238E27FC236}">
+                <a16:creationId xmlns:a16="http://schemas.microsoft.com/office/drawing/2014/main" id="{46826ACA-58E8-4A50-9821-28F26FD196A5}"/>
+              </a:ext>
+            </a:extLst>
+          </p:cNvPr>
+          <p:cNvSpPr txBox="1"/>
+          <p:nvPr/>
+        </p:nvSpPr>
+        <p:spPr>
+          <a:xfrm>
+            <a:off x="4536412" y="429508"/>
+            <a:ext cx="1994905" cy="646331"/>
+          </a:xfrm>
+          <a:prstGeom prst="rect">
+            <a:avLst/>
+          </a:prstGeom>
+          <a:noFill/>
+        </p:spPr>
+        <p:txBody>
+          <a:bodyPr wrap="none" rtlCol="0">
+            <a:spAutoFit/>
+          </a:bodyPr>
+          <a:lstStyle/>
+          <a:p>
+            <a:r>
+              <a:rPr lang="en-US" dirty="0"/>
+              <a:t>Find Documents</a:t>
+            </a:r>
+          </a:p>
+          <a:p>
+            <a:r>
+              <a:rPr lang="en-US" dirty="0"/>
+              <a:t>Retrieve Document</a:t>
+            </a:r>
+          </a:p>
+        </p:txBody>
+      </p:sp>
+      <p:cxnSp>
+        <p:nvCxnSpPr>
+          <p:cNvPr id="54" name="Straight Arrow Connector 53">
+            <a:extLst>
+              <a:ext uri="{FF2B5EF4-FFF2-40B4-BE49-F238E27FC236}">
+                <a16:creationId xmlns:a16="http://schemas.microsoft.com/office/drawing/2014/main" id="{2B679FC9-8584-4E10-B4EC-64E2BB8A5E04}"/>
+              </a:ext>
+            </a:extLst>
+          </p:cNvPr>
+          <p:cNvCxnSpPr>
+            <a:cxnSpLocks/>
+          </p:cNvCxnSpPr>
+          <p:nvPr/>
+        </p:nvCxnSpPr>
+        <p:spPr>
+          <a:xfrm>
+            <a:off x="3043235" y="3923098"/>
+            <a:ext cx="4439177" cy="1259113"/>
+          </a:xfrm>
+          <a:prstGeom prst="straightConnector1">
+            <a:avLst/>
+          </a:prstGeom>
+          <a:ln>
+            <a:solidFill>
+              <a:schemeClr val="bg1"/>
+            </a:solidFill>
+            <a:prstDash val="dash"/>
+            <a:tailEnd type="triangle"/>
+          </a:ln>
+        </p:spPr>
+        <p:style>
+          <a:lnRef idx="3">
+            <a:schemeClr val="accent1"/>
+          </a:lnRef>
+          <a:fillRef idx="0">
+            <a:schemeClr val="accent1"/>
+          </a:fillRef>
+          <a:effectRef idx="2">
+            <a:schemeClr val="accent1"/>
+          </a:effectRef>
+          <a:fontRef idx="minor">
+            <a:schemeClr val="tx1"/>
+          </a:fontRef>
+        </p:style>
+      </p:cxnSp>
+      <p:sp>
+        <p:nvSpPr>
+          <p:cNvPr id="56" name="TextBox 55">
+            <a:extLst>
+              <a:ext uri="{FF2B5EF4-FFF2-40B4-BE49-F238E27FC236}">
+                <a16:creationId xmlns:a16="http://schemas.microsoft.com/office/drawing/2014/main" id="{3A35DEAE-7086-49A4-9CDC-B5F8A3216C77}"/>
+              </a:ext>
+            </a:extLst>
+          </p:cNvPr>
+          <p:cNvSpPr txBox="1"/>
+          <p:nvPr/>
+        </p:nvSpPr>
+        <p:spPr>
+          <a:xfrm>
+            <a:off x="4311729" y="4147688"/>
+            <a:ext cx="1931747" cy="646331"/>
+          </a:xfrm>
+          <a:prstGeom prst="rect">
+            <a:avLst/>
+          </a:prstGeom>
+          <a:noFill/>
+        </p:spPr>
+        <p:txBody>
+          <a:bodyPr wrap="none" rtlCol="0">
+            <a:spAutoFit/>
+          </a:bodyPr>
+          <a:lstStyle/>
+          <a:p>
+            <a:r>
+              <a:rPr lang="en-US" dirty="0"/>
+              <a:t>Configuration Files</a:t>
+            </a:r>
+          </a:p>
+          <a:p>
+            <a:r>
+              <a:rPr lang="en-US" dirty="0"/>
+              <a:t>Privacy Policy</a:t>
+            </a:r>
+          </a:p>
+        </p:txBody>
+      </p:sp>
+      <p:cxnSp>
+        <p:nvCxnSpPr>
+          <p:cNvPr id="57" name="Straight Arrow Connector 56">
+            <a:extLst>
+              <a:ext uri="{FF2B5EF4-FFF2-40B4-BE49-F238E27FC236}">
+                <a16:creationId xmlns:a16="http://schemas.microsoft.com/office/drawing/2014/main" id="{98C59BCE-5CF4-4147-8B96-996A39244C0A}"/>
+              </a:ext>
+            </a:extLst>
+          </p:cNvPr>
+          <p:cNvCxnSpPr>
+            <a:cxnSpLocks/>
+            <a:endCxn id="38" idx="1"/>
+          </p:cNvCxnSpPr>
+          <p:nvPr/>
+        </p:nvCxnSpPr>
+        <p:spPr>
+          <a:xfrm>
+            <a:off x="3043234" y="4674023"/>
+            <a:ext cx="4439178" cy="1727377"/>
+          </a:xfrm>
+          <a:prstGeom prst="straightConnector1">
+            <a:avLst/>
+          </a:prstGeom>
+          <a:ln>
+            <a:solidFill>
+              <a:schemeClr val="bg1"/>
+            </a:solidFill>
+            <a:prstDash val="dash"/>
+            <a:tailEnd type="triangle"/>
+          </a:ln>
+        </p:spPr>
+        <p:style>
+          <a:lnRef idx="3">
+            <a:schemeClr val="accent1"/>
+          </a:lnRef>
+          <a:fillRef idx="0">
+            <a:schemeClr val="accent1"/>
+          </a:fillRef>
+          <a:effectRef idx="2">
+            <a:schemeClr val="accent1"/>
+          </a:effectRef>
+          <a:fontRef idx="minor">
+            <a:schemeClr val="tx1"/>
+          </a:fontRef>
+        </p:style>
+      </p:cxnSp>
+      <p:sp>
+        <p:nvSpPr>
+          <p:cNvPr id="59" name="TextBox 58">
+            <a:extLst>
+              <a:ext uri="{FF2B5EF4-FFF2-40B4-BE49-F238E27FC236}">
+                <a16:creationId xmlns:a16="http://schemas.microsoft.com/office/drawing/2014/main" id="{73872795-CFCB-45EA-AA74-7B8F9F0A86F8}"/>
+              </a:ext>
+            </a:extLst>
+          </p:cNvPr>
+          <p:cNvSpPr txBox="1"/>
+          <p:nvPr/>
+        </p:nvSpPr>
+        <p:spPr>
+          <a:xfrm>
+            <a:off x="4363973" y="5160239"/>
+            <a:ext cx="1741439" cy="646331"/>
+          </a:xfrm>
+          <a:prstGeom prst="rect">
+            <a:avLst/>
+          </a:prstGeom>
+          <a:noFill/>
+        </p:spPr>
+        <p:txBody>
+          <a:bodyPr wrap="none" rtlCol="0">
+            <a:spAutoFit/>
+          </a:bodyPr>
+          <a:lstStyle/>
+          <a:p>
+            <a:r>
+              <a:rPr lang="en-US" dirty="0"/>
+              <a:t>Record Consent</a:t>
+            </a:r>
+          </a:p>
+          <a:p>
+            <a:r>
+              <a:rPr lang="en-US" dirty="0"/>
+              <a:t>Replace Consent</a:t>
+            </a:r>
+          </a:p>
+        </p:txBody>
+      </p:sp>
+      <p:cxnSp>
+        <p:nvCxnSpPr>
+          <p:cNvPr id="46" name="Straight Arrow Connector 45">
+            <a:extLst>
+              <a:ext uri="{FF2B5EF4-FFF2-40B4-BE49-F238E27FC236}">
+                <a16:creationId xmlns:a16="http://schemas.microsoft.com/office/drawing/2014/main" id="{EAFECFEB-736B-4538-A4FA-D1928B7D2E41}"/>
+              </a:ext>
+            </a:extLst>
+          </p:cNvPr>
+          <p:cNvCxnSpPr>
+            <a:cxnSpLocks/>
+          </p:cNvCxnSpPr>
+          <p:nvPr/>
+        </p:nvCxnSpPr>
+        <p:spPr>
+          <a:xfrm flipV="1">
+            <a:off x="3052946" y="418081"/>
+            <a:ext cx="3893895" cy="260599"/>
+          </a:xfrm>
+          <a:prstGeom prst="straightConnector1">
+            <a:avLst/>
+          </a:prstGeom>
+          <a:ln>
+            <a:solidFill>
+              <a:schemeClr val="bg1"/>
+            </a:solidFill>
+            <a:tailEnd type="triangle"/>
+          </a:ln>
+        </p:spPr>
+        <p:style>
+          <a:lnRef idx="3">
+            <a:schemeClr val="accent1"/>
+          </a:lnRef>
+          <a:fillRef idx="0">
+            <a:schemeClr val="accent1"/>
+          </a:fillRef>
+          <a:effectRef idx="2">
+            <a:schemeClr val="accent1"/>
+          </a:effectRef>
+          <a:fontRef idx="minor">
+            <a:schemeClr val="tx1"/>
+          </a:fontRef>
+        </p:style>
+      </p:cxnSp>
+      <p:sp>
+        <p:nvSpPr>
+          <p:cNvPr id="48" name="TextBox 47">
+            <a:extLst>
+              <a:ext uri="{FF2B5EF4-FFF2-40B4-BE49-F238E27FC236}">
+                <a16:creationId xmlns:a16="http://schemas.microsoft.com/office/drawing/2014/main" id="{61E607B6-E50F-41C7-AFB8-419D818C25D3}"/>
+              </a:ext>
+            </a:extLst>
+          </p:cNvPr>
+          <p:cNvSpPr txBox="1"/>
+          <p:nvPr/>
+        </p:nvSpPr>
+        <p:spPr>
+          <a:xfrm>
+            <a:off x="4167900" y="318858"/>
+            <a:ext cx="2511393" cy="369332"/>
+          </a:xfrm>
+          <a:prstGeom prst="rect">
+            <a:avLst/>
+          </a:prstGeom>
+          <a:noFill/>
+        </p:spPr>
+        <p:txBody>
+          <a:bodyPr wrap="none" rtlCol="0">
+            <a:spAutoFit/>
+          </a:bodyPr>
+          <a:lstStyle/>
+          <a:p>
+            <a:r>
+              <a:rPr lang="en-US" dirty="0"/>
+              <a:t>Get Security Auth Token</a:t>
+            </a:r>
+          </a:p>
+        </p:txBody>
+      </p:sp>
+    </p:spTree>
+    <p:extLst>
+      <p:ext uri="{BB962C8B-B14F-4D97-AF65-F5344CB8AC3E}">
+        <p14:creationId xmlns:p14="http://schemas.microsoft.com/office/powerpoint/2010/main" val="168514090"/>
+      </p:ext>
+    </p:extLst>
+  </p:cSld>
+  <p:clrMapOvr>
+    <a:masterClrMapping/>
+  </p:clrMapOvr>
+</p:sld>
+</file>
+
+<file path=ppt/slides/slide6.xml><?xml version="1.0" encoding="utf-8"?>
+<p:sld xmlns:a="http://schemas.openxmlformats.org/drawingml/2006/main" xmlns:r="http://schemas.openxmlformats.org/officeDocument/2006/relationships" xmlns:p="http://schemas.openxmlformats.org/presentationml/2006/main">
+  <p:cSld>
+    <p:spTree>
+      <p:nvGrpSpPr>
+        <p:cNvPr id="1" name=""/>
+        <p:cNvGrpSpPr/>
+        <p:nvPr/>
+      </p:nvGrpSpPr>
+      <p:grpSpPr>
+        <a:xfrm>
+          <a:off x="0" y="0"/>
+          <a:ext cx="0" cy="0"/>
+          <a:chOff x="0" y="0"/>
+          <a:chExt cx="0" cy="0"/>
+        </a:xfrm>
+      </p:grpSpPr>
+      <p:sp>
+        <p:nvSpPr>
+          <p:cNvPr id="23" name="Rectangle 22">
+            <a:extLst>
+              <a:ext uri="{FF2B5EF4-FFF2-40B4-BE49-F238E27FC236}">
+                <a16:creationId xmlns:a16="http://schemas.microsoft.com/office/drawing/2014/main" id="{27C3C4B3-9E93-4C47-A8BE-320738C6219A}"/>
+              </a:ext>
+            </a:extLst>
+          </p:cNvPr>
+          <p:cNvSpPr/>
+          <p:nvPr/>
+        </p:nvSpPr>
+        <p:spPr>
+          <a:xfrm>
+            <a:off x="289561" y="155576"/>
+            <a:ext cx="5930721" cy="6538123"/>
+          </a:xfrm>
+          <a:prstGeom prst="rect">
+            <a:avLst/>
+          </a:prstGeom>
+          <a:solidFill>
+            <a:schemeClr val="accent2">
+              <a:lumMod val="40000"/>
+              <a:lumOff val="60000"/>
+            </a:schemeClr>
+          </a:solidFill>
+        </p:spPr>
+        <p:style>
+          <a:lnRef idx="2">
+            <a:schemeClr val="accent1">
+              <a:shade val="50000"/>
+            </a:schemeClr>
+          </a:lnRef>
+          <a:fillRef idx="1">
+            <a:schemeClr val="accent1"/>
+          </a:fillRef>
+          <a:effectRef idx="0">
+            <a:schemeClr val="accent1"/>
+          </a:effectRef>
+          <a:fontRef idx="minor">
+            <a:schemeClr val="lt1"/>
+          </a:fontRef>
+        </p:style>
+        <p:txBody>
+          <a:bodyPr rtlCol="0" anchor="t"/>
+          <a:lstStyle/>
+          <a:p>
+            <a:pPr algn="ctr"/>
+            <a:r>
+              <a:rPr lang="en-US" b="1" dirty="0"/>
+              <a:t>HIE partner types</a:t>
+            </a:r>
+          </a:p>
+        </p:txBody>
+      </p:sp>
+      <p:sp>
+        <p:nvSpPr>
+          <p:cNvPr id="4" name="Rectangle 3">
+            <a:extLst>
+              <a:ext uri="{FF2B5EF4-FFF2-40B4-BE49-F238E27FC236}">
+                <a16:creationId xmlns:a16="http://schemas.microsoft.com/office/drawing/2014/main" id="{59EDAE21-3F15-43EE-8106-631330D0CA78}"/>
+              </a:ext>
+            </a:extLst>
+          </p:cNvPr>
+          <p:cNvSpPr/>
+          <p:nvPr/>
+        </p:nvSpPr>
+        <p:spPr>
+          <a:xfrm>
+            <a:off x="6092824" y="145294"/>
+            <a:ext cx="5930720" cy="6558688"/>
+          </a:xfrm>
+          <a:prstGeom prst="rect">
+            <a:avLst/>
+          </a:prstGeom>
+        </p:spPr>
+        <p:style>
+          <a:lnRef idx="2">
+            <a:schemeClr val="accent1">
+              <a:shade val="50000"/>
+            </a:schemeClr>
+          </a:lnRef>
+          <a:fillRef idx="1">
+            <a:schemeClr val="accent1"/>
+          </a:fillRef>
+          <a:effectRef idx="0">
+            <a:schemeClr val="accent1"/>
+          </a:effectRef>
+          <a:fontRef idx="minor">
+            <a:schemeClr val="lt1"/>
+          </a:fontRef>
+        </p:style>
+        <p:txBody>
+          <a:bodyPr rtlCol="0" anchor="t"/>
+          <a:lstStyle/>
+          <a:p>
+            <a:pPr algn="ctr"/>
+            <a:r>
+              <a:rPr lang="en-US" b="1" dirty="0"/>
+              <a:t>Central Infrastructure</a:t>
+            </a:r>
+          </a:p>
+        </p:txBody>
+      </p:sp>
+      <p:sp>
+        <p:nvSpPr>
+          <p:cNvPr id="27" name="TextBox 26">
+            <a:extLst>
+              <a:ext uri="{FF2B5EF4-FFF2-40B4-BE49-F238E27FC236}">
+                <a16:creationId xmlns:a16="http://schemas.microsoft.com/office/drawing/2014/main" id="{8E31FFFE-708C-4EE5-B05E-EC7BF5ED44D7}"/>
+              </a:ext>
+            </a:extLst>
+          </p:cNvPr>
+          <p:cNvSpPr txBox="1"/>
+          <p:nvPr/>
+        </p:nvSpPr>
+        <p:spPr>
+          <a:xfrm>
+            <a:off x="528687" y="626219"/>
+            <a:ext cx="2524259" cy="4247317"/>
+          </a:xfrm>
+          <a:prstGeom prst="rect">
+            <a:avLst/>
+          </a:prstGeom>
+          <a:noFill/>
+          <a:ln>
+            <a:solidFill>
+              <a:schemeClr val="tx1"/>
+            </a:solidFill>
+          </a:ln>
+        </p:spPr>
+        <p:txBody>
+          <a:bodyPr wrap="square" rtlCol="0">
+            <a:spAutoFit/>
+          </a:bodyPr>
+          <a:lstStyle/>
+          <a:p>
+            <a:r>
+              <a:rPr lang="en-US" dirty="0"/>
+              <a:t>Clinical Data Consumer</a:t>
+            </a:r>
+          </a:p>
+          <a:p>
+            <a:endParaRPr lang="en-US" dirty="0"/>
+          </a:p>
+          <a:p>
+            <a:endParaRPr lang="en-US" dirty="0"/>
+          </a:p>
+          <a:p>
+            <a:endParaRPr lang="en-US" dirty="0"/>
+          </a:p>
+          <a:p>
+            <a:endParaRPr lang="en-US" dirty="0"/>
+          </a:p>
+          <a:p>
+            <a:endParaRPr lang="en-US" dirty="0"/>
+          </a:p>
+          <a:p>
+            <a:endParaRPr lang="en-US" dirty="0"/>
+          </a:p>
+          <a:p>
+            <a:endParaRPr lang="en-US" dirty="0"/>
+          </a:p>
+          <a:p>
+            <a:endParaRPr lang="en-US" dirty="0"/>
+          </a:p>
+          <a:p>
+            <a:endParaRPr lang="en-US" dirty="0"/>
+          </a:p>
+          <a:p>
+            <a:endParaRPr lang="en-US" dirty="0"/>
+          </a:p>
+          <a:p>
+            <a:endParaRPr lang="en-US" dirty="0"/>
+          </a:p>
+          <a:p>
+            <a:endParaRPr lang="en-US" dirty="0"/>
+          </a:p>
+          <a:p>
+            <a:endParaRPr lang="en-US" dirty="0"/>
+          </a:p>
+          <a:p>
+            <a:endParaRPr lang="en-US" dirty="0"/>
+          </a:p>
+        </p:txBody>
+      </p:sp>
+      <p:sp>
+        <p:nvSpPr>
+          <p:cNvPr id="28" name="TextBox 27">
+            <a:extLst>
+              <a:ext uri="{FF2B5EF4-FFF2-40B4-BE49-F238E27FC236}">
+                <a16:creationId xmlns:a16="http://schemas.microsoft.com/office/drawing/2014/main" id="{CA99CEDE-A1CD-4CD4-A3DF-C9240527A2B1}"/>
+              </a:ext>
+            </a:extLst>
+          </p:cNvPr>
+          <p:cNvSpPr txBox="1"/>
+          <p:nvPr/>
+        </p:nvSpPr>
+        <p:spPr>
+          <a:xfrm>
+            <a:off x="7515184" y="897778"/>
+            <a:ext cx="2969964" cy="369332"/>
+          </a:xfrm>
+          <a:prstGeom prst="rect">
+            <a:avLst/>
+          </a:prstGeom>
+          <a:noFill/>
+          <a:ln>
+            <a:solidFill>
+              <a:schemeClr val="tx1"/>
+            </a:solidFill>
+          </a:ln>
+        </p:spPr>
+        <p:txBody>
+          <a:bodyPr wrap="square" rtlCol="0">
+            <a:spAutoFit/>
+          </a:bodyPr>
+          <a:lstStyle/>
+          <a:p>
+            <a:r>
+              <a:rPr lang="en-US" dirty="0"/>
+              <a:t>Certificate Authority</a:t>
+            </a:r>
+          </a:p>
+        </p:txBody>
+      </p:sp>
+      <p:sp>
+        <p:nvSpPr>
+          <p:cNvPr id="29" name="TextBox 28">
+            <a:extLst>
+              <a:ext uri="{FF2B5EF4-FFF2-40B4-BE49-F238E27FC236}">
+                <a16:creationId xmlns:a16="http://schemas.microsoft.com/office/drawing/2014/main" id="{667D0742-048C-45A9-89A6-7BA53CA6111F}"/>
+              </a:ext>
+            </a:extLst>
+          </p:cNvPr>
+          <p:cNvSpPr txBox="1"/>
+          <p:nvPr/>
+        </p:nvSpPr>
+        <p:spPr>
+          <a:xfrm>
+            <a:off x="7515184" y="461842"/>
+            <a:ext cx="2969964" cy="369332"/>
+          </a:xfrm>
+          <a:prstGeom prst="rect">
+            <a:avLst/>
+          </a:prstGeom>
+          <a:noFill/>
+          <a:ln>
+            <a:solidFill>
+              <a:schemeClr val="tx1"/>
+            </a:solidFill>
+          </a:ln>
+        </p:spPr>
+        <p:txBody>
+          <a:bodyPr wrap="square" rtlCol="0">
+            <a:spAutoFit/>
+          </a:bodyPr>
+          <a:lstStyle/>
+          <a:p>
+            <a:r>
+              <a:rPr lang="en-US" dirty="0"/>
+              <a:t>MHDS - Registry</a:t>
+            </a:r>
+          </a:p>
+        </p:txBody>
+      </p:sp>
+      <p:sp>
+        <p:nvSpPr>
+          <p:cNvPr id="30" name="TextBox 29">
+            <a:extLst>
+              <a:ext uri="{FF2B5EF4-FFF2-40B4-BE49-F238E27FC236}">
+                <a16:creationId xmlns:a16="http://schemas.microsoft.com/office/drawing/2014/main" id="{56C17DEB-D46C-4711-BEED-4691F5F8924A}"/>
+              </a:ext>
+            </a:extLst>
+          </p:cNvPr>
+          <p:cNvSpPr txBox="1"/>
+          <p:nvPr/>
+        </p:nvSpPr>
+        <p:spPr>
+          <a:xfrm>
+            <a:off x="7515184" y="1733670"/>
+            <a:ext cx="2969964" cy="369332"/>
+          </a:xfrm>
+          <a:prstGeom prst="rect">
+            <a:avLst/>
+          </a:prstGeom>
+          <a:noFill/>
+          <a:ln>
+            <a:solidFill>
+              <a:schemeClr val="tx1"/>
+            </a:solidFill>
+          </a:ln>
+        </p:spPr>
+        <p:txBody>
+          <a:bodyPr wrap="square" rtlCol="0">
+            <a:spAutoFit/>
+          </a:bodyPr>
+          <a:lstStyle/>
+          <a:p>
+            <a:r>
+              <a:rPr lang="en-US" dirty="0"/>
+              <a:t>PMIR - Patient Manager</a:t>
+            </a:r>
+          </a:p>
+        </p:txBody>
+      </p:sp>
+      <p:sp>
+        <p:nvSpPr>
+          <p:cNvPr id="31" name="TextBox 30">
+            <a:extLst>
+              <a:ext uri="{FF2B5EF4-FFF2-40B4-BE49-F238E27FC236}">
+                <a16:creationId xmlns:a16="http://schemas.microsoft.com/office/drawing/2014/main" id="{50C2EA69-6429-4417-8548-D9CABC5BBB22}"/>
+              </a:ext>
+            </a:extLst>
+          </p:cNvPr>
+          <p:cNvSpPr txBox="1"/>
+          <p:nvPr/>
+        </p:nvSpPr>
+        <p:spPr>
+          <a:xfrm>
+            <a:off x="7505144" y="2169659"/>
+            <a:ext cx="2969964" cy="369332"/>
+          </a:xfrm>
+          <a:prstGeom prst="rect">
+            <a:avLst/>
+          </a:prstGeom>
+          <a:noFill/>
+          <a:ln>
+            <a:solidFill>
+              <a:schemeClr val="tx1"/>
+            </a:solidFill>
+          </a:ln>
+        </p:spPr>
+        <p:txBody>
+          <a:bodyPr wrap="square" rtlCol="0">
+            <a:spAutoFit/>
+          </a:bodyPr>
+          <a:lstStyle/>
+          <a:p>
+            <a:r>
+              <a:rPr lang="en-US" dirty="0"/>
+              <a:t>SVCM - ValueSet Registry</a:t>
+            </a:r>
+          </a:p>
+        </p:txBody>
+      </p:sp>
+      <p:sp>
+        <p:nvSpPr>
+          <p:cNvPr id="32" name="TextBox 31">
+            <a:extLst>
+              <a:ext uri="{FF2B5EF4-FFF2-40B4-BE49-F238E27FC236}">
+                <a16:creationId xmlns:a16="http://schemas.microsoft.com/office/drawing/2014/main" id="{25F91CC1-2808-420F-BF30-3C99BC5B198B}"/>
+              </a:ext>
+            </a:extLst>
+          </p:cNvPr>
+          <p:cNvSpPr txBox="1"/>
+          <p:nvPr/>
+        </p:nvSpPr>
+        <p:spPr>
+          <a:xfrm>
+            <a:off x="7515184" y="1305812"/>
+            <a:ext cx="2969964" cy="369332"/>
+          </a:xfrm>
+          <a:prstGeom prst="rect">
+            <a:avLst/>
+          </a:prstGeom>
+          <a:noFill/>
+          <a:ln>
+            <a:solidFill>
+              <a:schemeClr val="tx1"/>
+            </a:solidFill>
+          </a:ln>
+        </p:spPr>
+        <p:txBody>
+          <a:bodyPr wrap="square" rtlCol="0">
+            <a:spAutoFit/>
+          </a:bodyPr>
+          <a:lstStyle/>
+          <a:p>
+            <a:r>
+              <a:rPr lang="en-US" dirty="0"/>
+              <a:t>CT – Time Service</a:t>
+            </a:r>
+          </a:p>
+        </p:txBody>
+      </p:sp>
+      <p:sp>
+        <p:nvSpPr>
+          <p:cNvPr id="33" name="TextBox 32">
+            <a:extLst>
+              <a:ext uri="{FF2B5EF4-FFF2-40B4-BE49-F238E27FC236}">
+                <a16:creationId xmlns:a16="http://schemas.microsoft.com/office/drawing/2014/main" id="{C46A7726-325D-48EE-A397-C95A034D54F8}"/>
+              </a:ext>
+            </a:extLst>
+          </p:cNvPr>
+          <p:cNvSpPr txBox="1"/>
+          <p:nvPr/>
+        </p:nvSpPr>
+        <p:spPr>
+          <a:xfrm>
+            <a:off x="7505144" y="2572357"/>
+            <a:ext cx="2969964" cy="369332"/>
+          </a:xfrm>
+          <a:prstGeom prst="rect">
+            <a:avLst/>
+          </a:prstGeom>
+          <a:noFill/>
+          <a:ln>
+            <a:solidFill>
+              <a:schemeClr val="tx1"/>
+            </a:solidFill>
+          </a:ln>
+        </p:spPr>
+        <p:txBody>
+          <a:bodyPr wrap="square" rtlCol="0">
+            <a:spAutoFit/>
+          </a:bodyPr>
+          <a:lstStyle/>
+          <a:p>
+            <a:r>
+              <a:rPr lang="en-US" dirty="0"/>
+              <a:t>ATNA – Audit Record Repo</a:t>
+            </a:r>
+          </a:p>
+        </p:txBody>
+      </p:sp>
+      <p:sp>
+        <p:nvSpPr>
+          <p:cNvPr id="34" name="TextBox 33">
+            <a:extLst>
+              <a:ext uri="{FF2B5EF4-FFF2-40B4-BE49-F238E27FC236}">
+                <a16:creationId xmlns:a16="http://schemas.microsoft.com/office/drawing/2014/main" id="{FFBA27B9-D23A-4BB0-811F-43D5F08C77BE}"/>
+              </a:ext>
+            </a:extLst>
+          </p:cNvPr>
+          <p:cNvSpPr txBox="1"/>
+          <p:nvPr/>
+        </p:nvSpPr>
+        <p:spPr>
+          <a:xfrm>
+            <a:off x="7515184" y="3003650"/>
+            <a:ext cx="2969964" cy="369332"/>
+          </a:xfrm>
+          <a:prstGeom prst="rect">
+            <a:avLst/>
+          </a:prstGeom>
+          <a:noFill/>
+          <a:ln>
+            <a:solidFill>
+              <a:schemeClr val="tx1"/>
+            </a:solidFill>
+          </a:ln>
+        </p:spPr>
+        <p:txBody>
+          <a:bodyPr wrap="square" rtlCol="0">
+            <a:spAutoFit/>
+          </a:bodyPr>
+          <a:lstStyle/>
+          <a:p>
+            <a:r>
+              <a:rPr lang="en-US" dirty="0"/>
+              <a:t>mCSD – Provider Directory</a:t>
+            </a:r>
+          </a:p>
+        </p:txBody>
+      </p:sp>
+      <p:sp>
+        <p:nvSpPr>
+          <p:cNvPr id="35" name="TextBox 34">
+            <a:extLst>
+              <a:ext uri="{FF2B5EF4-FFF2-40B4-BE49-F238E27FC236}">
+                <a16:creationId xmlns:a16="http://schemas.microsoft.com/office/drawing/2014/main" id="{26461810-94AC-4479-BECF-2C0E7CDF7E1D}"/>
+              </a:ext>
+            </a:extLst>
+          </p:cNvPr>
+          <p:cNvSpPr txBox="1"/>
+          <p:nvPr/>
+        </p:nvSpPr>
+        <p:spPr>
+          <a:xfrm>
+            <a:off x="7482412" y="4997545"/>
+            <a:ext cx="2969964" cy="369332"/>
+          </a:xfrm>
+          <a:prstGeom prst="rect">
+            <a:avLst/>
+          </a:prstGeom>
+          <a:noFill/>
+          <a:ln>
+            <a:solidFill>
+              <a:schemeClr val="tx1"/>
+            </a:solidFill>
+          </a:ln>
+        </p:spPr>
+        <p:txBody>
+          <a:bodyPr wrap="square" rtlCol="0">
+            <a:spAutoFit/>
+          </a:bodyPr>
+          <a:lstStyle/>
+          <a:p>
+            <a:r>
+              <a:rPr lang="en-US" dirty="0"/>
+              <a:t>NPFS – File Manager</a:t>
+            </a:r>
+          </a:p>
+        </p:txBody>
+      </p:sp>
+      <p:sp>
+        <p:nvSpPr>
+          <p:cNvPr id="36" name="TextBox 35">
+            <a:extLst>
+              <a:ext uri="{FF2B5EF4-FFF2-40B4-BE49-F238E27FC236}">
+                <a16:creationId xmlns:a16="http://schemas.microsoft.com/office/drawing/2014/main" id="{06D1038C-91F7-46FD-BACA-95B1640A940A}"/>
+              </a:ext>
+            </a:extLst>
+          </p:cNvPr>
+          <p:cNvSpPr txBox="1"/>
+          <p:nvPr/>
+        </p:nvSpPr>
+        <p:spPr>
+          <a:xfrm>
+            <a:off x="7515184" y="3613351"/>
+            <a:ext cx="2969964" cy="369332"/>
+          </a:xfrm>
+          <a:prstGeom prst="rect">
+            <a:avLst/>
+          </a:prstGeom>
+          <a:noFill/>
+          <a:ln>
+            <a:solidFill>
+              <a:schemeClr val="tx1"/>
+            </a:solidFill>
+          </a:ln>
+        </p:spPr>
+        <p:txBody>
+          <a:bodyPr wrap="square" rtlCol="0">
+            <a:spAutoFit/>
+          </a:bodyPr>
+          <a:lstStyle/>
+          <a:p>
+            <a:r>
+              <a:rPr lang="en-US" dirty="0"/>
+              <a:t>mXDE – Data Element Extract</a:t>
+            </a:r>
+          </a:p>
+        </p:txBody>
+      </p:sp>
+      <p:sp>
+        <p:nvSpPr>
+          <p:cNvPr id="37" name="TextBox 36">
+            <a:extLst>
+              <a:ext uri="{FF2B5EF4-FFF2-40B4-BE49-F238E27FC236}">
+                <a16:creationId xmlns:a16="http://schemas.microsoft.com/office/drawing/2014/main" id="{A9A22824-3500-4267-BF55-7E641E9DFC81}"/>
+              </a:ext>
+            </a:extLst>
+          </p:cNvPr>
+          <p:cNvSpPr txBox="1"/>
+          <p:nvPr/>
+        </p:nvSpPr>
+        <p:spPr>
+          <a:xfrm>
+            <a:off x="7832714" y="3987549"/>
+            <a:ext cx="2969964" cy="369332"/>
+          </a:xfrm>
+          <a:prstGeom prst="rect">
+            <a:avLst/>
+          </a:prstGeom>
+          <a:noFill/>
+          <a:ln>
+            <a:solidFill>
+              <a:schemeClr val="tx1"/>
+            </a:solidFill>
+          </a:ln>
+        </p:spPr>
+        <p:txBody>
+          <a:bodyPr wrap="square" rtlCol="0">
+            <a:spAutoFit/>
+          </a:bodyPr>
+          <a:lstStyle/>
+          <a:p>
+            <a:r>
+              <a:rPr lang="en-US" dirty="0"/>
+              <a:t>QEDm –Clinical Data Source</a:t>
+            </a:r>
+          </a:p>
+        </p:txBody>
+      </p:sp>
+      <p:sp>
+        <p:nvSpPr>
+          <p:cNvPr id="38" name="TextBox 37">
+            <a:extLst>
+              <a:ext uri="{FF2B5EF4-FFF2-40B4-BE49-F238E27FC236}">
+                <a16:creationId xmlns:a16="http://schemas.microsoft.com/office/drawing/2014/main" id="{5289A489-DAF5-459B-8C2C-E78503073D98}"/>
+              </a:ext>
+            </a:extLst>
+          </p:cNvPr>
+          <p:cNvSpPr txBox="1"/>
+          <p:nvPr/>
+        </p:nvSpPr>
+        <p:spPr>
+          <a:xfrm>
+            <a:off x="7482412" y="6216734"/>
+            <a:ext cx="2969964" cy="369332"/>
+          </a:xfrm>
+          <a:prstGeom prst="rect">
+            <a:avLst/>
+          </a:prstGeom>
+          <a:noFill/>
+          <a:ln>
+            <a:solidFill>
+              <a:schemeClr val="tx1"/>
+            </a:solidFill>
+          </a:ln>
+        </p:spPr>
+        <p:txBody>
+          <a:bodyPr wrap="square" rtlCol="0">
+            <a:spAutoFit/>
+          </a:bodyPr>
+          <a:lstStyle/>
+          <a:p>
+            <a:r>
+              <a:rPr lang="en-US" dirty="0"/>
+              <a:t>Consent Manager</a:t>
+            </a:r>
+          </a:p>
+        </p:txBody>
+      </p:sp>
+      <p:sp>
+        <p:nvSpPr>
+          <p:cNvPr id="39" name="TextBox 38">
+            <a:extLst>
+              <a:ext uri="{FF2B5EF4-FFF2-40B4-BE49-F238E27FC236}">
+                <a16:creationId xmlns:a16="http://schemas.microsoft.com/office/drawing/2014/main" id="{E2287BF6-823F-42ED-A97B-3E595CD4CDD0}"/>
+              </a:ext>
+            </a:extLst>
+          </p:cNvPr>
+          <p:cNvSpPr txBox="1"/>
+          <p:nvPr/>
+        </p:nvSpPr>
+        <p:spPr>
+          <a:xfrm rot="5400000">
+            <a:off x="3896426" y="3299103"/>
+            <a:ext cx="6470163" cy="369332"/>
+          </a:xfrm>
+          <a:prstGeom prst="rect">
+            <a:avLst/>
+          </a:prstGeom>
+          <a:noFill/>
+          <a:ln>
+            <a:solidFill>
+              <a:schemeClr val="tx1"/>
+            </a:solidFill>
+          </a:ln>
+        </p:spPr>
+        <p:txBody>
+          <a:bodyPr wrap="square" rtlCol="0">
+            <a:spAutoFit/>
+          </a:bodyPr>
+          <a:lstStyle/>
+          <a:p>
+            <a:r>
+              <a:rPr lang="en-US" dirty="0"/>
+              <a:t>Access Control</a:t>
+            </a:r>
+          </a:p>
+        </p:txBody>
+      </p:sp>
+      <p:sp>
+        <p:nvSpPr>
+          <p:cNvPr id="40" name="TextBox 39">
+            <a:extLst>
+              <a:ext uri="{FF2B5EF4-FFF2-40B4-BE49-F238E27FC236}">
+                <a16:creationId xmlns:a16="http://schemas.microsoft.com/office/drawing/2014/main" id="{C8FF9E79-9D59-4560-A315-DC6C7C276898}"/>
+              </a:ext>
+            </a:extLst>
+          </p:cNvPr>
+          <p:cNvSpPr txBox="1"/>
+          <p:nvPr/>
+        </p:nvSpPr>
+        <p:spPr>
+          <a:xfrm>
+            <a:off x="7482412" y="4541547"/>
+            <a:ext cx="2969964" cy="369332"/>
+          </a:xfrm>
+          <a:prstGeom prst="rect">
+            <a:avLst/>
+          </a:prstGeom>
+          <a:noFill/>
+          <a:ln>
+            <a:solidFill>
+              <a:schemeClr val="tx1"/>
+            </a:solidFill>
+          </a:ln>
+        </p:spPr>
+        <p:txBody>
+          <a:bodyPr wrap="square" rtlCol="0">
+            <a:spAutoFit/>
+          </a:bodyPr>
+          <a:lstStyle/>
+          <a:p>
+            <a:r>
+              <a:rPr lang="en-US" dirty="0" err="1"/>
+              <a:t>mACM</a:t>
+            </a:r>
+            <a:r>
+              <a:rPr lang="en-US" dirty="0"/>
+              <a:t> –Alert Comm </a:t>
+            </a:r>
+            <a:r>
+              <a:rPr lang="en-US" dirty="0" err="1"/>
+              <a:t>Mgr</a:t>
+            </a:r>
+            <a:endParaRPr lang="en-US" dirty="0"/>
+          </a:p>
+        </p:txBody>
+      </p:sp>
+      <p:cxnSp>
+        <p:nvCxnSpPr>
+          <p:cNvPr id="24" name="Straight Arrow Connector 23">
+            <a:extLst>
+              <a:ext uri="{FF2B5EF4-FFF2-40B4-BE49-F238E27FC236}">
+                <a16:creationId xmlns:a16="http://schemas.microsoft.com/office/drawing/2014/main" id="{A82E44FD-4037-41E6-8D49-C0DA71B3FDCB}"/>
+              </a:ext>
+            </a:extLst>
+          </p:cNvPr>
+          <p:cNvCxnSpPr>
+            <a:cxnSpLocks/>
+            <a:endCxn id="28" idx="1"/>
+          </p:cNvCxnSpPr>
+          <p:nvPr/>
+        </p:nvCxnSpPr>
+        <p:spPr>
+          <a:xfrm flipV="1">
+            <a:off x="3052946" y="1082444"/>
+            <a:ext cx="4462238" cy="32254"/>
+          </a:xfrm>
+          <a:prstGeom prst="straightConnector1">
+            <a:avLst/>
+          </a:prstGeom>
+          <a:ln>
+            <a:solidFill>
+              <a:schemeClr val="bg1"/>
+            </a:solidFill>
+            <a:tailEnd type="triangle"/>
+          </a:ln>
+        </p:spPr>
+        <p:style>
+          <a:lnRef idx="3">
+            <a:schemeClr val="accent1"/>
+          </a:lnRef>
+          <a:fillRef idx="0">
+            <a:schemeClr val="accent1"/>
+          </a:fillRef>
+          <a:effectRef idx="2">
+            <a:schemeClr val="accent1"/>
+          </a:effectRef>
+          <a:fontRef idx="minor">
+            <a:schemeClr val="tx1"/>
+          </a:fontRef>
+        </p:style>
+      </p:cxnSp>
+      <p:cxnSp>
+        <p:nvCxnSpPr>
+          <p:cNvPr id="26" name="Straight Arrow Connector 25">
+            <a:extLst>
+              <a:ext uri="{FF2B5EF4-FFF2-40B4-BE49-F238E27FC236}">
+                <a16:creationId xmlns:a16="http://schemas.microsoft.com/office/drawing/2014/main" id="{F1477231-46B5-454F-BC30-10E3E630C2AF}"/>
+              </a:ext>
+            </a:extLst>
+          </p:cNvPr>
+          <p:cNvCxnSpPr>
+            <a:cxnSpLocks/>
+            <a:endCxn id="32" idx="1"/>
+          </p:cNvCxnSpPr>
+          <p:nvPr/>
+        </p:nvCxnSpPr>
+        <p:spPr>
+          <a:xfrm>
+            <a:off x="3052946" y="1464362"/>
+            <a:ext cx="4462238" cy="26116"/>
+          </a:xfrm>
+          <a:prstGeom prst="straightConnector1">
+            <a:avLst/>
+          </a:prstGeom>
+          <a:ln>
+            <a:solidFill>
+              <a:schemeClr val="bg1"/>
+            </a:solidFill>
+            <a:tailEnd type="triangle"/>
+          </a:ln>
+        </p:spPr>
+        <p:style>
+          <a:lnRef idx="3">
+            <a:schemeClr val="accent1"/>
+          </a:lnRef>
+          <a:fillRef idx="0">
+            <a:schemeClr val="accent1"/>
+          </a:fillRef>
+          <a:effectRef idx="2">
+            <a:schemeClr val="accent1"/>
+          </a:effectRef>
+          <a:fontRef idx="minor">
+            <a:schemeClr val="tx1"/>
+          </a:fontRef>
+        </p:style>
+      </p:cxnSp>
+      <p:cxnSp>
+        <p:nvCxnSpPr>
+          <p:cNvPr id="41" name="Straight Arrow Connector 40">
+            <a:extLst>
+              <a:ext uri="{FF2B5EF4-FFF2-40B4-BE49-F238E27FC236}">
+                <a16:creationId xmlns:a16="http://schemas.microsoft.com/office/drawing/2014/main" id="{61863785-FBE7-4A8E-8DA5-2D5E2DC694B3}"/>
+              </a:ext>
+            </a:extLst>
+          </p:cNvPr>
+          <p:cNvCxnSpPr>
+            <a:cxnSpLocks/>
+            <a:endCxn id="30" idx="1"/>
+          </p:cNvCxnSpPr>
+          <p:nvPr/>
+        </p:nvCxnSpPr>
+        <p:spPr>
+          <a:xfrm>
+            <a:off x="3087537" y="1695652"/>
+            <a:ext cx="4427647" cy="222684"/>
+          </a:xfrm>
+          <a:prstGeom prst="straightConnector1">
+            <a:avLst/>
+          </a:prstGeom>
+          <a:ln w="88900">
+            <a:solidFill>
+              <a:schemeClr val="bg1"/>
+            </a:solidFill>
+            <a:tailEnd type="triangle"/>
+          </a:ln>
+        </p:spPr>
+        <p:style>
+          <a:lnRef idx="3">
+            <a:schemeClr val="accent1"/>
+          </a:lnRef>
+          <a:fillRef idx="0">
+            <a:schemeClr val="accent1"/>
+          </a:fillRef>
+          <a:effectRef idx="2">
+            <a:schemeClr val="accent1"/>
+          </a:effectRef>
+          <a:fontRef idx="minor">
+            <a:schemeClr val="tx1"/>
+          </a:fontRef>
+        </p:style>
+      </p:cxnSp>
+      <p:cxnSp>
+        <p:nvCxnSpPr>
+          <p:cNvPr id="42" name="Straight Arrow Connector 41">
+            <a:extLst>
+              <a:ext uri="{FF2B5EF4-FFF2-40B4-BE49-F238E27FC236}">
+                <a16:creationId xmlns:a16="http://schemas.microsoft.com/office/drawing/2014/main" id="{530041D0-9A73-4F8C-BEEB-45F23686DFB0}"/>
+              </a:ext>
+            </a:extLst>
+          </p:cNvPr>
+          <p:cNvCxnSpPr>
+            <a:cxnSpLocks/>
+          </p:cNvCxnSpPr>
+          <p:nvPr/>
+        </p:nvCxnSpPr>
+        <p:spPr>
+          <a:xfrm>
+            <a:off x="3052946" y="2283263"/>
+            <a:ext cx="4462238" cy="71810"/>
+          </a:xfrm>
+          <a:prstGeom prst="straightConnector1">
+            <a:avLst/>
+          </a:prstGeom>
+          <a:ln>
+            <a:solidFill>
+              <a:schemeClr val="bg1"/>
+            </a:solidFill>
+            <a:prstDash val="dash"/>
+            <a:tailEnd type="triangle"/>
+          </a:ln>
+        </p:spPr>
+        <p:style>
+          <a:lnRef idx="3">
+            <a:schemeClr val="accent1"/>
+          </a:lnRef>
+          <a:fillRef idx="0">
+            <a:schemeClr val="accent1"/>
+          </a:fillRef>
+          <a:effectRef idx="2">
+            <a:schemeClr val="accent1"/>
+          </a:effectRef>
+          <a:fontRef idx="minor">
+            <a:schemeClr val="tx1"/>
+          </a:fontRef>
+        </p:style>
+      </p:cxnSp>
+      <p:cxnSp>
+        <p:nvCxnSpPr>
+          <p:cNvPr id="43" name="Straight Arrow Connector 42">
+            <a:extLst>
+              <a:ext uri="{FF2B5EF4-FFF2-40B4-BE49-F238E27FC236}">
+                <a16:creationId xmlns:a16="http://schemas.microsoft.com/office/drawing/2014/main" id="{19BF4A5D-B01C-44D8-81EF-7C465930A59A}"/>
+              </a:ext>
+            </a:extLst>
+          </p:cNvPr>
+          <p:cNvCxnSpPr>
+            <a:cxnSpLocks/>
+            <a:endCxn id="33" idx="1"/>
+          </p:cNvCxnSpPr>
+          <p:nvPr/>
+        </p:nvCxnSpPr>
+        <p:spPr>
+          <a:xfrm>
+            <a:off x="3052946" y="2642530"/>
+            <a:ext cx="4452198" cy="114493"/>
+          </a:xfrm>
+          <a:prstGeom prst="straightConnector1">
+            <a:avLst/>
+          </a:prstGeom>
+          <a:ln>
+            <a:solidFill>
+              <a:schemeClr val="bg1"/>
+            </a:solidFill>
+            <a:tailEnd type="triangle"/>
+          </a:ln>
+        </p:spPr>
+        <p:style>
+          <a:lnRef idx="3">
+            <a:schemeClr val="accent1"/>
+          </a:lnRef>
+          <a:fillRef idx="0">
+            <a:schemeClr val="accent1"/>
+          </a:fillRef>
+          <a:effectRef idx="2">
+            <a:schemeClr val="accent1"/>
+          </a:effectRef>
+          <a:fontRef idx="minor">
+            <a:schemeClr val="tx1"/>
+          </a:fontRef>
+        </p:style>
+      </p:cxnSp>
+      <p:cxnSp>
+        <p:nvCxnSpPr>
+          <p:cNvPr id="44" name="Straight Arrow Connector 43">
+            <a:extLst>
+              <a:ext uri="{FF2B5EF4-FFF2-40B4-BE49-F238E27FC236}">
+                <a16:creationId xmlns:a16="http://schemas.microsoft.com/office/drawing/2014/main" id="{5A7B8C74-DFF6-40D7-AC3E-67D657F966EB}"/>
+              </a:ext>
+            </a:extLst>
+          </p:cNvPr>
+          <p:cNvCxnSpPr>
+            <a:cxnSpLocks/>
+            <a:endCxn id="34" idx="1"/>
+          </p:cNvCxnSpPr>
+          <p:nvPr/>
+        </p:nvCxnSpPr>
+        <p:spPr>
+          <a:xfrm>
+            <a:off x="3076007" y="3003650"/>
+            <a:ext cx="4439177" cy="184666"/>
+          </a:xfrm>
+          <a:prstGeom prst="straightConnector1">
+            <a:avLst/>
+          </a:prstGeom>
+          <a:ln>
+            <a:solidFill>
+              <a:schemeClr val="bg1"/>
+            </a:solidFill>
+            <a:prstDash val="dash"/>
+            <a:tailEnd type="triangle"/>
+          </a:ln>
+        </p:spPr>
+        <p:style>
+          <a:lnRef idx="3">
+            <a:schemeClr val="accent1"/>
+          </a:lnRef>
+          <a:fillRef idx="0">
+            <a:schemeClr val="accent1"/>
+          </a:fillRef>
+          <a:effectRef idx="2">
+            <a:schemeClr val="accent1"/>
+          </a:effectRef>
+          <a:fontRef idx="minor">
+            <a:schemeClr val="tx1"/>
+          </a:fontRef>
+        </p:style>
+      </p:cxnSp>
+      <p:sp>
+        <p:nvSpPr>
+          <p:cNvPr id="20" name="TextBox 19">
+            <a:extLst>
+              <a:ext uri="{FF2B5EF4-FFF2-40B4-BE49-F238E27FC236}">
+                <a16:creationId xmlns:a16="http://schemas.microsoft.com/office/drawing/2014/main" id="{B175D033-0B2A-40BA-AFAD-11E53B862FDF}"/>
+              </a:ext>
+            </a:extLst>
+          </p:cNvPr>
+          <p:cNvSpPr txBox="1"/>
+          <p:nvPr/>
+        </p:nvSpPr>
+        <p:spPr>
+          <a:xfrm>
+            <a:off x="5046148" y="2722953"/>
+            <a:ext cx="1918539" cy="923330"/>
+          </a:xfrm>
+          <a:prstGeom prst="rect">
+            <a:avLst/>
+          </a:prstGeom>
+          <a:noFill/>
+        </p:spPr>
+        <p:txBody>
+          <a:bodyPr wrap="none" rtlCol="0">
+            <a:spAutoFit/>
+          </a:bodyPr>
+          <a:lstStyle/>
+          <a:p>
+            <a:r>
+              <a:rPr lang="en-US" dirty="0"/>
+              <a:t>Find Endpoints</a:t>
+            </a:r>
+          </a:p>
+          <a:p>
+            <a:r>
+              <a:rPr lang="en-US" dirty="0"/>
+              <a:t>Find Organizations</a:t>
+            </a:r>
+          </a:p>
+          <a:p>
+            <a:r>
+              <a:rPr lang="en-US" dirty="0"/>
+              <a:t>Find Practitioners</a:t>
+            </a:r>
+          </a:p>
+        </p:txBody>
+      </p:sp>
+      <p:sp>
+        <p:nvSpPr>
+          <p:cNvPr id="22" name="TextBox 21">
+            <a:extLst>
+              <a:ext uri="{FF2B5EF4-FFF2-40B4-BE49-F238E27FC236}">
+                <a16:creationId xmlns:a16="http://schemas.microsoft.com/office/drawing/2014/main" id="{68886F65-45F9-4BF4-90A4-8B67D7421D01}"/>
+              </a:ext>
+            </a:extLst>
+          </p:cNvPr>
+          <p:cNvSpPr txBox="1"/>
+          <p:nvPr/>
+        </p:nvSpPr>
+        <p:spPr>
+          <a:xfrm>
+            <a:off x="3457830" y="2507620"/>
+            <a:ext cx="1970796" cy="369332"/>
+          </a:xfrm>
+          <a:prstGeom prst="rect">
+            <a:avLst/>
+          </a:prstGeom>
+          <a:noFill/>
+        </p:spPr>
+        <p:txBody>
+          <a:bodyPr wrap="none" rtlCol="0">
+            <a:spAutoFit/>
+          </a:bodyPr>
+          <a:lstStyle/>
+          <a:p>
+            <a:r>
+              <a:rPr lang="en-US" dirty="0"/>
+              <a:t>Record Audit Event</a:t>
+            </a:r>
+          </a:p>
+        </p:txBody>
+      </p:sp>
+      <p:sp>
+        <p:nvSpPr>
+          <p:cNvPr id="45" name="TextBox 44">
+            <a:extLst>
+              <a:ext uri="{FF2B5EF4-FFF2-40B4-BE49-F238E27FC236}">
+                <a16:creationId xmlns:a16="http://schemas.microsoft.com/office/drawing/2014/main" id="{D36F3662-31E3-4DC0-AAD0-43E8CDD03D1F}"/>
+              </a:ext>
+            </a:extLst>
+          </p:cNvPr>
+          <p:cNvSpPr txBox="1"/>
+          <p:nvPr/>
+        </p:nvSpPr>
+        <p:spPr>
+          <a:xfrm>
+            <a:off x="4099622" y="2156873"/>
+            <a:ext cx="2427396" cy="369332"/>
+          </a:xfrm>
+          <a:prstGeom prst="rect">
+            <a:avLst/>
+          </a:prstGeom>
+          <a:noFill/>
+        </p:spPr>
+        <p:txBody>
+          <a:bodyPr wrap="none" rtlCol="0">
+            <a:spAutoFit/>
+          </a:bodyPr>
+          <a:lstStyle/>
+          <a:p>
+            <a:r>
+              <a:rPr lang="en-US" dirty="0"/>
+              <a:t>Lookup </a:t>
+            </a:r>
+            <a:r>
+              <a:rPr lang="en-US" dirty="0" err="1"/>
+              <a:t>Valueset</a:t>
+            </a:r>
+            <a:r>
+              <a:rPr lang="en-US" dirty="0"/>
+              <a:t> entries</a:t>
+            </a:r>
+          </a:p>
+        </p:txBody>
+      </p:sp>
+      <p:sp>
+        <p:nvSpPr>
+          <p:cNvPr id="47" name="TextBox 46">
+            <a:extLst>
+              <a:ext uri="{FF2B5EF4-FFF2-40B4-BE49-F238E27FC236}">
+                <a16:creationId xmlns:a16="http://schemas.microsoft.com/office/drawing/2014/main" id="{16DD801F-2081-477B-AC3F-4C42367FDCBE}"/>
+              </a:ext>
+            </a:extLst>
+          </p:cNvPr>
+          <p:cNvSpPr txBox="1"/>
+          <p:nvPr/>
+        </p:nvSpPr>
+        <p:spPr>
+          <a:xfrm>
+            <a:off x="3381573" y="1483828"/>
+            <a:ext cx="2800447" cy="646331"/>
+          </a:xfrm>
+          <a:prstGeom prst="rect">
+            <a:avLst/>
+          </a:prstGeom>
+          <a:noFill/>
+        </p:spPr>
+        <p:txBody>
+          <a:bodyPr wrap="none" rtlCol="0">
+            <a:spAutoFit/>
+          </a:bodyPr>
+          <a:lstStyle/>
+          <a:p>
+            <a:r>
+              <a:rPr lang="en-US" dirty="0"/>
+              <a:t>Feed Patient Updates</a:t>
+            </a:r>
+          </a:p>
+          <a:p>
+            <a:r>
+              <a:rPr lang="en-US" dirty="0"/>
+              <a:t>Find Patient Master Identity</a:t>
+            </a:r>
+          </a:p>
+        </p:txBody>
+      </p:sp>
+      <p:sp>
+        <p:nvSpPr>
+          <p:cNvPr id="49" name="TextBox 48">
+            <a:extLst>
+              <a:ext uri="{FF2B5EF4-FFF2-40B4-BE49-F238E27FC236}">
+                <a16:creationId xmlns:a16="http://schemas.microsoft.com/office/drawing/2014/main" id="{68543A5D-523E-44DD-B04F-2E9CDC7F7AC7}"/>
+              </a:ext>
+            </a:extLst>
+          </p:cNvPr>
+          <p:cNvSpPr txBox="1"/>
+          <p:nvPr/>
+        </p:nvSpPr>
+        <p:spPr>
+          <a:xfrm>
+            <a:off x="5078744" y="1279371"/>
+            <a:ext cx="1129220" cy="369332"/>
+          </a:xfrm>
+          <a:prstGeom prst="rect">
+            <a:avLst/>
+          </a:prstGeom>
+          <a:noFill/>
+        </p:spPr>
+        <p:txBody>
+          <a:bodyPr wrap="none" rtlCol="0">
+            <a:spAutoFit/>
+          </a:bodyPr>
+          <a:lstStyle/>
+          <a:p>
+            <a:r>
+              <a:rPr lang="en-US" dirty="0"/>
+              <a:t>Sync Time</a:t>
+            </a:r>
+          </a:p>
+        </p:txBody>
+      </p:sp>
+      <p:sp>
+        <p:nvSpPr>
+          <p:cNvPr id="50" name="TextBox 49">
+            <a:extLst>
+              <a:ext uri="{FF2B5EF4-FFF2-40B4-BE49-F238E27FC236}">
+                <a16:creationId xmlns:a16="http://schemas.microsoft.com/office/drawing/2014/main" id="{584598C2-3F17-4B59-B27C-0CF5CDB9D7F0}"/>
+              </a:ext>
+            </a:extLst>
+          </p:cNvPr>
+          <p:cNvSpPr txBox="1"/>
+          <p:nvPr/>
+        </p:nvSpPr>
+        <p:spPr>
+          <a:xfrm>
+            <a:off x="3675017" y="952046"/>
+            <a:ext cx="3038396" cy="369332"/>
+          </a:xfrm>
+          <a:prstGeom prst="rect">
+            <a:avLst/>
+          </a:prstGeom>
+          <a:noFill/>
+        </p:spPr>
+        <p:txBody>
+          <a:bodyPr wrap="none" rtlCol="0">
+            <a:spAutoFit/>
+          </a:bodyPr>
+          <a:lstStyle/>
+          <a:p>
+            <a:r>
+              <a:rPr lang="en-US" dirty="0"/>
+              <a:t>Register Cert, Cert Revocation </a:t>
+            </a:r>
+          </a:p>
+        </p:txBody>
+      </p:sp>
+      <p:cxnSp>
+        <p:nvCxnSpPr>
+          <p:cNvPr id="54" name="Straight Arrow Connector 53">
+            <a:extLst>
+              <a:ext uri="{FF2B5EF4-FFF2-40B4-BE49-F238E27FC236}">
+                <a16:creationId xmlns:a16="http://schemas.microsoft.com/office/drawing/2014/main" id="{2B679FC9-8584-4E10-B4EC-64E2BB8A5E04}"/>
+              </a:ext>
+            </a:extLst>
+          </p:cNvPr>
+          <p:cNvCxnSpPr>
+            <a:cxnSpLocks/>
+          </p:cNvCxnSpPr>
+          <p:nvPr/>
+        </p:nvCxnSpPr>
+        <p:spPr>
+          <a:xfrm>
+            <a:off x="3043235" y="3923098"/>
+            <a:ext cx="4439177" cy="1259113"/>
+          </a:xfrm>
+          <a:prstGeom prst="straightConnector1">
+            <a:avLst/>
+          </a:prstGeom>
+          <a:ln>
+            <a:solidFill>
+              <a:schemeClr val="bg1"/>
+            </a:solidFill>
+            <a:prstDash val="dash"/>
+            <a:tailEnd type="triangle"/>
+          </a:ln>
+        </p:spPr>
+        <p:style>
+          <a:lnRef idx="3">
+            <a:schemeClr val="accent1"/>
+          </a:lnRef>
+          <a:fillRef idx="0">
+            <a:schemeClr val="accent1"/>
+          </a:fillRef>
+          <a:effectRef idx="2">
+            <a:schemeClr val="accent1"/>
+          </a:effectRef>
+          <a:fontRef idx="minor">
+            <a:schemeClr val="tx1"/>
+          </a:fontRef>
+        </p:style>
+      </p:cxnSp>
+      <p:sp>
+        <p:nvSpPr>
+          <p:cNvPr id="56" name="TextBox 55">
+            <a:extLst>
+              <a:ext uri="{FF2B5EF4-FFF2-40B4-BE49-F238E27FC236}">
+                <a16:creationId xmlns:a16="http://schemas.microsoft.com/office/drawing/2014/main" id="{3A35DEAE-7086-49A4-9CDC-B5F8A3216C77}"/>
+              </a:ext>
+            </a:extLst>
+          </p:cNvPr>
+          <p:cNvSpPr txBox="1"/>
+          <p:nvPr/>
+        </p:nvSpPr>
+        <p:spPr>
+          <a:xfrm>
+            <a:off x="4311729" y="4147688"/>
+            <a:ext cx="1931747" cy="646331"/>
+          </a:xfrm>
+          <a:prstGeom prst="rect">
+            <a:avLst/>
+          </a:prstGeom>
+          <a:noFill/>
+        </p:spPr>
+        <p:txBody>
+          <a:bodyPr wrap="none" rtlCol="0">
+            <a:spAutoFit/>
+          </a:bodyPr>
+          <a:lstStyle/>
+          <a:p>
+            <a:r>
+              <a:rPr lang="en-US" dirty="0"/>
+              <a:t>Configuration Files</a:t>
+            </a:r>
+          </a:p>
+          <a:p>
+            <a:r>
+              <a:rPr lang="en-US" dirty="0"/>
+              <a:t>Privacy Policy</a:t>
+            </a:r>
+          </a:p>
+        </p:txBody>
+      </p:sp>
+      <p:cxnSp>
+        <p:nvCxnSpPr>
+          <p:cNvPr id="57" name="Straight Arrow Connector 56">
+            <a:extLst>
+              <a:ext uri="{FF2B5EF4-FFF2-40B4-BE49-F238E27FC236}">
+                <a16:creationId xmlns:a16="http://schemas.microsoft.com/office/drawing/2014/main" id="{98C59BCE-5CF4-4147-8B96-996A39244C0A}"/>
+              </a:ext>
+            </a:extLst>
+          </p:cNvPr>
+          <p:cNvCxnSpPr>
+            <a:cxnSpLocks/>
+            <a:endCxn id="38" idx="1"/>
+          </p:cNvCxnSpPr>
+          <p:nvPr/>
+        </p:nvCxnSpPr>
+        <p:spPr>
+          <a:xfrm>
+            <a:off x="3043234" y="4674023"/>
+            <a:ext cx="4439178" cy="1727377"/>
+          </a:xfrm>
+          <a:prstGeom prst="straightConnector1">
+            <a:avLst/>
+          </a:prstGeom>
+          <a:ln>
+            <a:solidFill>
+              <a:schemeClr val="bg1"/>
+            </a:solidFill>
+            <a:prstDash val="dash"/>
+            <a:tailEnd type="triangle"/>
+          </a:ln>
+        </p:spPr>
+        <p:style>
+          <a:lnRef idx="3">
+            <a:schemeClr val="accent1"/>
+          </a:lnRef>
+          <a:fillRef idx="0">
+            <a:schemeClr val="accent1"/>
+          </a:fillRef>
+          <a:effectRef idx="2">
+            <a:schemeClr val="accent1"/>
+          </a:effectRef>
+          <a:fontRef idx="minor">
+            <a:schemeClr val="tx1"/>
+          </a:fontRef>
+        </p:style>
+      </p:cxnSp>
+      <p:sp>
+        <p:nvSpPr>
+          <p:cNvPr id="59" name="TextBox 58">
+            <a:extLst>
+              <a:ext uri="{FF2B5EF4-FFF2-40B4-BE49-F238E27FC236}">
+                <a16:creationId xmlns:a16="http://schemas.microsoft.com/office/drawing/2014/main" id="{73872795-CFCB-45EA-AA74-7B8F9F0A86F8}"/>
+              </a:ext>
+            </a:extLst>
+          </p:cNvPr>
+          <p:cNvSpPr txBox="1"/>
+          <p:nvPr/>
+        </p:nvSpPr>
+        <p:spPr>
+          <a:xfrm>
+            <a:off x="4363973" y="5160239"/>
+            <a:ext cx="1741439" cy="646331"/>
+          </a:xfrm>
+          <a:prstGeom prst="rect">
+            <a:avLst/>
+          </a:prstGeom>
+          <a:noFill/>
+        </p:spPr>
+        <p:txBody>
+          <a:bodyPr wrap="none" rtlCol="0">
+            <a:spAutoFit/>
+          </a:bodyPr>
+          <a:lstStyle/>
+          <a:p>
+            <a:r>
+              <a:rPr lang="en-US" dirty="0"/>
+              <a:t>Record Consent</a:t>
+            </a:r>
+          </a:p>
+          <a:p>
+            <a:r>
+              <a:rPr lang="en-US" dirty="0"/>
+              <a:t>Replace Consent</a:t>
+            </a:r>
+          </a:p>
+        </p:txBody>
+      </p:sp>
+      <p:cxnSp>
+        <p:nvCxnSpPr>
+          <p:cNvPr id="46" name="Straight Arrow Connector 45">
+            <a:extLst>
+              <a:ext uri="{FF2B5EF4-FFF2-40B4-BE49-F238E27FC236}">
+                <a16:creationId xmlns:a16="http://schemas.microsoft.com/office/drawing/2014/main" id="{4A298679-166D-430B-8651-8195A41ABEC0}"/>
+              </a:ext>
+            </a:extLst>
+          </p:cNvPr>
+          <p:cNvCxnSpPr>
+            <a:cxnSpLocks/>
+          </p:cNvCxnSpPr>
+          <p:nvPr/>
+        </p:nvCxnSpPr>
+        <p:spPr>
+          <a:xfrm>
+            <a:off x="3076007" y="3454780"/>
+            <a:ext cx="4756707" cy="717435"/>
+          </a:xfrm>
+          <a:prstGeom prst="straightConnector1">
+            <a:avLst/>
+          </a:prstGeom>
+          <a:ln w="88900">
+            <a:solidFill>
+              <a:schemeClr val="bg1"/>
+            </a:solidFill>
+            <a:tailEnd type="triangle"/>
+          </a:ln>
+        </p:spPr>
+        <p:style>
+          <a:lnRef idx="3">
+            <a:schemeClr val="accent1"/>
+          </a:lnRef>
+          <a:fillRef idx="0">
+            <a:schemeClr val="accent1"/>
+          </a:fillRef>
+          <a:effectRef idx="2">
+            <a:schemeClr val="accent1"/>
+          </a:effectRef>
+          <a:fontRef idx="minor">
+            <a:schemeClr val="tx1"/>
+          </a:fontRef>
+        </p:style>
+      </p:cxnSp>
+      <p:sp>
+        <p:nvSpPr>
+          <p:cNvPr id="5" name="TextBox 4">
+            <a:extLst>
+              <a:ext uri="{FF2B5EF4-FFF2-40B4-BE49-F238E27FC236}">
+                <a16:creationId xmlns:a16="http://schemas.microsoft.com/office/drawing/2014/main" id="{A7CADF3E-C9D8-4B62-83A2-74169264144F}"/>
+              </a:ext>
+            </a:extLst>
+          </p:cNvPr>
+          <p:cNvSpPr txBox="1"/>
+          <p:nvPr/>
+        </p:nvSpPr>
+        <p:spPr>
+          <a:xfrm>
+            <a:off x="3870836" y="3486057"/>
+            <a:ext cx="1075807" cy="369332"/>
+          </a:xfrm>
+          <a:prstGeom prst="rect">
+            <a:avLst/>
+          </a:prstGeom>
+          <a:noFill/>
+        </p:spPr>
+        <p:txBody>
+          <a:bodyPr wrap="none" rtlCol="0">
+            <a:spAutoFit/>
+          </a:bodyPr>
+          <a:lstStyle/>
+          <a:p>
+            <a:r>
+              <a:rPr lang="en-US" dirty="0"/>
+              <a:t>Find Data</a:t>
+            </a:r>
+          </a:p>
+        </p:txBody>
+      </p:sp>
+      <p:cxnSp>
+        <p:nvCxnSpPr>
+          <p:cNvPr id="58" name="Straight Arrow Connector 57">
+            <a:extLst>
+              <a:ext uri="{FF2B5EF4-FFF2-40B4-BE49-F238E27FC236}">
+                <a16:creationId xmlns:a16="http://schemas.microsoft.com/office/drawing/2014/main" id="{84B9AE9D-D815-44F3-BF3B-B2B058E5C9A6}"/>
+              </a:ext>
+            </a:extLst>
+          </p:cNvPr>
+          <p:cNvCxnSpPr>
+            <a:cxnSpLocks/>
+          </p:cNvCxnSpPr>
+          <p:nvPr/>
+        </p:nvCxnSpPr>
+        <p:spPr>
+          <a:xfrm flipV="1">
+            <a:off x="3052946" y="418081"/>
+            <a:ext cx="3893895" cy="260599"/>
+          </a:xfrm>
+          <a:prstGeom prst="straightConnector1">
+            <a:avLst/>
+          </a:prstGeom>
+          <a:ln>
+            <a:solidFill>
+              <a:schemeClr val="bg1"/>
+            </a:solidFill>
+            <a:tailEnd type="triangle"/>
+          </a:ln>
+        </p:spPr>
+        <p:style>
+          <a:lnRef idx="3">
+            <a:schemeClr val="accent1"/>
+          </a:lnRef>
+          <a:fillRef idx="0">
+            <a:schemeClr val="accent1"/>
+          </a:fillRef>
+          <a:effectRef idx="2">
+            <a:schemeClr val="accent1"/>
+          </a:effectRef>
+          <a:fontRef idx="minor">
+            <a:schemeClr val="tx1"/>
+          </a:fontRef>
+        </p:style>
+      </p:cxnSp>
+      <p:sp>
+        <p:nvSpPr>
+          <p:cNvPr id="60" name="TextBox 59">
+            <a:extLst>
+              <a:ext uri="{FF2B5EF4-FFF2-40B4-BE49-F238E27FC236}">
+                <a16:creationId xmlns:a16="http://schemas.microsoft.com/office/drawing/2014/main" id="{EFBE3B30-79C1-4BAE-8B2A-BEDA59FC1137}"/>
+              </a:ext>
+            </a:extLst>
+          </p:cNvPr>
+          <p:cNvSpPr txBox="1"/>
+          <p:nvPr/>
+        </p:nvSpPr>
+        <p:spPr>
+          <a:xfrm>
+            <a:off x="4167900" y="318858"/>
+            <a:ext cx="2511393" cy="369332"/>
+          </a:xfrm>
+          <a:prstGeom prst="rect">
+            <a:avLst/>
+          </a:prstGeom>
+          <a:noFill/>
+        </p:spPr>
+        <p:txBody>
+          <a:bodyPr wrap="none" rtlCol="0">
+            <a:spAutoFit/>
+          </a:bodyPr>
+          <a:lstStyle/>
+          <a:p>
+            <a:r>
+              <a:rPr lang="en-US" dirty="0"/>
+              <a:t>Get Security Auth Token</a:t>
+            </a:r>
+          </a:p>
+        </p:txBody>
+      </p:sp>
+      <p:cxnSp>
+        <p:nvCxnSpPr>
+          <p:cNvPr id="61" name="Straight Arrow Connector 60">
+            <a:extLst>
+              <a:ext uri="{FF2B5EF4-FFF2-40B4-BE49-F238E27FC236}">
+                <a16:creationId xmlns:a16="http://schemas.microsoft.com/office/drawing/2014/main" id="{F4A39ADF-3087-4D9E-A359-1C8906496276}"/>
+              </a:ext>
+            </a:extLst>
+          </p:cNvPr>
+          <p:cNvCxnSpPr>
+            <a:cxnSpLocks/>
+            <a:endCxn id="29" idx="1"/>
+          </p:cNvCxnSpPr>
+          <p:nvPr/>
+        </p:nvCxnSpPr>
+        <p:spPr>
+          <a:xfrm flipV="1">
+            <a:off x="3076007" y="646508"/>
+            <a:ext cx="4439177" cy="305538"/>
+          </a:xfrm>
+          <a:prstGeom prst="straightConnector1">
+            <a:avLst/>
+          </a:prstGeom>
+          <a:ln>
+            <a:solidFill>
+              <a:schemeClr val="bg1"/>
+            </a:solidFill>
+            <a:prstDash val="dash"/>
+            <a:tailEnd type="triangle"/>
+          </a:ln>
+        </p:spPr>
+        <p:style>
+          <a:lnRef idx="3">
+            <a:schemeClr val="accent1"/>
+          </a:lnRef>
+          <a:fillRef idx="0">
+            <a:schemeClr val="accent1"/>
+          </a:fillRef>
+          <a:effectRef idx="2">
+            <a:schemeClr val="accent1"/>
+          </a:effectRef>
+          <a:fontRef idx="minor">
+            <a:schemeClr val="tx1"/>
+          </a:fontRef>
+        </p:style>
+      </p:cxnSp>
+      <p:sp>
+        <p:nvSpPr>
+          <p:cNvPr id="8" name="TextBox 7">
+            <a:extLst>
+              <a:ext uri="{FF2B5EF4-FFF2-40B4-BE49-F238E27FC236}">
+                <a16:creationId xmlns:a16="http://schemas.microsoft.com/office/drawing/2014/main" id="{8870CD61-A363-40ED-8936-F99B10AB59C1}"/>
+              </a:ext>
+            </a:extLst>
+          </p:cNvPr>
+          <p:cNvSpPr txBox="1"/>
+          <p:nvPr/>
+        </p:nvSpPr>
+        <p:spPr>
+          <a:xfrm>
+            <a:off x="4464503" y="652323"/>
+            <a:ext cx="1994905" cy="369332"/>
+          </a:xfrm>
+          <a:prstGeom prst="rect">
+            <a:avLst/>
+          </a:prstGeom>
+          <a:noFill/>
+        </p:spPr>
+        <p:txBody>
+          <a:bodyPr wrap="none" rtlCol="0">
+            <a:spAutoFit/>
+          </a:bodyPr>
+          <a:lstStyle/>
+          <a:p>
+            <a:r>
+              <a:rPr lang="en-US" dirty="0"/>
+              <a:t>Retrieve Document</a:t>
+            </a:r>
+          </a:p>
+        </p:txBody>
+      </p:sp>
+    </p:spTree>
+    <p:extLst>
+      <p:ext uri="{BB962C8B-B14F-4D97-AF65-F5344CB8AC3E}">
+        <p14:creationId xmlns:p14="http://schemas.microsoft.com/office/powerpoint/2010/main" val="4048031064"/>
       </p:ext>
     </p:extLst>
   </p:cSld>

--- a/MHDS/Diagrams.pptx
+++ b/MHDS/Diagrams.pptx
@@ -264,7 +264,7 @@
           <a:p>
             <a:fld id="{03431FED-738C-45FE-8DA9-95C611B1D2F8}" type="datetimeFigureOut">
               <a:rPr lang="en-US" smtClean="0"/>
-              <a:t>11/14/2019</a:t>
+              <a:t>11/19/2019</a:t>
             </a:fld>
             <a:endParaRPr lang="en-US"/>
           </a:p>
@@ -462,7 +462,7 @@
           <a:p>
             <a:fld id="{03431FED-738C-45FE-8DA9-95C611B1D2F8}" type="datetimeFigureOut">
               <a:rPr lang="en-US" smtClean="0"/>
-              <a:t>11/14/2019</a:t>
+              <a:t>11/19/2019</a:t>
             </a:fld>
             <a:endParaRPr lang="en-US"/>
           </a:p>
@@ -670,7 +670,7 @@
           <a:p>
             <a:fld id="{03431FED-738C-45FE-8DA9-95C611B1D2F8}" type="datetimeFigureOut">
               <a:rPr lang="en-US" smtClean="0"/>
-              <a:t>11/14/2019</a:t>
+              <a:t>11/19/2019</a:t>
             </a:fld>
             <a:endParaRPr lang="en-US"/>
           </a:p>
@@ -868,7 +868,7 @@
           <a:p>
             <a:fld id="{03431FED-738C-45FE-8DA9-95C611B1D2F8}" type="datetimeFigureOut">
               <a:rPr lang="en-US" smtClean="0"/>
-              <a:t>11/14/2019</a:t>
+              <a:t>11/19/2019</a:t>
             </a:fld>
             <a:endParaRPr lang="en-US"/>
           </a:p>
@@ -1143,7 +1143,7 @@
           <a:p>
             <a:fld id="{03431FED-738C-45FE-8DA9-95C611B1D2F8}" type="datetimeFigureOut">
               <a:rPr lang="en-US" smtClean="0"/>
-              <a:t>11/14/2019</a:t>
+              <a:t>11/19/2019</a:t>
             </a:fld>
             <a:endParaRPr lang="en-US"/>
           </a:p>
@@ -1408,7 +1408,7 @@
           <a:p>
             <a:fld id="{03431FED-738C-45FE-8DA9-95C611B1D2F8}" type="datetimeFigureOut">
               <a:rPr lang="en-US" smtClean="0"/>
-              <a:t>11/14/2019</a:t>
+              <a:t>11/19/2019</a:t>
             </a:fld>
             <a:endParaRPr lang="en-US"/>
           </a:p>
@@ -1820,7 +1820,7 @@
           <a:p>
             <a:fld id="{03431FED-738C-45FE-8DA9-95C611B1D2F8}" type="datetimeFigureOut">
               <a:rPr lang="en-US" smtClean="0"/>
-              <a:t>11/14/2019</a:t>
+              <a:t>11/19/2019</a:t>
             </a:fld>
             <a:endParaRPr lang="en-US"/>
           </a:p>
@@ -1961,7 +1961,7 @@
           <a:p>
             <a:fld id="{03431FED-738C-45FE-8DA9-95C611B1D2F8}" type="datetimeFigureOut">
               <a:rPr lang="en-US" smtClean="0"/>
-              <a:t>11/14/2019</a:t>
+              <a:t>11/19/2019</a:t>
             </a:fld>
             <a:endParaRPr lang="en-US"/>
           </a:p>
@@ -2074,7 +2074,7 @@
           <a:p>
             <a:fld id="{03431FED-738C-45FE-8DA9-95C611B1D2F8}" type="datetimeFigureOut">
               <a:rPr lang="en-US" smtClean="0"/>
-              <a:t>11/14/2019</a:t>
+              <a:t>11/19/2019</a:t>
             </a:fld>
             <a:endParaRPr lang="en-US"/>
           </a:p>
@@ -2385,7 +2385,7 @@
           <a:p>
             <a:fld id="{03431FED-738C-45FE-8DA9-95C611B1D2F8}" type="datetimeFigureOut">
               <a:rPr lang="en-US" smtClean="0"/>
-              <a:t>11/14/2019</a:t>
+              <a:t>11/19/2019</a:t>
             </a:fld>
             <a:endParaRPr lang="en-US"/>
           </a:p>
@@ -2673,7 +2673,7 @@
           <a:p>
             <a:fld id="{03431FED-738C-45FE-8DA9-95C611B1D2F8}" type="datetimeFigureOut">
               <a:rPr lang="en-US" smtClean="0"/>
-              <a:t>11/14/2019</a:t>
+              <a:t>11/19/2019</a:t>
             </a:fld>
             <a:endParaRPr lang="en-US"/>
           </a:p>
@@ -2914,7 +2914,7 @@
           <a:p>
             <a:fld id="{03431FED-738C-45FE-8DA9-95C611B1D2F8}" type="datetimeFigureOut">
               <a:rPr lang="en-US" smtClean="0"/>
-              <a:t>11/14/2019</a:t>
+              <a:t>11/19/2019</a:t>
             </a:fld>
             <a:endParaRPr lang="en-US"/>
           </a:p>
@@ -5226,7 +5226,7 @@
         <p:spPr>
           <a:xfrm>
             <a:off x="528687" y="566585"/>
-            <a:ext cx="2524259" cy="4247317"/>
+            <a:ext cx="2524259" cy="4524315"/>
           </a:xfrm>
           <a:prstGeom prst="rect">
             <a:avLst/>
@@ -5246,7 +5246,7 @@
           <a:p>
             <a:r>
               <a:rPr lang="en-US" dirty="0"/>
-              <a:t>Document Source</a:t>
+              <a:t>System that publishes Documents</a:t>
             </a:r>
           </a:p>
           <a:p>
@@ -6828,11 +6828,8 @@
           <a:p>
             <a:r>
               <a:rPr lang="en-US" dirty="0"/>
-              <a:t>Document Consumer</a:t>
-            </a:r>
-          </a:p>
-          <a:p>
-            <a:endParaRPr lang="en-US" dirty="0"/>
+              <a:t>System that consumes documents</a:t>
+            </a:r>
           </a:p>
           <a:p>
             <a:endParaRPr lang="en-US" dirty="0"/>
@@ -8397,7 +8394,7 @@
         <p:spPr>
           <a:xfrm>
             <a:off x="528687" y="626219"/>
-            <a:ext cx="2524259" cy="4247317"/>
+            <a:ext cx="2524259" cy="4524315"/>
           </a:xfrm>
           <a:prstGeom prst="rect">
             <a:avLst/>
@@ -8417,7 +8414,7 @@
           <a:p>
             <a:r>
               <a:rPr lang="en-US" dirty="0"/>
-              <a:t>Clinical Data Consumer</a:t>
+              <a:t>System that consumes clinical data elements</a:t>
             </a:r>
           </a:p>
           <a:p>

--- a/MHDS/Diagrams.pptx
+++ b/MHDS/Diagrams.pptx
@@ -264,7 +264,7 @@
           <a:p>
             <a:fld id="{03431FED-738C-45FE-8DA9-95C611B1D2F8}" type="datetimeFigureOut">
               <a:rPr lang="en-US" smtClean="0"/>
-              <a:t>11/19/2019</a:t>
+              <a:t>11/30/2019</a:t>
             </a:fld>
             <a:endParaRPr lang="en-US"/>
           </a:p>
@@ -462,7 +462,7 @@
           <a:p>
             <a:fld id="{03431FED-738C-45FE-8DA9-95C611B1D2F8}" type="datetimeFigureOut">
               <a:rPr lang="en-US" smtClean="0"/>
-              <a:t>11/19/2019</a:t>
+              <a:t>11/30/2019</a:t>
             </a:fld>
             <a:endParaRPr lang="en-US"/>
           </a:p>
@@ -670,7 +670,7 @@
           <a:p>
             <a:fld id="{03431FED-738C-45FE-8DA9-95C611B1D2F8}" type="datetimeFigureOut">
               <a:rPr lang="en-US" smtClean="0"/>
-              <a:t>11/19/2019</a:t>
+              <a:t>11/30/2019</a:t>
             </a:fld>
             <a:endParaRPr lang="en-US"/>
           </a:p>
@@ -868,7 +868,7 @@
           <a:p>
             <a:fld id="{03431FED-738C-45FE-8DA9-95C611B1D2F8}" type="datetimeFigureOut">
               <a:rPr lang="en-US" smtClean="0"/>
-              <a:t>11/19/2019</a:t>
+              <a:t>11/30/2019</a:t>
             </a:fld>
             <a:endParaRPr lang="en-US"/>
           </a:p>
@@ -1143,7 +1143,7 @@
           <a:p>
             <a:fld id="{03431FED-738C-45FE-8DA9-95C611B1D2F8}" type="datetimeFigureOut">
               <a:rPr lang="en-US" smtClean="0"/>
-              <a:t>11/19/2019</a:t>
+              <a:t>11/30/2019</a:t>
             </a:fld>
             <a:endParaRPr lang="en-US"/>
           </a:p>
@@ -1408,7 +1408,7 @@
           <a:p>
             <a:fld id="{03431FED-738C-45FE-8DA9-95C611B1D2F8}" type="datetimeFigureOut">
               <a:rPr lang="en-US" smtClean="0"/>
-              <a:t>11/19/2019</a:t>
+              <a:t>11/30/2019</a:t>
             </a:fld>
             <a:endParaRPr lang="en-US"/>
           </a:p>
@@ -1820,7 +1820,7 @@
           <a:p>
             <a:fld id="{03431FED-738C-45FE-8DA9-95C611B1D2F8}" type="datetimeFigureOut">
               <a:rPr lang="en-US" smtClean="0"/>
-              <a:t>11/19/2019</a:t>
+              <a:t>11/30/2019</a:t>
             </a:fld>
             <a:endParaRPr lang="en-US"/>
           </a:p>
@@ -1961,7 +1961,7 @@
           <a:p>
             <a:fld id="{03431FED-738C-45FE-8DA9-95C611B1D2F8}" type="datetimeFigureOut">
               <a:rPr lang="en-US" smtClean="0"/>
-              <a:t>11/19/2019</a:t>
+              <a:t>11/30/2019</a:t>
             </a:fld>
             <a:endParaRPr lang="en-US"/>
           </a:p>
@@ -2074,7 +2074,7 @@
           <a:p>
             <a:fld id="{03431FED-738C-45FE-8DA9-95C611B1D2F8}" type="datetimeFigureOut">
               <a:rPr lang="en-US" smtClean="0"/>
-              <a:t>11/19/2019</a:t>
+              <a:t>11/30/2019</a:t>
             </a:fld>
             <a:endParaRPr lang="en-US"/>
           </a:p>
@@ -2385,7 +2385,7 @@
           <a:p>
             <a:fld id="{03431FED-738C-45FE-8DA9-95C611B1D2F8}" type="datetimeFigureOut">
               <a:rPr lang="en-US" smtClean="0"/>
-              <a:t>11/19/2019</a:t>
+              <a:t>11/30/2019</a:t>
             </a:fld>
             <a:endParaRPr lang="en-US"/>
           </a:p>
@@ -2673,7 +2673,7 @@
           <a:p>
             <a:fld id="{03431FED-738C-45FE-8DA9-95C611B1D2F8}" type="datetimeFigureOut">
               <a:rPr lang="en-US" smtClean="0"/>
-              <a:t>11/19/2019</a:t>
+              <a:t>11/30/2019</a:t>
             </a:fld>
             <a:endParaRPr lang="en-US"/>
           </a:p>
@@ -2914,7 +2914,7 @@
           <a:p>
             <a:fld id="{03431FED-738C-45FE-8DA9-95C611B1D2F8}" type="datetimeFigureOut">
               <a:rPr lang="en-US" smtClean="0"/>
-              <a:t>11/19/2019</a:t>
+              <a:t>11/30/2019</a:t>
             </a:fld>
             <a:endParaRPr lang="en-US"/>
           </a:p>
@@ -3450,7 +3450,7 @@
         <p:spPr>
           <a:xfrm>
             <a:off x="528684" y="2668156"/>
-            <a:ext cx="2524259" cy="1477328"/>
+            <a:ext cx="2524259" cy="1754326"/>
           </a:xfrm>
           <a:prstGeom prst="rect">
             <a:avLst/>
@@ -3470,7 +3470,7 @@
           <a:p>
             <a:r>
               <a:rPr lang="en-US" dirty="0"/>
-              <a:t>Document Consumer</a:t>
+              <a:t>System that consumes Documents</a:t>
             </a:r>
           </a:p>
           <a:p>
@@ -3502,7 +3502,7 @@
         <p:spPr>
           <a:xfrm>
             <a:off x="528684" y="4763444"/>
-            <a:ext cx="2524259" cy="1477328"/>
+            <a:ext cx="2524259" cy="1754326"/>
           </a:xfrm>
           <a:prstGeom prst="rect">
             <a:avLst/>
@@ -3522,7 +3522,7 @@
           <a:p>
             <a:r>
               <a:rPr lang="en-US" dirty="0"/>
-              <a:t>Clinical Data Consumer</a:t>
+              <a:t>System that consumes clinical data elements</a:t>
             </a:r>
           </a:p>
           <a:p>
@@ -3554,7 +3554,7 @@
         <p:spPr>
           <a:xfrm>
             <a:off x="528687" y="715670"/>
-            <a:ext cx="2524259" cy="1477328"/>
+            <a:ext cx="2524259" cy="1754326"/>
           </a:xfrm>
           <a:prstGeom prst="rect">
             <a:avLst/>
@@ -3574,7 +3574,7 @@
           <a:p>
             <a:r>
               <a:rPr lang="en-US" dirty="0"/>
-              <a:t>Document Source</a:t>
+              <a:t>System that publishes Documents</a:t>
             </a:r>
           </a:p>
           <a:p>

--- a/MHDS/Diagrams.pptx
+++ b/MHDS/Diagrams.pptx
@@ -7,10 +7,9 @@
   <p:sldIdLst>
     <p:sldId id="256" r:id="rId2"/>
     <p:sldId id="257" r:id="rId3"/>
-    <p:sldId id="258" r:id="rId4"/>
-    <p:sldId id="259" r:id="rId5"/>
-    <p:sldId id="260" r:id="rId6"/>
-    <p:sldId id="261" r:id="rId7"/>
+    <p:sldId id="259" r:id="rId4"/>
+    <p:sldId id="260" r:id="rId5"/>
+    <p:sldId id="261" r:id="rId6"/>
   </p:sldIdLst>
   <p:sldSz cx="12192000" cy="6858000"/>
   <p:notesSz cx="6858000" cy="9144000"/>
@@ -264,7 +263,7 @@
           <a:p>
             <a:fld id="{03431FED-738C-45FE-8DA9-95C611B1D2F8}" type="datetimeFigureOut">
               <a:rPr lang="en-US" smtClean="0"/>
-              <a:t>11/30/2019</a:t>
+              <a:t>12/16/2019</a:t>
             </a:fld>
             <a:endParaRPr lang="en-US"/>
           </a:p>
@@ -462,7 +461,7 @@
           <a:p>
             <a:fld id="{03431FED-738C-45FE-8DA9-95C611B1D2F8}" type="datetimeFigureOut">
               <a:rPr lang="en-US" smtClean="0"/>
-              <a:t>11/30/2019</a:t>
+              <a:t>12/16/2019</a:t>
             </a:fld>
             <a:endParaRPr lang="en-US"/>
           </a:p>
@@ -670,7 +669,7 @@
           <a:p>
             <a:fld id="{03431FED-738C-45FE-8DA9-95C611B1D2F8}" type="datetimeFigureOut">
               <a:rPr lang="en-US" smtClean="0"/>
-              <a:t>11/30/2019</a:t>
+              <a:t>12/16/2019</a:t>
             </a:fld>
             <a:endParaRPr lang="en-US"/>
           </a:p>
@@ -868,7 +867,7 @@
           <a:p>
             <a:fld id="{03431FED-738C-45FE-8DA9-95C611B1D2F8}" type="datetimeFigureOut">
               <a:rPr lang="en-US" smtClean="0"/>
-              <a:t>11/30/2019</a:t>
+              <a:t>12/16/2019</a:t>
             </a:fld>
             <a:endParaRPr lang="en-US"/>
           </a:p>
@@ -1143,7 +1142,7 @@
           <a:p>
             <a:fld id="{03431FED-738C-45FE-8DA9-95C611B1D2F8}" type="datetimeFigureOut">
               <a:rPr lang="en-US" smtClean="0"/>
-              <a:t>11/30/2019</a:t>
+              <a:t>12/16/2019</a:t>
             </a:fld>
             <a:endParaRPr lang="en-US"/>
           </a:p>
@@ -1408,7 +1407,7 @@
           <a:p>
             <a:fld id="{03431FED-738C-45FE-8DA9-95C611B1D2F8}" type="datetimeFigureOut">
               <a:rPr lang="en-US" smtClean="0"/>
-              <a:t>11/30/2019</a:t>
+              <a:t>12/16/2019</a:t>
             </a:fld>
             <a:endParaRPr lang="en-US"/>
           </a:p>
@@ -1820,7 +1819,7 @@
           <a:p>
             <a:fld id="{03431FED-738C-45FE-8DA9-95C611B1D2F8}" type="datetimeFigureOut">
               <a:rPr lang="en-US" smtClean="0"/>
-              <a:t>11/30/2019</a:t>
+              <a:t>12/16/2019</a:t>
             </a:fld>
             <a:endParaRPr lang="en-US"/>
           </a:p>
@@ -1961,7 +1960,7 @@
           <a:p>
             <a:fld id="{03431FED-738C-45FE-8DA9-95C611B1D2F8}" type="datetimeFigureOut">
               <a:rPr lang="en-US" smtClean="0"/>
-              <a:t>11/30/2019</a:t>
+              <a:t>12/16/2019</a:t>
             </a:fld>
             <a:endParaRPr lang="en-US"/>
           </a:p>
@@ -2074,7 +2073,7 @@
           <a:p>
             <a:fld id="{03431FED-738C-45FE-8DA9-95C611B1D2F8}" type="datetimeFigureOut">
               <a:rPr lang="en-US" smtClean="0"/>
-              <a:t>11/30/2019</a:t>
+              <a:t>12/16/2019</a:t>
             </a:fld>
             <a:endParaRPr lang="en-US"/>
           </a:p>
@@ -2385,7 +2384,7 @@
           <a:p>
             <a:fld id="{03431FED-738C-45FE-8DA9-95C611B1D2F8}" type="datetimeFigureOut">
               <a:rPr lang="en-US" smtClean="0"/>
-              <a:t>11/30/2019</a:t>
+              <a:t>12/16/2019</a:t>
             </a:fld>
             <a:endParaRPr lang="en-US"/>
           </a:p>
@@ -2673,7 +2672,7 @@
           <a:p>
             <a:fld id="{03431FED-738C-45FE-8DA9-95C611B1D2F8}" type="datetimeFigureOut">
               <a:rPr lang="en-US" smtClean="0"/>
-              <a:t>11/30/2019</a:t>
+              <a:t>12/16/2019</a:t>
             </a:fld>
             <a:endParaRPr lang="en-US"/>
           </a:p>
@@ -2914,7 +2913,7 @@
           <a:p>
             <a:fld id="{03431FED-738C-45FE-8DA9-95C611B1D2F8}" type="datetimeFigureOut">
               <a:rPr lang="en-US" smtClean="0"/>
-              <a:t>11/30/2019</a:t>
+              <a:t>12/16/2019</a:t>
             </a:fld>
             <a:endParaRPr lang="en-US"/>
           </a:p>
@@ -3333,10 +3332,10 @@
       </p:grpSpPr>
       <p:sp>
         <p:nvSpPr>
-          <p:cNvPr id="23" name="Rectangle 22">
-            <a:extLst>
-              <a:ext uri="{FF2B5EF4-FFF2-40B4-BE49-F238E27FC236}">
-                <a16:creationId xmlns:a16="http://schemas.microsoft.com/office/drawing/2014/main" id="{27C3C4B3-9E93-4C47-A8BE-320738C6219A}"/>
+          <p:cNvPr id="20" name="Rectangle 19">
+            <a:extLst>
+              <a:ext uri="{FF2B5EF4-FFF2-40B4-BE49-F238E27FC236}">
+                <a16:creationId xmlns:a16="http://schemas.microsoft.com/office/drawing/2014/main" id="{2A69D9B6-6E9A-4D7A-928B-CAB101723DCA}"/>
               </a:ext>
             </a:extLst>
           </p:cNvPr>
@@ -3345,17 +3344,14 @@
         </p:nvSpPr>
         <p:spPr>
           <a:xfrm>
-            <a:off x="215422" y="155576"/>
-            <a:ext cx="5930721" cy="6538123"/>
+            <a:off x="126993" y="4550477"/>
+            <a:ext cx="11960945" cy="2209188"/>
           </a:xfrm>
           <a:prstGeom prst="rect">
             <a:avLst/>
           </a:prstGeom>
           <a:solidFill>
-            <a:schemeClr val="accent2">
-              <a:lumMod val="40000"/>
-              <a:lumOff val="60000"/>
-            </a:schemeClr>
+            <a:srgbClr val="FFFF00"/>
           </a:solidFill>
         </p:spPr>
         <p:style>
@@ -3381,17 +3377,31 @@
             <a:pPr algn="ctr"/>
             <a:r>
               <a:rPr lang="en-US" b="1" dirty="0"/>
-              <a:t>HIE partner types</a:t>
-            </a:r>
-          </a:p>
-        </p:txBody>
-      </p:sp>
-      <p:sp>
-        <p:nvSpPr>
-          <p:cNvPr id="4" name="Rectangle 3">
-            <a:extLst>
-              <a:ext uri="{FF2B5EF4-FFF2-40B4-BE49-F238E27FC236}">
-                <a16:creationId xmlns:a16="http://schemas.microsoft.com/office/drawing/2014/main" id="{59EDAE21-3F15-43EE-8106-631330D0CA78}"/>
+              <a:t>Compatible </a:t>
+            </a:r>
+          </a:p>
+          <a:p>
+            <a:pPr algn="ctr"/>
+            <a:r>
+              <a:rPr lang="en-US" b="1" dirty="0"/>
+              <a:t>But</a:t>
+            </a:r>
+          </a:p>
+          <a:p>
+            <a:pPr algn="ctr"/>
+            <a:r>
+              <a:rPr lang="en-US" b="1" dirty="0"/>
+              <a:t>Not Included</a:t>
+            </a:r>
+          </a:p>
+        </p:txBody>
+      </p:sp>
+      <p:sp>
+        <p:nvSpPr>
+          <p:cNvPr id="23" name="Rectangle 22">
+            <a:extLst>
+              <a:ext uri="{FF2B5EF4-FFF2-40B4-BE49-F238E27FC236}">
+                <a16:creationId xmlns:a16="http://schemas.microsoft.com/office/drawing/2014/main" id="{27C3C4B3-9E93-4C47-A8BE-320738C6219A}"/>
               </a:ext>
             </a:extLst>
           </p:cNvPr>
@@ -3400,12 +3410,18 @@
         </p:nvSpPr>
         <p:spPr>
           <a:xfrm>
-            <a:off x="6092824" y="145294"/>
-            <a:ext cx="5930720" cy="6558688"/>
-          </a:xfrm>
-          <a:prstGeom prst="rect">
-            <a:avLst/>
-          </a:prstGeom>
+            <a:off x="126994" y="155576"/>
+            <a:ext cx="6019150" cy="4385971"/>
+          </a:xfrm>
+          <a:prstGeom prst="rect">
+            <a:avLst/>
+          </a:prstGeom>
+          <a:solidFill>
+            <a:schemeClr val="accent2">
+              <a:lumMod val="40000"/>
+              <a:lumOff val="60000"/>
+            </a:schemeClr>
+          </a:solidFill>
         </p:spPr>
         <p:style>
           <a:lnRef idx="2">
@@ -3430,6 +3446,55 @@
             <a:pPr algn="ctr"/>
             <a:r>
               <a:rPr lang="en-US" b="1" dirty="0"/>
+              <a:t>HIE partner types</a:t>
+            </a:r>
+          </a:p>
+        </p:txBody>
+      </p:sp>
+      <p:sp>
+        <p:nvSpPr>
+          <p:cNvPr id="4" name="Rectangle 3">
+            <a:extLst>
+              <a:ext uri="{FF2B5EF4-FFF2-40B4-BE49-F238E27FC236}">
+                <a16:creationId xmlns:a16="http://schemas.microsoft.com/office/drawing/2014/main" id="{59EDAE21-3F15-43EE-8106-631330D0CA78}"/>
+              </a:ext>
+            </a:extLst>
+          </p:cNvPr>
+          <p:cNvSpPr/>
+          <p:nvPr/>
+        </p:nvSpPr>
+        <p:spPr>
+          <a:xfrm>
+            <a:off x="6157219" y="158173"/>
+            <a:ext cx="5930720" cy="4383374"/>
+          </a:xfrm>
+          <a:prstGeom prst="rect">
+            <a:avLst/>
+          </a:prstGeom>
+        </p:spPr>
+        <p:style>
+          <a:lnRef idx="2">
+            <a:schemeClr val="accent1">
+              <a:shade val="50000"/>
+            </a:schemeClr>
+          </a:lnRef>
+          <a:fillRef idx="1">
+            <a:schemeClr val="accent1"/>
+          </a:fillRef>
+          <a:effectRef idx="0">
+            <a:schemeClr val="accent1"/>
+          </a:effectRef>
+          <a:fontRef idx="minor">
+            <a:schemeClr val="lt1"/>
+          </a:fontRef>
+        </p:style>
+        <p:txBody>
+          <a:bodyPr rtlCol="0" anchor="t"/>
+          <a:lstStyle/>
+          <a:p>
+            <a:pPr algn="ctr"/>
+            <a:r>
+              <a:rPr lang="en-US" b="1" dirty="0"/>
               <a:t>Central Infrastructure</a:t>
             </a:r>
           </a:p>
@@ -3606,7 +3671,7 @@
         <p:spPr>
           <a:xfrm>
             <a:off x="7515184" y="897778"/>
-            <a:ext cx="2969964" cy="369332"/>
+            <a:ext cx="3153756" cy="369332"/>
           </a:xfrm>
           <a:prstGeom prst="rect">
             <a:avLst/>
@@ -3646,7 +3711,7 @@
         <p:spPr>
           <a:xfrm>
             <a:off x="7515184" y="461842"/>
-            <a:ext cx="2969964" cy="369332"/>
+            <a:ext cx="3143716" cy="369332"/>
           </a:xfrm>
           <a:prstGeom prst="rect">
             <a:avLst/>
@@ -3666,7 +3731,7 @@
           <a:p>
             <a:r>
               <a:rPr lang="en-US" dirty="0"/>
-              <a:t>MHDS - Registry</a:t>
+              <a:t>MHDS – Document Registry</a:t>
             </a:r>
           </a:p>
         </p:txBody>
@@ -3686,7 +3751,7 @@
         <p:spPr>
           <a:xfrm>
             <a:off x="7515184" y="1733670"/>
-            <a:ext cx="2969964" cy="369332"/>
+            <a:ext cx="3143716" cy="369332"/>
           </a:xfrm>
           <a:prstGeom prst="rect">
             <a:avLst/>
@@ -3725,8 +3790,8 @@
         </p:nvSpPr>
         <p:spPr>
           <a:xfrm>
-            <a:off x="7505144" y="2169659"/>
-            <a:ext cx="2969964" cy="369332"/>
+            <a:off x="7505143" y="2169659"/>
+            <a:ext cx="3153757" cy="369332"/>
           </a:xfrm>
           <a:prstGeom prst="rect">
             <a:avLst/>
@@ -3746,7 +3811,7 @@
           <a:p>
             <a:r>
               <a:rPr lang="en-US" dirty="0"/>
-              <a:t>SVCM - ValueSet Registry</a:t>
+              <a:t>SVCM - Repository</a:t>
             </a:r>
           </a:p>
         </p:txBody>
@@ -3766,7 +3831,7 @@
         <p:spPr>
           <a:xfrm>
             <a:off x="7515184" y="1305812"/>
-            <a:ext cx="2969964" cy="369332"/>
+            <a:ext cx="3143716" cy="369332"/>
           </a:xfrm>
           <a:prstGeom prst="rect">
             <a:avLst/>
@@ -3806,7 +3871,7 @@
         <p:spPr>
           <a:xfrm>
             <a:off x="7505144" y="2572357"/>
-            <a:ext cx="2969964" cy="369332"/>
+            <a:ext cx="3153756" cy="369332"/>
           </a:xfrm>
           <a:prstGeom prst="rect">
             <a:avLst/>
@@ -3846,7 +3911,7 @@
         <p:spPr>
           <a:xfrm>
             <a:off x="7515184" y="3003650"/>
-            <a:ext cx="2969964" cy="369332"/>
+            <a:ext cx="3153756" cy="369332"/>
           </a:xfrm>
           <a:prstGeom prst="rect">
             <a:avLst/>
@@ -3885,8 +3950,8 @@
         </p:nvSpPr>
         <p:spPr>
           <a:xfrm>
-            <a:off x="7482412" y="4997545"/>
-            <a:ext cx="2969964" cy="369332"/>
+            <a:off x="7482412" y="5911945"/>
+            <a:ext cx="3186528" cy="369332"/>
           </a:xfrm>
           <a:prstGeom prst="rect">
             <a:avLst/>
@@ -3925,8 +3990,8 @@
         </p:nvSpPr>
         <p:spPr>
           <a:xfrm>
-            <a:off x="7515184" y="3613351"/>
-            <a:ext cx="2969964" cy="369332"/>
+            <a:off x="7515184" y="4630783"/>
+            <a:ext cx="3143716" cy="369332"/>
           </a:xfrm>
           <a:prstGeom prst="rect">
             <a:avLst/>
@@ -3965,7 +4030,7 @@
         </p:nvSpPr>
         <p:spPr>
           <a:xfrm>
-            <a:off x="7832714" y="3987549"/>
+            <a:off x="7832714" y="5004981"/>
             <a:ext cx="2969964" cy="369332"/>
           </a:xfrm>
           <a:prstGeom prst="rect">
@@ -4005,8 +4070,8 @@
         </p:nvSpPr>
         <p:spPr>
           <a:xfrm>
-            <a:off x="7482412" y="6216734"/>
-            <a:ext cx="2969964" cy="369332"/>
+            <a:off x="7482412" y="6345524"/>
+            <a:ext cx="3176488" cy="369332"/>
           </a:xfrm>
           <a:prstGeom prst="rect">
             <a:avLst/>
@@ -4085,8 +4150,8 @@
         </p:nvSpPr>
         <p:spPr>
           <a:xfrm>
-            <a:off x="7482412" y="4541547"/>
-            <a:ext cx="2969964" cy="369332"/>
+            <a:off x="7482412" y="5455947"/>
+            <a:ext cx="3186528" cy="369332"/>
           </a:xfrm>
           <a:prstGeom prst="rect">
             <a:avLst/>
@@ -4550,10 +4615,180 @@
       </p:grpSpPr>
       <p:sp>
         <p:nvSpPr>
-          <p:cNvPr id="2" name="TextBox 1">
-            <a:extLst>
-              <a:ext uri="{FF2B5EF4-FFF2-40B4-BE49-F238E27FC236}">
-                <a16:creationId xmlns:a16="http://schemas.microsoft.com/office/drawing/2014/main" id="{DEBD0A16-4418-42F4-A7A9-D3D2DAC7B384}"/>
+          <p:cNvPr id="46" name="Rectangle 45">
+            <a:extLst>
+              <a:ext uri="{FF2B5EF4-FFF2-40B4-BE49-F238E27FC236}">
+                <a16:creationId xmlns:a16="http://schemas.microsoft.com/office/drawing/2014/main" id="{3A93C06C-6475-46FD-BCC0-B379A69C46FB}"/>
+              </a:ext>
+            </a:extLst>
+          </p:cNvPr>
+          <p:cNvSpPr/>
+          <p:nvPr/>
+        </p:nvSpPr>
+        <p:spPr>
+          <a:xfrm>
+            <a:off x="126993" y="4550477"/>
+            <a:ext cx="11960945" cy="2209188"/>
+          </a:xfrm>
+          <a:prstGeom prst="rect">
+            <a:avLst/>
+          </a:prstGeom>
+          <a:solidFill>
+            <a:srgbClr val="FFFF00"/>
+          </a:solidFill>
+        </p:spPr>
+        <p:style>
+          <a:lnRef idx="2">
+            <a:schemeClr val="accent1">
+              <a:shade val="50000"/>
+            </a:schemeClr>
+          </a:lnRef>
+          <a:fillRef idx="1">
+            <a:schemeClr val="accent1"/>
+          </a:fillRef>
+          <a:effectRef idx="0">
+            <a:schemeClr val="accent1"/>
+          </a:effectRef>
+          <a:fontRef idx="minor">
+            <a:schemeClr val="lt1"/>
+          </a:fontRef>
+        </p:style>
+        <p:txBody>
+          <a:bodyPr rtlCol="0" anchor="t"/>
+          <a:lstStyle/>
+          <a:p>
+            <a:pPr algn="ctr"/>
+            <a:r>
+              <a:rPr lang="en-US" b="1" dirty="0"/>
+              <a:t>Compatible </a:t>
+            </a:r>
+          </a:p>
+          <a:p>
+            <a:pPr algn="ctr"/>
+            <a:r>
+              <a:rPr lang="en-US" b="1" dirty="0"/>
+              <a:t>But</a:t>
+            </a:r>
+          </a:p>
+          <a:p>
+            <a:pPr algn="ctr"/>
+            <a:r>
+              <a:rPr lang="en-US" b="1" dirty="0"/>
+              <a:t>Not Included</a:t>
+            </a:r>
+          </a:p>
+        </p:txBody>
+      </p:sp>
+      <p:sp>
+        <p:nvSpPr>
+          <p:cNvPr id="23" name="Rectangle 22">
+            <a:extLst>
+              <a:ext uri="{FF2B5EF4-FFF2-40B4-BE49-F238E27FC236}">
+                <a16:creationId xmlns:a16="http://schemas.microsoft.com/office/drawing/2014/main" id="{27C3C4B3-9E93-4C47-A8BE-320738C6219A}"/>
+              </a:ext>
+            </a:extLst>
+          </p:cNvPr>
+          <p:cNvSpPr/>
+          <p:nvPr/>
+        </p:nvSpPr>
+        <p:spPr>
+          <a:xfrm>
+            <a:off x="128789" y="142698"/>
+            <a:ext cx="6014219" cy="4407780"/>
+          </a:xfrm>
+          <a:prstGeom prst="rect">
+            <a:avLst/>
+          </a:prstGeom>
+          <a:solidFill>
+            <a:schemeClr val="accent2">
+              <a:lumMod val="40000"/>
+              <a:lumOff val="60000"/>
+            </a:schemeClr>
+          </a:solidFill>
+        </p:spPr>
+        <p:style>
+          <a:lnRef idx="2">
+            <a:schemeClr val="accent1">
+              <a:shade val="50000"/>
+            </a:schemeClr>
+          </a:lnRef>
+          <a:fillRef idx="1">
+            <a:schemeClr val="accent1"/>
+          </a:fillRef>
+          <a:effectRef idx="0">
+            <a:schemeClr val="accent1"/>
+          </a:effectRef>
+          <a:fontRef idx="minor">
+            <a:schemeClr val="lt1"/>
+          </a:fontRef>
+        </p:style>
+        <p:txBody>
+          <a:bodyPr rtlCol="0" anchor="t"/>
+          <a:lstStyle/>
+          <a:p>
+            <a:pPr algn="ctr"/>
+            <a:r>
+              <a:rPr lang="en-US" b="1" dirty="0"/>
+              <a:t>HIE partner types</a:t>
+            </a:r>
+          </a:p>
+        </p:txBody>
+      </p:sp>
+      <p:sp>
+        <p:nvSpPr>
+          <p:cNvPr id="4" name="Rectangle 3">
+            <a:extLst>
+              <a:ext uri="{FF2B5EF4-FFF2-40B4-BE49-F238E27FC236}">
+                <a16:creationId xmlns:a16="http://schemas.microsoft.com/office/drawing/2014/main" id="{59EDAE21-3F15-43EE-8106-631330D0CA78}"/>
+              </a:ext>
+            </a:extLst>
+          </p:cNvPr>
+          <p:cNvSpPr/>
+          <p:nvPr/>
+        </p:nvSpPr>
+        <p:spPr>
+          <a:xfrm>
+            <a:off x="6144340" y="137832"/>
+            <a:ext cx="5930720" cy="4398048"/>
+          </a:xfrm>
+          <a:prstGeom prst="rect">
+            <a:avLst/>
+          </a:prstGeom>
+        </p:spPr>
+        <p:style>
+          <a:lnRef idx="2">
+            <a:schemeClr val="accent1">
+              <a:shade val="50000"/>
+            </a:schemeClr>
+          </a:lnRef>
+          <a:fillRef idx="1">
+            <a:schemeClr val="accent1"/>
+          </a:fillRef>
+          <a:effectRef idx="0">
+            <a:schemeClr val="accent1"/>
+          </a:effectRef>
+          <a:fontRef idx="minor">
+            <a:schemeClr val="lt1"/>
+          </a:fontRef>
+        </p:style>
+        <p:txBody>
+          <a:bodyPr rtlCol="0" anchor="t"/>
+          <a:lstStyle/>
+          <a:p>
+            <a:pPr algn="ctr"/>
+            <a:r>
+              <a:rPr lang="en-US" b="1" dirty="0"/>
+              <a:t>Central Infrastructure</a:t>
+            </a:r>
+          </a:p>
+        </p:txBody>
+      </p:sp>
+      <p:sp>
+        <p:nvSpPr>
+          <p:cNvPr id="27" name="TextBox 26">
+            <a:extLst>
+              <a:ext uri="{FF2B5EF4-FFF2-40B4-BE49-F238E27FC236}">
+                <a16:creationId xmlns:a16="http://schemas.microsoft.com/office/drawing/2014/main" id="{8E31FFFE-708C-4EE5-B05E-EC7BF5ED44D7}"/>
               </a:ext>
             </a:extLst>
           </p:cNvPr>
@@ -4562,8 +4797,8 @@
         </p:nvSpPr>
         <p:spPr>
           <a:xfrm>
-            <a:off x="1770383" y="808327"/>
-            <a:ext cx="2969964" cy="369332"/>
+            <a:off x="528687" y="566585"/>
+            <a:ext cx="2524259" cy="3693319"/>
           </a:xfrm>
           <a:prstGeom prst="rect">
             <a:avLst/>
@@ -4583,17 +4818,50 @@
           <a:p>
             <a:r>
               <a:rPr lang="en-US" dirty="0"/>
-              <a:t>Certificate Authority</a:t>
-            </a:r>
-          </a:p>
-        </p:txBody>
-      </p:sp>
-      <p:sp>
-        <p:nvSpPr>
-          <p:cNvPr id="3" name="TextBox 2">
-            <a:extLst>
-              <a:ext uri="{FF2B5EF4-FFF2-40B4-BE49-F238E27FC236}">
-                <a16:creationId xmlns:a16="http://schemas.microsoft.com/office/drawing/2014/main" id="{AD4E635D-D939-4829-8B6B-6F3A6855C69F}"/>
+              <a:t>System that publishes Documents</a:t>
+            </a:r>
+          </a:p>
+          <a:p>
+            <a:endParaRPr lang="en-US" dirty="0"/>
+          </a:p>
+          <a:p>
+            <a:endParaRPr lang="en-US" dirty="0"/>
+          </a:p>
+          <a:p>
+            <a:endParaRPr lang="en-US" dirty="0"/>
+          </a:p>
+          <a:p>
+            <a:endParaRPr lang="en-US" dirty="0"/>
+          </a:p>
+          <a:p>
+            <a:endParaRPr lang="en-US" dirty="0"/>
+          </a:p>
+          <a:p>
+            <a:endParaRPr lang="en-US" dirty="0"/>
+          </a:p>
+          <a:p>
+            <a:endParaRPr lang="en-US" dirty="0"/>
+          </a:p>
+          <a:p>
+            <a:endParaRPr lang="en-US" dirty="0"/>
+          </a:p>
+          <a:p>
+            <a:endParaRPr lang="en-US" dirty="0"/>
+          </a:p>
+          <a:p>
+            <a:endParaRPr lang="en-US" dirty="0"/>
+          </a:p>
+          <a:p>
+            <a:endParaRPr lang="en-US" dirty="0"/>
+          </a:p>
+        </p:txBody>
+      </p:sp>
+      <p:sp>
+        <p:nvSpPr>
+          <p:cNvPr id="39" name="TextBox 38">
+            <a:extLst>
+              <a:ext uri="{FF2B5EF4-FFF2-40B4-BE49-F238E27FC236}">
+                <a16:creationId xmlns:a16="http://schemas.microsoft.com/office/drawing/2014/main" id="{E2287BF6-823F-42ED-A97B-3E595CD4CDD0}"/>
               </a:ext>
             </a:extLst>
           </p:cNvPr>
@@ -4601,9 +4869,9 @@
           <p:nvPr/>
         </p:nvSpPr>
         <p:spPr>
-          <a:xfrm>
-            <a:off x="1770383" y="372391"/>
-            <a:ext cx="2969964" cy="369332"/>
+          <a:xfrm rot="5400000">
+            <a:off x="3896426" y="3299103"/>
+            <a:ext cx="6470163" cy="369332"/>
           </a:xfrm>
           <a:prstGeom prst="rect">
             <a:avLst/>
@@ -4623,17 +4891,326 @@
           <a:p>
             <a:r>
               <a:rPr lang="en-US" dirty="0"/>
-              <a:t>MHDS - Registry</a:t>
-            </a:r>
-          </a:p>
-        </p:txBody>
-      </p:sp>
-      <p:sp>
-        <p:nvSpPr>
-          <p:cNvPr id="4" name="TextBox 3">
-            <a:extLst>
-              <a:ext uri="{FF2B5EF4-FFF2-40B4-BE49-F238E27FC236}">
-                <a16:creationId xmlns:a16="http://schemas.microsoft.com/office/drawing/2014/main" id="{F45C9BF0-94D4-4CF7-B2E9-0DC146B4F508}"/>
+              <a:t>Access Control</a:t>
+            </a:r>
+          </a:p>
+        </p:txBody>
+      </p:sp>
+      <p:cxnSp>
+        <p:nvCxnSpPr>
+          <p:cNvPr id="3" name="Straight Arrow Connector 2">
+            <a:extLst>
+              <a:ext uri="{FF2B5EF4-FFF2-40B4-BE49-F238E27FC236}">
+                <a16:creationId xmlns:a16="http://schemas.microsoft.com/office/drawing/2014/main" id="{226B1B99-0D55-402C-A3F4-556F78B76134}"/>
+              </a:ext>
+            </a:extLst>
+          </p:cNvPr>
+          <p:cNvCxnSpPr>
+            <a:cxnSpLocks/>
+          </p:cNvCxnSpPr>
+          <p:nvPr/>
+        </p:nvCxnSpPr>
+        <p:spPr>
+          <a:xfrm flipV="1">
+            <a:off x="3052946" y="646508"/>
+            <a:ext cx="4462238" cy="251270"/>
+          </a:xfrm>
+          <a:prstGeom prst="straightConnector1">
+            <a:avLst/>
+          </a:prstGeom>
+          <a:ln w="88900">
+            <a:solidFill>
+              <a:schemeClr val="bg1"/>
+            </a:solidFill>
+            <a:tailEnd type="triangle"/>
+          </a:ln>
+        </p:spPr>
+        <p:style>
+          <a:lnRef idx="3">
+            <a:schemeClr val="accent1"/>
+          </a:lnRef>
+          <a:fillRef idx="0">
+            <a:schemeClr val="accent1"/>
+          </a:fillRef>
+          <a:effectRef idx="2">
+            <a:schemeClr val="accent1"/>
+          </a:effectRef>
+          <a:fontRef idx="minor">
+            <a:schemeClr val="tx1"/>
+          </a:fontRef>
+        </p:style>
+      </p:cxnSp>
+      <p:cxnSp>
+        <p:nvCxnSpPr>
+          <p:cNvPr id="24" name="Straight Arrow Connector 23">
+            <a:extLst>
+              <a:ext uri="{FF2B5EF4-FFF2-40B4-BE49-F238E27FC236}">
+                <a16:creationId xmlns:a16="http://schemas.microsoft.com/office/drawing/2014/main" id="{A82E44FD-4037-41E6-8D49-C0DA71B3FDCB}"/>
+              </a:ext>
+            </a:extLst>
+          </p:cNvPr>
+          <p:cNvCxnSpPr>
+            <a:cxnSpLocks/>
+          </p:cNvCxnSpPr>
+          <p:nvPr/>
+        </p:nvCxnSpPr>
+        <p:spPr>
+          <a:xfrm flipV="1">
+            <a:off x="3052946" y="1082444"/>
+            <a:ext cx="4462238" cy="32254"/>
+          </a:xfrm>
+          <a:prstGeom prst="straightConnector1">
+            <a:avLst/>
+          </a:prstGeom>
+          <a:ln>
+            <a:solidFill>
+              <a:schemeClr val="bg1"/>
+            </a:solidFill>
+            <a:tailEnd type="triangle"/>
+          </a:ln>
+        </p:spPr>
+        <p:style>
+          <a:lnRef idx="3">
+            <a:schemeClr val="accent1"/>
+          </a:lnRef>
+          <a:fillRef idx="0">
+            <a:schemeClr val="accent1"/>
+          </a:fillRef>
+          <a:effectRef idx="2">
+            <a:schemeClr val="accent1"/>
+          </a:effectRef>
+          <a:fontRef idx="minor">
+            <a:schemeClr val="tx1"/>
+          </a:fontRef>
+        </p:style>
+      </p:cxnSp>
+      <p:cxnSp>
+        <p:nvCxnSpPr>
+          <p:cNvPr id="26" name="Straight Arrow Connector 25">
+            <a:extLst>
+              <a:ext uri="{FF2B5EF4-FFF2-40B4-BE49-F238E27FC236}">
+                <a16:creationId xmlns:a16="http://schemas.microsoft.com/office/drawing/2014/main" id="{F1477231-46B5-454F-BC30-10E3E630C2AF}"/>
+              </a:ext>
+            </a:extLst>
+          </p:cNvPr>
+          <p:cNvCxnSpPr>
+            <a:cxnSpLocks/>
+          </p:cNvCxnSpPr>
+          <p:nvPr/>
+        </p:nvCxnSpPr>
+        <p:spPr>
+          <a:xfrm>
+            <a:off x="3052946" y="1464362"/>
+            <a:ext cx="4462238" cy="26116"/>
+          </a:xfrm>
+          <a:prstGeom prst="straightConnector1">
+            <a:avLst/>
+          </a:prstGeom>
+          <a:ln>
+            <a:solidFill>
+              <a:schemeClr val="bg1"/>
+            </a:solidFill>
+            <a:tailEnd type="triangle"/>
+          </a:ln>
+        </p:spPr>
+        <p:style>
+          <a:lnRef idx="3">
+            <a:schemeClr val="accent1"/>
+          </a:lnRef>
+          <a:fillRef idx="0">
+            <a:schemeClr val="accent1"/>
+          </a:fillRef>
+          <a:effectRef idx="2">
+            <a:schemeClr val="accent1"/>
+          </a:effectRef>
+          <a:fontRef idx="minor">
+            <a:schemeClr val="tx1"/>
+          </a:fontRef>
+        </p:style>
+      </p:cxnSp>
+      <p:cxnSp>
+        <p:nvCxnSpPr>
+          <p:cNvPr id="41" name="Straight Arrow Connector 40">
+            <a:extLst>
+              <a:ext uri="{FF2B5EF4-FFF2-40B4-BE49-F238E27FC236}">
+                <a16:creationId xmlns:a16="http://schemas.microsoft.com/office/drawing/2014/main" id="{61863785-FBE7-4A8E-8DA5-2D5E2DC694B3}"/>
+              </a:ext>
+            </a:extLst>
+          </p:cNvPr>
+          <p:cNvCxnSpPr>
+            <a:cxnSpLocks/>
+          </p:cNvCxnSpPr>
+          <p:nvPr/>
+        </p:nvCxnSpPr>
+        <p:spPr>
+          <a:xfrm>
+            <a:off x="3043234" y="1679971"/>
+            <a:ext cx="4471950" cy="238365"/>
+          </a:xfrm>
+          <a:prstGeom prst="straightConnector1">
+            <a:avLst/>
+          </a:prstGeom>
+          <a:ln w="88900">
+            <a:solidFill>
+              <a:schemeClr val="bg1"/>
+            </a:solidFill>
+            <a:tailEnd type="triangle"/>
+          </a:ln>
+        </p:spPr>
+        <p:style>
+          <a:lnRef idx="3">
+            <a:schemeClr val="accent1"/>
+          </a:lnRef>
+          <a:fillRef idx="0">
+            <a:schemeClr val="accent1"/>
+          </a:fillRef>
+          <a:effectRef idx="2">
+            <a:schemeClr val="accent1"/>
+          </a:effectRef>
+          <a:fontRef idx="minor">
+            <a:schemeClr val="tx1"/>
+          </a:fontRef>
+        </p:style>
+      </p:cxnSp>
+      <p:cxnSp>
+        <p:nvCxnSpPr>
+          <p:cNvPr id="42" name="Straight Arrow Connector 41">
+            <a:extLst>
+              <a:ext uri="{FF2B5EF4-FFF2-40B4-BE49-F238E27FC236}">
+                <a16:creationId xmlns:a16="http://schemas.microsoft.com/office/drawing/2014/main" id="{530041D0-9A73-4F8C-BEEB-45F23686DFB0}"/>
+              </a:ext>
+            </a:extLst>
+          </p:cNvPr>
+          <p:cNvCxnSpPr>
+            <a:cxnSpLocks/>
+          </p:cNvCxnSpPr>
+          <p:nvPr/>
+        </p:nvCxnSpPr>
+        <p:spPr>
+          <a:xfrm>
+            <a:off x="3052946" y="2283263"/>
+            <a:ext cx="4462238" cy="71810"/>
+          </a:xfrm>
+          <a:prstGeom prst="straightConnector1">
+            <a:avLst/>
+          </a:prstGeom>
+          <a:ln>
+            <a:solidFill>
+              <a:schemeClr val="bg1"/>
+            </a:solidFill>
+            <a:tailEnd type="triangle"/>
+          </a:ln>
+        </p:spPr>
+        <p:style>
+          <a:lnRef idx="3">
+            <a:schemeClr val="accent1"/>
+          </a:lnRef>
+          <a:fillRef idx="0">
+            <a:schemeClr val="accent1"/>
+          </a:fillRef>
+          <a:effectRef idx="2">
+            <a:schemeClr val="accent1"/>
+          </a:effectRef>
+          <a:fontRef idx="minor">
+            <a:schemeClr val="tx1"/>
+          </a:fontRef>
+        </p:style>
+      </p:cxnSp>
+      <p:cxnSp>
+        <p:nvCxnSpPr>
+          <p:cNvPr id="43" name="Straight Arrow Connector 42">
+            <a:extLst>
+              <a:ext uri="{FF2B5EF4-FFF2-40B4-BE49-F238E27FC236}">
+                <a16:creationId xmlns:a16="http://schemas.microsoft.com/office/drawing/2014/main" id="{19BF4A5D-B01C-44D8-81EF-7C465930A59A}"/>
+              </a:ext>
+            </a:extLst>
+          </p:cNvPr>
+          <p:cNvCxnSpPr>
+            <a:cxnSpLocks/>
+          </p:cNvCxnSpPr>
+          <p:nvPr/>
+        </p:nvCxnSpPr>
+        <p:spPr>
+          <a:xfrm>
+            <a:off x="3052946" y="2642530"/>
+            <a:ext cx="4452198" cy="114493"/>
+          </a:xfrm>
+          <a:prstGeom prst="straightConnector1">
+            <a:avLst/>
+          </a:prstGeom>
+          <a:ln>
+            <a:solidFill>
+              <a:schemeClr val="bg1"/>
+            </a:solidFill>
+            <a:tailEnd type="triangle"/>
+          </a:ln>
+        </p:spPr>
+        <p:style>
+          <a:lnRef idx="3">
+            <a:schemeClr val="accent1"/>
+          </a:lnRef>
+          <a:fillRef idx="0">
+            <a:schemeClr val="accent1"/>
+          </a:fillRef>
+          <a:effectRef idx="2">
+            <a:schemeClr val="accent1"/>
+          </a:effectRef>
+          <a:fontRef idx="minor">
+            <a:schemeClr val="tx1"/>
+          </a:fontRef>
+        </p:style>
+      </p:cxnSp>
+      <p:cxnSp>
+        <p:nvCxnSpPr>
+          <p:cNvPr id="44" name="Straight Arrow Connector 43">
+            <a:extLst>
+              <a:ext uri="{FF2B5EF4-FFF2-40B4-BE49-F238E27FC236}">
+                <a16:creationId xmlns:a16="http://schemas.microsoft.com/office/drawing/2014/main" id="{5A7B8C74-DFF6-40D7-AC3E-67D657F966EB}"/>
+              </a:ext>
+            </a:extLst>
+          </p:cNvPr>
+          <p:cNvCxnSpPr>
+            <a:cxnSpLocks/>
+          </p:cNvCxnSpPr>
+          <p:nvPr/>
+        </p:nvCxnSpPr>
+        <p:spPr>
+          <a:xfrm>
+            <a:off x="3076007" y="3003650"/>
+            <a:ext cx="4439177" cy="184666"/>
+          </a:xfrm>
+          <a:prstGeom prst="straightConnector1">
+            <a:avLst/>
+          </a:prstGeom>
+          <a:ln>
+            <a:solidFill>
+              <a:schemeClr val="bg1"/>
+            </a:solidFill>
+            <a:prstDash val="dash"/>
+            <a:tailEnd type="triangle"/>
+          </a:ln>
+        </p:spPr>
+        <p:style>
+          <a:lnRef idx="3">
+            <a:schemeClr val="accent1"/>
+          </a:lnRef>
+          <a:fillRef idx="0">
+            <a:schemeClr val="accent1"/>
+          </a:fillRef>
+          <a:effectRef idx="2">
+            <a:schemeClr val="accent1"/>
+          </a:effectRef>
+          <a:fontRef idx="minor">
+            <a:schemeClr val="tx1"/>
+          </a:fontRef>
+        </p:style>
+      </p:cxnSp>
+      <p:sp>
+        <p:nvSpPr>
+          <p:cNvPr id="20" name="TextBox 19">
+            <a:extLst>
+              <a:ext uri="{FF2B5EF4-FFF2-40B4-BE49-F238E27FC236}">
+                <a16:creationId xmlns:a16="http://schemas.microsoft.com/office/drawing/2014/main" id="{B175D033-0B2A-40BA-AFAD-11E53B862FDF}"/>
               </a:ext>
             </a:extLst>
           </p:cNvPr>
@@ -4642,8 +5219,530 @@
         </p:nvSpPr>
         <p:spPr>
           <a:xfrm>
-            <a:off x="1770383" y="1644219"/>
-            <a:ext cx="2969964" cy="369332"/>
+            <a:off x="4283313" y="2872044"/>
+            <a:ext cx="1918539" cy="923330"/>
+          </a:xfrm>
+          <a:prstGeom prst="rect">
+            <a:avLst/>
+          </a:prstGeom>
+          <a:noFill/>
+        </p:spPr>
+        <p:txBody>
+          <a:bodyPr wrap="none" rtlCol="0">
+            <a:spAutoFit/>
+          </a:bodyPr>
+          <a:lstStyle/>
+          <a:p>
+            <a:r>
+              <a:rPr lang="en-US" dirty="0"/>
+              <a:t>Find Endpoints</a:t>
+            </a:r>
+          </a:p>
+          <a:p>
+            <a:r>
+              <a:rPr lang="en-US" dirty="0"/>
+              <a:t>Find Organizations</a:t>
+            </a:r>
+          </a:p>
+          <a:p>
+            <a:r>
+              <a:rPr lang="en-US" dirty="0"/>
+              <a:t>Find Practitioners</a:t>
+            </a:r>
+          </a:p>
+        </p:txBody>
+      </p:sp>
+      <p:sp>
+        <p:nvSpPr>
+          <p:cNvPr id="22" name="TextBox 21">
+            <a:extLst>
+              <a:ext uri="{FF2B5EF4-FFF2-40B4-BE49-F238E27FC236}">
+                <a16:creationId xmlns:a16="http://schemas.microsoft.com/office/drawing/2014/main" id="{68886F65-45F9-4BF4-90A4-8B67D7421D01}"/>
+              </a:ext>
+            </a:extLst>
+          </p:cNvPr>
+          <p:cNvSpPr txBox="1"/>
+          <p:nvPr/>
+        </p:nvSpPr>
+        <p:spPr>
+          <a:xfrm>
+            <a:off x="3457830" y="2507620"/>
+            <a:ext cx="1970796" cy="369332"/>
+          </a:xfrm>
+          <a:prstGeom prst="rect">
+            <a:avLst/>
+          </a:prstGeom>
+          <a:noFill/>
+        </p:spPr>
+        <p:txBody>
+          <a:bodyPr wrap="none" rtlCol="0">
+            <a:spAutoFit/>
+          </a:bodyPr>
+          <a:lstStyle/>
+          <a:p>
+            <a:r>
+              <a:rPr lang="en-US" dirty="0"/>
+              <a:t>Record Audit Event</a:t>
+            </a:r>
+          </a:p>
+        </p:txBody>
+      </p:sp>
+      <p:sp>
+        <p:nvSpPr>
+          <p:cNvPr id="45" name="TextBox 44">
+            <a:extLst>
+              <a:ext uri="{FF2B5EF4-FFF2-40B4-BE49-F238E27FC236}">
+                <a16:creationId xmlns:a16="http://schemas.microsoft.com/office/drawing/2014/main" id="{D36F3662-31E3-4DC0-AAD0-43E8CDD03D1F}"/>
+              </a:ext>
+            </a:extLst>
+          </p:cNvPr>
+          <p:cNvSpPr txBox="1"/>
+          <p:nvPr/>
+        </p:nvSpPr>
+        <p:spPr>
+          <a:xfrm>
+            <a:off x="4099622" y="2156873"/>
+            <a:ext cx="2427396" cy="369332"/>
+          </a:xfrm>
+          <a:prstGeom prst="rect">
+            <a:avLst/>
+          </a:prstGeom>
+          <a:noFill/>
+        </p:spPr>
+        <p:txBody>
+          <a:bodyPr wrap="none" rtlCol="0">
+            <a:spAutoFit/>
+          </a:bodyPr>
+          <a:lstStyle/>
+          <a:p>
+            <a:r>
+              <a:rPr lang="en-US" dirty="0"/>
+              <a:t>Lookup </a:t>
+            </a:r>
+            <a:r>
+              <a:rPr lang="en-US" dirty="0" err="1"/>
+              <a:t>Valueset</a:t>
+            </a:r>
+            <a:r>
+              <a:rPr lang="en-US" dirty="0"/>
+              <a:t> entries</a:t>
+            </a:r>
+          </a:p>
+        </p:txBody>
+      </p:sp>
+      <p:sp>
+        <p:nvSpPr>
+          <p:cNvPr id="47" name="TextBox 46">
+            <a:extLst>
+              <a:ext uri="{FF2B5EF4-FFF2-40B4-BE49-F238E27FC236}">
+                <a16:creationId xmlns:a16="http://schemas.microsoft.com/office/drawing/2014/main" id="{16DD801F-2081-477B-AC3F-4C42367FDCBE}"/>
+              </a:ext>
+            </a:extLst>
+          </p:cNvPr>
+          <p:cNvSpPr txBox="1"/>
+          <p:nvPr/>
+        </p:nvSpPr>
+        <p:spPr>
+          <a:xfrm>
+            <a:off x="3381573" y="1483828"/>
+            <a:ext cx="2800447" cy="646331"/>
+          </a:xfrm>
+          <a:prstGeom prst="rect">
+            <a:avLst/>
+          </a:prstGeom>
+          <a:noFill/>
+        </p:spPr>
+        <p:txBody>
+          <a:bodyPr wrap="none" rtlCol="0">
+            <a:spAutoFit/>
+          </a:bodyPr>
+          <a:lstStyle/>
+          <a:p>
+            <a:r>
+              <a:rPr lang="en-US" dirty="0"/>
+              <a:t>Feed Patient Updates</a:t>
+            </a:r>
+          </a:p>
+          <a:p>
+            <a:r>
+              <a:rPr lang="en-US" dirty="0"/>
+              <a:t>Find Patient Master Identity</a:t>
+            </a:r>
+          </a:p>
+        </p:txBody>
+      </p:sp>
+      <p:sp>
+        <p:nvSpPr>
+          <p:cNvPr id="49" name="TextBox 48">
+            <a:extLst>
+              <a:ext uri="{FF2B5EF4-FFF2-40B4-BE49-F238E27FC236}">
+                <a16:creationId xmlns:a16="http://schemas.microsoft.com/office/drawing/2014/main" id="{68543A5D-523E-44DD-B04F-2E9CDC7F7AC7}"/>
+              </a:ext>
+            </a:extLst>
+          </p:cNvPr>
+          <p:cNvSpPr txBox="1"/>
+          <p:nvPr/>
+        </p:nvSpPr>
+        <p:spPr>
+          <a:xfrm>
+            <a:off x="5078744" y="1279371"/>
+            <a:ext cx="1129220" cy="369332"/>
+          </a:xfrm>
+          <a:prstGeom prst="rect">
+            <a:avLst/>
+          </a:prstGeom>
+          <a:noFill/>
+        </p:spPr>
+        <p:txBody>
+          <a:bodyPr wrap="none" rtlCol="0">
+            <a:spAutoFit/>
+          </a:bodyPr>
+          <a:lstStyle/>
+          <a:p>
+            <a:r>
+              <a:rPr lang="en-US" dirty="0"/>
+              <a:t>Sync Time</a:t>
+            </a:r>
+          </a:p>
+        </p:txBody>
+      </p:sp>
+      <p:sp>
+        <p:nvSpPr>
+          <p:cNvPr id="50" name="TextBox 49">
+            <a:extLst>
+              <a:ext uri="{FF2B5EF4-FFF2-40B4-BE49-F238E27FC236}">
+                <a16:creationId xmlns:a16="http://schemas.microsoft.com/office/drawing/2014/main" id="{584598C2-3F17-4B59-B27C-0CF5CDB9D7F0}"/>
+              </a:ext>
+            </a:extLst>
+          </p:cNvPr>
+          <p:cNvSpPr txBox="1"/>
+          <p:nvPr/>
+        </p:nvSpPr>
+        <p:spPr>
+          <a:xfrm>
+            <a:off x="3675017" y="952046"/>
+            <a:ext cx="3038396" cy="369332"/>
+          </a:xfrm>
+          <a:prstGeom prst="rect">
+            <a:avLst/>
+          </a:prstGeom>
+          <a:noFill/>
+        </p:spPr>
+        <p:txBody>
+          <a:bodyPr wrap="none" rtlCol="0">
+            <a:spAutoFit/>
+          </a:bodyPr>
+          <a:lstStyle/>
+          <a:p>
+            <a:r>
+              <a:rPr lang="en-US" dirty="0"/>
+              <a:t>Register Cert, Cert Revocation </a:t>
+            </a:r>
+          </a:p>
+        </p:txBody>
+      </p:sp>
+      <p:sp>
+        <p:nvSpPr>
+          <p:cNvPr id="51" name="TextBox 50">
+            <a:extLst>
+              <a:ext uri="{FF2B5EF4-FFF2-40B4-BE49-F238E27FC236}">
+                <a16:creationId xmlns:a16="http://schemas.microsoft.com/office/drawing/2014/main" id="{46826ACA-58E8-4A50-9821-28F26FD196A5}"/>
+              </a:ext>
+            </a:extLst>
+          </p:cNvPr>
+          <p:cNvSpPr txBox="1"/>
+          <p:nvPr/>
+        </p:nvSpPr>
+        <p:spPr>
+          <a:xfrm>
+            <a:off x="4066753" y="602746"/>
+            <a:ext cx="1897764" cy="369332"/>
+          </a:xfrm>
+          <a:prstGeom prst="rect">
+            <a:avLst/>
+          </a:prstGeom>
+          <a:noFill/>
+        </p:spPr>
+        <p:txBody>
+          <a:bodyPr wrap="none" rtlCol="0">
+            <a:spAutoFit/>
+          </a:bodyPr>
+          <a:lstStyle/>
+          <a:p>
+            <a:r>
+              <a:rPr lang="en-US" dirty="0"/>
+              <a:t>Publish Document</a:t>
+            </a:r>
+          </a:p>
+        </p:txBody>
+      </p:sp>
+      <p:cxnSp>
+        <p:nvCxnSpPr>
+          <p:cNvPr id="54" name="Straight Arrow Connector 53">
+            <a:extLst>
+              <a:ext uri="{FF2B5EF4-FFF2-40B4-BE49-F238E27FC236}">
+                <a16:creationId xmlns:a16="http://schemas.microsoft.com/office/drawing/2014/main" id="{2B679FC9-8584-4E10-B4EC-64E2BB8A5E04}"/>
+              </a:ext>
+            </a:extLst>
+          </p:cNvPr>
+          <p:cNvCxnSpPr>
+            <a:cxnSpLocks/>
+          </p:cNvCxnSpPr>
+          <p:nvPr/>
+        </p:nvCxnSpPr>
+        <p:spPr>
+          <a:xfrm>
+            <a:off x="3043235" y="3923098"/>
+            <a:ext cx="4439177" cy="2173513"/>
+          </a:xfrm>
+          <a:prstGeom prst="straightConnector1">
+            <a:avLst/>
+          </a:prstGeom>
+          <a:ln>
+            <a:solidFill>
+              <a:schemeClr val="bg1"/>
+            </a:solidFill>
+            <a:prstDash val="dash"/>
+            <a:tailEnd type="triangle"/>
+          </a:ln>
+        </p:spPr>
+        <p:style>
+          <a:lnRef idx="3">
+            <a:schemeClr val="accent1"/>
+          </a:lnRef>
+          <a:fillRef idx="0">
+            <a:schemeClr val="accent1"/>
+          </a:fillRef>
+          <a:effectRef idx="2">
+            <a:schemeClr val="accent1"/>
+          </a:effectRef>
+          <a:fontRef idx="minor">
+            <a:schemeClr val="tx1"/>
+          </a:fontRef>
+        </p:style>
+      </p:cxnSp>
+      <p:sp>
+        <p:nvSpPr>
+          <p:cNvPr id="56" name="TextBox 55">
+            <a:extLst>
+              <a:ext uri="{FF2B5EF4-FFF2-40B4-BE49-F238E27FC236}">
+                <a16:creationId xmlns:a16="http://schemas.microsoft.com/office/drawing/2014/main" id="{3A35DEAE-7086-49A4-9CDC-B5F8A3216C77}"/>
+              </a:ext>
+            </a:extLst>
+          </p:cNvPr>
+          <p:cNvSpPr txBox="1"/>
+          <p:nvPr/>
+        </p:nvSpPr>
+        <p:spPr>
+          <a:xfrm>
+            <a:off x="4091054" y="3984452"/>
+            <a:ext cx="1931747" cy="646331"/>
+          </a:xfrm>
+          <a:prstGeom prst="rect">
+            <a:avLst/>
+          </a:prstGeom>
+          <a:noFill/>
+        </p:spPr>
+        <p:txBody>
+          <a:bodyPr wrap="none" rtlCol="0">
+            <a:spAutoFit/>
+          </a:bodyPr>
+          <a:lstStyle/>
+          <a:p>
+            <a:r>
+              <a:rPr lang="en-US" dirty="0"/>
+              <a:t>Configuration Files</a:t>
+            </a:r>
+          </a:p>
+          <a:p>
+            <a:r>
+              <a:rPr lang="en-US" dirty="0"/>
+              <a:t>Privacy Policy</a:t>
+            </a:r>
+          </a:p>
+        </p:txBody>
+      </p:sp>
+      <p:cxnSp>
+        <p:nvCxnSpPr>
+          <p:cNvPr id="57" name="Straight Arrow Connector 56">
+            <a:extLst>
+              <a:ext uri="{FF2B5EF4-FFF2-40B4-BE49-F238E27FC236}">
+                <a16:creationId xmlns:a16="http://schemas.microsoft.com/office/drawing/2014/main" id="{98C59BCE-5CF4-4147-8B96-996A39244C0A}"/>
+              </a:ext>
+            </a:extLst>
+          </p:cNvPr>
+          <p:cNvCxnSpPr>
+            <a:cxnSpLocks/>
+          </p:cNvCxnSpPr>
+          <p:nvPr/>
+        </p:nvCxnSpPr>
+        <p:spPr>
+          <a:xfrm>
+            <a:off x="3076007" y="4147688"/>
+            <a:ext cx="4406405" cy="2253712"/>
+          </a:xfrm>
+          <a:prstGeom prst="straightConnector1">
+            <a:avLst/>
+          </a:prstGeom>
+          <a:ln>
+            <a:solidFill>
+              <a:schemeClr val="bg1"/>
+            </a:solidFill>
+            <a:prstDash val="dash"/>
+            <a:tailEnd type="triangle"/>
+          </a:ln>
+        </p:spPr>
+        <p:style>
+          <a:lnRef idx="3">
+            <a:schemeClr val="accent1"/>
+          </a:lnRef>
+          <a:fillRef idx="0">
+            <a:schemeClr val="accent1"/>
+          </a:fillRef>
+          <a:effectRef idx="2">
+            <a:schemeClr val="accent1"/>
+          </a:effectRef>
+          <a:fontRef idx="minor">
+            <a:schemeClr val="tx1"/>
+          </a:fontRef>
+        </p:style>
+      </p:cxnSp>
+      <p:sp>
+        <p:nvSpPr>
+          <p:cNvPr id="59" name="TextBox 58">
+            <a:extLst>
+              <a:ext uri="{FF2B5EF4-FFF2-40B4-BE49-F238E27FC236}">
+                <a16:creationId xmlns:a16="http://schemas.microsoft.com/office/drawing/2014/main" id="{73872795-CFCB-45EA-AA74-7B8F9F0A86F8}"/>
+              </a:ext>
+            </a:extLst>
+          </p:cNvPr>
+          <p:cNvSpPr txBox="1"/>
+          <p:nvPr/>
+        </p:nvSpPr>
+        <p:spPr>
+          <a:xfrm>
+            <a:off x="3297180" y="4808616"/>
+            <a:ext cx="1741439" cy="646331"/>
+          </a:xfrm>
+          <a:prstGeom prst="rect">
+            <a:avLst/>
+          </a:prstGeom>
+          <a:noFill/>
+        </p:spPr>
+        <p:txBody>
+          <a:bodyPr wrap="none" rtlCol="0">
+            <a:spAutoFit/>
+          </a:bodyPr>
+          <a:lstStyle/>
+          <a:p>
+            <a:r>
+              <a:rPr lang="en-US" dirty="0"/>
+              <a:t>Record Consent</a:t>
+            </a:r>
+          </a:p>
+          <a:p>
+            <a:r>
+              <a:rPr lang="en-US" dirty="0"/>
+              <a:t>Replace Consent</a:t>
+            </a:r>
+          </a:p>
+        </p:txBody>
+      </p:sp>
+      <p:cxnSp>
+        <p:nvCxnSpPr>
+          <p:cNvPr id="60" name="Straight Arrow Connector 59">
+            <a:extLst>
+              <a:ext uri="{FF2B5EF4-FFF2-40B4-BE49-F238E27FC236}">
+                <a16:creationId xmlns:a16="http://schemas.microsoft.com/office/drawing/2014/main" id="{08407319-5AA2-4B84-9F89-E858A9B271B7}"/>
+              </a:ext>
+            </a:extLst>
+          </p:cNvPr>
+          <p:cNvCxnSpPr>
+            <a:cxnSpLocks/>
+          </p:cNvCxnSpPr>
+          <p:nvPr/>
+        </p:nvCxnSpPr>
+        <p:spPr>
+          <a:xfrm flipV="1">
+            <a:off x="3052946" y="418081"/>
+            <a:ext cx="3893895" cy="260599"/>
+          </a:xfrm>
+          <a:prstGeom prst="straightConnector1">
+            <a:avLst/>
+          </a:prstGeom>
+          <a:ln>
+            <a:solidFill>
+              <a:schemeClr val="bg1"/>
+            </a:solidFill>
+            <a:tailEnd type="triangle"/>
+          </a:ln>
+        </p:spPr>
+        <p:style>
+          <a:lnRef idx="3">
+            <a:schemeClr val="accent1"/>
+          </a:lnRef>
+          <a:fillRef idx="0">
+            <a:schemeClr val="accent1"/>
+          </a:fillRef>
+          <a:effectRef idx="2">
+            <a:schemeClr val="accent1"/>
+          </a:effectRef>
+          <a:fontRef idx="minor">
+            <a:schemeClr val="tx1"/>
+          </a:fontRef>
+        </p:style>
+      </p:cxnSp>
+      <p:sp>
+        <p:nvSpPr>
+          <p:cNvPr id="66" name="TextBox 65">
+            <a:extLst>
+              <a:ext uri="{FF2B5EF4-FFF2-40B4-BE49-F238E27FC236}">
+                <a16:creationId xmlns:a16="http://schemas.microsoft.com/office/drawing/2014/main" id="{B02AC129-2CEA-414D-AB81-E6E053073F2A}"/>
+              </a:ext>
+            </a:extLst>
+          </p:cNvPr>
+          <p:cNvSpPr txBox="1"/>
+          <p:nvPr/>
+        </p:nvSpPr>
+        <p:spPr>
+          <a:xfrm>
+            <a:off x="4167900" y="318858"/>
+            <a:ext cx="2511393" cy="369332"/>
+          </a:xfrm>
+          <a:prstGeom prst="rect">
+            <a:avLst/>
+          </a:prstGeom>
+          <a:noFill/>
+        </p:spPr>
+        <p:txBody>
+          <a:bodyPr wrap="none" rtlCol="0">
+            <a:spAutoFit/>
+          </a:bodyPr>
+          <a:lstStyle/>
+          <a:p>
+            <a:r>
+              <a:rPr lang="en-US" dirty="0"/>
+              <a:t>Get Security Auth Token</a:t>
+            </a:r>
+          </a:p>
+        </p:txBody>
+      </p:sp>
+      <p:sp>
+        <p:nvSpPr>
+          <p:cNvPr id="61" name="TextBox 60">
+            <a:extLst>
+              <a:ext uri="{FF2B5EF4-FFF2-40B4-BE49-F238E27FC236}">
+                <a16:creationId xmlns:a16="http://schemas.microsoft.com/office/drawing/2014/main" id="{90C801DB-0B22-4DC1-84BB-E345A220709B}"/>
+              </a:ext>
+            </a:extLst>
+          </p:cNvPr>
+          <p:cNvSpPr txBox="1"/>
+          <p:nvPr/>
+        </p:nvSpPr>
+        <p:spPr>
+          <a:xfrm>
+            <a:off x="7515184" y="897778"/>
+            <a:ext cx="3153756" cy="369332"/>
           </a:xfrm>
           <a:prstGeom prst="rect">
             <a:avLst/>
@@ -4663,17 +5762,17 @@
           <a:p>
             <a:r>
               <a:rPr lang="en-US" dirty="0"/>
-              <a:t>PMIR - Patient Manager</a:t>
-            </a:r>
-          </a:p>
-        </p:txBody>
-      </p:sp>
-      <p:sp>
-        <p:nvSpPr>
-          <p:cNvPr id="7" name="TextBox 6">
-            <a:extLst>
-              <a:ext uri="{FF2B5EF4-FFF2-40B4-BE49-F238E27FC236}">
-                <a16:creationId xmlns:a16="http://schemas.microsoft.com/office/drawing/2014/main" id="{B92CF94C-7B96-44BA-AF02-146473974EFA}"/>
+              <a:t>Certificate Authority</a:t>
+            </a:r>
+          </a:p>
+        </p:txBody>
+      </p:sp>
+      <p:sp>
+        <p:nvSpPr>
+          <p:cNvPr id="62" name="TextBox 61">
+            <a:extLst>
+              <a:ext uri="{FF2B5EF4-FFF2-40B4-BE49-F238E27FC236}">
+                <a16:creationId xmlns:a16="http://schemas.microsoft.com/office/drawing/2014/main" id="{51F345CD-F8BE-4F28-A845-FF4DD662BE22}"/>
               </a:ext>
             </a:extLst>
           </p:cNvPr>
@@ -4682,8 +5781,8 @@
         </p:nvSpPr>
         <p:spPr>
           <a:xfrm>
-            <a:off x="1760343" y="2080208"/>
-            <a:ext cx="2969964" cy="369332"/>
+            <a:off x="7515184" y="461842"/>
+            <a:ext cx="3143716" cy="369332"/>
           </a:xfrm>
           <a:prstGeom prst="rect">
             <a:avLst/>
@@ -4703,17 +5802,17 @@
           <a:p>
             <a:r>
               <a:rPr lang="en-US" dirty="0"/>
-              <a:t>SVCM - ValueSet Registry</a:t>
-            </a:r>
-          </a:p>
-        </p:txBody>
-      </p:sp>
-      <p:sp>
-        <p:nvSpPr>
-          <p:cNvPr id="8" name="TextBox 7">
-            <a:extLst>
-              <a:ext uri="{FF2B5EF4-FFF2-40B4-BE49-F238E27FC236}">
-                <a16:creationId xmlns:a16="http://schemas.microsoft.com/office/drawing/2014/main" id="{B8CF5B8B-C1DC-4ABC-A445-8A99C69150C1}"/>
+              <a:t>MHDS – Document Registry</a:t>
+            </a:r>
+          </a:p>
+        </p:txBody>
+      </p:sp>
+      <p:sp>
+        <p:nvSpPr>
+          <p:cNvPr id="63" name="TextBox 62">
+            <a:extLst>
+              <a:ext uri="{FF2B5EF4-FFF2-40B4-BE49-F238E27FC236}">
+                <a16:creationId xmlns:a16="http://schemas.microsoft.com/office/drawing/2014/main" id="{3572DD75-FE7F-4F67-8828-546913ACED59}"/>
               </a:ext>
             </a:extLst>
           </p:cNvPr>
@@ -4722,8 +5821,8 @@
         </p:nvSpPr>
         <p:spPr>
           <a:xfrm>
-            <a:off x="1770383" y="1216361"/>
-            <a:ext cx="2969964" cy="369332"/>
+            <a:off x="7515184" y="1733670"/>
+            <a:ext cx="3143716" cy="369332"/>
           </a:xfrm>
           <a:prstGeom prst="rect">
             <a:avLst/>
@@ -4743,17 +5842,17 @@
           <a:p>
             <a:r>
               <a:rPr lang="en-US" dirty="0"/>
-              <a:t>CT – Time Service</a:t>
-            </a:r>
-          </a:p>
-        </p:txBody>
-      </p:sp>
-      <p:sp>
-        <p:nvSpPr>
-          <p:cNvPr id="9" name="TextBox 8">
-            <a:extLst>
-              <a:ext uri="{FF2B5EF4-FFF2-40B4-BE49-F238E27FC236}">
-                <a16:creationId xmlns:a16="http://schemas.microsoft.com/office/drawing/2014/main" id="{FB60DE6B-CDA8-4410-96BD-BAD04E9980FC}"/>
+              <a:t>PMIR - Patient Manager</a:t>
+            </a:r>
+          </a:p>
+        </p:txBody>
+      </p:sp>
+      <p:sp>
+        <p:nvSpPr>
+          <p:cNvPr id="64" name="TextBox 63">
+            <a:extLst>
+              <a:ext uri="{FF2B5EF4-FFF2-40B4-BE49-F238E27FC236}">
+                <a16:creationId xmlns:a16="http://schemas.microsoft.com/office/drawing/2014/main" id="{462FC4AD-6286-45E7-BD82-103BB5077B55}"/>
               </a:ext>
             </a:extLst>
           </p:cNvPr>
@@ -4762,8 +5861,8 @@
         </p:nvSpPr>
         <p:spPr>
           <a:xfrm>
-            <a:off x="1760343" y="2482906"/>
-            <a:ext cx="2969964" cy="369332"/>
+            <a:off x="7505143" y="2169659"/>
+            <a:ext cx="3153757" cy="369332"/>
           </a:xfrm>
           <a:prstGeom prst="rect">
             <a:avLst/>
@@ -4783,17 +5882,17 @@
           <a:p>
             <a:r>
               <a:rPr lang="en-US" dirty="0"/>
-              <a:t>ATNA – Audit Record Repo</a:t>
-            </a:r>
-          </a:p>
-        </p:txBody>
-      </p:sp>
-      <p:sp>
-        <p:nvSpPr>
-          <p:cNvPr id="10" name="TextBox 9">
-            <a:extLst>
-              <a:ext uri="{FF2B5EF4-FFF2-40B4-BE49-F238E27FC236}">
-                <a16:creationId xmlns:a16="http://schemas.microsoft.com/office/drawing/2014/main" id="{079F1DA3-0B54-44C7-A262-AC5937F1F226}"/>
+              <a:t>SVCM - Repository</a:t>
+            </a:r>
+          </a:p>
+        </p:txBody>
+      </p:sp>
+      <p:sp>
+        <p:nvSpPr>
+          <p:cNvPr id="65" name="TextBox 64">
+            <a:extLst>
+              <a:ext uri="{FF2B5EF4-FFF2-40B4-BE49-F238E27FC236}">
+                <a16:creationId xmlns:a16="http://schemas.microsoft.com/office/drawing/2014/main" id="{3DDAC8D5-4F6A-428C-AA97-E87315F8E7B3}"/>
               </a:ext>
             </a:extLst>
           </p:cNvPr>
@@ -4802,8 +5901,8 @@
         </p:nvSpPr>
         <p:spPr>
           <a:xfrm>
-            <a:off x="1770383" y="2914199"/>
-            <a:ext cx="2969964" cy="369332"/>
+            <a:off x="7515184" y="1305812"/>
+            <a:ext cx="3143716" cy="369332"/>
           </a:xfrm>
           <a:prstGeom prst="rect">
             <a:avLst/>
@@ -4823,17 +5922,17 @@
           <a:p>
             <a:r>
               <a:rPr lang="en-US" dirty="0"/>
-              <a:t>mCSD – Provider Directory</a:t>
-            </a:r>
-          </a:p>
-        </p:txBody>
-      </p:sp>
-      <p:sp>
-        <p:nvSpPr>
-          <p:cNvPr id="11" name="TextBox 10">
-            <a:extLst>
-              <a:ext uri="{FF2B5EF4-FFF2-40B4-BE49-F238E27FC236}">
-                <a16:creationId xmlns:a16="http://schemas.microsoft.com/office/drawing/2014/main" id="{368A588C-2F98-4FFA-A2A2-EC32D7B24DF3}"/>
+              <a:t>CT – Time Service</a:t>
+            </a:r>
+          </a:p>
+        </p:txBody>
+      </p:sp>
+      <p:sp>
+        <p:nvSpPr>
+          <p:cNvPr id="67" name="TextBox 66">
+            <a:extLst>
+              <a:ext uri="{FF2B5EF4-FFF2-40B4-BE49-F238E27FC236}">
+                <a16:creationId xmlns:a16="http://schemas.microsoft.com/office/drawing/2014/main" id="{F2F66063-A95E-442E-B987-5723733F5910}"/>
               </a:ext>
             </a:extLst>
           </p:cNvPr>
@@ -4842,8 +5941,8 @@
         </p:nvSpPr>
         <p:spPr>
           <a:xfrm>
-            <a:off x="1737611" y="4908094"/>
-            <a:ext cx="2969964" cy="369332"/>
+            <a:off x="7505144" y="2572357"/>
+            <a:ext cx="3153756" cy="369332"/>
           </a:xfrm>
           <a:prstGeom prst="rect">
             <a:avLst/>
@@ -4863,17 +5962,17 @@
           <a:p>
             <a:r>
               <a:rPr lang="en-US" dirty="0"/>
-              <a:t>NPFS – File Manager</a:t>
-            </a:r>
-          </a:p>
-        </p:txBody>
-      </p:sp>
-      <p:sp>
-        <p:nvSpPr>
-          <p:cNvPr id="12" name="TextBox 11">
-            <a:extLst>
-              <a:ext uri="{FF2B5EF4-FFF2-40B4-BE49-F238E27FC236}">
-                <a16:creationId xmlns:a16="http://schemas.microsoft.com/office/drawing/2014/main" id="{56422A73-BDCB-45DA-A308-7A977567E127}"/>
+              <a:t>ATNA – Audit Record Repo</a:t>
+            </a:r>
+          </a:p>
+        </p:txBody>
+      </p:sp>
+      <p:sp>
+        <p:nvSpPr>
+          <p:cNvPr id="68" name="TextBox 67">
+            <a:extLst>
+              <a:ext uri="{FF2B5EF4-FFF2-40B4-BE49-F238E27FC236}">
+                <a16:creationId xmlns:a16="http://schemas.microsoft.com/office/drawing/2014/main" id="{425D5A33-8005-474D-AC00-CEF024F77822}"/>
               </a:ext>
             </a:extLst>
           </p:cNvPr>
@@ -4882,8 +5981,8 @@
         </p:nvSpPr>
         <p:spPr>
           <a:xfrm>
-            <a:off x="1770383" y="3523900"/>
-            <a:ext cx="2969964" cy="369332"/>
+            <a:off x="7515184" y="3003650"/>
+            <a:ext cx="3153756" cy="646331"/>
           </a:xfrm>
           <a:prstGeom prst="rect">
             <a:avLst/>
@@ -4903,17 +6002,17 @@
           <a:p>
             <a:r>
               <a:rPr lang="en-US" dirty="0"/>
-              <a:t>mXDE – Data Element Extract</a:t>
-            </a:r>
-          </a:p>
-        </p:txBody>
-      </p:sp>
-      <p:sp>
-        <p:nvSpPr>
-          <p:cNvPr id="13" name="TextBox 12">
-            <a:extLst>
-              <a:ext uri="{FF2B5EF4-FFF2-40B4-BE49-F238E27FC236}">
-                <a16:creationId xmlns:a16="http://schemas.microsoft.com/office/drawing/2014/main" id="{0A8F6752-B476-417A-81A9-DCD957F2BE10}"/>
+              <a:t>mCSD – Care Services Selective Supplier</a:t>
+            </a:r>
+          </a:p>
+        </p:txBody>
+      </p:sp>
+      <p:sp>
+        <p:nvSpPr>
+          <p:cNvPr id="69" name="TextBox 68">
+            <a:extLst>
+              <a:ext uri="{FF2B5EF4-FFF2-40B4-BE49-F238E27FC236}">
+                <a16:creationId xmlns:a16="http://schemas.microsoft.com/office/drawing/2014/main" id="{6CF47BCB-B0A7-42B7-B30F-B894E6D6CC2D}"/>
               </a:ext>
             </a:extLst>
           </p:cNvPr>
@@ -4922,8 +6021,8 @@
         </p:nvSpPr>
         <p:spPr>
           <a:xfrm>
-            <a:off x="2087913" y="3898098"/>
-            <a:ext cx="2969964" cy="369332"/>
+            <a:off x="7482412" y="5911945"/>
+            <a:ext cx="3186528" cy="369332"/>
           </a:xfrm>
           <a:prstGeom prst="rect">
             <a:avLst/>
@@ -4943,17 +6042,17 @@
           <a:p>
             <a:r>
               <a:rPr lang="en-US" dirty="0"/>
-              <a:t>QEDm –Clinical Data Source</a:t>
-            </a:r>
-          </a:p>
-        </p:txBody>
-      </p:sp>
-      <p:sp>
-        <p:nvSpPr>
-          <p:cNvPr id="14" name="TextBox 13">
-            <a:extLst>
-              <a:ext uri="{FF2B5EF4-FFF2-40B4-BE49-F238E27FC236}">
-                <a16:creationId xmlns:a16="http://schemas.microsoft.com/office/drawing/2014/main" id="{68AB0E42-E692-4B89-B675-C4E4AA8B4A9F}"/>
+              <a:t>NPFS – File Manager</a:t>
+            </a:r>
+          </a:p>
+        </p:txBody>
+      </p:sp>
+      <p:sp>
+        <p:nvSpPr>
+          <p:cNvPr id="70" name="TextBox 69">
+            <a:extLst>
+              <a:ext uri="{FF2B5EF4-FFF2-40B4-BE49-F238E27FC236}">
+                <a16:creationId xmlns:a16="http://schemas.microsoft.com/office/drawing/2014/main" id="{EE1F9189-79DC-4BD4-9029-FD7AA371F12E}"/>
               </a:ext>
             </a:extLst>
           </p:cNvPr>
@@ -4962,8 +6061,8 @@
         </p:nvSpPr>
         <p:spPr>
           <a:xfrm>
-            <a:off x="1737611" y="6127283"/>
-            <a:ext cx="2969964" cy="369332"/>
+            <a:off x="7515184" y="4630783"/>
+            <a:ext cx="3143716" cy="369332"/>
           </a:xfrm>
           <a:prstGeom prst="rect">
             <a:avLst/>
@@ -4983,17 +6082,17 @@
           <a:p>
             <a:r>
               <a:rPr lang="en-US" dirty="0"/>
-              <a:t>Consent Manager</a:t>
-            </a:r>
-          </a:p>
-        </p:txBody>
-      </p:sp>
-      <p:sp>
-        <p:nvSpPr>
-          <p:cNvPr id="15" name="TextBox 14">
-            <a:extLst>
-              <a:ext uri="{FF2B5EF4-FFF2-40B4-BE49-F238E27FC236}">
-                <a16:creationId xmlns:a16="http://schemas.microsoft.com/office/drawing/2014/main" id="{8FCF8625-9D3E-4E74-A5CE-09355477F81C}"/>
+              <a:t>mXDE – Data Element Extract</a:t>
+            </a:r>
+          </a:p>
+        </p:txBody>
+      </p:sp>
+      <p:sp>
+        <p:nvSpPr>
+          <p:cNvPr id="71" name="TextBox 70">
+            <a:extLst>
+              <a:ext uri="{FF2B5EF4-FFF2-40B4-BE49-F238E27FC236}">
+                <a16:creationId xmlns:a16="http://schemas.microsoft.com/office/drawing/2014/main" id="{2FAD5A70-C323-48C2-A7C8-1D0D516C849D}"/>
               </a:ext>
             </a:extLst>
           </p:cNvPr>
@@ -5001,9 +6100,9 @@
           <p:nvPr/>
         </p:nvSpPr>
         <p:spPr>
-          <a:xfrm rot="5400000">
-            <a:off x="-1848375" y="3209652"/>
-            <a:ext cx="6470163" cy="369332"/>
+          <a:xfrm>
+            <a:off x="7832714" y="5004981"/>
+            <a:ext cx="2969964" cy="369332"/>
           </a:xfrm>
           <a:prstGeom prst="rect">
             <a:avLst/>
@@ -5023,17 +6122,17 @@
           <a:p>
             <a:r>
               <a:rPr lang="en-US" dirty="0"/>
-              <a:t>Access Control</a:t>
-            </a:r>
-          </a:p>
-        </p:txBody>
-      </p:sp>
-      <p:sp>
-        <p:nvSpPr>
-          <p:cNvPr id="17" name="TextBox 16">
-            <a:extLst>
-              <a:ext uri="{FF2B5EF4-FFF2-40B4-BE49-F238E27FC236}">
-                <a16:creationId xmlns:a16="http://schemas.microsoft.com/office/drawing/2014/main" id="{E3818202-F4B3-4E26-AE41-C9FF9D6B54EF}"/>
+              <a:t>QEDm –Clinical Data Source</a:t>
+            </a:r>
+          </a:p>
+        </p:txBody>
+      </p:sp>
+      <p:sp>
+        <p:nvSpPr>
+          <p:cNvPr id="72" name="TextBox 71">
+            <a:extLst>
+              <a:ext uri="{FF2B5EF4-FFF2-40B4-BE49-F238E27FC236}">
+                <a16:creationId xmlns:a16="http://schemas.microsoft.com/office/drawing/2014/main" id="{AD1C3EDE-8117-4E07-A4B1-DA788F543912}"/>
               </a:ext>
             </a:extLst>
           </p:cNvPr>
@@ -5042,8 +6141,8 @@
         </p:nvSpPr>
         <p:spPr>
           <a:xfrm>
-            <a:off x="1737611" y="4452096"/>
-            <a:ext cx="2969964" cy="369332"/>
+            <a:off x="7482412" y="6345524"/>
+            <a:ext cx="3176488" cy="369332"/>
           </a:xfrm>
           <a:prstGeom prst="rect">
             <a:avLst/>
@@ -5062,6 +6161,46 @@
           <a:lstStyle/>
           <a:p>
             <a:r>
+              <a:rPr lang="en-US" dirty="0"/>
+              <a:t>Consent Manager</a:t>
+            </a:r>
+          </a:p>
+        </p:txBody>
+      </p:sp>
+      <p:sp>
+        <p:nvSpPr>
+          <p:cNvPr id="73" name="TextBox 72">
+            <a:extLst>
+              <a:ext uri="{FF2B5EF4-FFF2-40B4-BE49-F238E27FC236}">
+                <a16:creationId xmlns:a16="http://schemas.microsoft.com/office/drawing/2014/main" id="{A76A0E32-AC8F-4D4A-83FF-3503283A13DA}"/>
+              </a:ext>
+            </a:extLst>
+          </p:cNvPr>
+          <p:cNvSpPr txBox="1"/>
+          <p:nvPr/>
+        </p:nvSpPr>
+        <p:spPr>
+          <a:xfrm>
+            <a:off x="7482412" y="5455947"/>
+            <a:ext cx="3186528" cy="369332"/>
+          </a:xfrm>
+          <a:prstGeom prst="rect">
+            <a:avLst/>
+          </a:prstGeom>
+          <a:noFill/>
+          <a:ln>
+            <a:solidFill>
+              <a:schemeClr val="tx1"/>
+            </a:solidFill>
+          </a:ln>
+        </p:spPr>
+        <p:txBody>
+          <a:bodyPr wrap="square" rtlCol="0">
+            <a:spAutoFit/>
+          </a:bodyPr>
+          <a:lstStyle/>
+          <a:p>
+            <a:r>
               <a:rPr lang="en-US" dirty="0" err="1"/>
               <a:t>mACM</a:t>
             </a:r>
@@ -5080,7 +6219,7 @@
     </p:spTree>
     <p:extLst>
       <p:ext uri="{BB962C8B-B14F-4D97-AF65-F5344CB8AC3E}">
-        <p14:creationId xmlns:p14="http://schemas.microsoft.com/office/powerpoint/2010/main" val="3363122148"/>
+        <p14:creationId xmlns:p14="http://schemas.microsoft.com/office/powerpoint/2010/main" val="1497459077"/>
       </p:ext>
     </p:extLst>
   </p:cSld>
@@ -5109,10 +6248,10 @@
       </p:grpSpPr>
       <p:sp>
         <p:nvSpPr>
-          <p:cNvPr id="23" name="Rectangle 22">
-            <a:extLst>
-              <a:ext uri="{FF2B5EF4-FFF2-40B4-BE49-F238E27FC236}">
-                <a16:creationId xmlns:a16="http://schemas.microsoft.com/office/drawing/2014/main" id="{27C3C4B3-9E93-4C47-A8BE-320738C6219A}"/>
+          <p:cNvPr id="52" name="Rectangle 51">
+            <a:extLst>
+              <a:ext uri="{FF2B5EF4-FFF2-40B4-BE49-F238E27FC236}">
+                <a16:creationId xmlns:a16="http://schemas.microsoft.com/office/drawing/2014/main" id="{F506A461-275D-42D9-8BC1-B9F819526FB5}"/>
               </a:ext>
             </a:extLst>
           </p:cNvPr>
@@ -5121,17 +6260,14 @@
         </p:nvSpPr>
         <p:spPr>
           <a:xfrm>
-            <a:off x="289561" y="155576"/>
-            <a:ext cx="5930721" cy="6538123"/>
+            <a:off x="126993" y="4550477"/>
+            <a:ext cx="11960945" cy="2209188"/>
           </a:xfrm>
           <a:prstGeom prst="rect">
             <a:avLst/>
           </a:prstGeom>
           <a:solidFill>
-            <a:schemeClr val="accent2">
-              <a:lumMod val="40000"/>
-              <a:lumOff val="60000"/>
-            </a:schemeClr>
+            <a:srgbClr val="FFFF00"/>
           </a:solidFill>
         </p:spPr>
         <p:style>
@@ -5157,17 +6293,31 @@
             <a:pPr algn="ctr"/>
             <a:r>
               <a:rPr lang="en-US" b="1" dirty="0"/>
-              <a:t>HIE partner types</a:t>
-            </a:r>
-          </a:p>
-        </p:txBody>
-      </p:sp>
-      <p:sp>
-        <p:nvSpPr>
-          <p:cNvPr id="4" name="Rectangle 3">
-            <a:extLst>
-              <a:ext uri="{FF2B5EF4-FFF2-40B4-BE49-F238E27FC236}">
-                <a16:creationId xmlns:a16="http://schemas.microsoft.com/office/drawing/2014/main" id="{59EDAE21-3F15-43EE-8106-631330D0CA78}"/>
+              <a:t>Compatible </a:t>
+            </a:r>
+          </a:p>
+          <a:p>
+            <a:pPr algn="ctr"/>
+            <a:r>
+              <a:rPr lang="en-US" b="1" dirty="0"/>
+              <a:t>But</a:t>
+            </a:r>
+          </a:p>
+          <a:p>
+            <a:pPr algn="ctr"/>
+            <a:r>
+              <a:rPr lang="en-US" b="1" dirty="0"/>
+              <a:t>Not Included</a:t>
+            </a:r>
+          </a:p>
+        </p:txBody>
+      </p:sp>
+      <p:sp>
+        <p:nvSpPr>
+          <p:cNvPr id="53" name="Rectangle 52">
+            <a:extLst>
+              <a:ext uri="{FF2B5EF4-FFF2-40B4-BE49-F238E27FC236}">
+                <a16:creationId xmlns:a16="http://schemas.microsoft.com/office/drawing/2014/main" id="{A74C0B56-CF87-4D36-95DB-64F650A577A7}"/>
               </a:ext>
             </a:extLst>
           </p:cNvPr>
@@ -5176,12 +6326,18 @@
         </p:nvSpPr>
         <p:spPr>
           <a:xfrm>
-            <a:off x="6092824" y="145294"/>
-            <a:ext cx="5930720" cy="6558688"/>
-          </a:xfrm>
-          <a:prstGeom prst="rect">
-            <a:avLst/>
-          </a:prstGeom>
+            <a:off x="128789" y="142698"/>
+            <a:ext cx="6014219" cy="4407780"/>
+          </a:xfrm>
+          <a:prstGeom prst="rect">
+            <a:avLst/>
+          </a:prstGeom>
+          <a:solidFill>
+            <a:schemeClr val="accent2">
+              <a:lumMod val="40000"/>
+              <a:lumOff val="60000"/>
+            </a:schemeClr>
+          </a:solidFill>
         </p:spPr>
         <p:style>
           <a:lnRef idx="2">
@@ -5206,6 +6362,55 @@
             <a:pPr algn="ctr"/>
             <a:r>
               <a:rPr lang="en-US" b="1" dirty="0"/>
+              <a:t>HIE partner types</a:t>
+            </a:r>
+          </a:p>
+        </p:txBody>
+      </p:sp>
+      <p:sp>
+        <p:nvSpPr>
+          <p:cNvPr id="55" name="Rectangle 54">
+            <a:extLst>
+              <a:ext uri="{FF2B5EF4-FFF2-40B4-BE49-F238E27FC236}">
+                <a16:creationId xmlns:a16="http://schemas.microsoft.com/office/drawing/2014/main" id="{500314FF-42FA-4337-B26D-59ECDD6FA02F}"/>
+              </a:ext>
+            </a:extLst>
+          </p:cNvPr>
+          <p:cNvSpPr/>
+          <p:nvPr/>
+        </p:nvSpPr>
+        <p:spPr>
+          <a:xfrm>
+            <a:off x="6144340" y="137832"/>
+            <a:ext cx="5930720" cy="4398048"/>
+          </a:xfrm>
+          <a:prstGeom prst="rect">
+            <a:avLst/>
+          </a:prstGeom>
+        </p:spPr>
+        <p:style>
+          <a:lnRef idx="2">
+            <a:schemeClr val="accent1">
+              <a:shade val="50000"/>
+            </a:schemeClr>
+          </a:lnRef>
+          <a:fillRef idx="1">
+            <a:schemeClr val="accent1"/>
+          </a:fillRef>
+          <a:effectRef idx="0">
+            <a:schemeClr val="accent1"/>
+          </a:effectRef>
+          <a:fontRef idx="minor">
+            <a:schemeClr val="lt1"/>
+          </a:fontRef>
+        </p:style>
+        <p:txBody>
+          <a:bodyPr rtlCol="0" anchor="t"/>
+          <a:lstStyle/>
+          <a:p>
+            <a:pPr algn="ctr"/>
+            <a:r>
+              <a:rPr lang="en-US" b="1" dirty="0"/>
               <a:t>Central Infrastructure</a:t>
             </a:r>
           </a:p>
@@ -5225,8 +6430,8 @@
         </p:nvSpPr>
         <p:spPr>
           <a:xfrm>
-            <a:off x="528687" y="566585"/>
-            <a:ext cx="2524259" cy="4524315"/>
+            <a:off x="528687" y="626219"/>
+            <a:ext cx="2524259" cy="3416320"/>
           </a:xfrm>
           <a:prstGeom prst="rect">
             <a:avLst/>
@@ -5246,7 +6451,7 @@
           <a:p>
             <a:r>
               <a:rPr lang="en-US" dirty="0"/>
-              <a:t>System that publishes Documents</a:t>
+              <a:t>System that consumes documents</a:t>
             </a:r>
           </a:p>
           <a:p>
@@ -5279,26 +6484,14 @@
           <a:p>
             <a:endParaRPr lang="en-US" dirty="0"/>
           </a:p>
-          <a:p>
-            <a:endParaRPr lang="en-US" dirty="0"/>
-          </a:p>
-          <a:p>
-            <a:endParaRPr lang="en-US" dirty="0"/>
-          </a:p>
-          <a:p>
-            <a:endParaRPr lang="en-US" dirty="0"/>
-          </a:p>
-          <a:p>
-            <a:endParaRPr lang="en-US" dirty="0"/>
-          </a:p>
-        </p:txBody>
-      </p:sp>
-      <p:sp>
-        <p:nvSpPr>
-          <p:cNvPr id="28" name="TextBox 27">
-            <a:extLst>
-              <a:ext uri="{FF2B5EF4-FFF2-40B4-BE49-F238E27FC236}">
-                <a16:creationId xmlns:a16="http://schemas.microsoft.com/office/drawing/2014/main" id="{CA99CEDE-A1CD-4CD4-A3DF-C9240527A2B1}"/>
+        </p:txBody>
+      </p:sp>
+      <p:sp>
+        <p:nvSpPr>
+          <p:cNvPr id="39" name="TextBox 38">
+            <a:extLst>
+              <a:ext uri="{FF2B5EF4-FFF2-40B4-BE49-F238E27FC236}">
+                <a16:creationId xmlns:a16="http://schemas.microsoft.com/office/drawing/2014/main" id="{E2287BF6-823F-42ED-A97B-3E595CD4CDD0}"/>
               </a:ext>
             </a:extLst>
           </p:cNvPr>
@@ -5306,9 +6499,9 @@
           <p:nvPr/>
         </p:nvSpPr>
         <p:spPr>
-          <a:xfrm>
-            <a:off x="7515184" y="897778"/>
-            <a:ext cx="2969964" cy="369332"/>
+          <a:xfrm rot="5400000">
+            <a:off x="3896426" y="3299103"/>
+            <a:ext cx="6470163" cy="369332"/>
           </a:xfrm>
           <a:prstGeom prst="rect">
             <a:avLst/>
@@ -5328,497 +6521,8 @@
           <a:p>
             <a:r>
               <a:rPr lang="en-US" dirty="0"/>
-              <a:t>Certificate Authority</a:t>
-            </a:r>
-          </a:p>
-        </p:txBody>
-      </p:sp>
-      <p:sp>
-        <p:nvSpPr>
-          <p:cNvPr id="29" name="TextBox 28">
-            <a:extLst>
-              <a:ext uri="{FF2B5EF4-FFF2-40B4-BE49-F238E27FC236}">
-                <a16:creationId xmlns:a16="http://schemas.microsoft.com/office/drawing/2014/main" id="{667D0742-048C-45A9-89A6-7BA53CA6111F}"/>
-              </a:ext>
-            </a:extLst>
-          </p:cNvPr>
-          <p:cNvSpPr txBox="1"/>
-          <p:nvPr/>
-        </p:nvSpPr>
-        <p:spPr>
-          <a:xfrm>
-            <a:off x="7515184" y="461842"/>
-            <a:ext cx="2969964" cy="369332"/>
-          </a:xfrm>
-          <a:prstGeom prst="rect">
-            <a:avLst/>
-          </a:prstGeom>
-          <a:noFill/>
-          <a:ln>
-            <a:solidFill>
-              <a:schemeClr val="tx1"/>
-            </a:solidFill>
-          </a:ln>
-        </p:spPr>
-        <p:txBody>
-          <a:bodyPr wrap="square" rtlCol="0">
-            <a:spAutoFit/>
-          </a:bodyPr>
-          <a:lstStyle/>
-          <a:p>
-            <a:r>
-              <a:rPr lang="en-US" dirty="0"/>
-              <a:t>MHDS - Registry</a:t>
-            </a:r>
-          </a:p>
-        </p:txBody>
-      </p:sp>
-      <p:sp>
-        <p:nvSpPr>
-          <p:cNvPr id="30" name="TextBox 29">
-            <a:extLst>
-              <a:ext uri="{FF2B5EF4-FFF2-40B4-BE49-F238E27FC236}">
-                <a16:creationId xmlns:a16="http://schemas.microsoft.com/office/drawing/2014/main" id="{56C17DEB-D46C-4711-BEED-4691F5F8924A}"/>
-              </a:ext>
-            </a:extLst>
-          </p:cNvPr>
-          <p:cNvSpPr txBox="1"/>
-          <p:nvPr/>
-        </p:nvSpPr>
-        <p:spPr>
-          <a:xfrm>
-            <a:off x="7515184" y="1733670"/>
-            <a:ext cx="2969964" cy="369332"/>
-          </a:xfrm>
-          <a:prstGeom prst="rect">
-            <a:avLst/>
-          </a:prstGeom>
-          <a:noFill/>
-          <a:ln>
-            <a:solidFill>
-              <a:schemeClr val="tx1"/>
-            </a:solidFill>
-          </a:ln>
-        </p:spPr>
-        <p:txBody>
-          <a:bodyPr wrap="square" rtlCol="0">
-            <a:spAutoFit/>
-          </a:bodyPr>
-          <a:lstStyle/>
-          <a:p>
-            <a:r>
-              <a:rPr lang="en-US" dirty="0"/>
-              <a:t>PMIR - Patient Manager</a:t>
-            </a:r>
-          </a:p>
-        </p:txBody>
-      </p:sp>
-      <p:sp>
-        <p:nvSpPr>
-          <p:cNvPr id="31" name="TextBox 30">
-            <a:extLst>
-              <a:ext uri="{FF2B5EF4-FFF2-40B4-BE49-F238E27FC236}">
-                <a16:creationId xmlns:a16="http://schemas.microsoft.com/office/drawing/2014/main" id="{50C2EA69-6429-4417-8548-D9CABC5BBB22}"/>
-              </a:ext>
-            </a:extLst>
-          </p:cNvPr>
-          <p:cNvSpPr txBox="1"/>
-          <p:nvPr/>
-        </p:nvSpPr>
-        <p:spPr>
-          <a:xfrm>
-            <a:off x="7505144" y="2169659"/>
-            <a:ext cx="2969964" cy="369332"/>
-          </a:xfrm>
-          <a:prstGeom prst="rect">
-            <a:avLst/>
-          </a:prstGeom>
-          <a:noFill/>
-          <a:ln>
-            <a:solidFill>
-              <a:schemeClr val="tx1"/>
-            </a:solidFill>
-          </a:ln>
-        </p:spPr>
-        <p:txBody>
-          <a:bodyPr wrap="square" rtlCol="0">
-            <a:spAutoFit/>
-          </a:bodyPr>
-          <a:lstStyle/>
-          <a:p>
-            <a:r>
-              <a:rPr lang="en-US" dirty="0"/>
-              <a:t>SVCM - ValueSet Registry</a:t>
-            </a:r>
-          </a:p>
-        </p:txBody>
-      </p:sp>
-      <p:sp>
-        <p:nvSpPr>
-          <p:cNvPr id="32" name="TextBox 31">
-            <a:extLst>
-              <a:ext uri="{FF2B5EF4-FFF2-40B4-BE49-F238E27FC236}">
-                <a16:creationId xmlns:a16="http://schemas.microsoft.com/office/drawing/2014/main" id="{25F91CC1-2808-420F-BF30-3C99BC5B198B}"/>
-              </a:ext>
-            </a:extLst>
-          </p:cNvPr>
-          <p:cNvSpPr txBox="1"/>
-          <p:nvPr/>
-        </p:nvSpPr>
-        <p:spPr>
-          <a:xfrm>
-            <a:off x="7515184" y="1305812"/>
-            <a:ext cx="2969964" cy="369332"/>
-          </a:xfrm>
-          <a:prstGeom prst="rect">
-            <a:avLst/>
-          </a:prstGeom>
-          <a:noFill/>
-          <a:ln>
-            <a:solidFill>
-              <a:schemeClr val="tx1"/>
-            </a:solidFill>
-          </a:ln>
-        </p:spPr>
-        <p:txBody>
-          <a:bodyPr wrap="square" rtlCol="0">
-            <a:spAutoFit/>
-          </a:bodyPr>
-          <a:lstStyle/>
-          <a:p>
-            <a:r>
-              <a:rPr lang="en-US" dirty="0"/>
-              <a:t>CT – Time Service</a:t>
-            </a:r>
-          </a:p>
-        </p:txBody>
-      </p:sp>
-      <p:sp>
-        <p:nvSpPr>
-          <p:cNvPr id="33" name="TextBox 32">
-            <a:extLst>
-              <a:ext uri="{FF2B5EF4-FFF2-40B4-BE49-F238E27FC236}">
-                <a16:creationId xmlns:a16="http://schemas.microsoft.com/office/drawing/2014/main" id="{C46A7726-325D-48EE-A397-C95A034D54F8}"/>
-              </a:ext>
-            </a:extLst>
-          </p:cNvPr>
-          <p:cNvSpPr txBox="1"/>
-          <p:nvPr/>
-        </p:nvSpPr>
-        <p:spPr>
-          <a:xfrm>
-            <a:off x="7505144" y="2572357"/>
-            <a:ext cx="2969964" cy="369332"/>
-          </a:xfrm>
-          <a:prstGeom prst="rect">
-            <a:avLst/>
-          </a:prstGeom>
-          <a:noFill/>
-          <a:ln>
-            <a:solidFill>
-              <a:schemeClr val="tx1"/>
-            </a:solidFill>
-          </a:ln>
-        </p:spPr>
-        <p:txBody>
-          <a:bodyPr wrap="square" rtlCol="0">
-            <a:spAutoFit/>
-          </a:bodyPr>
-          <a:lstStyle/>
-          <a:p>
-            <a:r>
-              <a:rPr lang="en-US" dirty="0"/>
-              <a:t>ATNA – Audit Record Repo</a:t>
-            </a:r>
-          </a:p>
-        </p:txBody>
-      </p:sp>
-      <p:sp>
-        <p:nvSpPr>
-          <p:cNvPr id="34" name="TextBox 33">
-            <a:extLst>
-              <a:ext uri="{FF2B5EF4-FFF2-40B4-BE49-F238E27FC236}">
-                <a16:creationId xmlns:a16="http://schemas.microsoft.com/office/drawing/2014/main" id="{FFBA27B9-D23A-4BB0-811F-43D5F08C77BE}"/>
-              </a:ext>
-            </a:extLst>
-          </p:cNvPr>
-          <p:cNvSpPr txBox="1"/>
-          <p:nvPr/>
-        </p:nvSpPr>
-        <p:spPr>
-          <a:xfrm>
-            <a:off x="7515184" y="3003650"/>
-            <a:ext cx="2969964" cy="369332"/>
-          </a:xfrm>
-          <a:prstGeom prst="rect">
-            <a:avLst/>
-          </a:prstGeom>
-          <a:noFill/>
-          <a:ln>
-            <a:solidFill>
-              <a:schemeClr val="tx1"/>
-            </a:solidFill>
-          </a:ln>
-        </p:spPr>
-        <p:txBody>
-          <a:bodyPr wrap="square" rtlCol="0">
-            <a:spAutoFit/>
-          </a:bodyPr>
-          <a:lstStyle/>
-          <a:p>
-            <a:r>
-              <a:rPr lang="en-US" dirty="0"/>
-              <a:t>mCSD – Provider Directory</a:t>
-            </a:r>
-          </a:p>
-        </p:txBody>
-      </p:sp>
-      <p:sp>
-        <p:nvSpPr>
-          <p:cNvPr id="35" name="TextBox 34">
-            <a:extLst>
-              <a:ext uri="{FF2B5EF4-FFF2-40B4-BE49-F238E27FC236}">
-                <a16:creationId xmlns:a16="http://schemas.microsoft.com/office/drawing/2014/main" id="{26461810-94AC-4479-BECF-2C0E7CDF7E1D}"/>
-              </a:ext>
-            </a:extLst>
-          </p:cNvPr>
-          <p:cNvSpPr txBox="1"/>
-          <p:nvPr/>
-        </p:nvSpPr>
-        <p:spPr>
-          <a:xfrm>
-            <a:off x="7482412" y="4997545"/>
-            <a:ext cx="2969964" cy="369332"/>
-          </a:xfrm>
-          <a:prstGeom prst="rect">
-            <a:avLst/>
-          </a:prstGeom>
-          <a:noFill/>
-          <a:ln>
-            <a:solidFill>
-              <a:schemeClr val="tx1"/>
-            </a:solidFill>
-          </a:ln>
-        </p:spPr>
-        <p:txBody>
-          <a:bodyPr wrap="square" rtlCol="0">
-            <a:spAutoFit/>
-          </a:bodyPr>
-          <a:lstStyle/>
-          <a:p>
-            <a:r>
-              <a:rPr lang="en-US" dirty="0"/>
-              <a:t>NPFS – File Manager</a:t>
-            </a:r>
-          </a:p>
-        </p:txBody>
-      </p:sp>
-      <p:sp>
-        <p:nvSpPr>
-          <p:cNvPr id="36" name="TextBox 35">
-            <a:extLst>
-              <a:ext uri="{FF2B5EF4-FFF2-40B4-BE49-F238E27FC236}">
-                <a16:creationId xmlns:a16="http://schemas.microsoft.com/office/drawing/2014/main" id="{06D1038C-91F7-46FD-BACA-95B1640A940A}"/>
-              </a:ext>
-            </a:extLst>
-          </p:cNvPr>
-          <p:cNvSpPr txBox="1"/>
-          <p:nvPr/>
-        </p:nvSpPr>
-        <p:spPr>
-          <a:xfrm>
-            <a:off x="7515184" y="3613351"/>
-            <a:ext cx="2969964" cy="369332"/>
-          </a:xfrm>
-          <a:prstGeom prst="rect">
-            <a:avLst/>
-          </a:prstGeom>
-          <a:noFill/>
-          <a:ln>
-            <a:solidFill>
-              <a:schemeClr val="tx1"/>
-            </a:solidFill>
-          </a:ln>
-        </p:spPr>
-        <p:txBody>
-          <a:bodyPr wrap="square" rtlCol="0">
-            <a:spAutoFit/>
-          </a:bodyPr>
-          <a:lstStyle/>
-          <a:p>
-            <a:r>
-              <a:rPr lang="en-US" dirty="0"/>
-              <a:t>mXDE – Data Element Extract</a:t>
-            </a:r>
-          </a:p>
-        </p:txBody>
-      </p:sp>
-      <p:sp>
-        <p:nvSpPr>
-          <p:cNvPr id="37" name="TextBox 36">
-            <a:extLst>
-              <a:ext uri="{FF2B5EF4-FFF2-40B4-BE49-F238E27FC236}">
-                <a16:creationId xmlns:a16="http://schemas.microsoft.com/office/drawing/2014/main" id="{A9A22824-3500-4267-BF55-7E641E9DFC81}"/>
-              </a:ext>
-            </a:extLst>
-          </p:cNvPr>
-          <p:cNvSpPr txBox="1"/>
-          <p:nvPr/>
-        </p:nvSpPr>
-        <p:spPr>
-          <a:xfrm>
-            <a:off x="7832714" y="3987549"/>
-            <a:ext cx="2969964" cy="369332"/>
-          </a:xfrm>
-          <a:prstGeom prst="rect">
-            <a:avLst/>
-          </a:prstGeom>
-          <a:noFill/>
-          <a:ln>
-            <a:solidFill>
-              <a:schemeClr val="tx1"/>
-            </a:solidFill>
-          </a:ln>
-        </p:spPr>
-        <p:txBody>
-          <a:bodyPr wrap="square" rtlCol="0">
-            <a:spAutoFit/>
-          </a:bodyPr>
-          <a:lstStyle/>
-          <a:p>
-            <a:r>
-              <a:rPr lang="en-US" dirty="0"/>
-              <a:t>QEDm –Clinical Data Source</a:t>
-            </a:r>
-          </a:p>
-        </p:txBody>
-      </p:sp>
-      <p:sp>
-        <p:nvSpPr>
-          <p:cNvPr id="38" name="TextBox 37">
-            <a:extLst>
-              <a:ext uri="{FF2B5EF4-FFF2-40B4-BE49-F238E27FC236}">
-                <a16:creationId xmlns:a16="http://schemas.microsoft.com/office/drawing/2014/main" id="{5289A489-DAF5-459B-8C2C-E78503073D98}"/>
-              </a:ext>
-            </a:extLst>
-          </p:cNvPr>
-          <p:cNvSpPr txBox="1"/>
-          <p:nvPr/>
-        </p:nvSpPr>
-        <p:spPr>
-          <a:xfrm>
-            <a:off x="7482412" y="6216734"/>
-            <a:ext cx="2969964" cy="369332"/>
-          </a:xfrm>
-          <a:prstGeom prst="rect">
-            <a:avLst/>
-          </a:prstGeom>
-          <a:noFill/>
-          <a:ln>
-            <a:solidFill>
-              <a:schemeClr val="tx1"/>
-            </a:solidFill>
-          </a:ln>
-        </p:spPr>
-        <p:txBody>
-          <a:bodyPr wrap="square" rtlCol="0">
-            <a:spAutoFit/>
-          </a:bodyPr>
-          <a:lstStyle/>
-          <a:p>
-            <a:r>
-              <a:rPr lang="en-US" dirty="0"/>
-              <a:t>Consent Manager</a:t>
-            </a:r>
-          </a:p>
-        </p:txBody>
-      </p:sp>
-      <p:sp>
-        <p:nvSpPr>
-          <p:cNvPr id="39" name="TextBox 38">
-            <a:extLst>
-              <a:ext uri="{FF2B5EF4-FFF2-40B4-BE49-F238E27FC236}">
-                <a16:creationId xmlns:a16="http://schemas.microsoft.com/office/drawing/2014/main" id="{E2287BF6-823F-42ED-A97B-3E595CD4CDD0}"/>
-              </a:ext>
-            </a:extLst>
-          </p:cNvPr>
-          <p:cNvSpPr txBox="1"/>
-          <p:nvPr/>
-        </p:nvSpPr>
-        <p:spPr>
-          <a:xfrm rot="5400000">
-            <a:off x="3896426" y="3299103"/>
-            <a:ext cx="6470163" cy="369332"/>
-          </a:xfrm>
-          <a:prstGeom prst="rect">
-            <a:avLst/>
-          </a:prstGeom>
-          <a:noFill/>
-          <a:ln>
-            <a:solidFill>
-              <a:schemeClr val="tx1"/>
-            </a:solidFill>
-          </a:ln>
-        </p:spPr>
-        <p:txBody>
-          <a:bodyPr wrap="square" rtlCol="0">
-            <a:spAutoFit/>
-          </a:bodyPr>
-          <a:lstStyle/>
-          <a:p>
-            <a:r>
-              <a:rPr lang="en-US" dirty="0"/>
               <a:t>Access Control</a:t>
             </a:r>
-          </a:p>
-        </p:txBody>
-      </p:sp>
-      <p:sp>
-        <p:nvSpPr>
-          <p:cNvPr id="40" name="TextBox 39">
-            <a:extLst>
-              <a:ext uri="{FF2B5EF4-FFF2-40B4-BE49-F238E27FC236}">
-                <a16:creationId xmlns:a16="http://schemas.microsoft.com/office/drawing/2014/main" id="{C8FF9E79-9D59-4560-A315-DC6C7C276898}"/>
-              </a:ext>
-            </a:extLst>
-          </p:cNvPr>
-          <p:cNvSpPr txBox="1"/>
-          <p:nvPr/>
-        </p:nvSpPr>
-        <p:spPr>
-          <a:xfrm>
-            <a:off x="7482412" y="4541547"/>
-            <a:ext cx="2969964" cy="369332"/>
-          </a:xfrm>
-          <a:prstGeom prst="rect">
-            <a:avLst/>
-          </a:prstGeom>
-          <a:noFill/>
-          <a:ln>
-            <a:solidFill>
-              <a:schemeClr val="tx1"/>
-            </a:solidFill>
-          </a:ln>
-        </p:spPr>
-        <p:txBody>
-          <a:bodyPr wrap="square" rtlCol="0">
-            <a:spAutoFit/>
-          </a:bodyPr>
-          <a:lstStyle/>
-          <a:p>
-            <a:r>
-              <a:rPr lang="en-US" dirty="0" err="1"/>
-              <a:t>mACM</a:t>
-            </a:r>
-            <a:r>
-              <a:rPr lang="en-US" dirty="0"/>
-              <a:t> –Alert Comm </a:t>
-            </a:r>
-            <a:r>
-              <a:rPr lang="en-US" dirty="0" err="1"/>
-              <a:t>Mgr</a:t>
-            </a:r>
-            <a:endParaRPr lang="en-US" dirty="0"/>
           </a:p>
         </p:txBody>
       </p:sp>
@@ -5832,7 +6536,7 @@
             </a:extLst>
           </p:cNvPr>
           <p:cNvCxnSpPr>
-            <a:endCxn id="29" idx="1"/>
+            <a:cxnSpLocks/>
           </p:cNvCxnSpPr>
           <p:nvPr/>
         </p:nvCxnSpPr>
@@ -5877,7 +6581,6 @@
           </p:cNvPr>
           <p:cNvCxnSpPr>
             <a:cxnSpLocks/>
-            <a:endCxn id="28" idx="1"/>
           </p:cNvCxnSpPr>
           <p:nvPr/>
         </p:nvCxnSpPr>
@@ -5922,7 +6625,6 @@
           </p:cNvPr>
           <p:cNvCxnSpPr>
             <a:cxnSpLocks/>
-            <a:endCxn id="32" idx="1"/>
           </p:cNvCxnSpPr>
           <p:nvPr/>
         </p:nvCxnSpPr>
@@ -5967,14 +6669,13 @@
           </p:cNvPr>
           <p:cNvCxnSpPr>
             <a:cxnSpLocks/>
-            <a:endCxn id="30" idx="1"/>
           </p:cNvCxnSpPr>
           <p:nvPr/>
         </p:nvCxnSpPr>
         <p:spPr>
           <a:xfrm>
-            <a:off x="3043234" y="1679971"/>
-            <a:ext cx="4471950" cy="238365"/>
+            <a:off x="3087537" y="1695652"/>
+            <a:ext cx="4427647" cy="222684"/>
           </a:xfrm>
           <a:prstGeom prst="straightConnector1">
             <a:avLst/>
@@ -6027,6 +6728,7 @@
             <a:solidFill>
               <a:schemeClr val="bg1"/>
             </a:solidFill>
+            <a:prstDash val="dash"/>
             <a:tailEnd type="triangle"/>
           </a:ln>
         </p:spPr>
@@ -6056,7 +6758,6 @@
           </p:cNvPr>
           <p:cNvCxnSpPr>
             <a:cxnSpLocks/>
-            <a:endCxn id="33" idx="1"/>
           </p:cNvCxnSpPr>
           <p:nvPr/>
         </p:nvCxnSpPr>
@@ -6101,7 +6802,6 @@
           </p:cNvPr>
           <p:cNvCxnSpPr>
             <a:cxnSpLocks/>
-            <a:endCxn id="34" idx="1"/>
           </p:cNvCxnSpPr>
           <p:nvPr/>
         </p:nvCxnSpPr>
@@ -6386,8 +7086,8 @@
         </p:nvSpPr>
         <p:spPr>
           <a:xfrm>
-            <a:off x="4066753" y="602746"/>
-            <a:ext cx="1897764" cy="369332"/>
+            <a:off x="4536412" y="429508"/>
+            <a:ext cx="1994905" cy="646331"/>
           </a:xfrm>
           <a:prstGeom prst="rect">
             <a:avLst/>
@@ -6402,7 +7102,13 @@
           <a:p>
             <a:r>
               <a:rPr lang="en-US" dirty="0"/>
-              <a:t>Publish Document</a:t>
+              <a:t>Find Documents</a:t>
+            </a:r>
+          </a:p>
+          <a:p>
+            <a:r>
+              <a:rPr lang="en-US" dirty="0"/>
+              <a:t>Retrieve Document</a:t>
             </a:r>
           </a:p>
         </p:txBody>
@@ -6423,8 +7129,8 @@
         </p:nvCxnSpPr>
         <p:spPr>
           <a:xfrm>
-            <a:off x="3043235" y="3923098"/>
-            <a:ext cx="4439177" cy="1259113"/>
+            <a:off x="3085718" y="3602786"/>
+            <a:ext cx="4396694" cy="2384473"/>
           </a:xfrm>
           <a:prstGeom prst="straightConnector1">
             <a:avLst/>
@@ -6466,7 +7172,7 @@
         </p:nvSpPr>
         <p:spPr>
           <a:xfrm>
-            <a:off x="4311729" y="4147688"/>
+            <a:off x="4035645" y="3904146"/>
             <a:ext cx="1931747" cy="646331"/>
           </a:xfrm>
           <a:prstGeom prst="rect">
@@ -6504,14 +7210,13 @@
           </p:cNvPr>
           <p:cNvCxnSpPr>
             <a:cxnSpLocks/>
-            <a:endCxn id="38" idx="1"/>
           </p:cNvCxnSpPr>
           <p:nvPr/>
         </p:nvCxnSpPr>
         <p:spPr>
           <a:xfrm>
-            <a:off x="3043234" y="4674023"/>
-            <a:ext cx="4439178" cy="1727377"/>
+            <a:off x="3087537" y="4068584"/>
+            <a:ext cx="4394875" cy="2332816"/>
           </a:xfrm>
           <a:prstGeom prst="straightConnector1">
             <a:avLst/>
@@ -6553,7 +7258,7 @@
         </p:nvSpPr>
         <p:spPr>
           <a:xfrm>
-            <a:off x="4363973" y="5160239"/>
+            <a:off x="3665692" y="4695514"/>
             <a:ext cx="1741439" cy="646331"/>
           </a:xfrm>
           <a:prstGeom prst="rect">
@@ -6582,10 +7287,10 @@
       </p:sp>
       <p:cxnSp>
         <p:nvCxnSpPr>
-          <p:cNvPr id="60" name="Straight Arrow Connector 59">
-            <a:extLst>
-              <a:ext uri="{FF2B5EF4-FFF2-40B4-BE49-F238E27FC236}">
-                <a16:creationId xmlns:a16="http://schemas.microsoft.com/office/drawing/2014/main" id="{08407319-5AA2-4B84-9F89-E858A9B271B7}"/>
+          <p:cNvPr id="46" name="Straight Arrow Connector 45">
+            <a:extLst>
+              <a:ext uri="{FF2B5EF4-FFF2-40B4-BE49-F238E27FC236}">
+                <a16:creationId xmlns:a16="http://schemas.microsoft.com/office/drawing/2014/main" id="{EAFECFEB-736B-4538-A4FA-D1928B7D2E41}"/>
               </a:ext>
             </a:extLst>
           </p:cNvPr>
@@ -6626,10 +7331,10 @@
       </p:cxnSp>
       <p:sp>
         <p:nvSpPr>
-          <p:cNvPr id="66" name="TextBox 65">
-            <a:extLst>
-              <a:ext uri="{FF2B5EF4-FFF2-40B4-BE49-F238E27FC236}">
-                <a16:creationId xmlns:a16="http://schemas.microsoft.com/office/drawing/2014/main" id="{B02AC129-2CEA-414D-AB81-E6E053073F2A}"/>
+          <p:cNvPr id="48" name="TextBox 47">
+            <a:extLst>
+              <a:ext uri="{FF2B5EF4-FFF2-40B4-BE49-F238E27FC236}">
+                <a16:creationId xmlns:a16="http://schemas.microsoft.com/office/drawing/2014/main" id="{61E607B6-E50F-41C7-AFB8-419D818C25D3}"/>
               </a:ext>
             </a:extLst>
           </p:cNvPr>
@@ -6656,13 +7361,502 @@
               <a:rPr lang="en-US" dirty="0"/>
               <a:t>Get Security Auth Token</a:t>
             </a:r>
+          </a:p>
+        </p:txBody>
+      </p:sp>
+      <p:sp>
+        <p:nvSpPr>
+          <p:cNvPr id="64" name="TextBox 63">
+            <a:extLst>
+              <a:ext uri="{FF2B5EF4-FFF2-40B4-BE49-F238E27FC236}">
+                <a16:creationId xmlns:a16="http://schemas.microsoft.com/office/drawing/2014/main" id="{00A61D1C-0C6A-4C4D-B3E3-08F94A49A578}"/>
+              </a:ext>
+            </a:extLst>
+          </p:cNvPr>
+          <p:cNvSpPr txBox="1"/>
+          <p:nvPr/>
+        </p:nvSpPr>
+        <p:spPr>
+          <a:xfrm>
+            <a:off x="7515184" y="897778"/>
+            <a:ext cx="3153756" cy="369332"/>
+          </a:xfrm>
+          <a:prstGeom prst="rect">
+            <a:avLst/>
+          </a:prstGeom>
+          <a:noFill/>
+          <a:ln>
+            <a:solidFill>
+              <a:schemeClr val="tx1"/>
+            </a:solidFill>
+          </a:ln>
+        </p:spPr>
+        <p:txBody>
+          <a:bodyPr wrap="square" rtlCol="0">
+            <a:spAutoFit/>
+          </a:bodyPr>
+          <a:lstStyle/>
+          <a:p>
+            <a:r>
+              <a:rPr lang="en-US" dirty="0"/>
+              <a:t>Certificate Authority</a:t>
+            </a:r>
+          </a:p>
+        </p:txBody>
+      </p:sp>
+      <p:sp>
+        <p:nvSpPr>
+          <p:cNvPr id="65" name="TextBox 64">
+            <a:extLst>
+              <a:ext uri="{FF2B5EF4-FFF2-40B4-BE49-F238E27FC236}">
+                <a16:creationId xmlns:a16="http://schemas.microsoft.com/office/drawing/2014/main" id="{8E5A9AC7-6715-41E5-A4E1-0ECC958D0A5B}"/>
+              </a:ext>
+            </a:extLst>
+          </p:cNvPr>
+          <p:cNvSpPr txBox="1"/>
+          <p:nvPr/>
+        </p:nvSpPr>
+        <p:spPr>
+          <a:xfrm>
+            <a:off x="7515184" y="461842"/>
+            <a:ext cx="3143716" cy="369332"/>
+          </a:xfrm>
+          <a:prstGeom prst="rect">
+            <a:avLst/>
+          </a:prstGeom>
+          <a:noFill/>
+          <a:ln>
+            <a:solidFill>
+              <a:schemeClr val="tx1"/>
+            </a:solidFill>
+          </a:ln>
+        </p:spPr>
+        <p:txBody>
+          <a:bodyPr wrap="square" rtlCol="0">
+            <a:spAutoFit/>
+          </a:bodyPr>
+          <a:lstStyle/>
+          <a:p>
+            <a:r>
+              <a:rPr lang="en-US" dirty="0"/>
+              <a:t>MHDS – Document Registry</a:t>
+            </a:r>
+          </a:p>
+        </p:txBody>
+      </p:sp>
+      <p:sp>
+        <p:nvSpPr>
+          <p:cNvPr id="66" name="TextBox 65">
+            <a:extLst>
+              <a:ext uri="{FF2B5EF4-FFF2-40B4-BE49-F238E27FC236}">
+                <a16:creationId xmlns:a16="http://schemas.microsoft.com/office/drawing/2014/main" id="{402579C8-7F73-4B02-8FBA-587D60734D03}"/>
+              </a:ext>
+            </a:extLst>
+          </p:cNvPr>
+          <p:cNvSpPr txBox="1"/>
+          <p:nvPr/>
+        </p:nvSpPr>
+        <p:spPr>
+          <a:xfrm>
+            <a:off x="7515184" y="1733670"/>
+            <a:ext cx="3143716" cy="369332"/>
+          </a:xfrm>
+          <a:prstGeom prst="rect">
+            <a:avLst/>
+          </a:prstGeom>
+          <a:noFill/>
+          <a:ln>
+            <a:solidFill>
+              <a:schemeClr val="tx1"/>
+            </a:solidFill>
+          </a:ln>
+        </p:spPr>
+        <p:txBody>
+          <a:bodyPr wrap="square" rtlCol="0">
+            <a:spAutoFit/>
+          </a:bodyPr>
+          <a:lstStyle/>
+          <a:p>
+            <a:r>
+              <a:rPr lang="en-US" dirty="0"/>
+              <a:t>PMIR - Patient Manager</a:t>
+            </a:r>
+          </a:p>
+        </p:txBody>
+      </p:sp>
+      <p:sp>
+        <p:nvSpPr>
+          <p:cNvPr id="67" name="TextBox 66">
+            <a:extLst>
+              <a:ext uri="{FF2B5EF4-FFF2-40B4-BE49-F238E27FC236}">
+                <a16:creationId xmlns:a16="http://schemas.microsoft.com/office/drawing/2014/main" id="{344591AE-09F8-4997-8F9D-DD8A985ABED2}"/>
+              </a:ext>
+            </a:extLst>
+          </p:cNvPr>
+          <p:cNvSpPr txBox="1"/>
+          <p:nvPr/>
+        </p:nvSpPr>
+        <p:spPr>
+          <a:xfrm>
+            <a:off x="7505143" y="2169659"/>
+            <a:ext cx="3153757" cy="369332"/>
+          </a:xfrm>
+          <a:prstGeom prst="rect">
+            <a:avLst/>
+          </a:prstGeom>
+          <a:noFill/>
+          <a:ln>
+            <a:solidFill>
+              <a:schemeClr val="tx1"/>
+            </a:solidFill>
+          </a:ln>
+        </p:spPr>
+        <p:txBody>
+          <a:bodyPr wrap="square" rtlCol="0">
+            <a:spAutoFit/>
+          </a:bodyPr>
+          <a:lstStyle/>
+          <a:p>
+            <a:r>
+              <a:rPr lang="en-US" dirty="0"/>
+              <a:t>SVCM - Repository</a:t>
+            </a:r>
+          </a:p>
+        </p:txBody>
+      </p:sp>
+      <p:sp>
+        <p:nvSpPr>
+          <p:cNvPr id="68" name="TextBox 67">
+            <a:extLst>
+              <a:ext uri="{FF2B5EF4-FFF2-40B4-BE49-F238E27FC236}">
+                <a16:creationId xmlns:a16="http://schemas.microsoft.com/office/drawing/2014/main" id="{0FCDC30E-2896-4A80-9F71-DA37DDC696DB}"/>
+              </a:ext>
+            </a:extLst>
+          </p:cNvPr>
+          <p:cNvSpPr txBox="1"/>
+          <p:nvPr/>
+        </p:nvSpPr>
+        <p:spPr>
+          <a:xfrm>
+            <a:off x="7515184" y="1305812"/>
+            <a:ext cx="3143716" cy="369332"/>
+          </a:xfrm>
+          <a:prstGeom prst="rect">
+            <a:avLst/>
+          </a:prstGeom>
+          <a:noFill/>
+          <a:ln>
+            <a:solidFill>
+              <a:schemeClr val="tx1"/>
+            </a:solidFill>
+          </a:ln>
+        </p:spPr>
+        <p:txBody>
+          <a:bodyPr wrap="square" rtlCol="0">
+            <a:spAutoFit/>
+          </a:bodyPr>
+          <a:lstStyle/>
+          <a:p>
+            <a:r>
+              <a:rPr lang="en-US" dirty="0"/>
+              <a:t>CT – Time Service</a:t>
+            </a:r>
+          </a:p>
+        </p:txBody>
+      </p:sp>
+      <p:sp>
+        <p:nvSpPr>
+          <p:cNvPr id="69" name="TextBox 68">
+            <a:extLst>
+              <a:ext uri="{FF2B5EF4-FFF2-40B4-BE49-F238E27FC236}">
+                <a16:creationId xmlns:a16="http://schemas.microsoft.com/office/drawing/2014/main" id="{6892CCBE-EF92-4C08-B5A0-83B2B66923C5}"/>
+              </a:ext>
+            </a:extLst>
+          </p:cNvPr>
+          <p:cNvSpPr txBox="1"/>
+          <p:nvPr/>
+        </p:nvSpPr>
+        <p:spPr>
+          <a:xfrm>
+            <a:off x="7505144" y="2572357"/>
+            <a:ext cx="3153756" cy="369332"/>
+          </a:xfrm>
+          <a:prstGeom prst="rect">
+            <a:avLst/>
+          </a:prstGeom>
+          <a:noFill/>
+          <a:ln>
+            <a:solidFill>
+              <a:schemeClr val="tx1"/>
+            </a:solidFill>
+          </a:ln>
+        </p:spPr>
+        <p:txBody>
+          <a:bodyPr wrap="square" rtlCol="0">
+            <a:spAutoFit/>
+          </a:bodyPr>
+          <a:lstStyle/>
+          <a:p>
+            <a:r>
+              <a:rPr lang="en-US" dirty="0"/>
+              <a:t>ATNA – Audit Record Repo</a:t>
+            </a:r>
+          </a:p>
+        </p:txBody>
+      </p:sp>
+      <p:sp>
+        <p:nvSpPr>
+          <p:cNvPr id="70" name="TextBox 69">
+            <a:extLst>
+              <a:ext uri="{FF2B5EF4-FFF2-40B4-BE49-F238E27FC236}">
+                <a16:creationId xmlns:a16="http://schemas.microsoft.com/office/drawing/2014/main" id="{1506DE1B-C751-4C0A-893B-2B6EE0D199B2}"/>
+              </a:ext>
+            </a:extLst>
+          </p:cNvPr>
+          <p:cNvSpPr txBox="1"/>
+          <p:nvPr/>
+        </p:nvSpPr>
+        <p:spPr>
+          <a:xfrm>
+            <a:off x="7515184" y="3003650"/>
+            <a:ext cx="3153756" cy="369332"/>
+          </a:xfrm>
+          <a:prstGeom prst="rect">
+            <a:avLst/>
+          </a:prstGeom>
+          <a:noFill/>
+          <a:ln>
+            <a:solidFill>
+              <a:schemeClr val="tx1"/>
+            </a:solidFill>
+          </a:ln>
+        </p:spPr>
+        <p:txBody>
+          <a:bodyPr wrap="square" rtlCol="0">
+            <a:spAutoFit/>
+          </a:bodyPr>
+          <a:lstStyle/>
+          <a:p>
+            <a:r>
+              <a:rPr lang="en-US" dirty="0"/>
+              <a:t>mCSD – Provider Directory</a:t>
+            </a:r>
+          </a:p>
+        </p:txBody>
+      </p:sp>
+      <p:sp>
+        <p:nvSpPr>
+          <p:cNvPr id="71" name="TextBox 70">
+            <a:extLst>
+              <a:ext uri="{FF2B5EF4-FFF2-40B4-BE49-F238E27FC236}">
+                <a16:creationId xmlns:a16="http://schemas.microsoft.com/office/drawing/2014/main" id="{D4805B85-8E62-44A6-99EF-07D9452A326A}"/>
+              </a:ext>
+            </a:extLst>
+          </p:cNvPr>
+          <p:cNvSpPr txBox="1"/>
+          <p:nvPr/>
+        </p:nvSpPr>
+        <p:spPr>
+          <a:xfrm>
+            <a:off x="7482412" y="5911945"/>
+            <a:ext cx="3186528" cy="369332"/>
+          </a:xfrm>
+          <a:prstGeom prst="rect">
+            <a:avLst/>
+          </a:prstGeom>
+          <a:noFill/>
+          <a:ln>
+            <a:solidFill>
+              <a:schemeClr val="tx1"/>
+            </a:solidFill>
+          </a:ln>
+        </p:spPr>
+        <p:txBody>
+          <a:bodyPr wrap="square" rtlCol="0">
+            <a:spAutoFit/>
+          </a:bodyPr>
+          <a:lstStyle/>
+          <a:p>
+            <a:r>
+              <a:rPr lang="en-US" dirty="0"/>
+              <a:t>NPFS – File Manager</a:t>
+            </a:r>
+          </a:p>
+        </p:txBody>
+      </p:sp>
+      <p:sp>
+        <p:nvSpPr>
+          <p:cNvPr id="72" name="TextBox 71">
+            <a:extLst>
+              <a:ext uri="{FF2B5EF4-FFF2-40B4-BE49-F238E27FC236}">
+                <a16:creationId xmlns:a16="http://schemas.microsoft.com/office/drawing/2014/main" id="{A6C12481-8E3B-42D9-8CDE-BE638387A643}"/>
+              </a:ext>
+            </a:extLst>
+          </p:cNvPr>
+          <p:cNvSpPr txBox="1"/>
+          <p:nvPr/>
+        </p:nvSpPr>
+        <p:spPr>
+          <a:xfrm>
+            <a:off x="7515184" y="4630783"/>
+            <a:ext cx="3143716" cy="369332"/>
+          </a:xfrm>
+          <a:prstGeom prst="rect">
+            <a:avLst/>
+          </a:prstGeom>
+          <a:noFill/>
+          <a:ln>
+            <a:solidFill>
+              <a:schemeClr val="tx1"/>
+            </a:solidFill>
+          </a:ln>
+        </p:spPr>
+        <p:txBody>
+          <a:bodyPr wrap="square" rtlCol="0">
+            <a:spAutoFit/>
+          </a:bodyPr>
+          <a:lstStyle/>
+          <a:p>
+            <a:r>
+              <a:rPr lang="en-US" dirty="0"/>
+              <a:t>mXDE – Data Element Extract</a:t>
+            </a:r>
+          </a:p>
+        </p:txBody>
+      </p:sp>
+      <p:sp>
+        <p:nvSpPr>
+          <p:cNvPr id="73" name="TextBox 72">
+            <a:extLst>
+              <a:ext uri="{FF2B5EF4-FFF2-40B4-BE49-F238E27FC236}">
+                <a16:creationId xmlns:a16="http://schemas.microsoft.com/office/drawing/2014/main" id="{B6EB56EF-23DC-41AB-8829-BF9D51630A5F}"/>
+              </a:ext>
+            </a:extLst>
+          </p:cNvPr>
+          <p:cNvSpPr txBox="1"/>
+          <p:nvPr/>
+        </p:nvSpPr>
+        <p:spPr>
+          <a:xfrm>
+            <a:off x="7832714" y="5004981"/>
+            <a:ext cx="2969964" cy="369332"/>
+          </a:xfrm>
+          <a:prstGeom prst="rect">
+            <a:avLst/>
+          </a:prstGeom>
+          <a:noFill/>
+          <a:ln>
+            <a:solidFill>
+              <a:schemeClr val="tx1"/>
+            </a:solidFill>
+          </a:ln>
+        </p:spPr>
+        <p:txBody>
+          <a:bodyPr wrap="square" rtlCol="0">
+            <a:spAutoFit/>
+          </a:bodyPr>
+          <a:lstStyle/>
+          <a:p>
+            <a:r>
+              <a:rPr lang="en-US" dirty="0"/>
+              <a:t>QEDm –Clinical Data Source</a:t>
+            </a:r>
+          </a:p>
+        </p:txBody>
+      </p:sp>
+      <p:sp>
+        <p:nvSpPr>
+          <p:cNvPr id="74" name="TextBox 73">
+            <a:extLst>
+              <a:ext uri="{FF2B5EF4-FFF2-40B4-BE49-F238E27FC236}">
+                <a16:creationId xmlns:a16="http://schemas.microsoft.com/office/drawing/2014/main" id="{175CF343-8EB5-4444-B787-05E49CD8CBF6}"/>
+              </a:ext>
+            </a:extLst>
+          </p:cNvPr>
+          <p:cNvSpPr txBox="1"/>
+          <p:nvPr/>
+        </p:nvSpPr>
+        <p:spPr>
+          <a:xfrm>
+            <a:off x="7482412" y="6345524"/>
+            <a:ext cx="3176488" cy="369332"/>
+          </a:xfrm>
+          <a:prstGeom prst="rect">
+            <a:avLst/>
+          </a:prstGeom>
+          <a:noFill/>
+          <a:ln>
+            <a:solidFill>
+              <a:schemeClr val="tx1"/>
+            </a:solidFill>
+          </a:ln>
+        </p:spPr>
+        <p:txBody>
+          <a:bodyPr wrap="square" rtlCol="0">
+            <a:spAutoFit/>
+          </a:bodyPr>
+          <a:lstStyle/>
+          <a:p>
+            <a:r>
+              <a:rPr lang="en-US" dirty="0"/>
+              <a:t>Consent Manager</a:t>
+            </a:r>
+          </a:p>
+        </p:txBody>
+      </p:sp>
+      <p:sp>
+        <p:nvSpPr>
+          <p:cNvPr id="75" name="TextBox 74">
+            <a:extLst>
+              <a:ext uri="{FF2B5EF4-FFF2-40B4-BE49-F238E27FC236}">
+                <a16:creationId xmlns:a16="http://schemas.microsoft.com/office/drawing/2014/main" id="{A880C6C2-DE13-4635-8661-4C6EE5E09B58}"/>
+              </a:ext>
+            </a:extLst>
+          </p:cNvPr>
+          <p:cNvSpPr txBox="1"/>
+          <p:nvPr/>
+        </p:nvSpPr>
+        <p:spPr>
+          <a:xfrm>
+            <a:off x="7482412" y="5455947"/>
+            <a:ext cx="3186528" cy="369332"/>
+          </a:xfrm>
+          <a:prstGeom prst="rect">
+            <a:avLst/>
+          </a:prstGeom>
+          <a:noFill/>
+          <a:ln>
+            <a:solidFill>
+              <a:schemeClr val="tx1"/>
+            </a:solidFill>
+          </a:ln>
+        </p:spPr>
+        <p:txBody>
+          <a:bodyPr wrap="square" rtlCol="0">
+            <a:spAutoFit/>
+          </a:bodyPr>
+          <a:lstStyle/>
+          <a:p>
+            <a:r>
+              <a:rPr lang="en-US" dirty="0" err="1"/>
+              <a:t>mACM</a:t>
+            </a:r>
+            <a:r>
+              <a:rPr lang="en-US" dirty="0"/>
+              <a:t> –Alert Comm </a:t>
+            </a:r>
+            <a:r>
+              <a:rPr lang="en-US" dirty="0" err="1"/>
+              <a:t>Mgr</a:t>
+            </a:r>
+            <a:endParaRPr lang="en-US" dirty="0"/>
           </a:p>
         </p:txBody>
       </p:sp>
     </p:spTree>
     <p:extLst>
       <p:ext uri="{BB962C8B-B14F-4D97-AF65-F5344CB8AC3E}">
-        <p14:creationId xmlns:p14="http://schemas.microsoft.com/office/powerpoint/2010/main" val="1497459077"/>
+        <p14:creationId xmlns:p14="http://schemas.microsoft.com/office/powerpoint/2010/main" val="168514090"/>
       </p:ext>
     </p:extLst>
   </p:cSld>
@@ -6691,10 +7885,10 @@
       </p:grpSpPr>
       <p:sp>
         <p:nvSpPr>
-          <p:cNvPr id="23" name="Rectangle 22">
-            <a:extLst>
-              <a:ext uri="{FF2B5EF4-FFF2-40B4-BE49-F238E27FC236}">
-                <a16:creationId xmlns:a16="http://schemas.microsoft.com/office/drawing/2014/main" id="{27C3C4B3-9E93-4C47-A8BE-320738C6219A}"/>
+          <p:cNvPr id="48" name="Rectangle 47">
+            <a:extLst>
+              <a:ext uri="{FF2B5EF4-FFF2-40B4-BE49-F238E27FC236}">
+                <a16:creationId xmlns:a16="http://schemas.microsoft.com/office/drawing/2014/main" id="{63722567-D12B-4258-B46F-4F0ED5EB3EEE}"/>
               </a:ext>
             </a:extLst>
           </p:cNvPr>
@@ -6703,17 +7897,14 @@
         </p:nvSpPr>
         <p:spPr>
           <a:xfrm>
-            <a:off x="289561" y="145637"/>
-            <a:ext cx="5930721" cy="6538123"/>
+            <a:off x="126993" y="4550477"/>
+            <a:ext cx="11960945" cy="2209188"/>
           </a:xfrm>
           <a:prstGeom prst="rect">
             <a:avLst/>
           </a:prstGeom>
           <a:solidFill>
-            <a:schemeClr val="accent2">
-              <a:lumMod val="40000"/>
-              <a:lumOff val="60000"/>
-            </a:schemeClr>
+            <a:srgbClr val="FFFF00"/>
           </a:solidFill>
         </p:spPr>
         <p:style>
@@ -6737,19 +7928,16 @@
           <a:lstStyle/>
           <a:p>
             <a:pPr algn="ctr"/>
-            <a:r>
-              <a:rPr lang="en-US" b="1" dirty="0"/>
-              <a:t>HIE partner types</a:t>
-            </a:r>
-          </a:p>
-        </p:txBody>
-      </p:sp>
-      <p:sp>
-        <p:nvSpPr>
-          <p:cNvPr id="4" name="Rectangle 3">
-            <a:extLst>
-              <a:ext uri="{FF2B5EF4-FFF2-40B4-BE49-F238E27FC236}">
-                <a16:creationId xmlns:a16="http://schemas.microsoft.com/office/drawing/2014/main" id="{59EDAE21-3F15-43EE-8106-631330D0CA78}"/>
+            <a:endParaRPr lang="en-US" b="1" dirty="0"/>
+          </a:p>
+        </p:txBody>
+      </p:sp>
+      <p:sp>
+        <p:nvSpPr>
+          <p:cNvPr id="51" name="Rectangle 50">
+            <a:extLst>
+              <a:ext uri="{FF2B5EF4-FFF2-40B4-BE49-F238E27FC236}">
+                <a16:creationId xmlns:a16="http://schemas.microsoft.com/office/drawing/2014/main" id="{F9D1F54B-D841-4D6F-9AC5-300F664A36ED}"/>
               </a:ext>
             </a:extLst>
           </p:cNvPr>
@@ -6758,12 +7946,18 @@
         </p:nvSpPr>
         <p:spPr>
           <a:xfrm>
-            <a:off x="6092824" y="145294"/>
-            <a:ext cx="5930720" cy="6558688"/>
-          </a:xfrm>
-          <a:prstGeom prst="rect">
-            <a:avLst/>
-          </a:prstGeom>
+            <a:off x="128789" y="142698"/>
+            <a:ext cx="6014219" cy="4407780"/>
+          </a:xfrm>
+          <a:prstGeom prst="rect">
+            <a:avLst/>
+          </a:prstGeom>
+          <a:solidFill>
+            <a:schemeClr val="accent2">
+              <a:lumMod val="40000"/>
+              <a:lumOff val="60000"/>
+            </a:schemeClr>
+          </a:solidFill>
         </p:spPr>
         <p:style>
           <a:lnRef idx="2">
@@ -6788,6 +7982,55 @@
             <a:pPr algn="ctr"/>
             <a:r>
               <a:rPr lang="en-US" b="1" dirty="0"/>
+              <a:t>HIE partner types</a:t>
+            </a:r>
+          </a:p>
+        </p:txBody>
+      </p:sp>
+      <p:sp>
+        <p:nvSpPr>
+          <p:cNvPr id="52" name="Rectangle 51">
+            <a:extLst>
+              <a:ext uri="{FF2B5EF4-FFF2-40B4-BE49-F238E27FC236}">
+                <a16:creationId xmlns:a16="http://schemas.microsoft.com/office/drawing/2014/main" id="{3B725357-F774-4D12-A711-45201179989D}"/>
+              </a:ext>
+            </a:extLst>
+          </p:cNvPr>
+          <p:cNvSpPr/>
+          <p:nvPr/>
+        </p:nvSpPr>
+        <p:spPr>
+          <a:xfrm>
+            <a:off x="6144340" y="137832"/>
+            <a:ext cx="5930720" cy="4398048"/>
+          </a:xfrm>
+          <a:prstGeom prst="rect">
+            <a:avLst/>
+          </a:prstGeom>
+        </p:spPr>
+        <p:style>
+          <a:lnRef idx="2">
+            <a:schemeClr val="accent1">
+              <a:shade val="50000"/>
+            </a:schemeClr>
+          </a:lnRef>
+          <a:fillRef idx="1">
+            <a:schemeClr val="accent1"/>
+          </a:fillRef>
+          <a:effectRef idx="0">
+            <a:schemeClr val="accent1"/>
+          </a:effectRef>
+          <a:fontRef idx="minor">
+            <a:schemeClr val="lt1"/>
+          </a:fontRef>
+        </p:style>
+        <p:txBody>
+          <a:bodyPr rtlCol="0" anchor="t"/>
+          <a:lstStyle/>
+          <a:p>
+            <a:pPr algn="ctr"/>
+            <a:r>
+              <a:rPr lang="en-US" b="1" dirty="0"/>
               <a:t>Central Infrastructure</a:t>
             </a:r>
           </a:p>
@@ -6807,8 +8050,8 @@
         </p:nvSpPr>
         <p:spPr>
           <a:xfrm>
-            <a:off x="528687" y="626219"/>
-            <a:ext cx="2524259" cy="4247317"/>
+            <a:off x="322984" y="4630783"/>
+            <a:ext cx="2524259" cy="2031325"/>
           </a:xfrm>
           <a:prstGeom prst="rect">
             <a:avLst/>
@@ -6828,7 +8071,7 @@
           <a:p>
             <a:r>
               <a:rPr lang="en-US" dirty="0"/>
-              <a:t>System that consumes documents</a:t>
+              <a:t>System that consumes clinical data elements</a:t>
             </a:r>
           </a:p>
           <a:p>
@@ -6846,38 +8089,14 @@
           <a:p>
             <a:endParaRPr lang="en-US" dirty="0"/>
           </a:p>
-          <a:p>
-            <a:endParaRPr lang="en-US" dirty="0"/>
-          </a:p>
-          <a:p>
-            <a:endParaRPr lang="en-US" dirty="0"/>
-          </a:p>
-          <a:p>
-            <a:endParaRPr lang="en-US" dirty="0"/>
-          </a:p>
-          <a:p>
-            <a:endParaRPr lang="en-US" dirty="0"/>
-          </a:p>
-          <a:p>
-            <a:endParaRPr lang="en-US" dirty="0"/>
-          </a:p>
-          <a:p>
-            <a:endParaRPr lang="en-US" dirty="0"/>
-          </a:p>
-          <a:p>
-            <a:endParaRPr lang="en-US" dirty="0"/>
-          </a:p>
-          <a:p>
-            <a:endParaRPr lang="en-US" dirty="0"/>
-          </a:p>
-        </p:txBody>
-      </p:sp>
-      <p:sp>
-        <p:nvSpPr>
-          <p:cNvPr id="28" name="TextBox 27">
-            <a:extLst>
-              <a:ext uri="{FF2B5EF4-FFF2-40B4-BE49-F238E27FC236}">
-                <a16:creationId xmlns:a16="http://schemas.microsoft.com/office/drawing/2014/main" id="{CA99CEDE-A1CD-4CD4-A3DF-C9240527A2B1}"/>
+        </p:txBody>
+      </p:sp>
+      <p:sp>
+        <p:nvSpPr>
+          <p:cNvPr id="39" name="TextBox 38">
+            <a:extLst>
+              <a:ext uri="{FF2B5EF4-FFF2-40B4-BE49-F238E27FC236}">
+                <a16:creationId xmlns:a16="http://schemas.microsoft.com/office/drawing/2014/main" id="{E2287BF6-823F-42ED-A97B-3E595CD4CDD0}"/>
               </a:ext>
             </a:extLst>
           </p:cNvPr>
@@ -6885,9 +8104,9 @@
           <p:nvPr/>
         </p:nvSpPr>
         <p:spPr>
-          <a:xfrm>
-            <a:off x="7515184" y="897778"/>
-            <a:ext cx="2969964" cy="369332"/>
+          <a:xfrm rot="5400000">
+            <a:off x="3896426" y="3299103"/>
+            <a:ext cx="6470163" cy="369332"/>
           </a:xfrm>
           <a:prstGeom prst="rect">
             <a:avLst/>
@@ -6907,544 +8126,11 @@
           <a:p>
             <a:r>
               <a:rPr lang="en-US" dirty="0"/>
-              <a:t>Certificate Authority</a:t>
-            </a:r>
-          </a:p>
-        </p:txBody>
-      </p:sp>
-      <p:sp>
-        <p:nvSpPr>
-          <p:cNvPr id="29" name="TextBox 28">
-            <a:extLst>
-              <a:ext uri="{FF2B5EF4-FFF2-40B4-BE49-F238E27FC236}">
-                <a16:creationId xmlns:a16="http://schemas.microsoft.com/office/drawing/2014/main" id="{667D0742-048C-45A9-89A6-7BA53CA6111F}"/>
-              </a:ext>
-            </a:extLst>
-          </p:cNvPr>
-          <p:cNvSpPr txBox="1"/>
-          <p:nvPr/>
-        </p:nvSpPr>
-        <p:spPr>
-          <a:xfrm>
-            <a:off x="7515184" y="461842"/>
-            <a:ext cx="2969964" cy="369332"/>
-          </a:xfrm>
-          <a:prstGeom prst="rect">
-            <a:avLst/>
-          </a:prstGeom>
-          <a:noFill/>
-          <a:ln>
-            <a:solidFill>
-              <a:schemeClr val="tx1"/>
-            </a:solidFill>
-          </a:ln>
-        </p:spPr>
-        <p:txBody>
-          <a:bodyPr wrap="square" rtlCol="0">
-            <a:spAutoFit/>
-          </a:bodyPr>
-          <a:lstStyle/>
-          <a:p>
-            <a:r>
-              <a:rPr lang="en-US" dirty="0"/>
-              <a:t>MHDS - Registry</a:t>
-            </a:r>
-          </a:p>
-        </p:txBody>
-      </p:sp>
-      <p:sp>
-        <p:nvSpPr>
-          <p:cNvPr id="30" name="TextBox 29">
-            <a:extLst>
-              <a:ext uri="{FF2B5EF4-FFF2-40B4-BE49-F238E27FC236}">
-                <a16:creationId xmlns:a16="http://schemas.microsoft.com/office/drawing/2014/main" id="{56C17DEB-D46C-4711-BEED-4691F5F8924A}"/>
-              </a:ext>
-            </a:extLst>
-          </p:cNvPr>
-          <p:cNvSpPr txBox="1"/>
-          <p:nvPr/>
-        </p:nvSpPr>
-        <p:spPr>
-          <a:xfrm>
-            <a:off x="7515184" y="1733670"/>
-            <a:ext cx="2969964" cy="369332"/>
-          </a:xfrm>
-          <a:prstGeom prst="rect">
-            <a:avLst/>
-          </a:prstGeom>
-          <a:noFill/>
-          <a:ln>
-            <a:solidFill>
-              <a:schemeClr val="tx1"/>
-            </a:solidFill>
-          </a:ln>
-        </p:spPr>
-        <p:txBody>
-          <a:bodyPr wrap="square" rtlCol="0">
-            <a:spAutoFit/>
-          </a:bodyPr>
-          <a:lstStyle/>
-          <a:p>
-            <a:r>
-              <a:rPr lang="en-US" dirty="0"/>
-              <a:t>PMIR - Patient Manager</a:t>
-            </a:r>
-          </a:p>
-        </p:txBody>
-      </p:sp>
-      <p:sp>
-        <p:nvSpPr>
-          <p:cNvPr id="31" name="TextBox 30">
-            <a:extLst>
-              <a:ext uri="{FF2B5EF4-FFF2-40B4-BE49-F238E27FC236}">
-                <a16:creationId xmlns:a16="http://schemas.microsoft.com/office/drawing/2014/main" id="{50C2EA69-6429-4417-8548-D9CABC5BBB22}"/>
-              </a:ext>
-            </a:extLst>
-          </p:cNvPr>
-          <p:cNvSpPr txBox="1"/>
-          <p:nvPr/>
-        </p:nvSpPr>
-        <p:spPr>
-          <a:xfrm>
-            <a:off x="7505144" y="2169659"/>
-            <a:ext cx="2969964" cy="369332"/>
-          </a:xfrm>
-          <a:prstGeom prst="rect">
-            <a:avLst/>
-          </a:prstGeom>
-          <a:noFill/>
-          <a:ln>
-            <a:solidFill>
-              <a:schemeClr val="tx1"/>
-            </a:solidFill>
-          </a:ln>
-        </p:spPr>
-        <p:txBody>
-          <a:bodyPr wrap="square" rtlCol="0">
-            <a:spAutoFit/>
-          </a:bodyPr>
-          <a:lstStyle/>
-          <a:p>
-            <a:r>
-              <a:rPr lang="en-US" dirty="0"/>
-              <a:t>SVCM - ValueSet Registry</a:t>
-            </a:r>
-          </a:p>
-        </p:txBody>
-      </p:sp>
-      <p:sp>
-        <p:nvSpPr>
-          <p:cNvPr id="32" name="TextBox 31">
-            <a:extLst>
-              <a:ext uri="{FF2B5EF4-FFF2-40B4-BE49-F238E27FC236}">
-                <a16:creationId xmlns:a16="http://schemas.microsoft.com/office/drawing/2014/main" id="{25F91CC1-2808-420F-BF30-3C99BC5B198B}"/>
-              </a:ext>
-            </a:extLst>
-          </p:cNvPr>
-          <p:cNvSpPr txBox="1"/>
-          <p:nvPr/>
-        </p:nvSpPr>
-        <p:spPr>
-          <a:xfrm>
-            <a:off x="7515184" y="1305812"/>
-            <a:ext cx="2969964" cy="369332"/>
-          </a:xfrm>
-          <a:prstGeom prst="rect">
-            <a:avLst/>
-          </a:prstGeom>
-          <a:noFill/>
-          <a:ln>
-            <a:solidFill>
-              <a:schemeClr val="tx1"/>
-            </a:solidFill>
-          </a:ln>
-        </p:spPr>
-        <p:txBody>
-          <a:bodyPr wrap="square" rtlCol="0">
-            <a:spAutoFit/>
-          </a:bodyPr>
-          <a:lstStyle/>
-          <a:p>
-            <a:r>
-              <a:rPr lang="en-US" dirty="0"/>
-              <a:t>CT – Time Service</a:t>
-            </a:r>
-          </a:p>
-        </p:txBody>
-      </p:sp>
-      <p:sp>
-        <p:nvSpPr>
-          <p:cNvPr id="33" name="TextBox 32">
-            <a:extLst>
-              <a:ext uri="{FF2B5EF4-FFF2-40B4-BE49-F238E27FC236}">
-                <a16:creationId xmlns:a16="http://schemas.microsoft.com/office/drawing/2014/main" id="{C46A7726-325D-48EE-A397-C95A034D54F8}"/>
-              </a:ext>
-            </a:extLst>
-          </p:cNvPr>
-          <p:cNvSpPr txBox="1"/>
-          <p:nvPr/>
-        </p:nvSpPr>
-        <p:spPr>
-          <a:xfrm>
-            <a:off x="7505144" y="2572357"/>
-            <a:ext cx="2969964" cy="369332"/>
-          </a:xfrm>
-          <a:prstGeom prst="rect">
-            <a:avLst/>
-          </a:prstGeom>
-          <a:noFill/>
-          <a:ln>
-            <a:solidFill>
-              <a:schemeClr val="tx1"/>
-            </a:solidFill>
-          </a:ln>
-        </p:spPr>
-        <p:txBody>
-          <a:bodyPr wrap="square" rtlCol="0">
-            <a:spAutoFit/>
-          </a:bodyPr>
-          <a:lstStyle/>
-          <a:p>
-            <a:r>
-              <a:rPr lang="en-US" dirty="0"/>
-              <a:t>ATNA – Audit Record Repo</a:t>
-            </a:r>
-          </a:p>
-        </p:txBody>
-      </p:sp>
-      <p:sp>
-        <p:nvSpPr>
-          <p:cNvPr id="34" name="TextBox 33">
-            <a:extLst>
-              <a:ext uri="{FF2B5EF4-FFF2-40B4-BE49-F238E27FC236}">
-                <a16:creationId xmlns:a16="http://schemas.microsoft.com/office/drawing/2014/main" id="{FFBA27B9-D23A-4BB0-811F-43D5F08C77BE}"/>
-              </a:ext>
-            </a:extLst>
-          </p:cNvPr>
-          <p:cNvSpPr txBox="1"/>
-          <p:nvPr/>
-        </p:nvSpPr>
-        <p:spPr>
-          <a:xfrm>
-            <a:off x="7515184" y="3003650"/>
-            <a:ext cx="2969964" cy="369332"/>
-          </a:xfrm>
-          <a:prstGeom prst="rect">
-            <a:avLst/>
-          </a:prstGeom>
-          <a:noFill/>
-          <a:ln>
-            <a:solidFill>
-              <a:schemeClr val="tx1"/>
-            </a:solidFill>
-          </a:ln>
-        </p:spPr>
-        <p:txBody>
-          <a:bodyPr wrap="square" rtlCol="0">
-            <a:spAutoFit/>
-          </a:bodyPr>
-          <a:lstStyle/>
-          <a:p>
-            <a:r>
-              <a:rPr lang="en-US" dirty="0"/>
-              <a:t>mCSD – Provider Directory</a:t>
-            </a:r>
-          </a:p>
-        </p:txBody>
-      </p:sp>
-      <p:sp>
-        <p:nvSpPr>
-          <p:cNvPr id="35" name="TextBox 34">
-            <a:extLst>
-              <a:ext uri="{FF2B5EF4-FFF2-40B4-BE49-F238E27FC236}">
-                <a16:creationId xmlns:a16="http://schemas.microsoft.com/office/drawing/2014/main" id="{26461810-94AC-4479-BECF-2C0E7CDF7E1D}"/>
-              </a:ext>
-            </a:extLst>
-          </p:cNvPr>
-          <p:cNvSpPr txBox="1"/>
-          <p:nvPr/>
-        </p:nvSpPr>
-        <p:spPr>
-          <a:xfrm>
-            <a:off x="7482412" y="4997545"/>
-            <a:ext cx="2969964" cy="369332"/>
-          </a:xfrm>
-          <a:prstGeom prst="rect">
-            <a:avLst/>
-          </a:prstGeom>
-          <a:noFill/>
-          <a:ln>
-            <a:solidFill>
-              <a:schemeClr val="tx1"/>
-            </a:solidFill>
-          </a:ln>
-        </p:spPr>
-        <p:txBody>
-          <a:bodyPr wrap="square" rtlCol="0">
-            <a:spAutoFit/>
-          </a:bodyPr>
-          <a:lstStyle/>
-          <a:p>
-            <a:r>
-              <a:rPr lang="en-US" dirty="0"/>
-              <a:t>NPFS – File Manager</a:t>
-            </a:r>
-          </a:p>
-        </p:txBody>
-      </p:sp>
-      <p:sp>
-        <p:nvSpPr>
-          <p:cNvPr id="36" name="TextBox 35">
-            <a:extLst>
-              <a:ext uri="{FF2B5EF4-FFF2-40B4-BE49-F238E27FC236}">
-                <a16:creationId xmlns:a16="http://schemas.microsoft.com/office/drawing/2014/main" id="{06D1038C-91F7-46FD-BACA-95B1640A940A}"/>
-              </a:ext>
-            </a:extLst>
-          </p:cNvPr>
-          <p:cNvSpPr txBox="1"/>
-          <p:nvPr/>
-        </p:nvSpPr>
-        <p:spPr>
-          <a:xfrm>
-            <a:off x="7515184" y="3613351"/>
-            <a:ext cx="2969964" cy="369332"/>
-          </a:xfrm>
-          <a:prstGeom prst="rect">
-            <a:avLst/>
-          </a:prstGeom>
-          <a:noFill/>
-          <a:ln>
-            <a:solidFill>
-              <a:schemeClr val="tx1"/>
-            </a:solidFill>
-          </a:ln>
-        </p:spPr>
-        <p:txBody>
-          <a:bodyPr wrap="square" rtlCol="0">
-            <a:spAutoFit/>
-          </a:bodyPr>
-          <a:lstStyle/>
-          <a:p>
-            <a:r>
-              <a:rPr lang="en-US" dirty="0"/>
-              <a:t>mXDE – Data Element Extract</a:t>
-            </a:r>
-          </a:p>
-        </p:txBody>
-      </p:sp>
-      <p:sp>
-        <p:nvSpPr>
-          <p:cNvPr id="37" name="TextBox 36">
-            <a:extLst>
-              <a:ext uri="{FF2B5EF4-FFF2-40B4-BE49-F238E27FC236}">
-                <a16:creationId xmlns:a16="http://schemas.microsoft.com/office/drawing/2014/main" id="{A9A22824-3500-4267-BF55-7E641E9DFC81}"/>
-              </a:ext>
-            </a:extLst>
-          </p:cNvPr>
-          <p:cNvSpPr txBox="1"/>
-          <p:nvPr/>
-        </p:nvSpPr>
-        <p:spPr>
-          <a:xfrm>
-            <a:off x="7832714" y="3987549"/>
-            <a:ext cx="2969964" cy="369332"/>
-          </a:xfrm>
-          <a:prstGeom prst="rect">
-            <a:avLst/>
-          </a:prstGeom>
-          <a:noFill/>
-          <a:ln>
-            <a:solidFill>
-              <a:schemeClr val="tx1"/>
-            </a:solidFill>
-          </a:ln>
-        </p:spPr>
-        <p:txBody>
-          <a:bodyPr wrap="square" rtlCol="0">
-            <a:spAutoFit/>
-          </a:bodyPr>
-          <a:lstStyle/>
-          <a:p>
-            <a:r>
-              <a:rPr lang="en-US" dirty="0"/>
-              <a:t>QEDm –Clinical Data Source</a:t>
-            </a:r>
-          </a:p>
-        </p:txBody>
-      </p:sp>
-      <p:sp>
-        <p:nvSpPr>
-          <p:cNvPr id="38" name="TextBox 37">
-            <a:extLst>
-              <a:ext uri="{FF2B5EF4-FFF2-40B4-BE49-F238E27FC236}">
-                <a16:creationId xmlns:a16="http://schemas.microsoft.com/office/drawing/2014/main" id="{5289A489-DAF5-459B-8C2C-E78503073D98}"/>
-              </a:ext>
-            </a:extLst>
-          </p:cNvPr>
-          <p:cNvSpPr txBox="1"/>
-          <p:nvPr/>
-        </p:nvSpPr>
-        <p:spPr>
-          <a:xfrm>
-            <a:off x="7482412" y="6216734"/>
-            <a:ext cx="2969964" cy="369332"/>
-          </a:xfrm>
-          <a:prstGeom prst="rect">
-            <a:avLst/>
-          </a:prstGeom>
-          <a:noFill/>
-          <a:ln>
-            <a:solidFill>
-              <a:schemeClr val="tx1"/>
-            </a:solidFill>
-          </a:ln>
-        </p:spPr>
-        <p:txBody>
-          <a:bodyPr wrap="square" rtlCol="0">
-            <a:spAutoFit/>
-          </a:bodyPr>
-          <a:lstStyle/>
-          <a:p>
-            <a:r>
-              <a:rPr lang="en-US" dirty="0"/>
-              <a:t>Consent Manager</a:t>
-            </a:r>
-          </a:p>
-        </p:txBody>
-      </p:sp>
-      <p:sp>
-        <p:nvSpPr>
-          <p:cNvPr id="39" name="TextBox 38">
-            <a:extLst>
-              <a:ext uri="{FF2B5EF4-FFF2-40B4-BE49-F238E27FC236}">
-                <a16:creationId xmlns:a16="http://schemas.microsoft.com/office/drawing/2014/main" id="{E2287BF6-823F-42ED-A97B-3E595CD4CDD0}"/>
-              </a:ext>
-            </a:extLst>
-          </p:cNvPr>
-          <p:cNvSpPr txBox="1"/>
-          <p:nvPr/>
-        </p:nvSpPr>
-        <p:spPr>
-          <a:xfrm rot="5400000">
-            <a:off x="3896426" y="3299103"/>
-            <a:ext cx="6470163" cy="369332"/>
-          </a:xfrm>
-          <a:prstGeom prst="rect">
-            <a:avLst/>
-          </a:prstGeom>
-          <a:noFill/>
-          <a:ln>
-            <a:solidFill>
-              <a:schemeClr val="tx1"/>
-            </a:solidFill>
-          </a:ln>
-        </p:spPr>
-        <p:txBody>
-          <a:bodyPr wrap="square" rtlCol="0">
-            <a:spAutoFit/>
-          </a:bodyPr>
-          <a:lstStyle/>
-          <a:p>
-            <a:r>
-              <a:rPr lang="en-US" dirty="0"/>
               <a:t>Access Control</a:t>
             </a:r>
           </a:p>
         </p:txBody>
       </p:sp>
-      <p:sp>
-        <p:nvSpPr>
-          <p:cNvPr id="40" name="TextBox 39">
-            <a:extLst>
-              <a:ext uri="{FF2B5EF4-FFF2-40B4-BE49-F238E27FC236}">
-                <a16:creationId xmlns:a16="http://schemas.microsoft.com/office/drawing/2014/main" id="{C8FF9E79-9D59-4560-A315-DC6C7C276898}"/>
-              </a:ext>
-            </a:extLst>
-          </p:cNvPr>
-          <p:cNvSpPr txBox="1"/>
-          <p:nvPr/>
-        </p:nvSpPr>
-        <p:spPr>
-          <a:xfrm>
-            <a:off x="7482412" y="4541547"/>
-            <a:ext cx="2969964" cy="369332"/>
-          </a:xfrm>
-          <a:prstGeom prst="rect">
-            <a:avLst/>
-          </a:prstGeom>
-          <a:noFill/>
-          <a:ln>
-            <a:solidFill>
-              <a:schemeClr val="tx1"/>
-            </a:solidFill>
-          </a:ln>
-        </p:spPr>
-        <p:txBody>
-          <a:bodyPr wrap="square" rtlCol="0">
-            <a:spAutoFit/>
-          </a:bodyPr>
-          <a:lstStyle/>
-          <a:p>
-            <a:r>
-              <a:rPr lang="en-US" dirty="0" err="1"/>
-              <a:t>mACM</a:t>
-            </a:r>
-            <a:r>
-              <a:rPr lang="en-US" dirty="0"/>
-              <a:t> –Alert Comm </a:t>
-            </a:r>
-            <a:r>
-              <a:rPr lang="en-US" dirty="0" err="1"/>
-              <a:t>Mgr</a:t>
-            </a:r>
-            <a:endParaRPr lang="en-US" dirty="0"/>
-          </a:p>
-        </p:txBody>
-      </p:sp>
-      <p:cxnSp>
-        <p:nvCxnSpPr>
-          <p:cNvPr id="3" name="Straight Arrow Connector 2">
-            <a:extLst>
-              <a:ext uri="{FF2B5EF4-FFF2-40B4-BE49-F238E27FC236}">
-                <a16:creationId xmlns:a16="http://schemas.microsoft.com/office/drawing/2014/main" id="{226B1B99-0D55-402C-A3F4-556F78B76134}"/>
-              </a:ext>
-            </a:extLst>
-          </p:cNvPr>
-          <p:cNvCxnSpPr>
-            <a:endCxn id="29" idx="1"/>
-          </p:cNvCxnSpPr>
-          <p:nvPr/>
-        </p:nvCxnSpPr>
-        <p:spPr>
-          <a:xfrm flipV="1">
-            <a:off x="3052946" y="646508"/>
-            <a:ext cx="4462238" cy="251270"/>
-          </a:xfrm>
-          <a:prstGeom prst="straightConnector1">
-            <a:avLst/>
-          </a:prstGeom>
-          <a:ln w="88900">
-            <a:solidFill>
-              <a:schemeClr val="bg1"/>
-            </a:solidFill>
-            <a:tailEnd type="triangle"/>
-          </a:ln>
-        </p:spPr>
-        <p:style>
-          <a:lnRef idx="3">
-            <a:schemeClr val="accent1"/>
-          </a:lnRef>
-          <a:fillRef idx="0">
-            <a:schemeClr val="accent1"/>
-          </a:fillRef>
-          <a:effectRef idx="2">
-            <a:schemeClr val="accent1"/>
-          </a:effectRef>
-          <a:fontRef idx="minor">
-            <a:schemeClr val="tx1"/>
-          </a:fontRef>
-        </p:style>
-      </p:cxnSp>
       <p:cxnSp>
         <p:nvCxnSpPr>
           <p:cNvPr id="24" name="Straight Arrow Connector 23">
@@ -7456,14 +8142,13 @@
           </p:cNvPr>
           <p:cNvCxnSpPr>
             <a:cxnSpLocks/>
-            <a:endCxn id="28" idx="1"/>
           </p:cNvCxnSpPr>
           <p:nvPr/>
         </p:nvCxnSpPr>
         <p:spPr>
           <a:xfrm flipV="1">
-            <a:off x="3052946" y="1082444"/>
-            <a:ext cx="4462238" cy="32254"/>
+            <a:off x="2306472" y="1082444"/>
+            <a:ext cx="5208712" cy="3560622"/>
           </a:xfrm>
           <a:prstGeom prst="straightConnector1">
             <a:avLst/>
@@ -7501,14 +8186,13 @@
           </p:cNvPr>
           <p:cNvCxnSpPr>
             <a:cxnSpLocks/>
-            <a:endCxn id="32" idx="1"/>
           </p:cNvCxnSpPr>
           <p:nvPr/>
         </p:nvCxnSpPr>
         <p:spPr>
-          <a:xfrm>
-            <a:off x="3052946" y="1464362"/>
-            <a:ext cx="4462238" cy="26116"/>
+          <a:xfrm flipV="1">
+            <a:off x="2593075" y="1490478"/>
+            <a:ext cx="4922109" cy="3134511"/>
           </a:xfrm>
           <a:prstGeom prst="straightConnector1">
             <a:avLst/>
@@ -7546,14 +8230,13 @@
           </p:cNvPr>
           <p:cNvCxnSpPr>
             <a:cxnSpLocks/>
-            <a:endCxn id="30" idx="1"/>
           </p:cNvCxnSpPr>
           <p:nvPr/>
         </p:nvCxnSpPr>
         <p:spPr>
-          <a:xfrm>
-            <a:off x="3087537" y="1695652"/>
-            <a:ext cx="4427647" cy="222684"/>
+          <a:xfrm flipV="1">
+            <a:off x="2847243" y="1918336"/>
+            <a:ext cx="4667941" cy="2967103"/>
           </a:xfrm>
           <a:prstGeom prst="straightConnector1">
             <a:avLst/>
@@ -7595,9 +8278,9 @@
           <p:nvPr/>
         </p:nvCxnSpPr>
         <p:spPr>
-          <a:xfrm>
-            <a:off x="3052946" y="2283263"/>
-            <a:ext cx="4462238" cy="71810"/>
+          <a:xfrm flipV="1">
+            <a:off x="2847243" y="2355073"/>
+            <a:ext cx="4667941" cy="2931819"/>
           </a:xfrm>
           <a:prstGeom prst="straightConnector1">
             <a:avLst/>
@@ -7636,14 +8319,13 @@
           </p:cNvPr>
           <p:cNvCxnSpPr>
             <a:cxnSpLocks/>
-            <a:endCxn id="33" idx="1"/>
           </p:cNvCxnSpPr>
           <p:nvPr/>
         </p:nvCxnSpPr>
         <p:spPr>
-          <a:xfrm>
-            <a:off x="3052946" y="2642530"/>
-            <a:ext cx="4452198" cy="114493"/>
+          <a:xfrm flipV="1">
+            <a:off x="2847243" y="2757023"/>
+            <a:ext cx="4657901" cy="2840802"/>
           </a:xfrm>
           <a:prstGeom prst="straightConnector1">
             <a:avLst/>
@@ -7681,14 +8363,13 @@
           </p:cNvPr>
           <p:cNvCxnSpPr>
             <a:cxnSpLocks/>
-            <a:endCxn id="34" idx="1"/>
           </p:cNvCxnSpPr>
           <p:nvPr/>
         </p:nvCxnSpPr>
         <p:spPr>
-          <a:xfrm>
-            <a:off x="3076007" y="3003650"/>
-            <a:ext cx="4439177" cy="184666"/>
+          <a:xfrm flipV="1">
+            <a:off x="2847243" y="3188316"/>
+            <a:ext cx="4667941" cy="2866030"/>
           </a:xfrm>
           <a:prstGeom prst="straightConnector1">
             <a:avLst/>
@@ -7729,8 +8410,8 @@
           <p:nvPr/>
         </p:nvSpPr>
         <p:spPr>
-          <a:xfrm>
-            <a:off x="4283313" y="2872044"/>
+          <a:xfrm rot="19855805">
+            <a:off x="4765987" y="3992385"/>
             <a:ext cx="1918539" cy="923330"/>
           </a:xfrm>
           <a:prstGeom prst="rect">
@@ -7776,8 +8457,8 @@
           <p:nvPr/>
         </p:nvSpPr>
         <p:spPr>
-          <a:xfrm>
-            <a:off x="3457830" y="2507620"/>
+          <a:xfrm rot="19675113">
+            <a:off x="4809807" y="3423418"/>
             <a:ext cx="1970796" cy="369332"/>
           </a:xfrm>
           <a:prstGeom prst="rect">
@@ -7811,8 +8492,8 @@
           <p:nvPr/>
         </p:nvSpPr>
         <p:spPr>
-          <a:xfrm>
-            <a:off x="4099622" y="2156873"/>
+          <a:xfrm rot="19710463">
+            <a:off x="5269363" y="2687770"/>
             <a:ext cx="2427396" cy="369332"/>
           </a:xfrm>
           <a:prstGeom prst="rect">
@@ -7854,8 +8535,8 @@
           <p:nvPr/>
         </p:nvSpPr>
         <p:spPr>
-          <a:xfrm>
-            <a:off x="3381573" y="1483828"/>
+          <a:xfrm rot="19704875">
+            <a:off x="2658838" y="3804843"/>
             <a:ext cx="2800447" cy="646331"/>
           </a:xfrm>
           <a:prstGeom prst="rect">
@@ -7895,8 +8576,8 @@
           <p:nvPr/>
         </p:nvSpPr>
         <p:spPr>
-          <a:xfrm>
-            <a:off x="5078744" y="1279371"/>
+          <a:xfrm rot="19769956">
+            <a:off x="4916259" y="2523192"/>
             <a:ext cx="1129220" cy="369332"/>
           </a:xfrm>
           <a:prstGeom prst="rect">
@@ -7930,8 +8611,8 @@
           <p:nvPr/>
         </p:nvSpPr>
         <p:spPr>
-          <a:xfrm>
-            <a:off x="3675017" y="952046"/>
+          <a:xfrm rot="19631926">
+            <a:off x="3390696" y="2576491"/>
             <a:ext cx="3038396" cy="369332"/>
           </a:xfrm>
           <a:prstGeom prst="rect">
@@ -7948,47 +8629,6 @@
             <a:r>
               <a:rPr lang="en-US" dirty="0"/>
               <a:t>Register Cert, Cert Revocation </a:t>
-            </a:r>
-          </a:p>
-        </p:txBody>
-      </p:sp>
-      <p:sp>
-        <p:nvSpPr>
-          <p:cNvPr id="51" name="TextBox 50">
-            <a:extLst>
-              <a:ext uri="{FF2B5EF4-FFF2-40B4-BE49-F238E27FC236}">
-                <a16:creationId xmlns:a16="http://schemas.microsoft.com/office/drawing/2014/main" id="{46826ACA-58E8-4A50-9821-28F26FD196A5}"/>
-              </a:ext>
-            </a:extLst>
-          </p:cNvPr>
-          <p:cNvSpPr txBox="1"/>
-          <p:nvPr/>
-        </p:nvSpPr>
-        <p:spPr>
-          <a:xfrm>
-            <a:off x="4536412" y="429508"/>
-            <a:ext cx="1994905" cy="646331"/>
-          </a:xfrm>
-          <a:prstGeom prst="rect">
-            <a:avLst/>
-          </a:prstGeom>
-          <a:noFill/>
-        </p:spPr>
-        <p:txBody>
-          <a:bodyPr wrap="none" rtlCol="0">
-            <a:spAutoFit/>
-          </a:bodyPr>
-          <a:lstStyle/>
-          <a:p>
-            <a:r>
-              <a:rPr lang="en-US" dirty="0"/>
-              <a:t>Find Documents</a:t>
-            </a:r>
-          </a:p>
-          <a:p>
-            <a:r>
-              <a:rPr lang="en-US" dirty="0"/>
-              <a:t>Retrieve Document</a:t>
             </a:r>
           </a:p>
         </p:txBody>
@@ -8008,9 +8648,9 @@
           <p:nvPr/>
         </p:nvCxnSpPr>
         <p:spPr>
-          <a:xfrm>
-            <a:off x="3043235" y="3923098"/>
-            <a:ext cx="4439177" cy="1259113"/>
+          <a:xfrm flipV="1">
+            <a:off x="2847243" y="6152679"/>
+            <a:ext cx="4635169" cy="333008"/>
           </a:xfrm>
           <a:prstGeom prst="straightConnector1">
             <a:avLst/>
@@ -8052,7 +8692,7 @@
         </p:nvSpPr>
         <p:spPr>
           <a:xfrm>
-            <a:off x="4311729" y="4147688"/>
+            <a:off x="4946643" y="6148679"/>
             <a:ext cx="1931747" cy="646331"/>
           </a:xfrm>
           <a:prstGeom prst="rect">
@@ -8081,23 +8721,181 @@
       </p:sp>
       <p:cxnSp>
         <p:nvCxnSpPr>
-          <p:cNvPr id="57" name="Straight Arrow Connector 56">
-            <a:extLst>
-              <a:ext uri="{FF2B5EF4-FFF2-40B4-BE49-F238E27FC236}">
-                <a16:creationId xmlns:a16="http://schemas.microsoft.com/office/drawing/2014/main" id="{98C59BCE-5CF4-4147-8B96-996A39244C0A}"/>
+          <p:cNvPr id="46" name="Straight Arrow Connector 45">
+            <a:extLst>
+              <a:ext uri="{FF2B5EF4-FFF2-40B4-BE49-F238E27FC236}">
+                <a16:creationId xmlns:a16="http://schemas.microsoft.com/office/drawing/2014/main" id="{4A298679-166D-430B-8651-8195A41ABEC0}"/>
               </a:ext>
             </a:extLst>
           </p:cNvPr>
           <p:cNvCxnSpPr>
             <a:cxnSpLocks/>
-            <a:endCxn id="38" idx="1"/>
           </p:cNvCxnSpPr>
           <p:nvPr/>
         </p:nvCxnSpPr>
         <p:spPr>
-          <a:xfrm>
-            <a:off x="3043234" y="4674023"/>
-            <a:ext cx="4439178" cy="1727377"/>
+          <a:xfrm flipV="1">
+            <a:off x="2847243" y="5189647"/>
+            <a:ext cx="4985471" cy="1115063"/>
+          </a:xfrm>
+          <a:prstGeom prst="straightConnector1">
+            <a:avLst/>
+          </a:prstGeom>
+          <a:ln w="88900">
+            <a:solidFill>
+              <a:schemeClr val="bg1"/>
+            </a:solidFill>
+            <a:tailEnd type="triangle"/>
+          </a:ln>
+        </p:spPr>
+        <p:style>
+          <a:lnRef idx="3">
+            <a:schemeClr val="accent1"/>
+          </a:lnRef>
+          <a:fillRef idx="0">
+            <a:schemeClr val="accent1"/>
+          </a:fillRef>
+          <a:effectRef idx="2">
+            <a:schemeClr val="accent1"/>
+          </a:effectRef>
+          <a:fontRef idx="minor">
+            <a:schemeClr val="tx1"/>
+          </a:fontRef>
+        </p:style>
+      </p:cxnSp>
+      <p:sp>
+        <p:nvSpPr>
+          <p:cNvPr id="5" name="TextBox 4">
+            <a:extLst>
+              <a:ext uri="{FF2B5EF4-FFF2-40B4-BE49-F238E27FC236}">
+                <a16:creationId xmlns:a16="http://schemas.microsoft.com/office/drawing/2014/main" id="{A7CADF3E-C9D8-4B62-83A2-74169264144F}"/>
+              </a:ext>
+            </a:extLst>
+          </p:cNvPr>
+          <p:cNvSpPr txBox="1"/>
+          <p:nvPr/>
+        </p:nvSpPr>
+        <p:spPr>
+          <a:xfrm rot="20789982">
+            <a:off x="3094123" y="5922631"/>
+            <a:ext cx="1075807" cy="369332"/>
+          </a:xfrm>
+          <a:prstGeom prst="rect">
+            <a:avLst/>
+          </a:prstGeom>
+          <a:noFill/>
+        </p:spPr>
+        <p:txBody>
+          <a:bodyPr wrap="none" rtlCol="0">
+            <a:spAutoFit/>
+          </a:bodyPr>
+          <a:lstStyle/>
+          <a:p>
+            <a:r>
+              <a:rPr lang="en-US" dirty="0"/>
+              <a:t>Find Data</a:t>
+            </a:r>
+          </a:p>
+        </p:txBody>
+      </p:sp>
+      <p:cxnSp>
+        <p:nvCxnSpPr>
+          <p:cNvPr id="58" name="Straight Arrow Connector 57">
+            <a:extLst>
+              <a:ext uri="{FF2B5EF4-FFF2-40B4-BE49-F238E27FC236}">
+                <a16:creationId xmlns:a16="http://schemas.microsoft.com/office/drawing/2014/main" id="{84B9AE9D-D815-44F3-BF3B-B2B058E5C9A6}"/>
+              </a:ext>
+            </a:extLst>
+          </p:cNvPr>
+          <p:cNvCxnSpPr>
+            <a:cxnSpLocks/>
+            <a:stCxn id="27" idx="0"/>
+          </p:cNvCxnSpPr>
+          <p:nvPr/>
+        </p:nvCxnSpPr>
+        <p:spPr>
+          <a:xfrm flipV="1">
+            <a:off x="1585114" y="418083"/>
+            <a:ext cx="5361727" cy="4212700"/>
+          </a:xfrm>
+          <a:prstGeom prst="straightConnector1">
+            <a:avLst/>
+          </a:prstGeom>
+          <a:ln>
+            <a:solidFill>
+              <a:schemeClr val="bg1"/>
+            </a:solidFill>
+            <a:tailEnd type="triangle"/>
+          </a:ln>
+        </p:spPr>
+        <p:style>
+          <a:lnRef idx="3">
+            <a:schemeClr val="accent1"/>
+          </a:lnRef>
+          <a:fillRef idx="0">
+            <a:schemeClr val="accent1"/>
+          </a:fillRef>
+          <a:effectRef idx="2">
+            <a:schemeClr val="accent1"/>
+          </a:effectRef>
+          <a:fontRef idx="minor">
+            <a:schemeClr val="tx1"/>
+          </a:fontRef>
+        </p:style>
+      </p:cxnSp>
+      <p:sp>
+        <p:nvSpPr>
+          <p:cNvPr id="60" name="TextBox 59">
+            <a:extLst>
+              <a:ext uri="{FF2B5EF4-FFF2-40B4-BE49-F238E27FC236}">
+                <a16:creationId xmlns:a16="http://schemas.microsoft.com/office/drawing/2014/main" id="{EFBE3B30-79C1-4BAE-8B2A-BEDA59FC1137}"/>
+              </a:ext>
+            </a:extLst>
+          </p:cNvPr>
+          <p:cNvSpPr txBox="1"/>
+          <p:nvPr/>
+        </p:nvSpPr>
+        <p:spPr>
+          <a:xfrm rot="19455899">
+            <a:off x="2129445" y="2857272"/>
+            <a:ext cx="2511393" cy="369332"/>
+          </a:xfrm>
+          <a:prstGeom prst="rect">
+            <a:avLst/>
+          </a:prstGeom>
+          <a:noFill/>
+        </p:spPr>
+        <p:txBody>
+          <a:bodyPr wrap="none" rtlCol="0">
+            <a:spAutoFit/>
+          </a:bodyPr>
+          <a:lstStyle/>
+          <a:p>
+            <a:r>
+              <a:rPr lang="en-US" dirty="0"/>
+              <a:t>Get Security Auth Token</a:t>
+            </a:r>
+          </a:p>
+        </p:txBody>
+      </p:sp>
+      <p:cxnSp>
+        <p:nvCxnSpPr>
+          <p:cNvPr id="61" name="Straight Arrow Connector 60">
+            <a:extLst>
+              <a:ext uri="{FF2B5EF4-FFF2-40B4-BE49-F238E27FC236}">
+                <a16:creationId xmlns:a16="http://schemas.microsoft.com/office/drawing/2014/main" id="{F4A39ADF-3087-4D9E-A359-1C8906496276}"/>
+              </a:ext>
+            </a:extLst>
+          </p:cNvPr>
+          <p:cNvCxnSpPr>
+            <a:cxnSpLocks/>
+          </p:cNvCxnSpPr>
+          <p:nvPr/>
+        </p:nvCxnSpPr>
+        <p:spPr>
+          <a:xfrm flipV="1">
+            <a:off x="1924334" y="646508"/>
+            <a:ext cx="5590850" cy="4010092"/>
           </a:xfrm>
           <a:prstGeom prst="straightConnector1">
             <a:avLst/>
@@ -8127,10 +8925,10 @@
       </p:cxnSp>
       <p:sp>
         <p:nvSpPr>
-          <p:cNvPr id="59" name="TextBox 58">
-            <a:extLst>
-              <a:ext uri="{FF2B5EF4-FFF2-40B4-BE49-F238E27FC236}">
-                <a16:creationId xmlns:a16="http://schemas.microsoft.com/office/drawing/2014/main" id="{73872795-CFCB-45EA-AA74-7B8F9F0A86F8}"/>
+          <p:cNvPr id="8" name="TextBox 7">
+            <a:extLst>
+              <a:ext uri="{FF2B5EF4-FFF2-40B4-BE49-F238E27FC236}">
+                <a16:creationId xmlns:a16="http://schemas.microsoft.com/office/drawing/2014/main" id="{8870CD61-A363-40ED-8936-F99B10AB59C1}"/>
               </a:ext>
             </a:extLst>
           </p:cNvPr>
@@ -8138,9 +8936,9 @@
           <p:nvPr/>
         </p:nvSpPr>
         <p:spPr>
-          <a:xfrm>
-            <a:off x="4363973" y="5160239"/>
-            <a:ext cx="1741439" cy="646331"/>
+          <a:xfrm rot="19482399">
+            <a:off x="2525688" y="2893132"/>
+            <a:ext cx="2836033" cy="369332"/>
           </a:xfrm>
           <a:prstGeom prst="rect">
             <a:avLst/>
@@ -8155,67 +8953,17 @@
           <a:p>
             <a:r>
               <a:rPr lang="en-US" dirty="0"/>
-              <a:t>Record Consent</a:t>
-            </a:r>
-          </a:p>
-          <a:p>
-            <a:r>
-              <a:rPr lang="en-US" dirty="0"/>
-              <a:t>Replace Consent</a:t>
-            </a:r>
-          </a:p>
-        </p:txBody>
-      </p:sp>
-      <p:cxnSp>
-        <p:nvCxnSpPr>
-          <p:cNvPr id="46" name="Straight Arrow Connector 45">
-            <a:extLst>
-              <a:ext uri="{FF2B5EF4-FFF2-40B4-BE49-F238E27FC236}">
-                <a16:creationId xmlns:a16="http://schemas.microsoft.com/office/drawing/2014/main" id="{EAFECFEB-736B-4538-A4FA-D1928B7D2E41}"/>
-              </a:ext>
-            </a:extLst>
-          </p:cNvPr>
-          <p:cNvCxnSpPr>
-            <a:cxnSpLocks/>
-          </p:cNvCxnSpPr>
-          <p:nvPr/>
-        </p:nvCxnSpPr>
-        <p:spPr>
-          <a:xfrm flipV="1">
-            <a:off x="3052946" y="418081"/>
-            <a:ext cx="3893895" cy="260599"/>
-          </a:xfrm>
-          <a:prstGeom prst="straightConnector1">
-            <a:avLst/>
-          </a:prstGeom>
-          <a:ln>
-            <a:solidFill>
-              <a:schemeClr val="bg1"/>
-            </a:solidFill>
-            <a:tailEnd type="triangle"/>
-          </a:ln>
-        </p:spPr>
-        <p:style>
-          <a:lnRef idx="3">
-            <a:schemeClr val="accent1"/>
-          </a:lnRef>
-          <a:fillRef idx="0">
-            <a:schemeClr val="accent1"/>
-          </a:fillRef>
-          <a:effectRef idx="2">
-            <a:schemeClr val="accent1"/>
-          </a:effectRef>
-          <a:fontRef idx="minor">
-            <a:schemeClr val="tx1"/>
-          </a:fontRef>
-        </p:style>
-      </p:cxnSp>
-      <p:sp>
-        <p:nvSpPr>
-          <p:cNvPr id="48" name="TextBox 47">
-            <a:extLst>
-              <a:ext uri="{FF2B5EF4-FFF2-40B4-BE49-F238E27FC236}">
-                <a16:creationId xmlns:a16="http://schemas.microsoft.com/office/drawing/2014/main" id="{61E607B6-E50F-41C7-AFB8-419D818C25D3}"/>
+              <a:t>Query &amp; Retrieve Document</a:t>
+            </a:r>
+          </a:p>
+        </p:txBody>
+      </p:sp>
+      <p:sp>
+        <p:nvSpPr>
+          <p:cNvPr id="65" name="TextBox 64">
+            <a:extLst>
+              <a:ext uri="{FF2B5EF4-FFF2-40B4-BE49-F238E27FC236}">
+                <a16:creationId xmlns:a16="http://schemas.microsoft.com/office/drawing/2014/main" id="{ACD1CFC3-44D9-4738-80AE-D88B83CF3624}"/>
               </a:ext>
             </a:extLst>
           </p:cNvPr>
@@ -8224,177 +8972,8 @@
         </p:nvSpPr>
         <p:spPr>
           <a:xfrm>
-            <a:off x="4167900" y="318858"/>
-            <a:ext cx="2511393" cy="369332"/>
-          </a:xfrm>
-          <a:prstGeom prst="rect">
-            <a:avLst/>
-          </a:prstGeom>
-          <a:noFill/>
-        </p:spPr>
-        <p:txBody>
-          <a:bodyPr wrap="none" rtlCol="0">
-            <a:spAutoFit/>
-          </a:bodyPr>
-          <a:lstStyle/>
-          <a:p>
-            <a:r>
-              <a:rPr lang="en-US" dirty="0"/>
-              <a:t>Get Security Auth Token</a:t>
-            </a:r>
-          </a:p>
-        </p:txBody>
-      </p:sp>
-    </p:spTree>
-    <p:extLst>
-      <p:ext uri="{BB962C8B-B14F-4D97-AF65-F5344CB8AC3E}">
-        <p14:creationId xmlns:p14="http://schemas.microsoft.com/office/powerpoint/2010/main" val="168514090"/>
-      </p:ext>
-    </p:extLst>
-  </p:cSld>
-  <p:clrMapOvr>
-    <a:masterClrMapping/>
-  </p:clrMapOvr>
-</p:sld>
-</file>
-
-<file path=ppt/slides/slide6.xml><?xml version="1.0" encoding="utf-8"?>
-<p:sld xmlns:a="http://schemas.openxmlformats.org/drawingml/2006/main" xmlns:r="http://schemas.openxmlformats.org/officeDocument/2006/relationships" xmlns:p="http://schemas.openxmlformats.org/presentationml/2006/main">
-  <p:cSld>
-    <p:spTree>
-      <p:nvGrpSpPr>
-        <p:cNvPr id="1" name=""/>
-        <p:cNvGrpSpPr/>
-        <p:nvPr/>
-      </p:nvGrpSpPr>
-      <p:grpSpPr>
-        <a:xfrm>
-          <a:off x="0" y="0"/>
-          <a:ext cx="0" cy="0"/>
-          <a:chOff x="0" y="0"/>
-          <a:chExt cx="0" cy="0"/>
-        </a:xfrm>
-      </p:grpSpPr>
-      <p:sp>
-        <p:nvSpPr>
-          <p:cNvPr id="23" name="Rectangle 22">
-            <a:extLst>
-              <a:ext uri="{FF2B5EF4-FFF2-40B4-BE49-F238E27FC236}">
-                <a16:creationId xmlns:a16="http://schemas.microsoft.com/office/drawing/2014/main" id="{27C3C4B3-9E93-4C47-A8BE-320738C6219A}"/>
-              </a:ext>
-            </a:extLst>
-          </p:cNvPr>
-          <p:cNvSpPr/>
-          <p:nvPr/>
-        </p:nvSpPr>
-        <p:spPr>
-          <a:xfrm>
-            <a:off x="289561" y="155576"/>
-            <a:ext cx="5930721" cy="6538123"/>
-          </a:xfrm>
-          <a:prstGeom prst="rect">
-            <a:avLst/>
-          </a:prstGeom>
-          <a:solidFill>
-            <a:schemeClr val="accent2">
-              <a:lumMod val="40000"/>
-              <a:lumOff val="60000"/>
-            </a:schemeClr>
-          </a:solidFill>
-        </p:spPr>
-        <p:style>
-          <a:lnRef idx="2">
-            <a:schemeClr val="accent1">
-              <a:shade val="50000"/>
-            </a:schemeClr>
-          </a:lnRef>
-          <a:fillRef idx="1">
-            <a:schemeClr val="accent1"/>
-          </a:fillRef>
-          <a:effectRef idx="0">
-            <a:schemeClr val="accent1"/>
-          </a:effectRef>
-          <a:fontRef idx="minor">
-            <a:schemeClr val="lt1"/>
-          </a:fontRef>
-        </p:style>
-        <p:txBody>
-          <a:bodyPr rtlCol="0" anchor="t"/>
-          <a:lstStyle/>
-          <a:p>
-            <a:pPr algn="ctr"/>
-            <a:r>
-              <a:rPr lang="en-US" b="1" dirty="0"/>
-              <a:t>HIE partner types</a:t>
-            </a:r>
-          </a:p>
-        </p:txBody>
-      </p:sp>
-      <p:sp>
-        <p:nvSpPr>
-          <p:cNvPr id="4" name="Rectangle 3">
-            <a:extLst>
-              <a:ext uri="{FF2B5EF4-FFF2-40B4-BE49-F238E27FC236}">
-                <a16:creationId xmlns:a16="http://schemas.microsoft.com/office/drawing/2014/main" id="{59EDAE21-3F15-43EE-8106-631330D0CA78}"/>
-              </a:ext>
-            </a:extLst>
-          </p:cNvPr>
-          <p:cNvSpPr/>
-          <p:nvPr/>
-        </p:nvSpPr>
-        <p:spPr>
-          <a:xfrm>
-            <a:off x="6092824" y="145294"/>
-            <a:ext cx="5930720" cy="6558688"/>
-          </a:xfrm>
-          <a:prstGeom prst="rect">
-            <a:avLst/>
-          </a:prstGeom>
-        </p:spPr>
-        <p:style>
-          <a:lnRef idx="2">
-            <a:schemeClr val="accent1">
-              <a:shade val="50000"/>
-            </a:schemeClr>
-          </a:lnRef>
-          <a:fillRef idx="1">
-            <a:schemeClr val="accent1"/>
-          </a:fillRef>
-          <a:effectRef idx="0">
-            <a:schemeClr val="accent1"/>
-          </a:effectRef>
-          <a:fontRef idx="minor">
-            <a:schemeClr val="lt1"/>
-          </a:fontRef>
-        </p:style>
-        <p:txBody>
-          <a:bodyPr rtlCol="0" anchor="t"/>
-          <a:lstStyle/>
-          <a:p>
-            <a:pPr algn="ctr"/>
-            <a:r>
-              <a:rPr lang="en-US" b="1" dirty="0"/>
-              <a:t>Central Infrastructure</a:t>
-            </a:r>
-          </a:p>
-        </p:txBody>
-      </p:sp>
-      <p:sp>
-        <p:nvSpPr>
-          <p:cNvPr id="27" name="TextBox 26">
-            <a:extLst>
-              <a:ext uri="{FF2B5EF4-FFF2-40B4-BE49-F238E27FC236}">
-                <a16:creationId xmlns:a16="http://schemas.microsoft.com/office/drawing/2014/main" id="{8E31FFFE-708C-4EE5-B05E-EC7BF5ED44D7}"/>
-              </a:ext>
-            </a:extLst>
-          </p:cNvPr>
-          <p:cNvSpPr txBox="1"/>
-          <p:nvPr/>
-        </p:nvSpPr>
-        <p:spPr>
-          <a:xfrm>
-            <a:off x="528687" y="626219"/>
-            <a:ext cx="2524259" cy="4524315"/>
+            <a:off x="7515184" y="897778"/>
+            <a:ext cx="3153756" cy="369332"/>
           </a:xfrm>
           <a:prstGeom prst="rect">
             <a:avLst/>
@@ -8414,59 +8993,17 @@
           <a:p>
             <a:r>
               <a:rPr lang="en-US" dirty="0"/>
-              <a:t>System that consumes clinical data elements</a:t>
-            </a:r>
-          </a:p>
-          <a:p>
-            <a:endParaRPr lang="en-US" dirty="0"/>
-          </a:p>
-          <a:p>
-            <a:endParaRPr lang="en-US" dirty="0"/>
-          </a:p>
-          <a:p>
-            <a:endParaRPr lang="en-US" dirty="0"/>
-          </a:p>
-          <a:p>
-            <a:endParaRPr lang="en-US" dirty="0"/>
-          </a:p>
-          <a:p>
-            <a:endParaRPr lang="en-US" dirty="0"/>
-          </a:p>
-          <a:p>
-            <a:endParaRPr lang="en-US" dirty="0"/>
-          </a:p>
-          <a:p>
-            <a:endParaRPr lang="en-US" dirty="0"/>
-          </a:p>
-          <a:p>
-            <a:endParaRPr lang="en-US" dirty="0"/>
-          </a:p>
-          <a:p>
-            <a:endParaRPr lang="en-US" dirty="0"/>
-          </a:p>
-          <a:p>
-            <a:endParaRPr lang="en-US" dirty="0"/>
-          </a:p>
-          <a:p>
-            <a:endParaRPr lang="en-US" dirty="0"/>
-          </a:p>
-          <a:p>
-            <a:endParaRPr lang="en-US" dirty="0"/>
-          </a:p>
-          <a:p>
-            <a:endParaRPr lang="en-US" dirty="0"/>
-          </a:p>
-          <a:p>
-            <a:endParaRPr lang="en-US" dirty="0"/>
-          </a:p>
-        </p:txBody>
-      </p:sp>
-      <p:sp>
-        <p:nvSpPr>
-          <p:cNvPr id="28" name="TextBox 27">
-            <a:extLst>
-              <a:ext uri="{FF2B5EF4-FFF2-40B4-BE49-F238E27FC236}">
-                <a16:creationId xmlns:a16="http://schemas.microsoft.com/office/drawing/2014/main" id="{CA99CEDE-A1CD-4CD4-A3DF-C9240527A2B1}"/>
+              <a:t>Certificate Authority</a:t>
+            </a:r>
+          </a:p>
+        </p:txBody>
+      </p:sp>
+      <p:sp>
+        <p:nvSpPr>
+          <p:cNvPr id="66" name="TextBox 65">
+            <a:extLst>
+              <a:ext uri="{FF2B5EF4-FFF2-40B4-BE49-F238E27FC236}">
+                <a16:creationId xmlns:a16="http://schemas.microsoft.com/office/drawing/2014/main" id="{0CB365B4-42C9-42C4-9C3B-51D7319F0A81}"/>
               </a:ext>
             </a:extLst>
           </p:cNvPr>
@@ -8475,8 +9012,8 @@
         </p:nvSpPr>
         <p:spPr>
           <a:xfrm>
-            <a:off x="7515184" y="897778"/>
-            <a:ext cx="2969964" cy="369332"/>
+            <a:off x="7515184" y="461842"/>
+            <a:ext cx="3143716" cy="369332"/>
           </a:xfrm>
           <a:prstGeom prst="rect">
             <a:avLst/>
@@ -8496,17 +9033,17 @@
           <a:p>
             <a:r>
               <a:rPr lang="en-US" dirty="0"/>
-              <a:t>Certificate Authority</a:t>
-            </a:r>
-          </a:p>
-        </p:txBody>
-      </p:sp>
-      <p:sp>
-        <p:nvSpPr>
-          <p:cNvPr id="29" name="TextBox 28">
-            <a:extLst>
-              <a:ext uri="{FF2B5EF4-FFF2-40B4-BE49-F238E27FC236}">
-                <a16:creationId xmlns:a16="http://schemas.microsoft.com/office/drawing/2014/main" id="{667D0742-048C-45A9-89A6-7BA53CA6111F}"/>
+              <a:t>MHDS – Document Registry</a:t>
+            </a:r>
+          </a:p>
+        </p:txBody>
+      </p:sp>
+      <p:sp>
+        <p:nvSpPr>
+          <p:cNvPr id="67" name="TextBox 66">
+            <a:extLst>
+              <a:ext uri="{FF2B5EF4-FFF2-40B4-BE49-F238E27FC236}">
+                <a16:creationId xmlns:a16="http://schemas.microsoft.com/office/drawing/2014/main" id="{4D315A8F-E2C2-438B-9577-613F0D11A94A}"/>
               </a:ext>
             </a:extLst>
           </p:cNvPr>
@@ -8515,8 +9052,8 @@
         </p:nvSpPr>
         <p:spPr>
           <a:xfrm>
-            <a:off x="7515184" y="461842"/>
-            <a:ext cx="2969964" cy="369332"/>
+            <a:off x="7515184" y="1733670"/>
+            <a:ext cx="3143716" cy="369332"/>
           </a:xfrm>
           <a:prstGeom prst="rect">
             <a:avLst/>
@@ -8536,17 +9073,17 @@
           <a:p>
             <a:r>
               <a:rPr lang="en-US" dirty="0"/>
-              <a:t>MHDS - Registry</a:t>
-            </a:r>
-          </a:p>
-        </p:txBody>
-      </p:sp>
-      <p:sp>
-        <p:nvSpPr>
-          <p:cNvPr id="30" name="TextBox 29">
-            <a:extLst>
-              <a:ext uri="{FF2B5EF4-FFF2-40B4-BE49-F238E27FC236}">
-                <a16:creationId xmlns:a16="http://schemas.microsoft.com/office/drawing/2014/main" id="{56C17DEB-D46C-4711-BEED-4691F5F8924A}"/>
+              <a:t>PMIR - Patient Manager</a:t>
+            </a:r>
+          </a:p>
+        </p:txBody>
+      </p:sp>
+      <p:sp>
+        <p:nvSpPr>
+          <p:cNvPr id="68" name="TextBox 67">
+            <a:extLst>
+              <a:ext uri="{FF2B5EF4-FFF2-40B4-BE49-F238E27FC236}">
+                <a16:creationId xmlns:a16="http://schemas.microsoft.com/office/drawing/2014/main" id="{513F6E7E-B397-4BF7-824C-F8CD1639A7BA}"/>
               </a:ext>
             </a:extLst>
           </p:cNvPr>
@@ -8555,8 +9092,8 @@
         </p:nvSpPr>
         <p:spPr>
           <a:xfrm>
-            <a:off x="7515184" y="1733670"/>
-            <a:ext cx="2969964" cy="369332"/>
+            <a:off x="7505143" y="2169659"/>
+            <a:ext cx="3153757" cy="369332"/>
           </a:xfrm>
           <a:prstGeom prst="rect">
             <a:avLst/>
@@ -8576,17 +9113,17 @@
           <a:p>
             <a:r>
               <a:rPr lang="en-US" dirty="0"/>
-              <a:t>PMIR - Patient Manager</a:t>
-            </a:r>
-          </a:p>
-        </p:txBody>
-      </p:sp>
-      <p:sp>
-        <p:nvSpPr>
-          <p:cNvPr id="31" name="TextBox 30">
-            <a:extLst>
-              <a:ext uri="{FF2B5EF4-FFF2-40B4-BE49-F238E27FC236}">
-                <a16:creationId xmlns:a16="http://schemas.microsoft.com/office/drawing/2014/main" id="{50C2EA69-6429-4417-8548-D9CABC5BBB22}"/>
+              <a:t>SVCM - Repository</a:t>
+            </a:r>
+          </a:p>
+        </p:txBody>
+      </p:sp>
+      <p:sp>
+        <p:nvSpPr>
+          <p:cNvPr id="69" name="TextBox 68">
+            <a:extLst>
+              <a:ext uri="{FF2B5EF4-FFF2-40B4-BE49-F238E27FC236}">
+                <a16:creationId xmlns:a16="http://schemas.microsoft.com/office/drawing/2014/main" id="{CAFF47CB-015B-4ED7-990D-194DAC4C5210}"/>
               </a:ext>
             </a:extLst>
           </p:cNvPr>
@@ -8595,8 +9132,8 @@
         </p:nvSpPr>
         <p:spPr>
           <a:xfrm>
-            <a:off x="7505144" y="2169659"/>
-            <a:ext cx="2969964" cy="369332"/>
+            <a:off x="7515184" y="1305812"/>
+            <a:ext cx="3143716" cy="369332"/>
           </a:xfrm>
           <a:prstGeom prst="rect">
             <a:avLst/>
@@ -8616,17 +9153,17 @@
           <a:p>
             <a:r>
               <a:rPr lang="en-US" dirty="0"/>
-              <a:t>SVCM - ValueSet Registry</a:t>
-            </a:r>
-          </a:p>
-        </p:txBody>
-      </p:sp>
-      <p:sp>
-        <p:nvSpPr>
-          <p:cNvPr id="32" name="TextBox 31">
-            <a:extLst>
-              <a:ext uri="{FF2B5EF4-FFF2-40B4-BE49-F238E27FC236}">
-                <a16:creationId xmlns:a16="http://schemas.microsoft.com/office/drawing/2014/main" id="{25F91CC1-2808-420F-BF30-3C99BC5B198B}"/>
+              <a:t>CT – Time Service</a:t>
+            </a:r>
+          </a:p>
+        </p:txBody>
+      </p:sp>
+      <p:sp>
+        <p:nvSpPr>
+          <p:cNvPr id="70" name="TextBox 69">
+            <a:extLst>
+              <a:ext uri="{FF2B5EF4-FFF2-40B4-BE49-F238E27FC236}">
+                <a16:creationId xmlns:a16="http://schemas.microsoft.com/office/drawing/2014/main" id="{A1517EF6-96EF-489D-8FBB-DD886DDDC3FA}"/>
               </a:ext>
             </a:extLst>
           </p:cNvPr>
@@ -8635,8 +9172,8 @@
         </p:nvSpPr>
         <p:spPr>
           <a:xfrm>
-            <a:off x="7515184" y="1305812"/>
-            <a:ext cx="2969964" cy="369332"/>
+            <a:off x="7505144" y="2572357"/>
+            <a:ext cx="3153756" cy="369332"/>
           </a:xfrm>
           <a:prstGeom prst="rect">
             <a:avLst/>
@@ -8656,17 +9193,17 @@
           <a:p>
             <a:r>
               <a:rPr lang="en-US" dirty="0"/>
-              <a:t>CT – Time Service</a:t>
-            </a:r>
-          </a:p>
-        </p:txBody>
-      </p:sp>
-      <p:sp>
-        <p:nvSpPr>
-          <p:cNvPr id="33" name="TextBox 32">
-            <a:extLst>
-              <a:ext uri="{FF2B5EF4-FFF2-40B4-BE49-F238E27FC236}">
-                <a16:creationId xmlns:a16="http://schemas.microsoft.com/office/drawing/2014/main" id="{C46A7726-325D-48EE-A397-C95A034D54F8}"/>
+              <a:t>ATNA – Audit Record Repo</a:t>
+            </a:r>
+          </a:p>
+        </p:txBody>
+      </p:sp>
+      <p:sp>
+        <p:nvSpPr>
+          <p:cNvPr id="71" name="TextBox 70">
+            <a:extLst>
+              <a:ext uri="{FF2B5EF4-FFF2-40B4-BE49-F238E27FC236}">
+                <a16:creationId xmlns:a16="http://schemas.microsoft.com/office/drawing/2014/main" id="{90BBB14E-290A-4402-BC09-61C44CFA4AAC}"/>
               </a:ext>
             </a:extLst>
           </p:cNvPr>
@@ -8675,8 +9212,8 @@
         </p:nvSpPr>
         <p:spPr>
           <a:xfrm>
-            <a:off x="7505144" y="2572357"/>
-            <a:ext cx="2969964" cy="369332"/>
+            <a:off x="7515184" y="3003650"/>
+            <a:ext cx="3153756" cy="369332"/>
           </a:xfrm>
           <a:prstGeom prst="rect">
             <a:avLst/>
@@ -8696,17 +9233,17 @@
           <a:p>
             <a:r>
               <a:rPr lang="en-US" dirty="0"/>
-              <a:t>ATNA – Audit Record Repo</a:t>
-            </a:r>
-          </a:p>
-        </p:txBody>
-      </p:sp>
-      <p:sp>
-        <p:nvSpPr>
-          <p:cNvPr id="34" name="TextBox 33">
-            <a:extLst>
-              <a:ext uri="{FF2B5EF4-FFF2-40B4-BE49-F238E27FC236}">
-                <a16:creationId xmlns:a16="http://schemas.microsoft.com/office/drawing/2014/main" id="{FFBA27B9-D23A-4BB0-811F-43D5F08C77BE}"/>
+              <a:t>mCSD – Provider Directory</a:t>
+            </a:r>
+          </a:p>
+        </p:txBody>
+      </p:sp>
+      <p:sp>
+        <p:nvSpPr>
+          <p:cNvPr id="72" name="TextBox 71">
+            <a:extLst>
+              <a:ext uri="{FF2B5EF4-FFF2-40B4-BE49-F238E27FC236}">
+                <a16:creationId xmlns:a16="http://schemas.microsoft.com/office/drawing/2014/main" id="{D77E02AA-3267-43EB-9648-B540D77AFA39}"/>
               </a:ext>
             </a:extLst>
           </p:cNvPr>
@@ -8715,8 +9252,8 @@
         </p:nvSpPr>
         <p:spPr>
           <a:xfrm>
-            <a:off x="7515184" y="3003650"/>
-            <a:ext cx="2969964" cy="369332"/>
+            <a:off x="7482412" y="5911945"/>
+            <a:ext cx="3186528" cy="369332"/>
           </a:xfrm>
           <a:prstGeom prst="rect">
             <a:avLst/>
@@ -8736,17 +9273,17 @@
           <a:p>
             <a:r>
               <a:rPr lang="en-US" dirty="0"/>
-              <a:t>mCSD – Provider Directory</a:t>
-            </a:r>
-          </a:p>
-        </p:txBody>
-      </p:sp>
-      <p:sp>
-        <p:nvSpPr>
-          <p:cNvPr id="35" name="TextBox 34">
-            <a:extLst>
-              <a:ext uri="{FF2B5EF4-FFF2-40B4-BE49-F238E27FC236}">
-                <a16:creationId xmlns:a16="http://schemas.microsoft.com/office/drawing/2014/main" id="{26461810-94AC-4479-BECF-2C0E7CDF7E1D}"/>
+              <a:t>NPFS – File Manager</a:t>
+            </a:r>
+          </a:p>
+        </p:txBody>
+      </p:sp>
+      <p:sp>
+        <p:nvSpPr>
+          <p:cNvPr id="73" name="TextBox 72">
+            <a:extLst>
+              <a:ext uri="{FF2B5EF4-FFF2-40B4-BE49-F238E27FC236}">
+                <a16:creationId xmlns:a16="http://schemas.microsoft.com/office/drawing/2014/main" id="{7CAFDF98-E5DF-460F-BD1C-DBF34A2E6D55}"/>
               </a:ext>
             </a:extLst>
           </p:cNvPr>
@@ -8755,8 +9292,8 @@
         </p:nvSpPr>
         <p:spPr>
           <a:xfrm>
-            <a:off x="7482412" y="4997545"/>
-            <a:ext cx="2969964" cy="369332"/>
+            <a:off x="7515184" y="4630783"/>
+            <a:ext cx="3143716" cy="369332"/>
           </a:xfrm>
           <a:prstGeom prst="rect">
             <a:avLst/>
@@ -8776,17 +9313,17 @@
           <a:p>
             <a:r>
               <a:rPr lang="en-US" dirty="0"/>
-              <a:t>NPFS – File Manager</a:t>
-            </a:r>
-          </a:p>
-        </p:txBody>
-      </p:sp>
-      <p:sp>
-        <p:nvSpPr>
-          <p:cNvPr id="36" name="TextBox 35">
-            <a:extLst>
-              <a:ext uri="{FF2B5EF4-FFF2-40B4-BE49-F238E27FC236}">
-                <a16:creationId xmlns:a16="http://schemas.microsoft.com/office/drawing/2014/main" id="{06D1038C-91F7-46FD-BACA-95B1640A940A}"/>
+              <a:t>mXDE – Data Element Extract</a:t>
+            </a:r>
+          </a:p>
+        </p:txBody>
+      </p:sp>
+      <p:sp>
+        <p:nvSpPr>
+          <p:cNvPr id="74" name="TextBox 73">
+            <a:extLst>
+              <a:ext uri="{FF2B5EF4-FFF2-40B4-BE49-F238E27FC236}">
+                <a16:creationId xmlns:a16="http://schemas.microsoft.com/office/drawing/2014/main" id="{35CF48AB-E84F-4146-B5DB-76F4268D6743}"/>
               </a:ext>
             </a:extLst>
           </p:cNvPr>
@@ -8795,7 +9332,7 @@
         </p:nvSpPr>
         <p:spPr>
           <a:xfrm>
-            <a:off x="7515184" y="3613351"/>
+            <a:off x="7832714" y="5004981"/>
             <a:ext cx="2969964" cy="369332"/>
           </a:xfrm>
           <a:prstGeom prst="rect">
@@ -8816,17 +9353,17 @@
           <a:p>
             <a:r>
               <a:rPr lang="en-US" dirty="0"/>
-              <a:t>mXDE – Data Element Extract</a:t>
-            </a:r>
-          </a:p>
-        </p:txBody>
-      </p:sp>
-      <p:sp>
-        <p:nvSpPr>
-          <p:cNvPr id="37" name="TextBox 36">
-            <a:extLst>
-              <a:ext uri="{FF2B5EF4-FFF2-40B4-BE49-F238E27FC236}">
-                <a16:creationId xmlns:a16="http://schemas.microsoft.com/office/drawing/2014/main" id="{A9A22824-3500-4267-BF55-7E641E9DFC81}"/>
+              <a:t>QEDm –Clinical Data Source</a:t>
+            </a:r>
+          </a:p>
+        </p:txBody>
+      </p:sp>
+      <p:sp>
+        <p:nvSpPr>
+          <p:cNvPr id="75" name="TextBox 74">
+            <a:extLst>
+              <a:ext uri="{FF2B5EF4-FFF2-40B4-BE49-F238E27FC236}">
+                <a16:creationId xmlns:a16="http://schemas.microsoft.com/office/drawing/2014/main" id="{C5612FB5-CFD2-498F-9B41-363C37032AEE}"/>
               </a:ext>
             </a:extLst>
           </p:cNvPr>
@@ -8835,8 +9372,8 @@
         </p:nvSpPr>
         <p:spPr>
           <a:xfrm>
-            <a:off x="7832714" y="3987549"/>
-            <a:ext cx="2969964" cy="369332"/>
+            <a:off x="7482412" y="6345524"/>
+            <a:ext cx="3176488" cy="369332"/>
           </a:xfrm>
           <a:prstGeom prst="rect">
             <a:avLst/>
@@ -8856,17 +9393,17 @@
           <a:p>
             <a:r>
               <a:rPr lang="en-US" dirty="0"/>
-              <a:t>QEDm –Clinical Data Source</a:t>
-            </a:r>
-          </a:p>
-        </p:txBody>
-      </p:sp>
-      <p:sp>
-        <p:nvSpPr>
-          <p:cNvPr id="38" name="TextBox 37">
-            <a:extLst>
-              <a:ext uri="{FF2B5EF4-FFF2-40B4-BE49-F238E27FC236}">
-                <a16:creationId xmlns:a16="http://schemas.microsoft.com/office/drawing/2014/main" id="{5289A489-DAF5-459B-8C2C-E78503073D98}"/>
+              <a:t>Consent Manager</a:t>
+            </a:r>
+          </a:p>
+        </p:txBody>
+      </p:sp>
+      <p:sp>
+        <p:nvSpPr>
+          <p:cNvPr id="76" name="TextBox 75">
+            <a:extLst>
+              <a:ext uri="{FF2B5EF4-FFF2-40B4-BE49-F238E27FC236}">
+                <a16:creationId xmlns:a16="http://schemas.microsoft.com/office/drawing/2014/main" id="{0EEA0834-C186-4317-98C9-FF23E39102F8}"/>
               </a:ext>
             </a:extLst>
           </p:cNvPr>
@@ -8875,8 +9412,8 @@
         </p:nvSpPr>
         <p:spPr>
           <a:xfrm>
-            <a:off x="7482412" y="6216734"/>
-            <a:ext cx="2969964" cy="369332"/>
+            <a:off x="7482412" y="5455947"/>
+            <a:ext cx="3186528" cy="369332"/>
           </a:xfrm>
           <a:prstGeom prst="rect">
             <a:avLst/>
@@ -8895,86 +9432,6 @@
           <a:lstStyle/>
           <a:p>
             <a:r>
-              <a:rPr lang="en-US" dirty="0"/>
-              <a:t>Consent Manager</a:t>
-            </a:r>
-          </a:p>
-        </p:txBody>
-      </p:sp>
-      <p:sp>
-        <p:nvSpPr>
-          <p:cNvPr id="39" name="TextBox 38">
-            <a:extLst>
-              <a:ext uri="{FF2B5EF4-FFF2-40B4-BE49-F238E27FC236}">
-                <a16:creationId xmlns:a16="http://schemas.microsoft.com/office/drawing/2014/main" id="{E2287BF6-823F-42ED-A97B-3E595CD4CDD0}"/>
-              </a:ext>
-            </a:extLst>
-          </p:cNvPr>
-          <p:cNvSpPr txBox="1"/>
-          <p:nvPr/>
-        </p:nvSpPr>
-        <p:spPr>
-          <a:xfrm rot="5400000">
-            <a:off x="3896426" y="3299103"/>
-            <a:ext cx="6470163" cy="369332"/>
-          </a:xfrm>
-          <a:prstGeom prst="rect">
-            <a:avLst/>
-          </a:prstGeom>
-          <a:noFill/>
-          <a:ln>
-            <a:solidFill>
-              <a:schemeClr val="tx1"/>
-            </a:solidFill>
-          </a:ln>
-        </p:spPr>
-        <p:txBody>
-          <a:bodyPr wrap="square" rtlCol="0">
-            <a:spAutoFit/>
-          </a:bodyPr>
-          <a:lstStyle/>
-          <a:p>
-            <a:r>
-              <a:rPr lang="en-US" dirty="0"/>
-              <a:t>Access Control</a:t>
-            </a:r>
-          </a:p>
-        </p:txBody>
-      </p:sp>
-      <p:sp>
-        <p:nvSpPr>
-          <p:cNvPr id="40" name="TextBox 39">
-            <a:extLst>
-              <a:ext uri="{FF2B5EF4-FFF2-40B4-BE49-F238E27FC236}">
-                <a16:creationId xmlns:a16="http://schemas.microsoft.com/office/drawing/2014/main" id="{C8FF9E79-9D59-4560-A315-DC6C7C276898}"/>
-              </a:ext>
-            </a:extLst>
-          </p:cNvPr>
-          <p:cNvSpPr txBox="1"/>
-          <p:nvPr/>
-        </p:nvSpPr>
-        <p:spPr>
-          <a:xfrm>
-            <a:off x="7482412" y="4541547"/>
-            <a:ext cx="2969964" cy="369332"/>
-          </a:xfrm>
-          <a:prstGeom prst="rect">
-            <a:avLst/>
-          </a:prstGeom>
-          <a:noFill/>
-          <a:ln>
-            <a:solidFill>
-              <a:schemeClr val="tx1"/>
-            </a:solidFill>
-          </a:ln>
-        </p:spPr>
-        <p:txBody>
-          <a:bodyPr wrap="square" rtlCol="0">
-            <a:spAutoFit/>
-          </a:bodyPr>
-          <a:lstStyle/>
-          <a:p>
-            <a:r>
               <a:rPr lang="en-US" dirty="0" err="1"/>
               <a:t>mACM</a:t>
             </a:r>
@@ -8987,925 +9444,6 @@
               <a:t>Mgr</a:t>
             </a:r>
             <a:endParaRPr lang="en-US" dirty="0"/>
-          </a:p>
-        </p:txBody>
-      </p:sp>
-      <p:cxnSp>
-        <p:nvCxnSpPr>
-          <p:cNvPr id="24" name="Straight Arrow Connector 23">
-            <a:extLst>
-              <a:ext uri="{FF2B5EF4-FFF2-40B4-BE49-F238E27FC236}">
-                <a16:creationId xmlns:a16="http://schemas.microsoft.com/office/drawing/2014/main" id="{A82E44FD-4037-41E6-8D49-C0DA71B3FDCB}"/>
-              </a:ext>
-            </a:extLst>
-          </p:cNvPr>
-          <p:cNvCxnSpPr>
-            <a:cxnSpLocks/>
-            <a:endCxn id="28" idx="1"/>
-          </p:cNvCxnSpPr>
-          <p:nvPr/>
-        </p:nvCxnSpPr>
-        <p:spPr>
-          <a:xfrm flipV="1">
-            <a:off x="3052946" y="1082444"/>
-            <a:ext cx="4462238" cy="32254"/>
-          </a:xfrm>
-          <a:prstGeom prst="straightConnector1">
-            <a:avLst/>
-          </a:prstGeom>
-          <a:ln>
-            <a:solidFill>
-              <a:schemeClr val="bg1"/>
-            </a:solidFill>
-            <a:tailEnd type="triangle"/>
-          </a:ln>
-        </p:spPr>
-        <p:style>
-          <a:lnRef idx="3">
-            <a:schemeClr val="accent1"/>
-          </a:lnRef>
-          <a:fillRef idx="0">
-            <a:schemeClr val="accent1"/>
-          </a:fillRef>
-          <a:effectRef idx="2">
-            <a:schemeClr val="accent1"/>
-          </a:effectRef>
-          <a:fontRef idx="minor">
-            <a:schemeClr val="tx1"/>
-          </a:fontRef>
-        </p:style>
-      </p:cxnSp>
-      <p:cxnSp>
-        <p:nvCxnSpPr>
-          <p:cNvPr id="26" name="Straight Arrow Connector 25">
-            <a:extLst>
-              <a:ext uri="{FF2B5EF4-FFF2-40B4-BE49-F238E27FC236}">
-                <a16:creationId xmlns:a16="http://schemas.microsoft.com/office/drawing/2014/main" id="{F1477231-46B5-454F-BC30-10E3E630C2AF}"/>
-              </a:ext>
-            </a:extLst>
-          </p:cNvPr>
-          <p:cNvCxnSpPr>
-            <a:cxnSpLocks/>
-            <a:endCxn id="32" idx="1"/>
-          </p:cNvCxnSpPr>
-          <p:nvPr/>
-        </p:nvCxnSpPr>
-        <p:spPr>
-          <a:xfrm>
-            <a:off x="3052946" y="1464362"/>
-            <a:ext cx="4462238" cy="26116"/>
-          </a:xfrm>
-          <a:prstGeom prst="straightConnector1">
-            <a:avLst/>
-          </a:prstGeom>
-          <a:ln>
-            <a:solidFill>
-              <a:schemeClr val="bg1"/>
-            </a:solidFill>
-            <a:tailEnd type="triangle"/>
-          </a:ln>
-        </p:spPr>
-        <p:style>
-          <a:lnRef idx="3">
-            <a:schemeClr val="accent1"/>
-          </a:lnRef>
-          <a:fillRef idx="0">
-            <a:schemeClr val="accent1"/>
-          </a:fillRef>
-          <a:effectRef idx="2">
-            <a:schemeClr val="accent1"/>
-          </a:effectRef>
-          <a:fontRef idx="minor">
-            <a:schemeClr val="tx1"/>
-          </a:fontRef>
-        </p:style>
-      </p:cxnSp>
-      <p:cxnSp>
-        <p:nvCxnSpPr>
-          <p:cNvPr id="41" name="Straight Arrow Connector 40">
-            <a:extLst>
-              <a:ext uri="{FF2B5EF4-FFF2-40B4-BE49-F238E27FC236}">
-                <a16:creationId xmlns:a16="http://schemas.microsoft.com/office/drawing/2014/main" id="{61863785-FBE7-4A8E-8DA5-2D5E2DC694B3}"/>
-              </a:ext>
-            </a:extLst>
-          </p:cNvPr>
-          <p:cNvCxnSpPr>
-            <a:cxnSpLocks/>
-            <a:endCxn id="30" idx="1"/>
-          </p:cNvCxnSpPr>
-          <p:nvPr/>
-        </p:nvCxnSpPr>
-        <p:spPr>
-          <a:xfrm>
-            <a:off x="3087537" y="1695652"/>
-            <a:ext cx="4427647" cy="222684"/>
-          </a:xfrm>
-          <a:prstGeom prst="straightConnector1">
-            <a:avLst/>
-          </a:prstGeom>
-          <a:ln w="88900">
-            <a:solidFill>
-              <a:schemeClr val="bg1"/>
-            </a:solidFill>
-            <a:tailEnd type="triangle"/>
-          </a:ln>
-        </p:spPr>
-        <p:style>
-          <a:lnRef idx="3">
-            <a:schemeClr val="accent1"/>
-          </a:lnRef>
-          <a:fillRef idx="0">
-            <a:schemeClr val="accent1"/>
-          </a:fillRef>
-          <a:effectRef idx="2">
-            <a:schemeClr val="accent1"/>
-          </a:effectRef>
-          <a:fontRef idx="minor">
-            <a:schemeClr val="tx1"/>
-          </a:fontRef>
-        </p:style>
-      </p:cxnSp>
-      <p:cxnSp>
-        <p:nvCxnSpPr>
-          <p:cNvPr id="42" name="Straight Arrow Connector 41">
-            <a:extLst>
-              <a:ext uri="{FF2B5EF4-FFF2-40B4-BE49-F238E27FC236}">
-                <a16:creationId xmlns:a16="http://schemas.microsoft.com/office/drawing/2014/main" id="{530041D0-9A73-4F8C-BEEB-45F23686DFB0}"/>
-              </a:ext>
-            </a:extLst>
-          </p:cNvPr>
-          <p:cNvCxnSpPr>
-            <a:cxnSpLocks/>
-          </p:cNvCxnSpPr>
-          <p:nvPr/>
-        </p:nvCxnSpPr>
-        <p:spPr>
-          <a:xfrm>
-            <a:off x="3052946" y="2283263"/>
-            <a:ext cx="4462238" cy="71810"/>
-          </a:xfrm>
-          <a:prstGeom prst="straightConnector1">
-            <a:avLst/>
-          </a:prstGeom>
-          <a:ln>
-            <a:solidFill>
-              <a:schemeClr val="bg1"/>
-            </a:solidFill>
-            <a:prstDash val="dash"/>
-            <a:tailEnd type="triangle"/>
-          </a:ln>
-        </p:spPr>
-        <p:style>
-          <a:lnRef idx="3">
-            <a:schemeClr val="accent1"/>
-          </a:lnRef>
-          <a:fillRef idx="0">
-            <a:schemeClr val="accent1"/>
-          </a:fillRef>
-          <a:effectRef idx="2">
-            <a:schemeClr val="accent1"/>
-          </a:effectRef>
-          <a:fontRef idx="minor">
-            <a:schemeClr val="tx1"/>
-          </a:fontRef>
-        </p:style>
-      </p:cxnSp>
-      <p:cxnSp>
-        <p:nvCxnSpPr>
-          <p:cNvPr id="43" name="Straight Arrow Connector 42">
-            <a:extLst>
-              <a:ext uri="{FF2B5EF4-FFF2-40B4-BE49-F238E27FC236}">
-                <a16:creationId xmlns:a16="http://schemas.microsoft.com/office/drawing/2014/main" id="{19BF4A5D-B01C-44D8-81EF-7C465930A59A}"/>
-              </a:ext>
-            </a:extLst>
-          </p:cNvPr>
-          <p:cNvCxnSpPr>
-            <a:cxnSpLocks/>
-            <a:endCxn id="33" idx="1"/>
-          </p:cNvCxnSpPr>
-          <p:nvPr/>
-        </p:nvCxnSpPr>
-        <p:spPr>
-          <a:xfrm>
-            <a:off x="3052946" y="2642530"/>
-            <a:ext cx="4452198" cy="114493"/>
-          </a:xfrm>
-          <a:prstGeom prst="straightConnector1">
-            <a:avLst/>
-          </a:prstGeom>
-          <a:ln>
-            <a:solidFill>
-              <a:schemeClr val="bg1"/>
-            </a:solidFill>
-            <a:tailEnd type="triangle"/>
-          </a:ln>
-        </p:spPr>
-        <p:style>
-          <a:lnRef idx="3">
-            <a:schemeClr val="accent1"/>
-          </a:lnRef>
-          <a:fillRef idx="0">
-            <a:schemeClr val="accent1"/>
-          </a:fillRef>
-          <a:effectRef idx="2">
-            <a:schemeClr val="accent1"/>
-          </a:effectRef>
-          <a:fontRef idx="minor">
-            <a:schemeClr val="tx1"/>
-          </a:fontRef>
-        </p:style>
-      </p:cxnSp>
-      <p:cxnSp>
-        <p:nvCxnSpPr>
-          <p:cNvPr id="44" name="Straight Arrow Connector 43">
-            <a:extLst>
-              <a:ext uri="{FF2B5EF4-FFF2-40B4-BE49-F238E27FC236}">
-                <a16:creationId xmlns:a16="http://schemas.microsoft.com/office/drawing/2014/main" id="{5A7B8C74-DFF6-40D7-AC3E-67D657F966EB}"/>
-              </a:ext>
-            </a:extLst>
-          </p:cNvPr>
-          <p:cNvCxnSpPr>
-            <a:cxnSpLocks/>
-            <a:endCxn id="34" idx="1"/>
-          </p:cNvCxnSpPr>
-          <p:nvPr/>
-        </p:nvCxnSpPr>
-        <p:spPr>
-          <a:xfrm>
-            <a:off x="3076007" y="3003650"/>
-            <a:ext cx="4439177" cy="184666"/>
-          </a:xfrm>
-          <a:prstGeom prst="straightConnector1">
-            <a:avLst/>
-          </a:prstGeom>
-          <a:ln>
-            <a:solidFill>
-              <a:schemeClr val="bg1"/>
-            </a:solidFill>
-            <a:prstDash val="dash"/>
-            <a:tailEnd type="triangle"/>
-          </a:ln>
-        </p:spPr>
-        <p:style>
-          <a:lnRef idx="3">
-            <a:schemeClr val="accent1"/>
-          </a:lnRef>
-          <a:fillRef idx="0">
-            <a:schemeClr val="accent1"/>
-          </a:fillRef>
-          <a:effectRef idx="2">
-            <a:schemeClr val="accent1"/>
-          </a:effectRef>
-          <a:fontRef idx="minor">
-            <a:schemeClr val="tx1"/>
-          </a:fontRef>
-        </p:style>
-      </p:cxnSp>
-      <p:sp>
-        <p:nvSpPr>
-          <p:cNvPr id="20" name="TextBox 19">
-            <a:extLst>
-              <a:ext uri="{FF2B5EF4-FFF2-40B4-BE49-F238E27FC236}">
-                <a16:creationId xmlns:a16="http://schemas.microsoft.com/office/drawing/2014/main" id="{B175D033-0B2A-40BA-AFAD-11E53B862FDF}"/>
-              </a:ext>
-            </a:extLst>
-          </p:cNvPr>
-          <p:cNvSpPr txBox="1"/>
-          <p:nvPr/>
-        </p:nvSpPr>
-        <p:spPr>
-          <a:xfrm>
-            <a:off x="5046148" y="2722953"/>
-            <a:ext cx="1918539" cy="923330"/>
-          </a:xfrm>
-          <a:prstGeom prst="rect">
-            <a:avLst/>
-          </a:prstGeom>
-          <a:noFill/>
-        </p:spPr>
-        <p:txBody>
-          <a:bodyPr wrap="none" rtlCol="0">
-            <a:spAutoFit/>
-          </a:bodyPr>
-          <a:lstStyle/>
-          <a:p>
-            <a:r>
-              <a:rPr lang="en-US" dirty="0"/>
-              <a:t>Find Endpoints</a:t>
-            </a:r>
-          </a:p>
-          <a:p>
-            <a:r>
-              <a:rPr lang="en-US" dirty="0"/>
-              <a:t>Find Organizations</a:t>
-            </a:r>
-          </a:p>
-          <a:p>
-            <a:r>
-              <a:rPr lang="en-US" dirty="0"/>
-              <a:t>Find Practitioners</a:t>
-            </a:r>
-          </a:p>
-        </p:txBody>
-      </p:sp>
-      <p:sp>
-        <p:nvSpPr>
-          <p:cNvPr id="22" name="TextBox 21">
-            <a:extLst>
-              <a:ext uri="{FF2B5EF4-FFF2-40B4-BE49-F238E27FC236}">
-                <a16:creationId xmlns:a16="http://schemas.microsoft.com/office/drawing/2014/main" id="{68886F65-45F9-4BF4-90A4-8B67D7421D01}"/>
-              </a:ext>
-            </a:extLst>
-          </p:cNvPr>
-          <p:cNvSpPr txBox="1"/>
-          <p:nvPr/>
-        </p:nvSpPr>
-        <p:spPr>
-          <a:xfrm>
-            <a:off x="3457830" y="2507620"/>
-            <a:ext cx="1970796" cy="369332"/>
-          </a:xfrm>
-          <a:prstGeom prst="rect">
-            <a:avLst/>
-          </a:prstGeom>
-          <a:noFill/>
-        </p:spPr>
-        <p:txBody>
-          <a:bodyPr wrap="none" rtlCol="0">
-            <a:spAutoFit/>
-          </a:bodyPr>
-          <a:lstStyle/>
-          <a:p>
-            <a:r>
-              <a:rPr lang="en-US" dirty="0"/>
-              <a:t>Record Audit Event</a:t>
-            </a:r>
-          </a:p>
-        </p:txBody>
-      </p:sp>
-      <p:sp>
-        <p:nvSpPr>
-          <p:cNvPr id="45" name="TextBox 44">
-            <a:extLst>
-              <a:ext uri="{FF2B5EF4-FFF2-40B4-BE49-F238E27FC236}">
-                <a16:creationId xmlns:a16="http://schemas.microsoft.com/office/drawing/2014/main" id="{D36F3662-31E3-4DC0-AAD0-43E8CDD03D1F}"/>
-              </a:ext>
-            </a:extLst>
-          </p:cNvPr>
-          <p:cNvSpPr txBox="1"/>
-          <p:nvPr/>
-        </p:nvSpPr>
-        <p:spPr>
-          <a:xfrm>
-            <a:off x="4099622" y="2156873"/>
-            <a:ext cx="2427396" cy="369332"/>
-          </a:xfrm>
-          <a:prstGeom prst="rect">
-            <a:avLst/>
-          </a:prstGeom>
-          <a:noFill/>
-        </p:spPr>
-        <p:txBody>
-          <a:bodyPr wrap="none" rtlCol="0">
-            <a:spAutoFit/>
-          </a:bodyPr>
-          <a:lstStyle/>
-          <a:p>
-            <a:r>
-              <a:rPr lang="en-US" dirty="0"/>
-              <a:t>Lookup </a:t>
-            </a:r>
-            <a:r>
-              <a:rPr lang="en-US" dirty="0" err="1"/>
-              <a:t>Valueset</a:t>
-            </a:r>
-            <a:r>
-              <a:rPr lang="en-US" dirty="0"/>
-              <a:t> entries</a:t>
-            </a:r>
-          </a:p>
-        </p:txBody>
-      </p:sp>
-      <p:sp>
-        <p:nvSpPr>
-          <p:cNvPr id="47" name="TextBox 46">
-            <a:extLst>
-              <a:ext uri="{FF2B5EF4-FFF2-40B4-BE49-F238E27FC236}">
-                <a16:creationId xmlns:a16="http://schemas.microsoft.com/office/drawing/2014/main" id="{16DD801F-2081-477B-AC3F-4C42367FDCBE}"/>
-              </a:ext>
-            </a:extLst>
-          </p:cNvPr>
-          <p:cNvSpPr txBox="1"/>
-          <p:nvPr/>
-        </p:nvSpPr>
-        <p:spPr>
-          <a:xfrm>
-            <a:off x="3381573" y="1483828"/>
-            <a:ext cx="2800447" cy="646331"/>
-          </a:xfrm>
-          <a:prstGeom prst="rect">
-            <a:avLst/>
-          </a:prstGeom>
-          <a:noFill/>
-        </p:spPr>
-        <p:txBody>
-          <a:bodyPr wrap="none" rtlCol="0">
-            <a:spAutoFit/>
-          </a:bodyPr>
-          <a:lstStyle/>
-          <a:p>
-            <a:r>
-              <a:rPr lang="en-US" dirty="0"/>
-              <a:t>Feed Patient Updates</a:t>
-            </a:r>
-          </a:p>
-          <a:p>
-            <a:r>
-              <a:rPr lang="en-US" dirty="0"/>
-              <a:t>Find Patient Master Identity</a:t>
-            </a:r>
-          </a:p>
-        </p:txBody>
-      </p:sp>
-      <p:sp>
-        <p:nvSpPr>
-          <p:cNvPr id="49" name="TextBox 48">
-            <a:extLst>
-              <a:ext uri="{FF2B5EF4-FFF2-40B4-BE49-F238E27FC236}">
-                <a16:creationId xmlns:a16="http://schemas.microsoft.com/office/drawing/2014/main" id="{68543A5D-523E-44DD-B04F-2E9CDC7F7AC7}"/>
-              </a:ext>
-            </a:extLst>
-          </p:cNvPr>
-          <p:cNvSpPr txBox="1"/>
-          <p:nvPr/>
-        </p:nvSpPr>
-        <p:spPr>
-          <a:xfrm>
-            <a:off x="5078744" y="1279371"/>
-            <a:ext cx="1129220" cy="369332"/>
-          </a:xfrm>
-          <a:prstGeom prst="rect">
-            <a:avLst/>
-          </a:prstGeom>
-          <a:noFill/>
-        </p:spPr>
-        <p:txBody>
-          <a:bodyPr wrap="none" rtlCol="0">
-            <a:spAutoFit/>
-          </a:bodyPr>
-          <a:lstStyle/>
-          <a:p>
-            <a:r>
-              <a:rPr lang="en-US" dirty="0"/>
-              <a:t>Sync Time</a:t>
-            </a:r>
-          </a:p>
-        </p:txBody>
-      </p:sp>
-      <p:sp>
-        <p:nvSpPr>
-          <p:cNvPr id="50" name="TextBox 49">
-            <a:extLst>
-              <a:ext uri="{FF2B5EF4-FFF2-40B4-BE49-F238E27FC236}">
-                <a16:creationId xmlns:a16="http://schemas.microsoft.com/office/drawing/2014/main" id="{584598C2-3F17-4B59-B27C-0CF5CDB9D7F0}"/>
-              </a:ext>
-            </a:extLst>
-          </p:cNvPr>
-          <p:cNvSpPr txBox="1"/>
-          <p:nvPr/>
-        </p:nvSpPr>
-        <p:spPr>
-          <a:xfrm>
-            <a:off x="3675017" y="952046"/>
-            <a:ext cx="3038396" cy="369332"/>
-          </a:xfrm>
-          <a:prstGeom prst="rect">
-            <a:avLst/>
-          </a:prstGeom>
-          <a:noFill/>
-        </p:spPr>
-        <p:txBody>
-          <a:bodyPr wrap="none" rtlCol="0">
-            <a:spAutoFit/>
-          </a:bodyPr>
-          <a:lstStyle/>
-          <a:p>
-            <a:r>
-              <a:rPr lang="en-US" dirty="0"/>
-              <a:t>Register Cert, Cert Revocation </a:t>
-            </a:r>
-          </a:p>
-        </p:txBody>
-      </p:sp>
-      <p:cxnSp>
-        <p:nvCxnSpPr>
-          <p:cNvPr id="54" name="Straight Arrow Connector 53">
-            <a:extLst>
-              <a:ext uri="{FF2B5EF4-FFF2-40B4-BE49-F238E27FC236}">
-                <a16:creationId xmlns:a16="http://schemas.microsoft.com/office/drawing/2014/main" id="{2B679FC9-8584-4E10-B4EC-64E2BB8A5E04}"/>
-              </a:ext>
-            </a:extLst>
-          </p:cNvPr>
-          <p:cNvCxnSpPr>
-            <a:cxnSpLocks/>
-          </p:cNvCxnSpPr>
-          <p:nvPr/>
-        </p:nvCxnSpPr>
-        <p:spPr>
-          <a:xfrm>
-            <a:off x="3043235" y="3923098"/>
-            <a:ext cx="4439177" cy="1259113"/>
-          </a:xfrm>
-          <a:prstGeom prst="straightConnector1">
-            <a:avLst/>
-          </a:prstGeom>
-          <a:ln>
-            <a:solidFill>
-              <a:schemeClr val="bg1"/>
-            </a:solidFill>
-            <a:prstDash val="dash"/>
-            <a:tailEnd type="triangle"/>
-          </a:ln>
-        </p:spPr>
-        <p:style>
-          <a:lnRef idx="3">
-            <a:schemeClr val="accent1"/>
-          </a:lnRef>
-          <a:fillRef idx="0">
-            <a:schemeClr val="accent1"/>
-          </a:fillRef>
-          <a:effectRef idx="2">
-            <a:schemeClr val="accent1"/>
-          </a:effectRef>
-          <a:fontRef idx="minor">
-            <a:schemeClr val="tx1"/>
-          </a:fontRef>
-        </p:style>
-      </p:cxnSp>
-      <p:sp>
-        <p:nvSpPr>
-          <p:cNvPr id="56" name="TextBox 55">
-            <a:extLst>
-              <a:ext uri="{FF2B5EF4-FFF2-40B4-BE49-F238E27FC236}">
-                <a16:creationId xmlns:a16="http://schemas.microsoft.com/office/drawing/2014/main" id="{3A35DEAE-7086-49A4-9CDC-B5F8A3216C77}"/>
-              </a:ext>
-            </a:extLst>
-          </p:cNvPr>
-          <p:cNvSpPr txBox="1"/>
-          <p:nvPr/>
-        </p:nvSpPr>
-        <p:spPr>
-          <a:xfrm>
-            <a:off x="4311729" y="4147688"/>
-            <a:ext cx="1931747" cy="646331"/>
-          </a:xfrm>
-          <a:prstGeom prst="rect">
-            <a:avLst/>
-          </a:prstGeom>
-          <a:noFill/>
-        </p:spPr>
-        <p:txBody>
-          <a:bodyPr wrap="none" rtlCol="0">
-            <a:spAutoFit/>
-          </a:bodyPr>
-          <a:lstStyle/>
-          <a:p>
-            <a:r>
-              <a:rPr lang="en-US" dirty="0"/>
-              <a:t>Configuration Files</a:t>
-            </a:r>
-          </a:p>
-          <a:p>
-            <a:r>
-              <a:rPr lang="en-US" dirty="0"/>
-              <a:t>Privacy Policy</a:t>
-            </a:r>
-          </a:p>
-        </p:txBody>
-      </p:sp>
-      <p:cxnSp>
-        <p:nvCxnSpPr>
-          <p:cNvPr id="57" name="Straight Arrow Connector 56">
-            <a:extLst>
-              <a:ext uri="{FF2B5EF4-FFF2-40B4-BE49-F238E27FC236}">
-                <a16:creationId xmlns:a16="http://schemas.microsoft.com/office/drawing/2014/main" id="{98C59BCE-5CF4-4147-8B96-996A39244C0A}"/>
-              </a:ext>
-            </a:extLst>
-          </p:cNvPr>
-          <p:cNvCxnSpPr>
-            <a:cxnSpLocks/>
-            <a:endCxn id="38" idx="1"/>
-          </p:cNvCxnSpPr>
-          <p:nvPr/>
-        </p:nvCxnSpPr>
-        <p:spPr>
-          <a:xfrm>
-            <a:off x="3043234" y="4674023"/>
-            <a:ext cx="4439178" cy="1727377"/>
-          </a:xfrm>
-          <a:prstGeom prst="straightConnector1">
-            <a:avLst/>
-          </a:prstGeom>
-          <a:ln>
-            <a:solidFill>
-              <a:schemeClr val="bg1"/>
-            </a:solidFill>
-            <a:prstDash val="dash"/>
-            <a:tailEnd type="triangle"/>
-          </a:ln>
-        </p:spPr>
-        <p:style>
-          <a:lnRef idx="3">
-            <a:schemeClr val="accent1"/>
-          </a:lnRef>
-          <a:fillRef idx="0">
-            <a:schemeClr val="accent1"/>
-          </a:fillRef>
-          <a:effectRef idx="2">
-            <a:schemeClr val="accent1"/>
-          </a:effectRef>
-          <a:fontRef idx="minor">
-            <a:schemeClr val="tx1"/>
-          </a:fontRef>
-        </p:style>
-      </p:cxnSp>
-      <p:sp>
-        <p:nvSpPr>
-          <p:cNvPr id="59" name="TextBox 58">
-            <a:extLst>
-              <a:ext uri="{FF2B5EF4-FFF2-40B4-BE49-F238E27FC236}">
-                <a16:creationId xmlns:a16="http://schemas.microsoft.com/office/drawing/2014/main" id="{73872795-CFCB-45EA-AA74-7B8F9F0A86F8}"/>
-              </a:ext>
-            </a:extLst>
-          </p:cNvPr>
-          <p:cNvSpPr txBox="1"/>
-          <p:nvPr/>
-        </p:nvSpPr>
-        <p:spPr>
-          <a:xfrm>
-            <a:off x="4363973" y="5160239"/>
-            <a:ext cx="1741439" cy="646331"/>
-          </a:xfrm>
-          <a:prstGeom prst="rect">
-            <a:avLst/>
-          </a:prstGeom>
-          <a:noFill/>
-        </p:spPr>
-        <p:txBody>
-          <a:bodyPr wrap="none" rtlCol="0">
-            <a:spAutoFit/>
-          </a:bodyPr>
-          <a:lstStyle/>
-          <a:p>
-            <a:r>
-              <a:rPr lang="en-US" dirty="0"/>
-              <a:t>Record Consent</a:t>
-            </a:r>
-          </a:p>
-          <a:p>
-            <a:r>
-              <a:rPr lang="en-US" dirty="0"/>
-              <a:t>Replace Consent</a:t>
-            </a:r>
-          </a:p>
-        </p:txBody>
-      </p:sp>
-      <p:cxnSp>
-        <p:nvCxnSpPr>
-          <p:cNvPr id="46" name="Straight Arrow Connector 45">
-            <a:extLst>
-              <a:ext uri="{FF2B5EF4-FFF2-40B4-BE49-F238E27FC236}">
-                <a16:creationId xmlns:a16="http://schemas.microsoft.com/office/drawing/2014/main" id="{4A298679-166D-430B-8651-8195A41ABEC0}"/>
-              </a:ext>
-            </a:extLst>
-          </p:cNvPr>
-          <p:cNvCxnSpPr>
-            <a:cxnSpLocks/>
-          </p:cNvCxnSpPr>
-          <p:nvPr/>
-        </p:nvCxnSpPr>
-        <p:spPr>
-          <a:xfrm>
-            <a:off x="3076007" y="3454780"/>
-            <a:ext cx="4756707" cy="717435"/>
-          </a:xfrm>
-          <a:prstGeom prst="straightConnector1">
-            <a:avLst/>
-          </a:prstGeom>
-          <a:ln w="88900">
-            <a:solidFill>
-              <a:schemeClr val="bg1"/>
-            </a:solidFill>
-            <a:tailEnd type="triangle"/>
-          </a:ln>
-        </p:spPr>
-        <p:style>
-          <a:lnRef idx="3">
-            <a:schemeClr val="accent1"/>
-          </a:lnRef>
-          <a:fillRef idx="0">
-            <a:schemeClr val="accent1"/>
-          </a:fillRef>
-          <a:effectRef idx="2">
-            <a:schemeClr val="accent1"/>
-          </a:effectRef>
-          <a:fontRef idx="minor">
-            <a:schemeClr val="tx1"/>
-          </a:fontRef>
-        </p:style>
-      </p:cxnSp>
-      <p:sp>
-        <p:nvSpPr>
-          <p:cNvPr id="5" name="TextBox 4">
-            <a:extLst>
-              <a:ext uri="{FF2B5EF4-FFF2-40B4-BE49-F238E27FC236}">
-                <a16:creationId xmlns:a16="http://schemas.microsoft.com/office/drawing/2014/main" id="{A7CADF3E-C9D8-4B62-83A2-74169264144F}"/>
-              </a:ext>
-            </a:extLst>
-          </p:cNvPr>
-          <p:cNvSpPr txBox="1"/>
-          <p:nvPr/>
-        </p:nvSpPr>
-        <p:spPr>
-          <a:xfrm>
-            <a:off x="3870836" y="3486057"/>
-            <a:ext cx="1075807" cy="369332"/>
-          </a:xfrm>
-          <a:prstGeom prst="rect">
-            <a:avLst/>
-          </a:prstGeom>
-          <a:noFill/>
-        </p:spPr>
-        <p:txBody>
-          <a:bodyPr wrap="none" rtlCol="0">
-            <a:spAutoFit/>
-          </a:bodyPr>
-          <a:lstStyle/>
-          <a:p>
-            <a:r>
-              <a:rPr lang="en-US" dirty="0"/>
-              <a:t>Find Data</a:t>
-            </a:r>
-          </a:p>
-        </p:txBody>
-      </p:sp>
-      <p:cxnSp>
-        <p:nvCxnSpPr>
-          <p:cNvPr id="58" name="Straight Arrow Connector 57">
-            <a:extLst>
-              <a:ext uri="{FF2B5EF4-FFF2-40B4-BE49-F238E27FC236}">
-                <a16:creationId xmlns:a16="http://schemas.microsoft.com/office/drawing/2014/main" id="{84B9AE9D-D815-44F3-BF3B-B2B058E5C9A6}"/>
-              </a:ext>
-            </a:extLst>
-          </p:cNvPr>
-          <p:cNvCxnSpPr>
-            <a:cxnSpLocks/>
-          </p:cNvCxnSpPr>
-          <p:nvPr/>
-        </p:nvCxnSpPr>
-        <p:spPr>
-          <a:xfrm flipV="1">
-            <a:off x="3052946" y="418081"/>
-            <a:ext cx="3893895" cy="260599"/>
-          </a:xfrm>
-          <a:prstGeom prst="straightConnector1">
-            <a:avLst/>
-          </a:prstGeom>
-          <a:ln>
-            <a:solidFill>
-              <a:schemeClr val="bg1"/>
-            </a:solidFill>
-            <a:tailEnd type="triangle"/>
-          </a:ln>
-        </p:spPr>
-        <p:style>
-          <a:lnRef idx="3">
-            <a:schemeClr val="accent1"/>
-          </a:lnRef>
-          <a:fillRef idx="0">
-            <a:schemeClr val="accent1"/>
-          </a:fillRef>
-          <a:effectRef idx="2">
-            <a:schemeClr val="accent1"/>
-          </a:effectRef>
-          <a:fontRef idx="minor">
-            <a:schemeClr val="tx1"/>
-          </a:fontRef>
-        </p:style>
-      </p:cxnSp>
-      <p:sp>
-        <p:nvSpPr>
-          <p:cNvPr id="60" name="TextBox 59">
-            <a:extLst>
-              <a:ext uri="{FF2B5EF4-FFF2-40B4-BE49-F238E27FC236}">
-                <a16:creationId xmlns:a16="http://schemas.microsoft.com/office/drawing/2014/main" id="{EFBE3B30-79C1-4BAE-8B2A-BEDA59FC1137}"/>
-              </a:ext>
-            </a:extLst>
-          </p:cNvPr>
-          <p:cNvSpPr txBox="1"/>
-          <p:nvPr/>
-        </p:nvSpPr>
-        <p:spPr>
-          <a:xfrm>
-            <a:off x="4167900" y="318858"/>
-            <a:ext cx="2511393" cy="369332"/>
-          </a:xfrm>
-          <a:prstGeom prst="rect">
-            <a:avLst/>
-          </a:prstGeom>
-          <a:noFill/>
-        </p:spPr>
-        <p:txBody>
-          <a:bodyPr wrap="none" rtlCol="0">
-            <a:spAutoFit/>
-          </a:bodyPr>
-          <a:lstStyle/>
-          <a:p>
-            <a:r>
-              <a:rPr lang="en-US" dirty="0"/>
-              <a:t>Get Security Auth Token</a:t>
-            </a:r>
-          </a:p>
-        </p:txBody>
-      </p:sp>
-      <p:cxnSp>
-        <p:nvCxnSpPr>
-          <p:cNvPr id="61" name="Straight Arrow Connector 60">
-            <a:extLst>
-              <a:ext uri="{FF2B5EF4-FFF2-40B4-BE49-F238E27FC236}">
-                <a16:creationId xmlns:a16="http://schemas.microsoft.com/office/drawing/2014/main" id="{F4A39ADF-3087-4D9E-A359-1C8906496276}"/>
-              </a:ext>
-            </a:extLst>
-          </p:cNvPr>
-          <p:cNvCxnSpPr>
-            <a:cxnSpLocks/>
-            <a:endCxn id="29" idx="1"/>
-          </p:cNvCxnSpPr>
-          <p:nvPr/>
-        </p:nvCxnSpPr>
-        <p:spPr>
-          <a:xfrm flipV="1">
-            <a:off x="3076007" y="646508"/>
-            <a:ext cx="4439177" cy="305538"/>
-          </a:xfrm>
-          <a:prstGeom prst="straightConnector1">
-            <a:avLst/>
-          </a:prstGeom>
-          <a:ln>
-            <a:solidFill>
-              <a:schemeClr val="bg1"/>
-            </a:solidFill>
-            <a:prstDash val="dash"/>
-            <a:tailEnd type="triangle"/>
-          </a:ln>
-        </p:spPr>
-        <p:style>
-          <a:lnRef idx="3">
-            <a:schemeClr val="accent1"/>
-          </a:lnRef>
-          <a:fillRef idx="0">
-            <a:schemeClr val="accent1"/>
-          </a:fillRef>
-          <a:effectRef idx="2">
-            <a:schemeClr val="accent1"/>
-          </a:effectRef>
-          <a:fontRef idx="minor">
-            <a:schemeClr val="tx1"/>
-          </a:fontRef>
-        </p:style>
-      </p:cxnSp>
-      <p:sp>
-        <p:nvSpPr>
-          <p:cNvPr id="8" name="TextBox 7">
-            <a:extLst>
-              <a:ext uri="{FF2B5EF4-FFF2-40B4-BE49-F238E27FC236}">
-                <a16:creationId xmlns:a16="http://schemas.microsoft.com/office/drawing/2014/main" id="{8870CD61-A363-40ED-8936-F99B10AB59C1}"/>
-              </a:ext>
-            </a:extLst>
-          </p:cNvPr>
-          <p:cNvSpPr txBox="1"/>
-          <p:nvPr/>
-        </p:nvSpPr>
-        <p:spPr>
-          <a:xfrm>
-            <a:off x="4464503" y="652323"/>
-            <a:ext cx="1994905" cy="369332"/>
-          </a:xfrm>
-          <a:prstGeom prst="rect">
-            <a:avLst/>
-          </a:prstGeom>
-          <a:noFill/>
-        </p:spPr>
-        <p:txBody>
-          <a:bodyPr wrap="none" rtlCol="0">
-            <a:spAutoFit/>
-          </a:bodyPr>
-          <a:lstStyle/>
-          <a:p>
-            <a:r>
-              <a:rPr lang="en-US" dirty="0"/>
-              <a:t>Retrieve Document</a:t>
-            </a:r>
           </a:p>
         </p:txBody>
       </p:sp>

--- a/MHDS/Diagrams.pptx
+++ b/MHDS/Diagrams.pptx
@@ -263,7 +263,7 @@
           <a:p>
             <a:fld id="{03431FED-738C-45FE-8DA9-95C611B1D2F8}" type="datetimeFigureOut">
               <a:rPr lang="en-US" smtClean="0"/>
-              <a:t>12/16/2019</a:t>
+              <a:t>1/7/2020</a:t>
             </a:fld>
             <a:endParaRPr lang="en-US"/>
           </a:p>
@@ -461,7 +461,7 @@
           <a:p>
             <a:fld id="{03431FED-738C-45FE-8DA9-95C611B1D2F8}" type="datetimeFigureOut">
               <a:rPr lang="en-US" smtClean="0"/>
-              <a:t>12/16/2019</a:t>
+              <a:t>1/7/2020</a:t>
             </a:fld>
             <a:endParaRPr lang="en-US"/>
           </a:p>
@@ -669,7 +669,7 @@
           <a:p>
             <a:fld id="{03431FED-738C-45FE-8DA9-95C611B1D2F8}" type="datetimeFigureOut">
               <a:rPr lang="en-US" smtClean="0"/>
-              <a:t>12/16/2019</a:t>
+              <a:t>1/7/2020</a:t>
             </a:fld>
             <a:endParaRPr lang="en-US"/>
           </a:p>
@@ -867,7 +867,7 @@
           <a:p>
             <a:fld id="{03431FED-738C-45FE-8DA9-95C611B1D2F8}" type="datetimeFigureOut">
               <a:rPr lang="en-US" smtClean="0"/>
-              <a:t>12/16/2019</a:t>
+              <a:t>1/7/2020</a:t>
             </a:fld>
             <a:endParaRPr lang="en-US"/>
           </a:p>
@@ -1142,7 +1142,7 @@
           <a:p>
             <a:fld id="{03431FED-738C-45FE-8DA9-95C611B1D2F8}" type="datetimeFigureOut">
               <a:rPr lang="en-US" smtClean="0"/>
-              <a:t>12/16/2019</a:t>
+              <a:t>1/7/2020</a:t>
             </a:fld>
             <a:endParaRPr lang="en-US"/>
           </a:p>
@@ -1407,7 +1407,7 @@
           <a:p>
             <a:fld id="{03431FED-738C-45FE-8DA9-95C611B1D2F8}" type="datetimeFigureOut">
               <a:rPr lang="en-US" smtClean="0"/>
-              <a:t>12/16/2019</a:t>
+              <a:t>1/7/2020</a:t>
             </a:fld>
             <a:endParaRPr lang="en-US"/>
           </a:p>
@@ -1819,7 +1819,7 @@
           <a:p>
             <a:fld id="{03431FED-738C-45FE-8DA9-95C611B1D2F8}" type="datetimeFigureOut">
               <a:rPr lang="en-US" smtClean="0"/>
-              <a:t>12/16/2019</a:t>
+              <a:t>1/7/2020</a:t>
             </a:fld>
             <a:endParaRPr lang="en-US"/>
           </a:p>
@@ -1960,7 +1960,7 @@
           <a:p>
             <a:fld id="{03431FED-738C-45FE-8DA9-95C611B1D2F8}" type="datetimeFigureOut">
               <a:rPr lang="en-US" smtClean="0"/>
-              <a:t>12/16/2019</a:t>
+              <a:t>1/7/2020</a:t>
             </a:fld>
             <a:endParaRPr lang="en-US"/>
           </a:p>
@@ -2073,7 +2073,7 @@
           <a:p>
             <a:fld id="{03431FED-738C-45FE-8DA9-95C611B1D2F8}" type="datetimeFigureOut">
               <a:rPr lang="en-US" smtClean="0"/>
-              <a:t>12/16/2019</a:t>
+              <a:t>1/7/2020</a:t>
             </a:fld>
             <a:endParaRPr lang="en-US"/>
           </a:p>
@@ -2384,7 +2384,7 @@
           <a:p>
             <a:fld id="{03431FED-738C-45FE-8DA9-95C611B1D2F8}" type="datetimeFigureOut">
               <a:rPr lang="en-US" smtClean="0"/>
-              <a:t>12/16/2019</a:t>
+              <a:t>1/7/2020</a:t>
             </a:fld>
             <a:endParaRPr lang="en-US"/>
           </a:p>
@@ -2672,7 +2672,7 @@
           <a:p>
             <a:fld id="{03431FED-738C-45FE-8DA9-95C611B1D2F8}" type="datetimeFigureOut">
               <a:rPr lang="en-US" smtClean="0"/>
-              <a:t>12/16/2019</a:t>
+              <a:t>1/7/2020</a:t>
             </a:fld>
             <a:endParaRPr lang="en-US"/>
           </a:p>
@@ -2913,7 +2913,7 @@
           <a:p>
             <a:fld id="{03431FED-738C-45FE-8DA9-95C611B1D2F8}" type="datetimeFigureOut">
               <a:rPr lang="en-US" smtClean="0"/>
-              <a:t>12/16/2019</a:t>
+              <a:t>1/7/2020</a:t>
             </a:fld>
             <a:endParaRPr lang="en-US"/>
           </a:p>
@@ -3376,21 +3376,33 @@
           <a:p>
             <a:pPr algn="ctr"/>
             <a:r>
-              <a:rPr lang="en-US" b="1" dirty="0"/>
+              <a:rPr lang="en-US" sz="2000" b="1" dirty="0">
+                <a:solidFill>
+                  <a:schemeClr val="tx1"/>
+                </a:solidFill>
+              </a:rPr>
               <a:t>Compatible </a:t>
             </a:r>
           </a:p>
           <a:p>
             <a:pPr algn="ctr"/>
             <a:r>
-              <a:rPr lang="en-US" b="1" dirty="0"/>
+              <a:rPr lang="en-US" sz="2000" b="1" dirty="0">
+                <a:solidFill>
+                  <a:schemeClr val="tx1"/>
+                </a:solidFill>
+              </a:rPr>
               <a:t>But</a:t>
             </a:r>
           </a:p>
           <a:p>
             <a:pPr algn="ctr"/>
             <a:r>
-              <a:rPr lang="en-US" b="1" dirty="0"/>
+              <a:rPr lang="en-US" sz="2000" b="1" dirty="0">
+                <a:solidFill>
+                  <a:schemeClr val="tx1"/>
+                </a:solidFill>
+              </a:rPr>
               <a:t>Not Included</a:t>
             </a:r>
           </a:p>
@@ -3445,8 +3457,12 @@
           <a:p>
             <a:pPr algn="ctr"/>
             <a:r>
-              <a:rPr lang="en-US" b="1" dirty="0"/>
-              <a:t>HIE partner types</a:t>
+              <a:rPr lang="en-US" sz="2000" b="1" dirty="0">
+                <a:solidFill>
+                  <a:schemeClr val="tx1"/>
+                </a:solidFill>
+              </a:rPr>
+              <a:t>HIE client types</a:t>
             </a:r>
           </a:p>
         </p:txBody>
@@ -3494,7 +3510,11 @@
           <a:p>
             <a:pPr algn="ctr"/>
             <a:r>
-              <a:rPr lang="en-US" b="1" dirty="0"/>
+              <a:rPr lang="en-US" sz="2000" b="1" dirty="0">
+                <a:solidFill>
+                  <a:schemeClr val="tx1"/>
+                </a:solidFill>
+              </a:rPr>
               <a:t>Central Infrastructure</a:t>
             </a:r>
           </a:p>

--- a/MHDS/Diagrams.pptx
+++ b/MHDS/Diagrams.pptx
@@ -10,6 +10,8 @@
     <p:sldId id="259" r:id="rId4"/>
     <p:sldId id="260" r:id="rId5"/>
     <p:sldId id="261" r:id="rId6"/>
+    <p:sldId id="274" r:id="rId7"/>
+    <p:sldId id="275" r:id="rId8"/>
   </p:sldIdLst>
   <p:sldSz cx="12192000" cy="6858000"/>
   <p:notesSz cx="6858000" cy="9144000"/>
@@ -263,7 +265,7 @@
           <a:p>
             <a:fld id="{03431FED-738C-45FE-8DA9-95C611B1D2F8}" type="datetimeFigureOut">
               <a:rPr lang="en-US" smtClean="0"/>
-              <a:t>1/7/2020</a:t>
+              <a:t>2/18/2020</a:t>
             </a:fld>
             <a:endParaRPr lang="en-US"/>
           </a:p>
@@ -461,7 +463,7 @@
           <a:p>
             <a:fld id="{03431FED-738C-45FE-8DA9-95C611B1D2F8}" type="datetimeFigureOut">
               <a:rPr lang="en-US" smtClean="0"/>
-              <a:t>1/7/2020</a:t>
+              <a:t>2/18/2020</a:t>
             </a:fld>
             <a:endParaRPr lang="en-US"/>
           </a:p>
@@ -669,7 +671,7 @@
           <a:p>
             <a:fld id="{03431FED-738C-45FE-8DA9-95C611B1D2F8}" type="datetimeFigureOut">
               <a:rPr lang="en-US" smtClean="0"/>
-              <a:t>1/7/2020</a:t>
+              <a:t>2/18/2020</a:t>
             </a:fld>
             <a:endParaRPr lang="en-US"/>
           </a:p>
@@ -867,7 +869,7 @@
           <a:p>
             <a:fld id="{03431FED-738C-45FE-8DA9-95C611B1D2F8}" type="datetimeFigureOut">
               <a:rPr lang="en-US" smtClean="0"/>
-              <a:t>1/7/2020</a:t>
+              <a:t>2/18/2020</a:t>
             </a:fld>
             <a:endParaRPr lang="en-US"/>
           </a:p>
@@ -1142,7 +1144,7 @@
           <a:p>
             <a:fld id="{03431FED-738C-45FE-8DA9-95C611B1D2F8}" type="datetimeFigureOut">
               <a:rPr lang="en-US" smtClean="0"/>
-              <a:t>1/7/2020</a:t>
+              <a:t>2/18/2020</a:t>
             </a:fld>
             <a:endParaRPr lang="en-US"/>
           </a:p>
@@ -1407,7 +1409,7 @@
           <a:p>
             <a:fld id="{03431FED-738C-45FE-8DA9-95C611B1D2F8}" type="datetimeFigureOut">
               <a:rPr lang="en-US" smtClean="0"/>
-              <a:t>1/7/2020</a:t>
+              <a:t>2/18/2020</a:t>
             </a:fld>
             <a:endParaRPr lang="en-US"/>
           </a:p>
@@ -1819,7 +1821,7 @@
           <a:p>
             <a:fld id="{03431FED-738C-45FE-8DA9-95C611B1D2F8}" type="datetimeFigureOut">
               <a:rPr lang="en-US" smtClean="0"/>
-              <a:t>1/7/2020</a:t>
+              <a:t>2/18/2020</a:t>
             </a:fld>
             <a:endParaRPr lang="en-US"/>
           </a:p>
@@ -1960,7 +1962,7 @@
           <a:p>
             <a:fld id="{03431FED-738C-45FE-8DA9-95C611B1D2F8}" type="datetimeFigureOut">
               <a:rPr lang="en-US" smtClean="0"/>
-              <a:t>1/7/2020</a:t>
+              <a:t>2/18/2020</a:t>
             </a:fld>
             <a:endParaRPr lang="en-US"/>
           </a:p>
@@ -2073,7 +2075,7 @@
           <a:p>
             <a:fld id="{03431FED-738C-45FE-8DA9-95C611B1D2F8}" type="datetimeFigureOut">
               <a:rPr lang="en-US" smtClean="0"/>
-              <a:t>1/7/2020</a:t>
+              <a:t>2/18/2020</a:t>
             </a:fld>
             <a:endParaRPr lang="en-US"/>
           </a:p>
@@ -2384,7 +2386,7 @@
           <a:p>
             <a:fld id="{03431FED-738C-45FE-8DA9-95C611B1D2F8}" type="datetimeFigureOut">
               <a:rPr lang="en-US" smtClean="0"/>
-              <a:t>1/7/2020</a:t>
+              <a:t>2/18/2020</a:t>
             </a:fld>
             <a:endParaRPr lang="en-US"/>
           </a:p>
@@ -2672,7 +2674,7 @@
           <a:p>
             <a:fld id="{03431FED-738C-45FE-8DA9-95C611B1D2F8}" type="datetimeFigureOut">
               <a:rPr lang="en-US" smtClean="0"/>
-              <a:t>1/7/2020</a:t>
+              <a:t>2/18/2020</a:t>
             </a:fld>
             <a:endParaRPr lang="en-US"/>
           </a:p>
@@ -2913,7 +2915,7 @@
           <a:p>
             <a:fld id="{03431FED-738C-45FE-8DA9-95C611B1D2F8}" type="datetimeFigureOut">
               <a:rPr lang="en-US" smtClean="0"/>
-              <a:t>1/7/2020</a:t>
+              <a:t>2/18/2020</a:t>
             </a:fld>
             <a:endParaRPr lang="en-US"/>
           </a:p>
@@ -9480,6 +9482,796 @@
 </p:sld>
 </file>
 
+<file path=ppt/slides/slide6.xml><?xml version="1.0" encoding="utf-8"?>
+<p:sld xmlns:a="http://schemas.openxmlformats.org/drawingml/2006/main" xmlns:r="http://schemas.openxmlformats.org/officeDocument/2006/relationships" xmlns:p="http://schemas.openxmlformats.org/presentationml/2006/main">
+  <p:cSld>
+    <p:spTree>
+      <p:nvGrpSpPr>
+        <p:cNvPr id="1" name=""/>
+        <p:cNvGrpSpPr/>
+        <p:nvPr/>
+      </p:nvGrpSpPr>
+      <p:grpSpPr>
+        <a:xfrm>
+          <a:off x="0" y="0"/>
+          <a:ext cx="0" cy="0"/>
+          <a:chOff x="0" y="0"/>
+          <a:chExt cx="0" cy="0"/>
+        </a:xfrm>
+      </p:grpSpPr>
+      <p:sp>
+        <p:nvSpPr>
+          <p:cNvPr id="2" name="Oval 1"/>
+          <p:cNvSpPr/>
+          <p:nvPr/>
+        </p:nvSpPr>
+        <p:spPr bwMode="auto">
+          <a:xfrm>
+            <a:off x="2988866" y="3662081"/>
+            <a:ext cx="1730033" cy="1833650"/>
+          </a:xfrm>
+          <a:prstGeom prst="ellipse">
+            <a:avLst/>
+          </a:prstGeom>
+          <a:solidFill>
+            <a:srgbClr val="00B050"/>
+          </a:solidFill>
+          <a:ln w="9525" cap="flat" cmpd="sng" algn="ctr">
+            <a:solidFill>
+              <a:srgbClr val="002060"/>
+            </a:solidFill>
+            <a:prstDash val="solid"/>
+            <a:round/>
+            <a:headEnd type="none" w="med" len="med"/>
+            <a:tailEnd type="none" w="med" len="med"/>
+          </a:ln>
+          <a:effectLst/>
+        </p:spPr>
+        <p:txBody>
+          <a:bodyPr vert="horz" wrap="square" lIns="91440" tIns="45720" rIns="91440" bIns="45720" numCol="1" rtlCol="0" anchor="ctr" anchorCtr="0" compatLnSpc="1">
+            <a:prstTxWarp prst="textNoShape">
+              <a:avLst/>
+            </a:prstTxWarp>
+          </a:bodyPr>
+          <a:lstStyle/>
+          <a:p>
+            <a:pPr algn="ctr" eaLnBrk="0" fontAlgn="base" hangingPunct="0">
+              <a:spcBef>
+                <a:spcPct val="0"/>
+              </a:spcBef>
+              <a:spcAft>
+                <a:spcPct val="0"/>
+              </a:spcAft>
+            </a:pPr>
+            <a:r>
+              <a:rPr lang="en-US" sz="2800" dirty="0">
+                <a:solidFill>
+                  <a:srgbClr val="002060"/>
+                </a:solidFill>
+                <a:latin typeface="GE Inspira Pitch" pitchFamily="34" charset="0"/>
+              </a:rPr>
+              <a:t>Permit</a:t>
+            </a:r>
+            <a:endParaRPr lang="en-US" sz="1600" dirty="0">
+              <a:solidFill>
+                <a:srgbClr val="002060"/>
+              </a:solidFill>
+              <a:latin typeface="GE Inspira Pitch" pitchFamily="34" charset="0"/>
+            </a:endParaRPr>
+          </a:p>
+        </p:txBody>
+      </p:sp>
+      <p:sp>
+        <p:nvSpPr>
+          <p:cNvPr id="5" name="Oval 4"/>
+          <p:cNvSpPr/>
+          <p:nvPr/>
+        </p:nvSpPr>
+        <p:spPr bwMode="auto">
+          <a:xfrm>
+            <a:off x="7639166" y="3662081"/>
+            <a:ext cx="1713219" cy="1833648"/>
+          </a:xfrm>
+          <a:prstGeom prst="ellipse">
+            <a:avLst/>
+          </a:prstGeom>
+          <a:solidFill>
+            <a:srgbClr val="FF0000"/>
+          </a:solidFill>
+          <a:ln w="9525" cap="flat" cmpd="sng" algn="ctr">
+            <a:solidFill>
+              <a:srgbClr val="002060"/>
+            </a:solidFill>
+            <a:prstDash val="solid"/>
+            <a:round/>
+            <a:headEnd type="none" w="med" len="med"/>
+            <a:tailEnd type="none" w="med" len="med"/>
+          </a:ln>
+          <a:effectLst/>
+        </p:spPr>
+        <p:txBody>
+          <a:bodyPr vert="horz" wrap="square" lIns="91440" tIns="45720" rIns="91440" bIns="45720" numCol="1" rtlCol="0" anchor="ctr" anchorCtr="0" compatLnSpc="1">
+            <a:prstTxWarp prst="textNoShape">
+              <a:avLst/>
+            </a:prstTxWarp>
+          </a:bodyPr>
+          <a:lstStyle/>
+          <a:p>
+            <a:pPr algn="ctr" eaLnBrk="0" fontAlgn="base" hangingPunct="0">
+              <a:spcBef>
+                <a:spcPct val="0"/>
+              </a:spcBef>
+              <a:spcAft>
+                <a:spcPct val="0"/>
+              </a:spcAft>
+            </a:pPr>
+            <a:r>
+              <a:rPr lang="en-US" sz="2800" dirty="0">
+                <a:solidFill>
+                  <a:srgbClr val="002060"/>
+                </a:solidFill>
+                <a:latin typeface="GE Inspira Pitch" pitchFamily="34" charset="0"/>
+              </a:rPr>
+              <a:t>Deny</a:t>
+            </a:r>
+            <a:endParaRPr lang="en-US" sz="1000" dirty="0">
+              <a:solidFill>
+                <a:srgbClr val="002060"/>
+              </a:solidFill>
+              <a:latin typeface="GE Inspira Pitch" pitchFamily="34" charset="0"/>
+            </a:endParaRPr>
+          </a:p>
+        </p:txBody>
+      </p:sp>
+      <p:cxnSp>
+        <p:nvCxnSpPr>
+          <p:cNvPr id="6" name="Connector: Curved 5"/>
+          <p:cNvCxnSpPr>
+            <a:cxnSpLocks/>
+            <a:stCxn id="2" idx="7"/>
+            <a:endCxn id="5" idx="1"/>
+          </p:cNvCxnSpPr>
+          <p:nvPr/>
+        </p:nvCxnSpPr>
+        <p:spPr bwMode="auto">
+          <a:xfrm rot="5400000" flipH="1" flipV="1">
+            <a:off x="6177800" y="2218355"/>
+            <a:ext cx="12700" cy="3424519"/>
+          </a:xfrm>
+          <a:prstGeom prst="curvedConnector3">
+            <a:avLst>
+              <a:gd name="adj1" fmla="val 3914425"/>
+            </a:avLst>
+          </a:prstGeom>
+          <a:solidFill>
+            <a:schemeClr val="accent1"/>
+          </a:solidFill>
+          <a:ln w="9525" cap="flat" cmpd="sng" algn="ctr">
+            <a:solidFill>
+              <a:schemeClr val="tx1"/>
+            </a:solidFill>
+            <a:prstDash val="solid"/>
+            <a:round/>
+            <a:headEnd type="none" w="med" len="med"/>
+            <a:tailEnd type="triangle" w="lg" len="lg"/>
+          </a:ln>
+          <a:effectLst/>
+          <a:extLst>
+            <a:ext uri="{AF507438-7753-43E0-B8FC-AC1667EBCBE1}">
+              <a14:hiddenEffects xmlns:a14="http://schemas.microsoft.com/office/drawing/2010/main">
+                <a:effectLst>
+                  <a:outerShdw dist="35921" dir="2700000" algn="ctr" rotWithShape="0">
+                    <a:schemeClr val="bg2"/>
+                  </a:outerShdw>
+                </a:effectLst>
+              </a14:hiddenEffects>
+            </a:ext>
+          </a:extLst>
+        </p:spPr>
+      </p:cxnSp>
+      <p:cxnSp>
+        <p:nvCxnSpPr>
+          <p:cNvPr id="9" name="Connector: Curved 8"/>
+          <p:cNvCxnSpPr>
+            <a:stCxn id="5" idx="3"/>
+            <a:endCxn id="2" idx="5"/>
+          </p:cNvCxnSpPr>
+          <p:nvPr/>
+        </p:nvCxnSpPr>
+        <p:spPr bwMode="auto">
+          <a:xfrm rot="5400000">
+            <a:off x="6177800" y="3514940"/>
+            <a:ext cx="2" cy="3424519"/>
+          </a:xfrm>
+          <a:prstGeom prst="curvedConnector3">
+            <a:avLst>
+              <a:gd name="adj1" fmla="val 24856700000"/>
+            </a:avLst>
+          </a:prstGeom>
+          <a:solidFill>
+            <a:schemeClr val="accent1"/>
+          </a:solidFill>
+          <a:ln w="9525" cap="flat" cmpd="sng" algn="ctr">
+            <a:solidFill>
+              <a:schemeClr val="tx1"/>
+            </a:solidFill>
+            <a:prstDash val="solid"/>
+            <a:round/>
+            <a:headEnd type="none" w="med" len="med"/>
+            <a:tailEnd type="triangle" w="lg" len="lg"/>
+          </a:ln>
+          <a:effectLst/>
+          <a:extLst>
+            <a:ext uri="{AF507438-7753-43E0-B8FC-AC1667EBCBE1}">
+              <a14:hiddenEffects xmlns:a14="http://schemas.microsoft.com/office/drawing/2010/main">
+                <a:effectLst>
+                  <a:outerShdw dist="35921" dir="2700000" algn="ctr" rotWithShape="0">
+                    <a:schemeClr val="bg2"/>
+                  </a:outerShdw>
+                </a:effectLst>
+              </a14:hiddenEffects>
+            </a:ext>
+          </a:extLst>
+        </p:spPr>
+      </p:cxnSp>
+      <p:cxnSp>
+        <p:nvCxnSpPr>
+          <p:cNvPr id="7" name="Straight Arrow Connector 6"/>
+          <p:cNvCxnSpPr/>
+          <p:nvPr/>
+        </p:nvCxnSpPr>
+        <p:spPr bwMode="auto">
+          <a:xfrm>
+            <a:off x="8444733" y="2179320"/>
+            <a:ext cx="0" cy="1482762"/>
+          </a:xfrm>
+          <a:prstGeom prst="straightConnector1">
+            <a:avLst/>
+          </a:prstGeom>
+          <a:solidFill>
+            <a:schemeClr val="accent1"/>
+          </a:solidFill>
+          <a:ln w="25400" cap="flat" cmpd="sng" algn="ctr">
+            <a:solidFill>
+              <a:schemeClr val="tx1"/>
+            </a:solidFill>
+            <a:prstDash val="solid"/>
+            <a:round/>
+            <a:headEnd type="oval" w="med" len="med"/>
+            <a:tailEnd type="arrow" w="lg" len="lg"/>
+          </a:ln>
+          <a:effectLst/>
+          <a:extLst>
+            <a:ext uri="{AF507438-7753-43E0-B8FC-AC1667EBCBE1}">
+              <a14:hiddenEffects xmlns:a14="http://schemas.microsoft.com/office/drawing/2010/main">
+                <a:effectLst>
+                  <a:outerShdw dist="35921" dir="2700000" algn="ctr" rotWithShape="0">
+                    <a:schemeClr val="bg2"/>
+                  </a:outerShdw>
+                </a:effectLst>
+              </a14:hiddenEffects>
+            </a:ext>
+          </a:extLst>
+        </p:spPr>
+      </p:cxnSp>
+      <p:sp>
+        <p:nvSpPr>
+          <p:cNvPr id="8" name="TextBox 7"/>
+          <p:cNvSpPr txBox="1"/>
+          <p:nvPr/>
+        </p:nvSpPr>
+        <p:spPr>
+          <a:xfrm>
+            <a:off x="7973645" y="1532988"/>
+            <a:ext cx="1044260" cy="646331"/>
+          </a:xfrm>
+          <a:prstGeom prst="rect">
+            <a:avLst/>
+          </a:prstGeom>
+          <a:noFill/>
+        </p:spPr>
+        <p:txBody>
+          <a:bodyPr wrap="none" rtlCol="0">
+            <a:spAutoFit/>
+          </a:bodyPr>
+          <a:lstStyle/>
+          <a:p>
+            <a:r>
+              <a:rPr lang="en-US" sz="3600" dirty="0"/>
+              <a:t>start</a:t>
+            </a:r>
+          </a:p>
+        </p:txBody>
+      </p:sp>
+      <p:sp>
+        <p:nvSpPr>
+          <p:cNvPr id="3" name="Title 2"/>
+          <p:cNvSpPr>
+            <a:spLocks noGrp="1"/>
+          </p:cNvSpPr>
+          <p:nvPr>
+            <p:ph type="title"/>
+          </p:nvPr>
+        </p:nvSpPr>
+        <p:spPr/>
+        <p:txBody>
+          <a:bodyPr/>
+          <a:lstStyle/>
+          <a:p>
+            <a:pPr algn="ctr"/>
+            <a:r>
+              <a:rPr lang="en-US" dirty="0"/>
+              <a:t>Explicit Consent</a:t>
+            </a:r>
+          </a:p>
+        </p:txBody>
+      </p:sp>
+      <p:sp>
+        <p:nvSpPr>
+          <p:cNvPr id="10" name="TextBox 9"/>
+          <p:cNvSpPr txBox="1"/>
+          <p:nvPr/>
+        </p:nvSpPr>
+        <p:spPr>
+          <a:xfrm>
+            <a:off x="5313718" y="2916010"/>
+            <a:ext cx="856004" cy="369332"/>
+          </a:xfrm>
+          <a:prstGeom prst="rect">
+            <a:avLst/>
+          </a:prstGeom>
+          <a:noFill/>
+        </p:spPr>
+        <p:txBody>
+          <a:bodyPr wrap="none" rtlCol="0">
+            <a:spAutoFit/>
+          </a:bodyPr>
+          <a:lstStyle/>
+          <a:p>
+            <a:r>
+              <a:rPr lang="en-US" dirty="0"/>
+              <a:t>Revoke</a:t>
+            </a:r>
+          </a:p>
+        </p:txBody>
+      </p:sp>
+      <p:sp>
+        <p:nvSpPr>
+          <p:cNvPr id="11" name="TextBox 10"/>
+          <p:cNvSpPr txBox="1"/>
+          <p:nvPr/>
+        </p:nvSpPr>
+        <p:spPr>
+          <a:xfrm>
+            <a:off x="5451371" y="5227197"/>
+            <a:ext cx="1094787" cy="369332"/>
+          </a:xfrm>
+          <a:prstGeom prst="rect">
+            <a:avLst/>
+          </a:prstGeom>
+          <a:noFill/>
+        </p:spPr>
+        <p:txBody>
+          <a:bodyPr wrap="none" rtlCol="0">
+            <a:spAutoFit/>
+          </a:bodyPr>
+          <a:lstStyle/>
+          <a:p>
+            <a:r>
+              <a:rPr lang="en-US" dirty="0"/>
+              <a:t>Authorize</a:t>
+            </a:r>
+          </a:p>
+        </p:txBody>
+      </p:sp>
+    </p:spTree>
+    <p:extLst>
+      <p:ext uri="{BB962C8B-B14F-4D97-AF65-F5344CB8AC3E}">
+        <p14:creationId xmlns:p14="http://schemas.microsoft.com/office/powerpoint/2010/main" val="1989594453"/>
+      </p:ext>
+    </p:extLst>
+  </p:cSld>
+  <p:clrMapOvr>
+    <a:masterClrMapping/>
+  </p:clrMapOvr>
+</p:sld>
+</file>
+
+<file path=ppt/slides/slide7.xml><?xml version="1.0" encoding="utf-8"?>
+<p:sld xmlns:a="http://schemas.openxmlformats.org/drawingml/2006/main" xmlns:r="http://schemas.openxmlformats.org/officeDocument/2006/relationships" xmlns:p="http://schemas.openxmlformats.org/presentationml/2006/main">
+  <p:cSld>
+    <p:spTree>
+      <p:nvGrpSpPr>
+        <p:cNvPr id="1" name=""/>
+        <p:cNvGrpSpPr/>
+        <p:nvPr/>
+      </p:nvGrpSpPr>
+      <p:grpSpPr>
+        <a:xfrm>
+          <a:off x="0" y="0"/>
+          <a:ext cx="0" cy="0"/>
+          <a:chOff x="0" y="0"/>
+          <a:chExt cx="0" cy="0"/>
+        </a:xfrm>
+      </p:grpSpPr>
+      <p:sp>
+        <p:nvSpPr>
+          <p:cNvPr id="2" name="Oval 1"/>
+          <p:cNvSpPr/>
+          <p:nvPr/>
+        </p:nvSpPr>
+        <p:spPr bwMode="auto">
+          <a:xfrm>
+            <a:off x="2988866" y="3662081"/>
+            <a:ext cx="1730033" cy="1833650"/>
+          </a:xfrm>
+          <a:prstGeom prst="ellipse">
+            <a:avLst/>
+          </a:prstGeom>
+          <a:solidFill>
+            <a:srgbClr val="00B050"/>
+          </a:solidFill>
+          <a:ln w="9525" cap="flat" cmpd="sng" algn="ctr">
+            <a:solidFill>
+              <a:srgbClr val="002060"/>
+            </a:solidFill>
+            <a:prstDash val="solid"/>
+            <a:round/>
+            <a:headEnd type="none" w="med" len="med"/>
+            <a:tailEnd type="none" w="med" len="med"/>
+          </a:ln>
+          <a:effectLst/>
+        </p:spPr>
+        <p:txBody>
+          <a:bodyPr vert="horz" wrap="square" lIns="91440" tIns="45720" rIns="91440" bIns="45720" numCol="1" rtlCol="0" anchor="ctr" anchorCtr="0" compatLnSpc="1">
+            <a:prstTxWarp prst="textNoShape">
+              <a:avLst/>
+            </a:prstTxWarp>
+          </a:bodyPr>
+          <a:lstStyle/>
+          <a:p>
+            <a:pPr algn="ctr" eaLnBrk="0" fontAlgn="base" hangingPunct="0">
+              <a:spcBef>
+                <a:spcPct val="0"/>
+              </a:spcBef>
+              <a:spcAft>
+                <a:spcPct val="0"/>
+              </a:spcAft>
+            </a:pPr>
+            <a:r>
+              <a:rPr lang="en-US" sz="2800" dirty="0">
+                <a:solidFill>
+                  <a:srgbClr val="002060"/>
+                </a:solidFill>
+                <a:latin typeface="GE Inspira Pitch" pitchFamily="34" charset="0"/>
+              </a:rPr>
+              <a:t>Permit</a:t>
+            </a:r>
+            <a:endParaRPr lang="en-US" sz="1600" dirty="0">
+              <a:solidFill>
+                <a:srgbClr val="002060"/>
+              </a:solidFill>
+              <a:latin typeface="GE Inspira Pitch" pitchFamily="34" charset="0"/>
+            </a:endParaRPr>
+          </a:p>
+        </p:txBody>
+      </p:sp>
+      <p:sp>
+        <p:nvSpPr>
+          <p:cNvPr id="5" name="Oval 4"/>
+          <p:cNvSpPr/>
+          <p:nvPr/>
+        </p:nvSpPr>
+        <p:spPr bwMode="auto">
+          <a:xfrm>
+            <a:off x="7639166" y="3662081"/>
+            <a:ext cx="1713219" cy="1833648"/>
+          </a:xfrm>
+          <a:prstGeom prst="ellipse">
+            <a:avLst/>
+          </a:prstGeom>
+          <a:solidFill>
+            <a:srgbClr val="FF0000"/>
+          </a:solidFill>
+          <a:ln w="9525" cap="flat" cmpd="sng" algn="ctr">
+            <a:solidFill>
+              <a:srgbClr val="002060"/>
+            </a:solidFill>
+            <a:prstDash val="solid"/>
+            <a:round/>
+            <a:headEnd type="none" w="med" len="med"/>
+            <a:tailEnd type="none" w="med" len="med"/>
+          </a:ln>
+          <a:effectLst/>
+        </p:spPr>
+        <p:txBody>
+          <a:bodyPr vert="horz" wrap="square" lIns="91440" tIns="45720" rIns="91440" bIns="45720" numCol="1" rtlCol="0" anchor="ctr" anchorCtr="0" compatLnSpc="1">
+            <a:prstTxWarp prst="textNoShape">
+              <a:avLst/>
+            </a:prstTxWarp>
+          </a:bodyPr>
+          <a:lstStyle/>
+          <a:p>
+            <a:pPr algn="ctr" eaLnBrk="0" fontAlgn="base" hangingPunct="0">
+              <a:spcBef>
+                <a:spcPct val="0"/>
+              </a:spcBef>
+              <a:spcAft>
+                <a:spcPct val="0"/>
+              </a:spcAft>
+            </a:pPr>
+            <a:r>
+              <a:rPr lang="en-US" sz="2800" dirty="0">
+                <a:solidFill>
+                  <a:srgbClr val="002060"/>
+                </a:solidFill>
+                <a:latin typeface="GE Inspira Pitch" pitchFamily="34" charset="0"/>
+              </a:rPr>
+              <a:t>Deny</a:t>
+            </a:r>
+            <a:endParaRPr lang="en-US" sz="1000" dirty="0">
+              <a:solidFill>
+                <a:srgbClr val="002060"/>
+              </a:solidFill>
+              <a:latin typeface="GE Inspira Pitch" pitchFamily="34" charset="0"/>
+            </a:endParaRPr>
+          </a:p>
+        </p:txBody>
+      </p:sp>
+      <p:cxnSp>
+        <p:nvCxnSpPr>
+          <p:cNvPr id="6" name="Connector: Curved 5"/>
+          <p:cNvCxnSpPr>
+            <a:cxnSpLocks/>
+            <a:stCxn id="2" idx="7"/>
+            <a:endCxn id="5" idx="1"/>
+          </p:cNvCxnSpPr>
+          <p:nvPr/>
+        </p:nvCxnSpPr>
+        <p:spPr bwMode="auto">
+          <a:xfrm rot="5400000" flipH="1" flipV="1">
+            <a:off x="6177800" y="2218355"/>
+            <a:ext cx="12700" cy="3424519"/>
+          </a:xfrm>
+          <a:prstGeom prst="curvedConnector3">
+            <a:avLst>
+              <a:gd name="adj1" fmla="val 3914425"/>
+            </a:avLst>
+          </a:prstGeom>
+          <a:solidFill>
+            <a:schemeClr val="accent1"/>
+          </a:solidFill>
+          <a:ln w="9525" cap="flat" cmpd="sng" algn="ctr">
+            <a:solidFill>
+              <a:schemeClr val="tx1"/>
+            </a:solidFill>
+            <a:prstDash val="solid"/>
+            <a:round/>
+            <a:headEnd type="none" w="med" len="med"/>
+            <a:tailEnd type="triangle" w="lg" len="lg"/>
+          </a:ln>
+          <a:effectLst/>
+          <a:extLst>
+            <a:ext uri="{AF507438-7753-43E0-B8FC-AC1667EBCBE1}">
+              <a14:hiddenEffects xmlns:a14="http://schemas.microsoft.com/office/drawing/2010/main">
+                <a:effectLst>
+                  <a:outerShdw dist="35921" dir="2700000" algn="ctr" rotWithShape="0">
+                    <a:schemeClr val="bg2"/>
+                  </a:outerShdw>
+                </a:effectLst>
+              </a14:hiddenEffects>
+            </a:ext>
+          </a:extLst>
+        </p:spPr>
+      </p:cxnSp>
+      <p:cxnSp>
+        <p:nvCxnSpPr>
+          <p:cNvPr id="9" name="Connector: Curved 8"/>
+          <p:cNvCxnSpPr>
+            <a:stCxn id="5" idx="3"/>
+            <a:endCxn id="2" idx="5"/>
+          </p:cNvCxnSpPr>
+          <p:nvPr/>
+        </p:nvCxnSpPr>
+        <p:spPr bwMode="auto">
+          <a:xfrm rot="5400000">
+            <a:off x="6177800" y="3514940"/>
+            <a:ext cx="2" cy="3424519"/>
+          </a:xfrm>
+          <a:prstGeom prst="curvedConnector3">
+            <a:avLst>
+              <a:gd name="adj1" fmla="val 24856700000"/>
+            </a:avLst>
+          </a:prstGeom>
+          <a:solidFill>
+            <a:schemeClr val="accent1"/>
+          </a:solidFill>
+          <a:ln w="9525" cap="flat" cmpd="sng" algn="ctr">
+            <a:solidFill>
+              <a:schemeClr val="tx1"/>
+            </a:solidFill>
+            <a:prstDash val="solid"/>
+            <a:round/>
+            <a:headEnd type="none" w="med" len="med"/>
+            <a:tailEnd type="triangle" w="lg" len="lg"/>
+          </a:ln>
+          <a:effectLst/>
+          <a:extLst>
+            <a:ext uri="{AF507438-7753-43E0-B8FC-AC1667EBCBE1}">
+              <a14:hiddenEffects xmlns:a14="http://schemas.microsoft.com/office/drawing/2010/main">
+                <a:effectLst>
+                  <a:outerShdw dist="35921" dir="2700000" algn="ctr" rotWithShape="0">
+                    <a:schemeClr val="bg2"/>
+                  </a:outerShdw>
+                </a:effectLst>
+              </a14:hiddenEffects>
+            </a:ext>
+          </a:extLst>
+        </p:spPr>
+      </p:cxnSp>
+      <p:cxnSp>
+        <p:nvCxnSpPr>
+          <p:cNvPr id="7" name="Straight Arrow Connector 6"/>
+          <p:cNvCxnSpPr/>
+          <p:nvPr/>
+        </p:nvCxnSpPr>
+        <p:spPr bwMode="auto">
+          <a:xfrm>
+            <a:off x="3881435" y="2403429"/>
+            <a:ext cx="0" cy="1258653"/>
+          </a:xfrm>
+          <a:prstGeom prst="straightConnector1">
+            <a:avLst/>
+          </a:prstGeom>
+          <a:solidFill>
+            <a:schemeClr val="accent1"/>
+          </a:solidFill>
+          <a:ln w="25400" cap="flat" cmpd="sng" algn="ctr">
+            <a:solidFill>
+              <a:schemeClr val="tx1"/>
+            </a:solidFill>
+            <a:prstDash val="solid"/>
+            <a:round/>
+            <a:headEnd type="oval" w="med" len="med"/>
+            <a:tailEnd type="arrow" w="lg" len="lg"/>
+          </a:ln>
+          <a:effectLst/>
+          <a:extLst>
+            <a:ext uri="{AF507438-7753-43E0-B8FC-AC1667EBCBE1}">
+              <a14:hiddenEffects xmlns:a14="http://schemas.microsoft.com/office/drawing/2010/main">
+                <a:effectLst>
+                  <a:outerShdw dist="35921" dir="2700000" algn="ctr" rotWithShape="0">
+                    <a:schemeClr val="bg2"/>
+                  </a:outerShdw>
+                </a:effectLst>
+              </a14:hiddenEffects>
+            </a:ext>
+          </a:extLst>
+        </p:spPr>
+      </p:cxnSp>
+      <p:sp>
+        <p:nvSpPr>
+          <p:cNvPr id="8" name="TextBox 7"/>
+          <p:cNvSpPr txBox="1"/>
+          <p:nvPr/>
+        </p:nvSpPr>
+        <p:spPr>
+          <a:xfrm>
+            <a:off x="3331752" y="1706888"/>
+            <a:ext cx="1044260" cy="646331"/>
+          </a:xfrm>
+          <a:prstGeom prst="rect">
+            <a:avLst/>
+          </a:prstGeom>
+          <a:noFill/>
+        </p:spPr>
+        <p:txBody>
+          <a:bodyPr wrap="none" rtlCol="0">
+            <a:spAutoFit/>
+          </a:bodyPr>
+          <a:lstStyle/>
+          <a:p>
+            <a:r>
+              <a:rPr lang="en-US" sz="3600" dirty="0"/>
+              <a:t>start</a:t>
+            </a:r>
+          </a:p>
+        </p:txBody>
+      </p:sp>
+      <p:sp>
+        <p:nvSpPr>
+          <p:cNvPr id="10" name="TextBox 9"/>
+          <p:cNvSpPr txBox="1"/>
+          <p:nvPr/>
+        </p:nvSpPr>
+        <p:spPr>
+          <a:xfrm>
+            <a:off x="5313718" y="2916010"/>
+            <a:ext cx="856004" cy="369332"/>
+          </a:xfrm>
+          <a:prstGeom prst="rect">
+            <a:avLst/>
+          </a:prstGeom>
+          <a:noFill/>
+        </p:spPr>
+        <p:txBody>
+          <a:bodyPr wrap="none" rtlCol="0">
+            <a:spAutoFit/>
+          </a:bodyPr>
+          <a:lstStyle/>
+          <a:p>
+            <a:r>
+              <a:rPr lang="en-US" dirty="0"/>
+              <a:t>Revoke</a:t>
+            </a:r>
+          </a:p>
+        </p:txBody>
+      </p:sp>
+      <p:sp>
+        <p:nvSpPr>
+          <p:cNvPr id="11" name="TextBox 10"/>
+          <p:cNvSpPr txBox="1"/>
+          <p:nvPr/>
+        </p:nvSpPr>
+        <p:spPr>
+          <a:xfrm>
+            <a:off x="5451371" y="5227197"/>
+            <a:ext cx="1094787" cy="369332"/>
+          </a:xfrm>
+          <a:prstGeom prst="rect">
+            <a:avLst/>
+          </a:prstGeom>
+          <a:noFill/>
+        </p:spPr>
+        <p:txBody>
+          <a:bodyPr wrap="none" rtlCol="0">
+            <a:spAutoFit/>
+          </a:bodyPr>
+          <a:lstStyle/>
+          <a:p>
+            <a:r>
+              <a:rPr lang="en-US" dirty="0"/>
+              <a:t>Authorize</a:t>
+            </a:r>
+          </a:p>
+        </p:txBody>
+      </p:sp>
+      <p:sp>
+        <p:nvSpPr>
+          <p:cNvPr id="3" name="Title 2"/>
+          <p:cNvSpPr>
+            <a:spLocks noGrp="1"/>
+          </p:cNvSpPr>
+          <p:nvPr>
+            <p:ph type="title"/>
+          </p:nvPr>
+        </p:nvSpPr>
+        <p:spPr/>
+        <p:txBody>
+          <a:bodyPr/>
+          <a:lstStyle/>
+          <a:p>
+            <a:pPr algn="ctr"/>
+            <a:r>
+              <a:rPr lang="en-US" dirty="0"/>
+              <a:t>Implied Consent</a:t>
+            </a:r>
+          </a:p>
+        </p:txBody>
+      </p:sp>
+    </p:spTree>
+    <p:extLst>
+      <p:ext uri="{BB962C8B-B14F-4D97-AF65-F5344CB8AC3E}">
+        <p14:creationId xmlns:p14="http://schemas.microsoft.com/office/powerpoint/2010/main" val="1250645787"/>
+      </p:ext>
+    </p:extLst>
+  </p:cSld>
+  <p:clrMapOvr>
+    <a:masterClrMapping/>
+  </p:clrMapOvr>
+</p:sld>
+</file>
+
 <file path=ppt/theme/theme1.xml><?xml version="1.0" encoding="utf-8"?>
 <a:theme xmlns:a="http://schemas.openxmlformats.org/drawingml/2006/main" name="Office Theme">
   <a:themeElements>

--- a/MHDS/Diagrams.pptx
+++ b/MHDS/Diagrams.pptx
@@ -12,6 +12,7 @@
     <p:sldId id="261" r:id="rId6"/>
     <p:sldId id="274" r:id="rId7"/>
     <p:sldId id="275" r:id="rId8"/>
+    <p:sldId id="276" r:id="rId9"/>
   </p:sldIdLst>
   <p:sldSz cx="12192000" cy="6858000"/>
   <p:notesSz cx="6858000" cy="9144000"/>
@@ -10272,6 +10273,768 @@
 </p:sld>
 </file>
 
+<file path=ppt/slides/slide8.xml><?xml version="1.0" encoding="utf-8"?>
+<p:sld xmlns:a="http://schemas.openxmlformats.org/drawingml/2006/main" xmlns:r="http://schemas.openxmlformats.org/officeDocument/2006/relationships" xmlns:p="http://schemas.openxmlformats.org/presentationml/2006/main">
+  <p:cSld>
+    <p:spTree>
+      <p:nvGrpSpPr>
+        <p:cNvPr id="1" name=""/>
+        <p:cNvGrpSpPr/>
+        <p:nvPr/>
+      </p:nvGrpSpPr>
+      <p:grpSpPr>
+        <a:xfrm>
+          <a:off x="0" y="0"/>
+          <a:ext cx="0" cy="0"/>
+          <a:chOff x="0" y="0"/>
+          <a:chExt cx="0" cy="0"/>
+        </a:xfrm>
+      </p:grpSpPr>
+      <p:sp>
+        <p:nvSpPr>
+          <p:cNvPr id="2" name="Oval 1"/>
+          <p:cNvSpPr/>
+          <p:nvPr/>
+        </p:nvSpPr>
+        <p:spPr bwMode="auto">
+          <a:xfrm>
+            <a:off x="687627" y="3696966"/>
+            <a:ext cx="1056034" cy="1266084"/>
+          </a:xfrm>
+          <a:prstGeom prst="ellipse">
+            <a:avLst/>
+          </a:prstGeom>
+          <a:solidFill>
+            <a:srgbClr val="00B050"/>
+          </a:solidFill>
+          <a:ln w="9525" cap="flat" cmpd="sng" algn="ctr">
+            <a:solidFill>
+              <a:srgbClr val="002060"/>
+            </a:solidFill>
+            <a:prstDash val="solid"/>
+            <a:round/>
+            <a:headEnd type="none" w="med" len="med"/>
+            <a:tailEnd type="none" w="med" len="med"/>
+          </a:ln>
+          <a:effectLst/>
+        </p:spPr>
+        <p:txBody>
+          <a:bodyPr vert="horz" wrap="square" lIns="91440" tIns="45720" rIns="91440" bIns="45720" numCol="1" rtlCol="0" anchor="ctr" anchorCtr="0" compatLnSpc="1">
+            <a:prstTxWarp prst="textNoShape">
+              <a:avLst/>
+            </a:prstTxWarp>
+          </a:bodyPr>
+          <a:lstStyle/>
+          <a:p>
+            <a:pPr algn="ctr" eaLnBrk="0" fontAlgn="base" hangingPunct="0">
+              <a:spcBef>
+                <a:spcPct val="0"/>
+              </a:spcBef>
+              <a:spcAft>
+                <a:spcPct val="0"/>
+              </a:spcAft>
+            </a:pPr>
+            <a:r>
+              <a:rPr lang="en-US" sz="1600" dirty="0">
+                <a:solidFill>
+                  <a:srgbClr val="002060"/>
+                </a:solidFill>
+                <a:latin typeface="GE Inspira Pitch" pitchFamily="34" charset="0"/>
+              </a:rPr>
+              <a:t>Permit</a:t>
+            </a:r>
+            <a:endParaRPr lang="en-US" sz="1050" dirty="0">
+              <a:solidFill>
+                <a:srgbClr val="002060"/>
+              </a:solidFill>
+              <a:latin typeface="GE Inspira Pitch" pitchFamily="34" charset="0"/>
+            </a:endParaRPr>
+          </a:p>
+        </p:txBody>
+      </p:sp>
+      <p:sp>
+        <p:nvSpPr>
+          <p:cNvPr id="5" name="Oval 4"/>
+          <p:cNvSpPr/>
+          <p:nvPr/>
+        </p:nvSpPr>
+        <p:spPr bwMode="auto">
+          <a:xfrm>
+            <a:off x="3526230" y="3696966"/>
+            <a:ext cx="1045771" cy="1266083"/>
+          </a:xfrm>
+          <a:prstGeom prst="ellipse">
+            <a:avLst/>
+          </a:prstGeom>
+          <a:solidFill>
+            <a:srgbClr val="FF0000"/>
+          </a:solidFill>
+          <a:ln w="9525" cap="flat" cmpd="sng" algn="ctr">
+            <a:solidFill>
+              <a:srgbClr val="002060"/>
+            </a:solidFill>
+            <a:prstDash val="solid"/>
+            <a:round/>
+            <a:headEnd type="none" w="med" len="med"/>
+            <a:tailEnd type="none" w="med" len="med"/>
+          </a:ln>
+          <a:effectLst/>
+        </p:spPr>
+        <p:txBody>
+          <a:bodyPr vert="horz" wrap="square" lIns="91440" tIns="45720" rIns="91440" bIns="45720" numCol="1" rtlCol="0" anchor="ctr" anchorCtr="0" compatLnSpc="1">
+            <a:prstTxWarp prst="textNoShape">
+              <a:avLst/>
+            </a:prstTxWarp>
+          </a:bodyPr>
+          <a:lstStyle/>
+          <a:p>
+            <a:pPr algn="ctr" eaLnBrk="0" fontAlgn="base" hangingPunct="0">
+              <a:spcBef>
+                <a:spcPct val="0"/>
+              </a:spcBef>
+              <a:spcAft>
+                <a:spcPct val="0"/>
+              </a:spcAft>
+            </a:pPr>
+            <a:r>
+              <a:rPr lang="en-US" sz="1600" dirty="0">
+                <a:solidFill>
+                  <a:srgbClr val="002060"/>
+                </a:solidFill>
+                <a:latin typeface="GE Inspira Pitch" pitchFamily="34" charset="0"/>
+              </a:rPr>
+              <a:t>Deny</a:t>
+            </a:r>
+            <a:endParaRPr lang="en-US" sz="700" dirty="0">
+              <a:solidFill>
+                <a:srgbClr val="002060"/>
+              </a:solidFill>
+              <a:latin typeface="GE Inspira Pitch" pitchFamily="34" charset="0"/>
+            </a:endParaRPr>
+          </a:p>
+        </p:txBody>
+      </p:sp>
+      <p:cxnSp>
+        <p:nvCxnSpPr>
+          <p:cNvPr id="6" name="Connector: Curved 5"/>
+          <p:cNvCxnSpPr>
+            <a:cxnSpLocks/>
+            <a:stCxn id="2" idx="7"/>
+            <a:endCxn id="5" idx="1"/>
+          </p:cNvCxnSpPr>
+          <p:nvPr/>
+        </p:nvCxnSpPr>
+        <p:spPr bwMode="auto">
+          <a:xfrm rot="5400000" flipH="1" flipV="1">
+            <a:off x="2633685" y="2837196"/>
+            <a:ext cx="8769" cy="2090371"/>
+          </a:xfrm>
+          <a:prstGeom prst="curvedConnector3">
+            <a:avLst>
+              <a:gd name="adj1" fmla="val 3914425"/>
+            </a:avLst>
+          </a:prstGeom>
+          <a:solidFill>
+            <a:schemeClr val="accent1"/>
+          </a:solidFill>
+          <a:ln w="9525" cap="flat" cmpd="sng" algn="ctr">
+            <a:solidFill>
+              <a:schemeClr val="tx1"/>
+            </a:solidFill>
+            <a:prstDash val="solid"/>
+            <a:round/>
+            <a:headEnd type="none" w="med" len="med"/>
+            <a:tailEnd type="triangle" w="lg" len="lg"/>
+          </a:ln>
+          <a:effectLst/>
+          <a:extLst>
+            <a:ext uri="{AF507438-7753-43E0-B8FC-AC1667EBCBE1}">
+              <a14:hiddenEffects xmlns:a14="http://schemas.microsoft.com/office/drawing/2010/main">
+                <a:effectLst>
+                  <a:outerShdw dist="35921" dir="2700000" algn="ctr" rotWithShape="0">
+                    <a:schemeClr val="bg2"/>
+                  </a:outerShdw>
+                </a:effectLst>
+              </a14:hiddenEffects>
+            </a:ext>
+          </a:extLst>
+        </p:spPr>
+      </p:cxnSp>
+      <p:cxnSp>
+        <p:nvCxnSpPr>
+          <p:cNvPr id="9" name="Connector: Curved 8"/>
+          <p:cNvCxnSpPr>
+            <a:stCxn id="5" idx="3"/>
+            <a:endCxn id="2" idx="5"/>
+          </p:cNvCxnSpPr>
+          <p:nvPr/>
+        </p:nvCxnSpPr>
+        <p:spPr bwMode="auto">
+          <a:xfrm rot="5400000">
+            <a:off x="2634193" y="3732452"/>
+            <a:ext cx="1" cy="2090371"/>
+          </a:xfrm>
+          <a:prstGeom prst="curvedConnector3">
+            <a:avLst>
+              <a:gd name="adj1" fmla="val 24856700000"/>
+            </a:avLst>
+          </a:prstGeom>
+          <a:solidFill>
+            <a:schemeClr val="accent1"/>
+          </a:solidFill>
+          <a:ln w="9525" cap="flat" cmpd="sng" algn="ctr">
+            <a:solidFill>
+              <a:schemeClr val="tx1"/>
+            </a:solidFill>
+            <a:prstDash val="solid"/>
+            <a:round/>
+            <a:headEnd type="none" w="med" len="med"/>
+            <a:tailEnd type="triangle" w="lg" len="lg"/>
+          </a:ln>
+          <a:effectLst/>
+          <a:extLst>
+            <a:ext uri="{AF507438-7753-43E0-B8FC-AC1667EBCBE1}">
+              <a14:hiddenEffects xmlns:a14="http://schemas.microsoft.com/office/drawing/2010/main">
+                <a:effectLst>
+                  <a:outerShdw dist="35921" dir="2700000" algn="ctr" rotWithShape="0">
+                    <a:schemeClr val="bg2"/>
+                  </a:outerShdw>
+                </a:effectLst>
+              </a14:hiddenEffects>
+            </a:ext>
+          </a:extLst>
+        </p:spPr>
+      </p:cxnSp>
+      <p:cxnSp>
+        <p:nvCxnSpPr>
+          <p:cNvPr id="7" name="Straight Arrow Connector 6"/>
+          <p:cNvCxnSpPr/>
+          <p:nvPr/>
+        </p:nvCxnSpPr>
+        <p:spPr bwMode="auto">
+          <a:xfrm>
+            <a:off x="1232463" y="2827902"/>
+            <a:ext cx="0" cy="869065"/>
+          </a:xfrm>
+          <a:prstGeom prst="straightConnector1">
+            <a:avLst/>
+          </a:prstGeom>
+          <a:solidFill>
+            <a:schemeClr val="accent1"/>
+          </a:solidFill>
+          <a:ln w="25400" cap="flat" cmpd="sng" algn="ctr">
+            <a:solidFill>
+              <a:schemeClr val="tx1"/>
+            </a:solidFill>
+            <a:prstDash val="solid"/>
+            <a:round/>
+            <a:headEnd type="oval" w="med" len="med"/>
+            <a:tailEnd type="arrow" w="lg" len="lg"/>
+          </a:ln>
+          <a:effectLst/>
+          <a:extLst>
+            <a:ext uri="{AF507438-7753-43E0-B8FC-AC1667EBCBE1}">
+              <a14:hiddenEffects xmlns:a14="http://schemas.microsoft.com/office/drawing/2010/main">
+                <a:effectLst>
+                  <a:outerShdw dist="35921" dir="2700000" algn="ctr" rotWithShape="0">
+                    <a:schemeClr val="bg2"/>
+                  </a:outerShdw>
+                </a:effectLst>
+              </a14:hiddenEffects>
+            </a:ext>
+          </a:extLst>
+        </p:spPr>
+      </p:cxnSp>
+      <p:sp>
+        <p:nvSpPr>
+          <p:cNvPr id="8" name="TextBox 7"/>
+          <p:cNvSpPr txBox="1"/>
+          <p:nvPr/>
+        </p:nvSpPr>
+        <p:spPr>
+          <a:xfrm>
+            <a:off x="394009" y="2349102"/>
+            <a:ext cx="3795463" cy="584775"/>
+          </a:xfrm>
+          <a:prstGeom prst="rect">
+            <a:avLst/>
+          </a:prstGeom>
+          <a:noFill/>
+        </p:spPr>
+        <p:txBody>
+          <a:bodyPr wrap="none" rtlCol="0">
+            <a:spAutoFit/>
+          </a:bodyPr>
+          <a:lstStyle/>
+          <a:p>
+            <a:r>
+              <a:rPr lang="en-US" sz="3200" dirty="0"/>
+              <a:t>Implied Consent Start</a:t>
+            </a:r>
+          </a:p>
+        </p:txBody>
+      </p:sp>
+      <p:sp>
+        <p:nvSpPr>
+          <p:cNvPr id="10" name="TextBox 9"/>
+          <p:cNvSpPr txBox="1"/>
+          <p:nvPr/>
+        </p:nvSpPr>
+        <p:spPr>
+          <a:xfrm>
+            <a:off x="2106747" y="3181825"/>
+            <a:ext cx="783869" cy="338554"/>
+          </a:xfrm>
+          <a:prstGeom prst="rect">
+            <a:avLst/>
+          </a:prstGeom>
+          <a:noFill/>
+        </p:spPr>
+        <p:txBody>
+          <a:bodyPr wrap="none" rtlCol="0">
+            <a:spAutoFit/>
+          </a:bodyPr>
+          <a:lstStyle/>
+          <a:p>
+            <a:r>
+              <a:rPr lang="en-US" sz="1600" dirty="0"/>
+              <a:t>Revoke</a:t>
+            </a:r>
+          </a:p>
+        </p:txBody>
+      </p:sp>
+      <p:sp>
+        <p:nvSpPr>
+          <p:cNvPr id="11" name="TextBox 10"/>
+          <p:cNvSpPr txBox="1"/>
+          <p:nvPr/>
+        </p:nvSpPr>
+        <p:spPr>
+          <a:xfrm>
+            <a:off x="2147854" y="4663750"/>
+            <a:ext cx="994375" cy="338554"/>
+          </a:xfrm>
+          <a:prstGeom prst="rect">
+            <a:avLst/>
+          </a:prstGeom>
+          <a:noFill/>
+        </p:spPr>
+        <p:txBody>
+          <a:bodyPr wrap="none" rtlCol="0">
+            <a:spAutoFit/>
+          </a:bodyPr>
+          <a:lstStyle/>
+          <a:p>
+            <a:r>
+              <a:rPr lang="en-US" sz="1600" dirty="0"/>
+              <a:t>Authorize</a:t>
+            </a:r>
+          </a:p>
+        </p:txBody>
+      </p:sp>
+      <p:sp>
+        <p:nvSpPr>
+          <p:cNvPr id="12" name="Oval 11">
+            <a:extLst>
+              <a:ext uri="{FF2B5EF4-FFF2-40B4-BE49-F238E27FC236}">
+                <a16:creationId xmlns:a16="http://schemas.microsoft.com/office/drawing/2014/main" id="{FA8D1E2C-A69E-40D3-A7F4-1D6D62DD9F43}"/>
+              </a:ext>
+            </a:extLst>
+          </p:cNvPr>
+          <p:cNvSpPr/>
+          <p:nvPr/>
+        </p:nvSpPr>
+        <p:spPr bwMode="auto">
+          <a:xfrm>
+            <a:off x="6786217" y="3736221"/>
+            <a:ext cx="1056034" cy="1266084"/>
+          </a:xfrm>
+          <a:prstGeom prst="ellipse">
+            <a:avLst/>
+          </a:prstGeom>
+          <a:solidFill>
+            <a:srgbClr val="00B050"/>
+          </a:solidFill>
+          <a:ln w="9525" cap="flat" cmpd="sng" algn="ctr">
+            <a:solidFill>
+              <a:srgbClr val="002060"/>
+            </a:solidFill>
+            <a:prstDash val="solid"/>
+            <a:round/>
+            <a:headEnd type="none" w="med" len="med"/>
+            <a:tailEnd type="none" w="med" len="med"/>
+          </a:ln>
+          <a:effectLst/>
+        </p:spPr>
+        <p:txBody>
+          <a:bodyPr vert="horz" wrap="square" lIns="91440" tIns="45720" rIns="91440" bIns="45720" numCol="1" rtlCol="0" anchor="ctr" anchorCtr="0" compatLnSpc="1">
+            <a:prstTxWarp prst="textNoShape">
+              <a:avLst/>
+            </a:prstTxWarp>
+          </a:bodyPr>
+          <a:lstStyle/>
+          <a:p>
+            <a:pPr algn="ctr" eaLnBrk="0" fontAlgn="base" hangingPunct="0">
+              <a:spcBef>
+                <a:spcPct val="0"/>
+              </a:spcBef>
+              <a:spcAft>
+                <a:spcPct val="0"/>
+              </a:spcAft>
+            </a:pPr>
+            <a:r>
+              <a:rPr lang="en-US" sz="1600" dirty="0">
+                <a:solidFill>
+                  <a:srgbClr val="002060"/>
+                </a:solidFill>
+                <a:latin typeface="GE Inspira Pitch" pitchFamily="34" charset="0"/>
+              </a:rPr>
+              <a:t>Permit</a:t>
+            </a:r>
+            <a:endParaRPr lang="en-US" sz="1050" dirty="0">
+              <a:solidFill>
+                <a:srgbClr val="002060"/>
+              </a:solidFill>
+              <a:latin typeface="GE Inspira Pitch" pitchFamily="34" charset="0"/>
+            </a:endParaRPr>
+          </a:p>
+        </p:txBody>
+      </p:sp>
+      <p:sp>
+        <p:nvSpPr>
+          <p:cNvPr id="13" name="Oval 12">
+            <a:extLst>
+              <a:ext uri="{FF2B5EF4-FFF2-40B4-BE49-F238E27FC236}">
+                <a16:creationId xmlns:a16="http://schemas.microsoft.com/office/drawing/2014/main" id="{31EF31AF-10F0-4643-AD2A-AB8B457FC503}"/>
+              </a:ext>
+            </a:extLst>
+          </p:cNvPr>
+          <p:cNvSpPr/>
+          <p:nvPr/>
+        </p:nvSpPr>
+        <p:spPr bwMode="auto">
+          <a:xfrm>
+            <a:off x="9624820" y="3736221"/>
+            <a:ext cx="1045771" cy="1266083"/>
+          </a:xfrm>
+          <a:prstGeom prst="ellipse">
+            <a:avLst/>
+          </a:prstGeom>
+          <a:solidFill>
+            <a:srgbClr val="FF0000"/>
+          </a:solidFill>
+          <a:ln w="9525" cap="flat" cmpd="sng" algn="ctr">
+            <a:solidFill>
+              <a:srgbClr val="002060"/>
+            </a:solidFill>
+            <a:prstDash val="solid"/>
+            <a:round/>
+            <a:headEnd type="none" w="med" len="med"/>
+            <a:tailEnd type="none" w="med" len="med"/>
+          </a:ln>
+          <a:effectLst/>
+        </p:spPr>
+        <p:txBody>
+          <a:bodyPr vert="horz" wrap="square" lIns="91440" tIns="45720" rIns="91440" bIns="45720" numCol="1" rtlCol="0" anchor="ctr" anchorCtr="0" compatLnSpc="1">
+            <a:prstTxWarp prst="textNoShape">
+              <a:avLst/>
+            </a:prstTxWarp>
+          </a:bodyPr>
+          <a:lstStyle/>
+          <a:p>
+            <a:pPr algn="ctr" eaLnBrk="0" fontAlgn="base" hangingPunct="0">
+              <a:spcBef>
+                <a:spcPct val="0"/>
+              </a:spcBef>
+              <a:spcAft>
+                <a:spcPct val="0"/>
+              </a:spcAft>
+            </a:pPr>
+            <a:r>
+              <a:rPr lang="en-US" sz="1600" dirty="0">
+                <a:solidFill>
+                  <a:srgbClr val="002060"/>
+                </a:solidFill>
+                <a:latin typeface="GE Inspira Pitch" pitchFamily="34" charset="0"/>
+              </a:rPr>
+              <a:t>Deny</a:t>
+            </a:r>
+            <a:endParaRPr lang="en-US" sz="700" dirty="0">
+              <a:solidFill>
+                <a:srgbClr val="002060"/>
+              </a:solidFill>
+              <a:latin typeface="GE Inspira Pitch" pitchFamily="34" charset="0"/>
+            </a:endParaRPr>
+          </a:p>
+        </p:txBody>
+      </p:sp>
+      <p:cxnSp>
+        <p:nvCxnSpPr>
+          <p:cNvPr id="14" name="Connector: Curved 13">
+            <a:extLst>
+              <a:ext uri="{FF2B5EF4-FFF2-40B4-BE49-F238E27FC236}">
+                <a16:creationId xmlns:a16="http://schemas.microsoft.com/office/drawing/2014/main" id="{68CC1D46-901C-46BD-858C-680B6FAC21CC}"/>
+              </a:ext>
+            </a:extLst>
+          </p:cNvPr>
+          <p:cNvCxnSpPr>
+            <a:cxnSpLocks/>
+            <a:stCxn id="12" idx="7"/>
+            <a:endCxn id="13" idx="1"/>
+          </p:cNvCxnSpPr>
+          <p:nvPr/>
+        </p:nvCxnSpPr>
+        <p:spPr bwMode="auto">
+          <a:xfrm rot="5400000" flipH="1" flipV="1">
+            <a:off x="8732275" y="2876451"/>
+            <a:ext cx="8769" cy="2090371"/>
+          </a:xfrm>
+          <a:prstGeom prst="curvedConnector3">
+            <a:avLst>
+              <a:gd name="adj1" fmla="val 3914425"/>
+            </a:avLst>
+          </a:prstGeom>
+          <a:solidFill>
+            <a:schemeClr val="accent1"/>
+          </a:solidFill>
+          <a:ln w="9525" cap="flat" cmpd="sng" algn="ctr">
+            <a:solidFill>
+              <a:schemeClr val="tx1"/>
+            </a:solidFill>
+            <a:prstDash val="solid"/>
+            <a:round/>
+            <a:headEnd type="none" w="med" len="med"/>
+            <a:tailEnd type="triangle" w="lg" len="lg"/>
+          </a:ln>
+          <a:effectLst/>
+          <a:extLst>
+            <a:ext uri="{AF507438-7753-43E0-B8FC-AC1667EBCBE1}">
+              <a14:hiddenEffects xmlns:a14="http://schemas.microsoft.com/office/drawing/2010/main">
+                <a:effectLst>
+                  <a:outerShdw dist="35921" dir="2700000" algn="ctr" rotWithShape="0">
+                    <a:schemeClr val="bg2"/>
+                  </a:outerShdw>
+                </a:effectLst>
+              </a14:hiddenEffects>
+            </a:ext>
+          </a:extLst>
+        </p:spPr>
+      </p:cxnSp>
+      <p:cxnSp>
+        <p:nvCxnSpPr>
+          <p:cNvPr id="15" name="Connector: Curved 14">
+            <a:extLst>
+              <a:ext uri="{FF2B5EF4-FFF2-40B4-BE49-F238E27FC236}">
+                <a16:creationId xmlns:a16="http://schemas.microsoft.com/office/drawing/2014/main" id="{C061BE9D-0E6A-488C-86EE-4FCF42AE168E}"/>
+              </a:ext>
+            </a:extLst>
+          </p:cNvPr>
+          <p:cNvCxnSpPr>
+            <a:stCxn id="13" idx="3"/>
+            <a:endCxn id="12" idx="5"/>
+          </p:cNvCxnSpPr>
+          <p:nvPr/>
+        </p:nvCxnSpPr>
+        <p:spPr bwMode="auto">
+          <a:xfrm rot="5400000">
+            <a:off x="8732783" y="3771707"/>
+            <a:ext cx="1" cy="2090371"/>
+          </a:xfrm>
+          <a:prstGeom prst="curvedConnector3">
+            <a:avLst>
+              <a:gd name="adj1" fmla="val 24856700000"/>
+            </a:avLst>
+          </a:prstGeom>
+          <a:solidFill>
+            <a:schemeClr val="accent1"/>
+          </a:solidFill>
+          <a:ln w="9525" cap="flat" cmpd="sng" algn="ctr">
+            <a:solidFill>
+              <a:schemeClr val="tx1"/>
+            </a:solidFill>
+            <a:prstDash val="solid"/>
+            <a:round/>
+            <a:headEnd type="none" w="med" len="med"/>
+            <a:tailEnd type="triangle" w="lg" len="lg"/>
+          </a:ln>
+          <a:effectLst/>
+          <a:extLst>
+            <a:ext uri="{AF507438-7753-43E0-B8FC-AC1667EBCBE1}">
+              <a14:hiddenEffects xmlns:a14="http://schemas.microsoft.com/office/drawing/2010/main">
+                <a:effectLst>
+                  <a:outerShdw dist="35921" dir="2700000" algn="ctr" rotWithShape="0">
+                    <a:schemeClr val="bg2"/>
+                  </a:outerShdw>
+                </a:effectLst>
+              </a14:hiddenEffects>
+            </a:ext>
+          </a:extLst>
+        </p:spPr>
+      </p:cxnSp>
+      <p:sp>
+        <p:nvSpPr>
+          <p:cNvPr id="18" name="TextBox 17">
+            <a:extLst>
+              <a:ext uri="{FF2B5EF4-FFF2-40B4-BE49-F238E27FC236}">
+                <a16:creationId xmlns:a16="http://schemas.microsoft.com/office/drawing/2014/main" id="{4D552F4A-FC17-48F3-BFD8-20B65B768806}"/>
+              </a:ext>
+            </a:extLst>
+          </p:cNvPr>
+          <p:cNvSpPr txBox="1"/>
+          <p:nvPr/>
+        </p:nvSpPr>
+        <p:spPr>
+          <a:xfrm>
+            <a:off x="8205337" y="3221080"/>
+            <a:ext cx="783869" cy="338554"/>
+          </a:xfrm>
+          <a:prstGeom prst="rect">
+            <a:avLst/>
+          </a:prstGeom>
+          <a:noFill/>
+        </p:spPr>
+        <p:txBody>
+          <a:bodyPr wrap="none" rtlCol="0">
+            <a:spAutoFit/>
+          </a:bodyPr>
+          <a:lstStyle/>
+          <a:p>
+            <a:r>
+              <a:rPr lang="en-US" sz="1600" dirty="0"/>
+              <a:t>Revoke</a:t>
+            </a:r>
+          </a:p>
+        </p:txBody>
+      </p:sp>
+      <p:sp>
+        <p:nvSpPr>
+          <p:cNvPr id="19" name="TextBox 18">
+            <a:extLst>
+              <a:ext uri="{FF2B5EF4-FFF2-40B4-BE49-F238E27FC236}">
+                <a16:creationId xmlns:a16="http://schemas.microsoft.com/office/drawing/2014/main" id="{9C04B0EA-2B9D-431E-8F77-088941CEED94}"/>
+              </a:ext>
+            </a:extLst>
+          </p:cNvPr>
+          <p:cNvSpPr txBox="1"/>
+          <p:nvPr/>
+        </p:nvSpPr>
+        <p:spPr>
+          <a:xfrm>
+            <a:off x="8246444" y="4703005"/>
+            <a:ext cx="994375" cy="338554"/>
+          </a:xfrm>
+          <a:prstGeom prst="rect">
+            <a:avLst/>
+          </a:prstGeom>
+          <a:noFill/>
+        </p:spPr>
+        <p:txBody>
+          <a:bodyPr wrap="none" rtlCol="0">
+            <a:spAutoFit/>
+          </a:bodyPr>
+          <a:lstStyle/>
+          <a:p>
+            <a:r>
+              <a:rPr lang="en-US" sz="1600" dirty="0"/>
+              <a:t>Authorize</a:t>
+            </a:r>
+          </a:p>
+        </p:txBody>
+      </p:sp>
+      <p:cxnSp>
+        <p:nvCxnSpPr>
+          <p:cNvPr id="20" name="Straight Arrow Connector 19">
+            <a:extLst>
+              <a:ext uri="{FF2B5EF4-FFF2-40B4-BE49-F238E27FC236}">
+                <a16:creationId xmlns:a16="http://schemas.microsoft.com/office/drawing/2014/main" id="{D895E7C8-BFC0-4ACD-97E2-1DCDD7976F94}"/>
+              </a:ext>
+            </a:extLst>
+          </p:cNvPr>
+          <p:cNvCxnSpPr/>
+          <p:nvPr/>
+        </p:nvCxnSpPr>
+        <p:spPr bwMode="auto">
+          <a:xfrm>
+            <a:off x="10135213" y="2867156"/>
+            <a:ext cx="0" cy="869065"/>
+          </a:xfrm>
+          <a:prstGeom prst="straightConnector1">
+            <a:avLst/>
+          </a:prstGeom>
+          <a:solidFill>
+            <a:schemeClr val="accent1"/>
+          </a:solidFill>
+          <a:ln w="25400" cap="flat" cmpd="sng" algn="ctr">
+            <a:solidFill>
+              <a:schemeClr val="tx1"/>
+            </a:solidFill>
+            <a:prstDash val="solid"/>
+            <a:round/>
+            <a:headEnd type="oval" w="med" len="med"/>
+            <a:tailEnd type="arrow" w="lg" len="lg"/>
+          </a:ln>
+          <a:effectLst/>
+          <a:extLst>
+            <a:ext uri="{AF507438-7753-43E0-B8FC-AC1667EBCBE1}">
+              <a14:hiddenEffects xmlns:a14="http://schemas.microsoft.com/office/drawing/2010/main">
+                <a:effectLst>
+                  <a:outerShdw dist="35921" dir="2700000" algn="ctr" rotWithShape="0">
+                    <a:schemeClr val="bg2"/>
+                  </a:outerShdw>
+                </a:effectLst>
+              </a14:hiddenEffects>
+            </a:ext>
+          </a:extLst>
+        </p:spPr>
+      </p:cxnSp>
+      <p:sp>
+        <p:nvSpPr>
+          <p:cNvPr id="21" name="TextBox 20">
+            <a:extLst>
+              <a:ext uri="{FF2B5EF4-FFF2-40B4-BE49-F238E27FC236}">
+                <a16:creationId xmlns:a16="http://schemas.microsoft.com/office/drawing/2014/main" id="{B5B17D4A-C67A-4F3E-97B0-121F0F6C48DA}"/>
+              </a:ext>
+            </a:extLst>
+          </p:cNvPr>
+          <p:cNvSpPr txBox="1"/>
+          <p:nvPr/>
+        </p:nvSpPr>
+        <p:spPr>
+          <a:xfrm>
+            <a:off x="7568538" y="2355973"/>
+            <a:ext cx="3726533" cy="584775"/>
+          </a:xfrm>
+          <a:prstGeom prst="rect">
+            <a:avLst/>
+          </a:prstGeom>
+          <a:noFill/>
+        </p:spPr>
+        <p:txBody>
+          <a:bodyPr wrap="none" rtlCol="0">
+            <a:spAutoFit/>
+          </a:bodyPr>
+          <a:lstStyle/>
+          <a:p>
+            <a:r>
+              <a:rPr lang="en-US" sz="3200" dirty="0"/>
+              <a:t>Explicit Consent Start</a:t>
+            </a:r>
+          </a:p>
+        </p:txBody>
+      </p:sp>
+    </p:spTree>
+    <p:extLst>
+      <p:ext uri="{BB962C8B-B14F-4D97-AF65-F5344CB8AC3E}">
+        <p14:creationId xmlns:p14="http://schemas.microsoft.com/office/powerpoint/2010/main" val="3372084876"/>
+      </p:ext>
+    </p:extLst>
+  </p:cSld>
+  <p:clrMapOvr>
+    <a:masterClrMapping/>
+  </p:clrMapOvr>
+</p:sld>
+</file>
+
 <file path=ppt/theme/theme1.xml><?xml version="1.0" encoding="utf-8"?>
 <a:theme xmlns:a="http://schemas.openxmlformats.org/drawingml/2006/main" name="Office Theme">
   <a:themeElements>

--- a/MHDS/Diagrams.pptx
+++ b/MHDS/Diagrams.pptx
@@ -13,6 +13,7 @@
     <p:sldId id="274" r:id="rId7"/>
     <p:sldId id="275" r:id="rId8"/>
     <p:sldId id="276" r:id="rId9"/>
+    <p:sldId id="335" r:id="rId10"/>
   </p:sldIdLst>
   <p:sldSz cx="12192000" cy="6858000"/>
   <p:notesSz cx="6858000" cy="9144000"/>
@@ -745,6 +746,711 @@
 </p:sldLayout>
 </file>
 
+<file path=ppt/slideLayouts/slideLayout12.xml><?xml version="1.0" encoding="utf-8"?>
+<p:sldLayout xmlns:a="http://schemas.openxmlformats.org/drawingml/2006/main" xmlns:r="http://schemas.openxmlformats.org/officeDocument/2006/relationships" xmlns:p="http://schemas.openxmlformats.org/presentationml/2006/main" userDrawn="1">
+  <p:cSld name="Title and Large Content">
+    <p:spTree>
+      <p:nvGrpSpPr>
+        <p:cNvPr id="1" name=""/>
+        <p:cNvGrpSpPr/>
+        <p:nvPr/>
+      </p:nvGrpSpPr>
+      <p:grpSpPr>
+        <a:xfrm>
+          <a:off x="0" y="0"/>
+          <a:ext cx="0" cy="0"/>
+          <a:chOff x="0" y="0"/>
+          <a:chExt cx="0" cy="0"/>
+        </a:xfrm>
+      </p:grpSpPr>
+      <p:sp>
+        <p:nvSpPr>
+          <p:cNvPr id="15" name="Slide Number Placeholder 5">
+            <a:extLst>
+              <a:ext uri="{FF2B5EF4-FFF2-40B4-BE49-F238E27FC236}">
+                <a16:creationId xmlns:a16="http://schemas.microsoft.com/office/drawing/2014/main" id="{070EEFE6-077D-DB49-B778-FA66FF929D72}"/>
+              </a:ext>
+            </a:extLst>
+          </p:cNvPr>
+          <p:cNvSpPr txBox="1">
+            <a:spLocks/>
+          </p:cNvSpPr>
+          <p:nvPr userDrawn="1"/>
+        </p:nvSpPr>
+        <p:spPr>
+          <a:xfrm>
+            <a:off x="-30480" y="171574"/>
+            <a:ext cx="447040" cy="365125"/>
+          </a:xfrm>
+          <a:prstGeom prst="rect">
+            <a:avLst/>
+          </a:prstGeom>
+        </p:spPr>
+        <p:txBody>
+          <a:bodyPr vert="horz" lIns="91440" tIns="45720" rIns="91440" bIns="45720" rtlCol="0" anchor="ctr"/>
+          <a:lstStyle>
+            <a:defPPr>
+              <a:defRPr lang="en-US"/>
+            </a:defPPr>
+            <a:lvl1pPr marL="0" algn="r" defTabSz="914400" rtl="0" eaLnBrk="1" latinLnBrk="0" hangingPunct="1">
+              <a:defRPr sz="1200" kern="1200">
+                <a:solidFill>
+                  <a:schemeClr val="bg1"/>
+                </a:solidFill>
+                <a:latin typeface="+mn-lt"/>
+                <a:ea typeface="+mn-ea"/>
+                <a:cs typeface="+mn-cs"/>
+              </a:defRPr>
+            </a:lvl1pPr>
+            <a:lvl2pPr marL="457200" algn="l" defTabSz="914400" rtl="0" eaLnBrk="1" latinLnBrk="0" hangingPunct="1">
+              <a:defRPr sz="1800" kern="1200">
+                <a:solidFill>
+                  <a:schemeClr val="tx1"/>
+                </a:solidFill>
+                <a:latin typeface="+mn-lt"/>
+                <a:ea typeface="+mn-ea"/>
+                <a:cs typeface="+mn-cs"/>
+              </a:defRPr>
+            </a:lvl2pPr>
+            <a:lvl3pPr marL="914400" algn="l" defTabSz="914400" rtl="0" eaLnBrk="1" latinLnBrk="0" hangingPunct="1">
+              <a:defRPr sz="1800" kern="1200">
+                <a:solidFill>
+                  <a:schemeClr val="tx1"/>
+                </a:solidFill>
+                <a:latin typeface="+mn-lt"/>
+                <a:ea typeface="+mn-ea"/>
+                <a:cs typeface="+mn-cs"/>
+              </a:defRPr>
+            </a:lvl3pPr>
+            <a:lvl4pPr marL="1371600" algn="l" defTabSz="914400" rtl="0" eaLnBrk="1" latinLnBrk="0" hangingPunct="1">
+              <a:defRPr sz="1800" kern="1200">
+                <a:solidFill>
+                  <a:schemeClr val="tx1"/>
+                </a:solidFill>
+                <a:latin typeface="+mn-lt"/>
+                <a:ea typeface="+mn-ea"/>
+                <a:cs typeface="+mn-cs"/>
+              </a:defRPr>
+            </a:lvl4pPr>
+            <a:lvl5pPr marL="1828800" algn="l" defTabSz="914400" rtl="0" eaLnBrk="1" latinLnBrk="0" hangingPunct="1">
+              <a:defRPr sz="1800" kern="1200">
+                <a:solidFill>
+                  <a:schemeClr val="tx1"/>
+                </a:solidFill>
+                <a:latin typeface="+mn-lt"/>
+                <a:ea typeface="+mn-ea"/>
+                <a:cs typeface="+mn-cs"/>
+              </a:defRPr>
+            </a:lvl5pPr>
+            <a:lvl6pPr marL="2286000" algn="l" defTabSz="914400" rtl="0" eaLnBrk="1" latinLnBrk="0" hangingPunct="1">
+              <a:defRPr sz="1800" kern="1200">
+                <a:solidFill>
+                  <a:schemeClr val="tx1"/>
+                </a:solidFill>
+                <a:latin typeface="+mn-lt"/>
+                <a:ea typeface="+mn-ea"/>
+                <a:cs typeface="+mn-cs"/>
+              </a:defRPr>
+            </a:lvl6pPr>
+            <a:lvl7pPr marL="2743200" algn="l" defTabSz="914400" rtl="0" eaLnBrk="1" latinLnBrk="0" hangingPunct="1">
+              <a:defRPr sz="1800" kern="1200">
+                <a:solidFill>
+                  <a:schemeClr val="tx1"/>
+                </a:solidFill>
+                <a:latin typeface="+mn-lt"/>
+                <a:ea typeface="+mn-ea"/>
+                <a:cs typeface="+mn-cs"/>
+              </a:defRPr>
+            </a:lvl7pPr>
+            <a:lvl8pPr marL="3200400" algn="l" defTabSz="914400" rtl="0" eaLnBrk="1" latinLnBrk="0" hangingPunct="1">
+              <a:defRPr sz="1800" kern="1200">
+                <a:solidFill>
+                  <a:schemeClr val="tx1"/>
+                </a:solidFill>
+                <a:latin typeface="+mn-lt"/>
+                <a:ea typeface="+mn-ea"/>
+                <a:cs typeface="+mn-cs"/>
+              </a:defRPr>
+            </a:lvl8pPr>
+            <a:lvl9pPr marL="3657600" algn="l" defTabSz="914400" rtl="0" eaLnBrk="1" latinLnBrk="0" hangingPunct="1">
+              <a:defRPr sz="1800" kern="1200">
+                <a:solidFill>
+                  <a:schemeClr val="tx1"/>
+                </a:solidFill>
+                <a:latin typeface="+mn-lt"/>
+                <a:ea typeface="+mn-ea"/>
+                <a:cs typeface="+mn-cs"/>
+              </a:defRPr>
+            </a:lvl9pPr>
+          </a:lstStyle>
+          <a:p>
+            <a:pPr algn="r"/>
+            <a:fld id="{B99C3163-F19B-2C48-9165-2CFC1523AB8D}" type="slidenum">
+              <a:rPr lang="en-US" sz="1100" b="1" smtClean="0">
+                <a:solidFill>
+                  <a:schemeClr val="bg1">
+                    <a:lumMod val="50000"/>
+                  </a:schemeClr>
+                </a:solidFill>
+                <a:latin typeface="Arial" panose="020B0604020202020204" pitchFamily="34" charset="0"/>
+                <a:cs typeface="Arial" panose="020B0604020202020204" pitchFamily="34" charset="0"/>
+              </a:rPr>
+              <a:pPr algn="r"/>
+              <a:t>‹#›</a:t>
+            </a:fld>
+            <a:endParaRPr lang="en-US" sz="1100" b="1" dirty="0">
+              <a:solidFill>
+                <a:schemeClr val="bg1">
+                  <a:lumMod val="50000"/>
+                </a:schemeClr>
+              </a:solidFill>
+              <a:latin typeface="Arial" panose="020B0604020202020204" pitchFamily="34" charset="0"/>
+              <a:cs typeface="Arial" panose="020B0604020202020204" pitchFamily="34" charset="0"/>
+            </a:endParaRPr>
+          </a:p>
+        </p:txBody>
+      </p:sp>
+      <p:sp>
+        <p:nvSpPr>
+          <p:cNvPr id="21" name="Date Placeholder 3">
+            <a:extLst>
+              <a:ext uri="{FF2B5EF4-FFF2-40B4-BE49-F238E27FC236}">
+                <a16:creationId xmlns:a16="http://schemas.microsoft.com/office/drawing/2014/main" id="{C93C3FC2-A4B2-9C46-A3E4-9593F8249C27}"/>
+              </a:ext>
+            </a:extLst>
+          </p:cNvPr>
+          <p:cNvSpPr>
+            <a:spLocks noGrp="1"/>
+          </p:cNvSpPr>
+          <p:nvPr>
+            <p:ph type="dt" sz="half" idx="10"/>
+          </p:nvPr>
+        </p:nvSpPr>
+        <p:spPr>
+          <a:xfrm>
+            <a:off x="15090" y="6518261"/>
+            <a:ext cx="1259840" cy="348027"/>
+          </a:xfrm>
+          <a:prstGeom prst="rect">
+            <a:avLst/>
+          </a:prstGeom>
+        </p:spPr>
+        <p:txBody>
+          <a:bodyPr/>
+          <a:lstStyle>
+            <a:lvl1pPr>
+              <a:defRPr sz="1100">
+                <a:solidFill>
+                  <a:schemeClr val="tx1">
+                    <a:lumMod val="50000"/>
+                    <a:lumOff val="50000"/>
+                  </a:schemeClr>
+                </a:solidFill>
+                <a:latin typeface="Arial" panose="020B0604020202020204" pitchFamily="34" charset="0"/>
+                <a:cs typeface="Arial" panose="020B0604020202020204" pitchFamily="34" charset="0"/>
+              </a:defRPr>
+            </a:lvl1pPr>
+          </a:lstStyle>
+          <a:p>
+            <a:fld id="{BFF328E6-E46B-6E40-8B27-5B2DDCCC311D}" type="datetime1">
+              <a:rPr lang="en-US" smtClean="0"/>
+              <a:t>2/18/2020</a:t>
+            </a:fld>
+            <a:endParaRPr lang="en-US" dirty="0"/>
+          </a:p>
+        </p:txBody>
+      </p:sp>
+      <p:sp>
+        <p:nvSpPr>
+          <p:cNvPr id="18" name="Content Placeholder 2">
+            <a:extLst>
+              <a:ext uri="{FF2B5EF4-FFF2-40B4-BE49-F238E27FC236}">
+                <a16:creationId xmlns:a16="http://schemas.microsoft.com/office/drawing/2014/main" id="{E45B2844-9C59-4F4A-A23F-C56225ED1138}"/>
+              </a:ext>
+            </a:extLst>
+          </p:cNvPr>
+          <p:cNvSpPr>
+            <a:spLocks noGrp="1"/>
+          </p:cNvSpPr>
+          <p:nvPr>
+            <p:ph idx="1"/>
+          </p:nvPr>
+        </p:nvSpPr>
+        <p:spPr>
+          <a:xfrm>
+            <a:off x="736778" y="1749287"/>
+            <a:ext cx="10601990" cy="4731027"/>
+          </a:xfrm>
+          <a:prstGeom prst="rect">
+            <a:avLst/>
+          </a:prstGeom>
+        </p:spPr>
+        <p:txBody>
+          <a:bodyPr>
+            <a:normAutofit/>
+          </a:bodyPr>
+          <a:lstStyle>
+            <a:lvl1pPr>
+              <a:lnSpc>
+                <a:spcPct val="100000"/>
+              </a:lnSpc>
+              <a:spcBef>
+                <a:spcPts val="2200"/>
+              </a:spcBef>
+              <a:spcAft>
+                <a:spcPts val="0"/>
+              </a:spcAft>
+              <a:defRPr sz="2000">
+                <a:solidFill>
+                  <a:schemeClr val="tx1"/>
+                </a:solidFill>
+                <a:latin typeface="Arial" panose="020B0604020202020204" pitchFamily="34" charset="0"/>
+                <a:cs typeface="Arial" panose="020B0604020202020204" pitchFamily="34" charset="0"/>
+              </a:defRPr>
+            </a:lvl1pPr>
+            <a:lvl2pPr>
+              <a:lnSpc>
+                <a:spcPct val="100000"/>
+              </a:lnSpc>
+              <a:spcBef>
+                <a:spcPts val="600"/>
+              </a:spcBef>
+              <a:spcAft>
+                <a:spcPts val="600"/>
+              </a:spcAft>
+              <a:defRPr sz="1800">
+                <a:solidFill>
+                  <a:schemeClr val="tx1"/>
+                </a:solidFill>
+                <a:latin typeface="Arial" panose="020B0604020202020204" pitchFamily="34" charset="0"/>
+                <a:cs typeface="Arial" panose="020B0604020202020204" pitchFamily="34" charset="0"/>
+              </a:defRPr>
+            </a:lvl2pPr>
+            <a:lvl3pPr>
+              <a:lnSpc>
+                <a:spcPct val="100000"/>
+              </a:lnSpc>
+              <a:spcBef>
+                <a:spcPts val="300"/>
+              </a:spcBef>
+              <a:spcAft>
+                <a:spcPts val="600"/>
+              </a:spcAft>
+              <a:defRPr sz="1800">
+                <a:solidFill>
+                  <a:schemeClr val="tx1"/>
+                </a:solidFill>
+                <a:latin typeface="Arial" panose="020B0604020202020204" pitchFamily="34" charset="0"/>
+                <a:cs typeface="Arial" panose="020B0604020202020204" pitchFamily="34" charset="0"/>
+              </a:defRPr>
+            </a:lvl3pPr>
+            <a:lvl4pPr>
+              <a:spcAft>
+                <a:spcPts val="1200"/>
+              </a:spcAft>
+              <a:defRPr sz="1800">
+                <a:solidFill>
+                  <a:schemeClr val="tx1"/>
+                </a:solidFill>
+                <a:latin typeface="Arial" panose="020B0604020202020204" pitchFamily="34" charset="0"/>
+                <a:cs typeface="Arial" panose="020B0604020202020204" pitchFamily="34" charset="0"/>
+              </a:defRPr>
+            </a:lvl4pPr>
+            <a:lvl5pPr>
+              <a:spcAft>
+                <a:spcPts val="1200"/>
+              </a:spcAft>
+              <a:defRPr sz="1800">
+                <a:solidFill>
+                  <a:schemeClr val="tx1"/>
+                </a:solidFill>
+                <a:latin typeface="Arial" panose="020B0604020202020204" pitchFamily="34" charset="0"/>
+                <a:cs typeface="Arial" panose="020B0604020202020204" pitchFamily="34" charset="0"/>
+              </a:defRPr>
+            </a:lvl5pPr>
+          </a:lstStyle>
+          <a:p>
+            <a:pPr lvl="0"/>
+            <a:r>
+              <a:rPr lang="en-US"/>
+              <a:t>Click to edit Master text styles</a:t>
+            </a:r>
+          </a:p>
+          <a:p>
+            <a:pPr lvl="1"/>
+            <a:r>
+              <a:rPr lang="en-US"/>
+              <a:t>Second level</a:t>
+            </a:r>
+          </a:p>
+          <a:p>
+            <a:pPr lvl="2"/>
+            <a:r>
+              <a:rPr lang="en-US"/>
+              <a:t>Third level</a:t>
+            </a:r>
+          </a:p>
+        </p:txBody>
+      </p:sp>
+      <p:sp>
+        <p:nvSpPr>
+          <p:cNvPr id="19" name="Title 1">
+            <a:extLst>
+              <a:ext uri="{FF2B5EF4-FFF2-40B4-BE49-F238E27FC236}">
+                <a16:creationId xmlns:a16="http://schemas.microsoft.com/office/drawing/2014/main" id="{C792172F-024B-A640-80DA-4146BE83054E}"/>
+              </a:ext>
+            </a:extLst>
+          </p:cNvPr>
+          <p:cNvSpPr>
+            <a:spLocks noGrp="1"/>
+          </p:cNvSpPr>
+          <p:nvPr>
+            <p:ph type="title" hasCustomPrompt="1"/>
+          </p:nvPr>
+        </p:nvSpPr>
+        <p:spPr>
+          <a:xfrm>
+            <a:off x="740993" y="595889"/>
+            <a:ext cx="8631607" cy="831811"/>
+          </a:xfrm>
+          <a:prstGeom prst="rect">
+            <a:avLst/>
+          </a:prstGeom>
+        </p:spPr>
+        <p:txBody>
+          <a:bodyPr anchor="t">
+            <a:noAutofit/>
+          </a:bodyPr>
+          <a:lstStyle>
+            <a:lvl1pPr>
+              <a:defRPr sz="2800">
+                <a:solidFill>
+                  <a:schemeClr val="tx2"/>
+                </a:solidFill>
+                <a:latin typeface="Arial" panose="020B0604020202020204" pitchFamily="34" charset="0"/>
+                <a:cs typeface="Arial" panose="020B0604020202020204" pitchFamily="34" charset="0"/>
+              </a:defRPr>
+            </a:lvl1pPr>
+          </a:lstStyle>
+          <a:p>
+            <a:r>
+              <a:rPr lang="en-US" dirty="0"/>
+              <a:t>Click to edit Master title text. Limit titles to 2 lines. Longer descriptions should be placed below</a:t>
+            </a:r>
+          </a:p>
+        </p:txBody>
+      </p:sp>
+      <p:sp>
+        <p:nvSpPr>
+          <p:cNvPr id="20" name="Footer Placeholder 4">
+            <a:extLst>
+              <a:ext uri="{FF2B5EF4-FFF2-40B4-BE49-F238E27FC236}">
+                <a16:creationId xmlns:a16="http://schemas.microsoft.com/office/drawing/2014/main" id="{1B57C602-E421-454F-B361-24B062289829}"/>
+              </a:ext>
+            </a:extLst>
+          </p:cNvPr>
+          <p:cNvSpPr>
+            <a:spLocks noGrp="1"/>
+          </p:cNvSpPr>
+          <p:nvPr>
+            <p:ph type="ftr" sz="quarter" idx="11"/>
+          </p:nvPr>
+        </p:nvSpPr>
+        <p:spPr>
+          <a:xfrm>
+            <a:off x="739317" y="221360"/>
+            <a:ext cx="8143831" cy="348027"/>
+          </a:xfrm>
+          <a:prstGeom prst="rect">
+            <a:avLst/>
+          </a:prstGeom>
+        </p:spPr>
+        <p:txBody>
+          <a:bodyPr/>
+          <a:lstStyle>
+            <a:lvl1pPr algn="l">
+              <a:defRPr sz="1100">
+                <a:solidFill>
+                  <a:schemeClr val="tx1">
+                    <a:lumMod val="50000"/>
+                    <a:lumOff val="50000"/>
+                  </a:schemeClr>
+                </a:solidFill>
+                <a:latin typeface="Arial" panose="020B0604020202020204" pitchFamily="34" charset="0"/>
+                <a:cs typeface="Arial" panose="020B0604020202020204" pitchFamily="34" charset="0"/>
+              </a:defRPr>
+            </a:lvl1pPr>
+          </a:lstStyle>
+          <a:p>
+            <a:r>
+              <a:rPr lang="en-US" dirty="0"/>
+              <a:t>Presentation Title</a:t>
+            </a:r>
+          </a:p>
+        </p:txBody>
+      </p:sp>
+      <p:sp>
+        <p:nvSpPr>
+          <p:cNvPr id="11" name="Rectangle 10">
+            <a:extLst>
+              <a:ext uri="{FF2B5EF4-FFF2-40B4-BE49-F238E27FC236}">
+                <a16:creationId xmlns:a16="http://schemas.microsoft.com/office/drawing/2014/main" id="{44575BDC-DCC0-0F4C-B05B-1A0947968926}"/>
+              </a:ext>
+              <a:ext uri="{C183D7F6-B498-43B3-948B-1728B52AA6E4}">
+                <adec:decorative xmlns:adec="http://schemas.microsoft.com/office/drawing/2017/decorative" val="1"/>
+              </a:ext>
+            </a:extLst>
+          </p:cNvPr>
+          <p:cNvSpPr/>
+          <p:nvPr userDrawn="1"/>
+        </p:nvSpPr>
+        <p:spPr>
+          <a:xfrm>
+            <a:off x="0" y="6756320"/>
+            <a:ext cx="12192000" cy="120725"/>
+          </a:xfrm>
+          <a:prstGeom prst="rect">
+            <a:avLst/>
+          </a:prstGeom>
+          <a:gradFill>
+            <a:gsLst>
+              <a:gs pos="50000">
+                <a:srgbClr val="498A95"/>
+              </a:gs>
+              <a:gs pos="0">
+                <a:schemeClr val="tx2"/>
+              </a:gs>
+              <a:gs pos="100000">
+                <a:schemeClr val="accent3"/>
+              </a:gs>
+            </a:gsLst>
+            <a:lin ang="0" scaled="0"/>
+          </a:gradFill>
+          <a:ln w="38100" cap="rnd">
+            <a:noFill/>
+          </a:ln>
+        </p:spPr>
+        <p:style>
+          <a:lnRef idx="2">
+            <a:schemeClr val="accent1">
+              <a:shade val="50000"/>
+            </a:schemeClr>
+          </a:lnRef>
+          <a:fillRef idx="1">
+            <a:schemeClr val="accent1"/>
+          </a:fillRef>
+          <a:effectRef idx="0">
+            <a:schemeClr val="accent1"/>
+          </a:effectRef>
+          <a:fontRef idx="minor">
+            <a:schemeClr val="lt1"/>
+          </a:fontRef>
+        </p:style>
+        <p:txBody>
+          <a:bodyPr rtlCol="0" anchor="ctr"/>
+          <a:lstStyle/>
+          <a:p>
+            <a:pPr algn="ctr"/>
+            <a:endParaRPr lang="en-US" dirty="0">
+              <a:solidFill>
+                <a:schemeClr val="tx1">
+                  <a:lumMod val="50000"/>
+                  <a:lumOff val="50000"/>
+                </a:schemeClr>
+              </a:solidFill>
+            </a:endParaRPr>
+          </a:p>
+        </p:txBody>
+      </p:sp>
+      <p:grpSp>
+        <p:nvGrpSpPr>
+          <p:cNvPr id="12" name="Group 11">
+            <a:extLst>
+              <a:ext uri="{FF2B5EF4-FFF2-40B4-BE49-F238E27FC236}">
+                <a16:creationId xmlns:a16="http://schemas.microsoft.com/office/drawing/2014/main" id="{8CB202EE-11BA-DB47-BC89-95F17B7C3E02}"/>
+              </a:ext>
+            </a:extLst>
+          </p:cNvPr>
+          <p:cNvGrpSpPr/>
+          <p:nvPr userDrawn="1"/>
+        </p:nvGrpSpPr>
+        <p:grpSpPr>
+          <a:xfrm>
+            <a:off x="9620161" y="96218"/>
+            <a:ext cx="2571839" cy="613973"/>
+            <a:chOff x="9620161" y="96218"/>
+            <a:chExt cx="2571839" cy="613973"/>
+          </a:xfrm>
+        </p:grpSpPr>
+        <p:grpSp>
+          <p:nvGrpSpPr>
+            <p:cNvPr id="13" name="Group 12">
+              <a:extLst>
+                <a:ext uri="{FF2B5EF4-FFF2-40B4-BE49-F238E27FC236}">
+                  <a16:creationId xmlns:a16="http://schemas.microsoft.com/office/drawing/2014/main" id="{076D5605-09A1-B441-85AE-B2A9A648999C}"/>
+                </a:ext>
+                <a:ext uri="{C183D7F6-B498-43B3-948B-1728B52AA6E4}">
+                  <adec:decorative xmlns:adec="http://schemas.microsoft.com/office/drawing/2017/decorative" val="1"/>
+                </a:ext>
+              </a:extLst>
+            </p:cNvPr>
+            <p:cNvGrpSpPr/>
+            <p:nvPr userDrawn="1"/>
+          </p:nvGrpSpPr>
+          <p:grpSpPr>
+            <a:xfrm>
+              <a:off x="9620161" y="96218"/>
+              <a:ext cx="2571839" cy="613973"/>
+              <a:chOff x="9620161" y="96218"/>
+              <a:chExt cx="2571839" cy="613973"/>
+            </a:xfrm>
+          </p:grpSpPr>
+          <p:cxnSp>
+            <p:nvCxnSpPr>
+              <p:cNvPr id="16" name="Straight Arrow Connector 15">
+                <a:extLst>
+                  <a:ext uri="{FF2B5EF4-FFF2-40B4-BE49-F238E27FC236}">
+                    <a16:creationId xmlns:a16="http://schemas.microsoft.com/office/drawing/2014/main" id="{84CFD749-9A51-B540-8385-13D6D909A0A7}"/>
+                  </a:ext>
+                </a:extLst>
+              </p:cNvPr>
+              <p:cNvCxnSpPr>
+                <a:cxnSpLocks/>
+              </p:cNvCxnSpPr>
+              <p:nvPr userDrawn="1"/>
+            </p:nvCxnSpPr>
+            <p:spPr>
+              <a:xfrm>
+                <a:off x="9620161" y="710191"/>
+                <a:ext cx="2571839" cy="0"/>
+              </a:xfrm>
+              <a:prstGeom prst="straightConnector1">
+                <a:avLst/>
+              </a:prstGeom>
+              <a:ln w="34925" cap="rnd">
+                <a:solidFill>
+                  <a:schemeClr val="accent3"/>
+                </a:solidFill>
+                <a:tailEnd type="none"/>
+              </a:ln>
+            </p:spPr>
+            <p:style>
+              <a:lnRef idx="1">
+                <a:schemeClr val="accent1"/>
+              </a:lnRef>
+              <a:fillRef idx="0">
+                <a:schemeClr val="accent1"/>
+              </a:fillRef>
+              <a:effectRef idx="0">
+                <a:schemeClr val="accent1"/>
+              </a:effectRef>
+              <a:fontRef idx="minor">
+                <a:schemeClr val="tx1"/>
+              </a:fontRef>
+            </p:style>
+          </p:cxnSp>
+          <p:pic>
+            <p:nvPicPr>
+              <p:cNvPr id="17" name="Graphic 16" descr="U.S. Department of Health and Human Services">
+                <a:extLst>
+                  <a:ext uri="{FF2B5EF4-FFF2-40B4-BE49-F238E27FC236}">
+                    <a16:creationId xmlns:a16="http://schemas.microsoft.com/office/drawing/2014/main" id="{F19E28AF-23F3-214C-B2B6-1F3AD588A630}"/>
+                  </a:ext>
+                </a:extLst>
+              </p:cNvPr>
+              <p:cNvPicPr>
+                <a:picLocks noChangeAspect="1"/>
+              </p:cNvPicPr>
+              <p:nvPr userDrawn="1"/>
+            </p:nvPicPr>
+            <p:blipFill>
+              <a:blip r:embed="rId2">
+                <a:extLst>
+                  <a:ext uri="{96DAC541-7B7A-43D3-8B79-37D633B846F1}">
+                    <asvg:svgBlip xmlns:asvg="http://schemas.microsoft.com/office/drawing/2016/SVG/main" r:embed="rId3"/>
+                  </a:ext>
+                </a:extLst>
+              </a:blip>
+              <a:stretch>
+                <a:fillRect/>
+              </a:stretch>
+            </p:blipFill>
+            <p:spPr>
+              <a:xfrm>
+                <a:off x="11501949" y="96218"/>
+                <a:ext cx="505811" cy="505811"/>
+              </a:xfrm>
+              <a:prstGeom prst="rect">
+                <a:avLst/>
+              </a:prstGeom>
+            </p:spPr>
+          </p:pic>
+        </p:grpSp>
+        <p:pic>
+          <p:nvPicPr>
+            <p:cNvPr id="14" name="Graphic 13">
+              <a:extLst>
+                <a:ext uri="{FF2B5EF4-FFF2-40B4-BE49-F238E27FC236}">
+                  <a16:creationId xmlns:a16="http://schemas.microsoft.com/office/drawing/2014/main" id="{6E62FE9A-FA76-1541-A6DD-26CF30C68A2D}"/>
+                </a:ext>
+                <a:ext uri="{C183D7F6-B498-43B3-948B-1728B52AA6E4}">
+                  <adec:decorative xmlns:adec="http://schemas.microsoft.com/office/drawing/2017/decorative" val="1"/>
+                </a:ext>
+              </a:extLst>
+            </p:cNvPr>
+            <p:cNvPicPr>
+              <a:picLocks noChangeAspect="1"/>
+            </p:cNvPicPr>
+            <p:nvPr userDrawn="1"/>
+          </p:nvPicPr>
+          <p:blipFill>
+            <a:blip r:embed="rId4">
+              <a:extLst>
+                <a:ext uri="{96DAC541-7B7A-43D3-8B79-37D633B846F1}">
+                  <asvg:svgBlip xmlns:asvg="http://schemas.microsoft.com/office/drawing/2016/SVG/main" r:embed="rId5"/>
+                </a:ext>
+              </a:extLst>
+            </a:blip>
+            <a:stretch>
+              <a:fillRect/>
+            </a:stretch>
+          </p:blipFill>
+          <p:spPr>
+            <a:xfrm>
+              <a:off x="9702892" y="139107"/>
+              <a:ext cx="1572125" cy="414276"/>
+            </a:xfrm>
+            <a:prstGeom prst="rect">
+              <a:avLst/>
+            </a:prstGeom>
+          </p:spPr>
+        </p:pic>
+      </p:grpSp>
+    </p:spTree>
+    <p:extLst>
+      <p:ext uri="{BB962C8B-B14F-4D97-AF65-F5344CB8AC3E}">
+        <p14:creationId xmlns:p14="http://schemas.microsoft.com/office/powerpoint/2010/main" val="1394468050"/>
+      </p:ext>
+    </p:extLst>
+  </p:cSld>
+  <p:clrMapOvr>
+    <a:masterClrMapping/>
+  </p:clrMapOvr>
+  <mc:AlternateContent xmlns:mc="http://schemas.openxmlformats.org/markup-compatibility/2006" xmlns:p14="http://schemas.microsoft.com/office/powerpoint/2010/main">
+    <mc:Choice Requires="p14">
+      <p:transition spd="med" p14:dur="700">
+        <p:fade/>
+      </p:transition>
+    </mc:Choice>
+    <mc:Fallback xmlns="">
+      <p:transition spd="med">
+        <p:fade/>
+      </p:transition>
+    </mc:Fallback>
+  </mc:AlternateContent>
+</p:sldLayout>
+</file>
+
 <file path=ppt/slideLayouts/slideLayout2.xml><?xml version="1.0" encoding="utf-8"?>
 <p:sldLayout xmlns:a="http://schemas.openxmlformats.org/drawingml/2006/main" xmlns:r="http://schemas.openxmlformats.org/officeDocument/2006/relationships" xmlns:p="http://schemas.openxmlformats.org/presentationml/2006/main" type="obj" preserve="1">
   <p:cSld name="Title and Content">
@@ -3032,6 +3738,7 @@
     <p:sldLayoutId id="2147483657" r:id="rId9"/>
     <p:sldLayoutId id="2147483658" r:id="rId10"/>
     <p:sldLayoutId id="2147483659" r:id="rId11"/>
+    <p:sldLayoutId id="2147483660" r:id="rId12"/>
   </p:sldLayoutIdLst>
   <p:txStyles>
     <p:titleStyle>
@@ -4252,8 +4959,8 @@
         </p:nvSpPr>
         <p:spPr>
           <a:xfrm>
-            <a:off x="5967313" y="1461051"/>
-            <a:ext cx="3534495" cy="369332"/>
+            <a:off x="1203960" y="701040"/>
+            <a:ext cx="9616439" cy="523220"/>
           </a:xfrm>
           <a:prstGeom prst="rect">
             <a:avLst/>
@@ -4271,8 +4978,9 @@
           </a:bodyPr>
           <a:lstStyle/>
           <a:p>
-            <a:r>
-              <a:rPr lang="en-US" dirty="0"/>
+            <a:pPr algn="ctr"/>
+            <a:r>
+              <a:rPr lang="en-US" sz="2800" dirty="0"/>
               <a:t>Document Registry</a:t>
             </a:r>
           </a:p>
@@ -4292,8 +5000,8 @@
         </p:nvSpPr>
         <p:spPr>
           <a:xfrm rot="16200000">
-            <a:off x="5056261" y="3120035"/>
-            <a:ext cx="2952025" cy="369332"/>
+            <a:off x="83257" y="3292944"/>
+            <a:ext cx="5109188" cy="954107"/>
           </a:xfrm>
           <a:prstGeom prst="rect">
             <a:avLst/>
@@ -4313,10 +5021,13 @@
           <a:lstStyle/>
           <a:p>
             <a:r>
-              <a:rPr lang="en-US" dirty="0"/>
+              <a:rPr lang="en-US" sz="2800" dirty="0"/>
               <a:t>MHD – Document Recipient</a:t>
             </a:r>
           </a:p>
+          <a:p>
+            <a:endParaRPr lang="en-US" sz="2800" dirty="0"/>
+          </a:p>
         </p:txBody>
       </p:sp>
       <p:sp>
@@ -4333,8 +5044,8 @@
         </p:nvSpPr>
         <p:spPr>
           <a:xfrm rot="16200000">
-            <a:off x="4685907" y="3120034"/>
-            <a:ext cx="2952025" cy="369332"/>
+            <a:off x="-848251" y="3292942"/>
+            <a:ext cx="5109188" cy="954107"/>
           </a:xfrm>
           <a:prstGeom prst="rect">
             <a:avLst/>
@@ -4354,10 +5065,13 @@
           <a:lstStyle/>
           <a:p>
             <a:r>
-              <a:rPr lang="en-US" dirty="0"/>
+              <a:rPr lang="en-US" sz="2800" dirty="0"/>
               <a:t>MHD - Document Responder</a:t>
             </a:r>
           </a:p>
+          <a:p>
+            <a:endParaRPr lang="en-US" sz="2800" dirty="0"/>
+          </a:p>
         </p:txBody>
       </p:sp>
       <p:sp>
@@ -4374,8 +5088,8 @@
         </p:nvSpPr>
         <p:spPr>
           <a:xfrm rot="16200000">
-            <a:off x="5568248" y="2981538"/>
-            <a:ext cx="2952026" cy="646331"/>
+            <a:off x="1046470" y="3292949"/>
+            <a:ext cx="5109189" cy="954107"/>
           </a:xfrm>
           <a:prstGeom prst="rect">
             <a:avLst/>
@@ -4395,10 +5109,13 @@
           <a:lstStyle/>
           <a:p>
             <a:r>
-              <a:rPr lang="en-US" dirty="0"/>
+              <a:rPr lang="en-US" sz="2800" dirty="0"/>
               <a:t>PMIR – Patient Identity Consumer</a:t>
             </a:r>
           </a:p>
+          <a:p>
+            <a:endParaRPr lang="en-US" sz="2800" dirty="0"/>
+          </a:p>
         </p:txBody>
       </p:sp>
       <p:sp>
@@ -4415,8 +5132,8 @@
         </p:nvSpPr>
         <p:spPr>
           <a:xfrm rot="16200000">
-            <a:off x="7370427" y="3120032"/>
-            <a:ext cx="2952025" cy="369332"/>
+            <a:off x="5491161" y="3292941"/>
+            <a:ext cx="5109188" cy="954106"/>
           </a:xfrm>
           <a:prstGeom prst="rect">
             <a:avLst/>
@@ -4436,8 +5153,8 @@
           <a:lstStyle/>
           <a:p>
             <a:r>
-              <a:rPr lang="en-US" dirty="0"/>
-              <a:t>mCSD – Consumer</a:t>
+              <a:rPr lang="en-US" sz="2800" dirty="0"/>
+              <a:t>mCSD – Care Services Selective Consumer</a:t>
             </a:r>
           </a:p>
         </p:txBody>
@@ -4456,8 +5173,8 @@
         </p:nvSpPr>
         <p:spPr>
           <a:xfrm rot="16200000">
-            <a:off x="6921583" y="3120029"/>
-            <a:ext cx="2952025" cy="369332"/>
+            <a:off x="4161938" y="3292935"/>
+            <a:ext cx="5109188" cy="954107"/>
           </a:xfrm>
           <a:prstGeom prst="rect">
             <a:avLst/>
@@ -4477,10 +5194,13 @@
           <a:lstStyle/>
           <a:p>
             <a:r>
-              <a:rPr lang="en-US" dirty="0"/>
+              <a:rPr lang="en-US" sz="2800" dirty="0"/>
               <a:t>SVCM – Consumer</a:t>
             </a:r>
           </a:p>
+          <a:p>
+            <a:endParaRPr lang="en-US" sz="2800" dirty="0"/>
+          </a:p>
         </p:txBody>
       </p:sp>
       <p:sp>
@@ -4497,8 +5217,8 @@
         </p:nvSpPr>
         <p:spPr>
           <a:xfrm rot="16200000">
-            <a:off x="7799395" y="3120028"/>
-            <a:ext cx="2952025" cy="369332"/>
+            <a:off x="6809869" y="3292932"/>
+            <a:ext cx="5109188" cy="954107"/>
           </a:xfrm>
           <a:prstGeom prst="rect">
             <a:avLst/>
@@ -4518,9 +5238,12 @@
           <a:lstStyle/>
           <a:p>
             <a:r>
-              <a:rPr lang="en-US" dirty="0"/>
-              <a:t>IUA – Consumer</a:t>
-            </a:r>
+              <a:rPr lang="en-US" sz="2800" dirty="0"/>
+              <a:t>IUA – Resource Server</a:t>
+            </a:r>
+          </a:p>
+          <a:p>
+            <a:endParaRPr lang="en-US" sz="2800" dirty="0"/>
           </a:p>
         </p:txBody>
       </p:sp>
@@ -4538,8 +5261,8 @@
         </p:nvSpPr>
         <p:spPr>
           <a:xfrm rot="16200000">
-            <a:off x="6081184" y="3120034"/>
-            <a:ext cx="2952025" cy="369332"/>
+            <a:off x="2027074" y="3292942"/>
+            <a:ext cx="5109188" cy="954107"/>
           </a:xfrm>
           <a:prstGeom prst="rect">
             <a:avLst/>
@@ -4559,10 +5282,13 @@
           <a:lstStyle/>
           <a:p>
             <a:r>
-              <a:rPr lang="en-US" dirty="0"/>
+              <a:rPr lang="en-US" sz="2800" dirty="0"/>
               <a:t>ATNA – Secure Node</a:t>
             </a:r>
           </a:p>
+          <a:p>
+            <a:endParaRPr lang="en-US" sz="2800" dirty="0"/>
+          </a:p>
         </p:txBody>
       </p:sp>
       <p:sp>
@@ -4579,8 +5305,8 @@
         </p:nvSpPr>
         <p:spPr>
           <a:xfrm rot="16200000">
-            <a:off x="6450588" y="3120032"/>
-            <a:ext cx="2952025" cy="369332"/>
+            <a:off x="3002147" y="3292940"/>
+            <a:ext cx="5109188" cy="954107"/>
           </a:xfrm>
           <a:prstGeom prst="rect">
             <a:avLst/>
@@ -4600,9 +5326,56 @@
           <a:lstStyle/>
           <a:p>
             <a:r>
-              <a:rPr lang="en-US" dirty="0"/>
+              <a:rPr lang="en-US" sz="2800" dirty="0"/>
               <a:t>CT – Time Client</a:t>
             </a:r>
+          </a:p>
+          <a:p>
+            <a:endParaRPr lang="en-US" sz="2800" dirty="0"/>
+          </a:p>
+        </p:txBody>
+      </p:sp>
+      <p:sp>
+        <p:nvSpPr>
+          <p:cNvPr id="15" name="TextBox 14">
+            <a:extLst>
+              <a:ext uri="{FF2B5EF4-FFF2-40B4-BE49-F238E27FC236}">
+                <a16:creationId xmlns:a16="http://schemas.microsoft.com/office/drawing/2014/main" id="{05F167F6-00BE-4E1C-89A8-E6B33FDF3154}"/>
+              </a:ext>
+            </a:extLst>
+          </p:cNvPr>
+          <p:cNvSpPr txBox="1"/>
+          <p:nvPr/>
+        </p:nvSpPr>
+        <p:spPr>
+          <a:xfrm rot="16200000">
+            <a:off x="7785969" y="3292932"/>
+            <a:ext cx="5109188" cy="954107"/>
+          </a:xfrm>
+          <a:prstGeom prst="rect">
+            <a:avLst/>
+          </a:prstGeom>
+          <a:noFill/>
+          <a:ln>
+            <a:solidFill>
+              <a:schemeClr val="tx1"/>
+            </a:solidFill>
+            <a:prstDash val="dash"/>
+          </a:ln>
+        </p:spPr>
+        <p:txBody>
+          <a:bodyPr wrap="square" rtlCol="0">
+            <a:spAutoFit/>
+          </a:bodyPr>
+          <a:lstStyle/>
+          <a:p>
+            <a:r>
+              <a:rPr lang="en-US" sz="2800" dirty="0"/>
+              <a:t>IUA – Authorization Service</a:t>
+            </a:r>
+          </a:p>
+          <a:p>
+            <a:endParaRPr lang="en-US" sz="2800" dirty="0"/>
           </a:p>
         </p:txBody>
       </p:sp>
@@ -11032,6 +11805,1396 @@
   <p:clrMapOvr>
     <a:masterClrMapping/>
   </p:clrMapOvr>
+</p:sld>
+</file>
+
+<file path=ppt/slides/slide9.xml><?xml version="1.0" encoding="utf-8"?>
+<p:sld xmlns:a="http://schemas.openxmlformats.org/drawingml/2006/main" xmlns:r="http://schemas.openxmlformats.org/officeDocument/2006/relationships" xmlns:p="http://schemas.openxmlformats.org/presentationml/2006/main">
+  <p:cSld>
+    <p:spTree>
+      <p:nvGrpSpPr>
+        <p:cNvPr id="1" name=""/>
+        <p:cNvGrpSpPr/>
+        <p:nvPr/>
+      </p:nvGrpSpPr>
+      <p:grpSpPr>
+        <a:xfrm>
+          <a:off x="0" y="0"/>
+          <a:ext cx="0" cy="0"/>
+          <a:chOff x="0" y="0"/>
+          <a:chExt cx="0" cy="0"/>
+        </a:xfrm>
+      </p:grpSpPr>
+      <p:sp>
+        <p:nvSpPr>
+          <p:cNvPr id="33" name="Oval 32"/>
+          <p:cNvSpPr/>
+          <p:nvPr/>
+        </p:nvSpPr>
+        <p:spPr>
+          <a:xfrm>
+            <a:off x="9412667" y="3726558"/>
+            <a:ext cx="1134996" cy="1096117"/>
+          </a:xfrm>
+          <a:prstGeom prst="ellipse">
+            <a:avLst/>
+          </a:prstGeom>
+          <a:gradFill rotWithShape="1">
+            <a:gsLst>
+              <a:gs pos="0">
+                <a:srgbClr val="A5A5A5">
+                  <a:satMod val="103000"/>
+                  <a:lumMod val="102000"/>
+                  <a:tint val="94000"/>
+                </a:srgbClr>
+              </a:gs>
+              <a:gs pos="50000">
+                <a:srgbClr val="A5A5A5">
+                  <a:satMod val="110000"/>
+                  <a:lumMod val="100000"/>
+                  <a:shade val="100000"/>
+                </a:srgbClr>
+              </a:gs>
+              <a:gs pos="100000">
+                <a:srgbClr val="A5A5A5">
+                  <a:lumMod val="99000"/>
+                  <a:satMod val="120000"/>
+                  <a:shade val="78000"/>
+                </a:srgbClr>
+              </a:gs>
+            </a:gsLst>
+            <a:lin ang="5400000" scaled="0"/>
+          </a:gradFill>
+          <a:ln>
+            <a:noFill/>
+          </a:ln>
+          <a:effectLst>
+            <a:outerShdw blurRad="57150" dist="19050" dir="5400000" algn="ctr" rotWithShape="0">
+              <a:srgbClr val="000000">
+                <a:alpha val="63000"/>
+              </a:srgbClr>
+            </a:outerShdw>
+          </a:effectLst>
+        </p:spPr>
+        <p:txBody>
+          <a:bodyPr rtlCol="0" anchor="ctr"/>
+          <a:lstStyle/>
+          <a:p>
+            <a:pPr marL="0" marR="0" lvl="0" indent="0" algn="ctr" defTabSz="914400" eaLnBrk="1" fontAlgn="auto" latinLnBrk="0" hangingPunct="1">
+              <a:lnSpc>
+                <a:spcPct val="100000"/>
+              </a:lnSpc>
+              <a:spcBef>
+                <a:spcPts val="0"/>
+              </a:spcBef>
+              <a:spcAft>
+                <a:spcPts val="0"/>
+              </a:spcAft>
+              <a:buClrTx/>
+              <a:buSzTx/>
+              <a:buFontTx/>
+              <a:buNone/>
+              <a:tabLst/>
+              <a:defRPr/>
+            </a:pPr>
+            <a:endParaRPr kumimoji="0" lang="en-US" sz="1800" b="0" i="0" u="none" strike="noStrike" kern="0" cap="none" spc="0" normalizeH="0" baseline="0" noProof="0">
+              <a:ln>
+                <a:noFill/>
+              </a:ln>
+              <a:solidFill>
+                <a:prstClr val="white"/>
+              </a:solidFill>
+              <a:effectLst/>
+              <a:uLnTx/>
+              <a:uFillTx/>
+              <a:latin typeface="Calibri" panose="020F0502020204030204"/>
+              <a:ea typeface="+mn-ea"/>
+              <a:cs typeface="+mn-cs"/>
+            </a:endParaRPr>
+          </a:p>
+        </p:txBody>
+      </p:sp>
+      <p:pic>
+        <p:nvPicPr>
+          <p:cNvPr id="35" name="Graphic 14">
+            <a:extLst>
+              <a:ext uri="{FF2B5EF4-FFF2-40B4-BE49-F238E27FC236}">
+                <a16:creationId xmlns:a16="http://schemas.microsoft.com/office/drawing/2014/main" id="{4C842014-4FE7-8248-B227-C58E30B4C7DD}"/>
+              </a:ext>
+            </a:extLst>
+          </p:cNvPr>
+          <p:cNvPicPr>
+            <a:picLocks noChangeAspect="1"/>
+          </p:cNvPicPr>
+          <p:nvPr/>
+        </p:nvPicPr>
+        <p:blipFill>
+          <a:blip r:embed="rId2" cstate="print">
+            <a:extLst>
+              <a:ext uri="{28A0092B-C50C-407E-A947-70E740481C1C}">
+                <a14:useLocalDpi xmlns:a14="http://schemas.microsoft.com/office/drawing/2010/main" val="0"/>
+              </a:ext>
+              <a:ext uri="{96DAC541-7B7A-43D3-8B79-37D633B846F1}">
+                <asvg:svgBlip xmlns:asvg="http://schemas.microsoft.com/office/drawing/2016/SVG/main" r:embed="rId3"/>
+              </a:ext>
+            </a:extLst>
+          </a:blip>
+          <a:stretch>
+            <a:fillRect/>
+          </a:stretch>
+        </p:blipFill>
+        <p:spPr>
+          <a:xfrm>
+            <a:off x="9596290" y="4037888"/>
+            <a:ext cx="492594" cy="435315"/>
+          </a:xfrm>
+          <a:prstGeom prst="rect">
+            <a:avLst/>
+          </a:prstGeom>
+        </p:spPr>
+      </p:pic>
+      <p:sp>
+        <p:nvSpPr>
+          <p:cNvPr id="36" name="Oval 35"/>
+          <p:cNvSpPr/>
+          <p:nvPr/>
+        </p:nvSpPr>
+        <p:spPr>
+          <a:xfrm>
+            <a:off x="1581029" y="3777285"/>
+            <a:ext cx="1134996" cy="1096117"/>
+          </a:xfrm>
+          <a:prstGeom prst="ellipse">
+            <a:avLst/>
+          </a:prstGeom>
+          <a:gradFill rotWithShape="1">
+            <a:gsLst>
+              <a:gs pos="0">
+                <a:srgbClr val="4472C4">
+                  <a:satMod val="103000"/>
+                  <a:lumMod val="102000"/>
+                  <a:tint val="94000"/>
+                </a:srgbClr>
+              </a:gs>
+              <a:gs pos="50000">
+                <a:srgbClr val="4472C4">
+                  <a:satMod val="110000"/>
+                  <a:lumMod val="100000"/>
+                  <a:shade val="100000"/>
+                </a:srgbClr>
+              </a:gs>
+              <a:gs pos="100000">
+                <a:srgbClr val="4472C4">
+                  <a:lumMod val="99000"/>
+                  <a:satMod val="120000"/>
+                  <a:shade val="78000"/>
+                </a:srgbClr>
+              </a:gs>
+            </a:gsLst>
+            <a:lin ang="5400000" scaled="0"/>
+          </a:gradFill>
+          <a:ln>
+            <a:noFill/>
+          </a:ln>
+          <a:effectLst>
+            <a:outerShdw blurRad="57150" dist="19050" dir="5400000" algn="ctr" rotWithShape="0">
+              <a:srgbClr val="000000">
+                <a:alpha val="63000"/>
+              </a:srgbClr>
+            </a:outerShdw>
+          </a:effectLst>
+        </p:spPr>
+        <p:txBody>
+          <a:bodyPr rtlCol="0" anchor="ctr"/>
+          <a:lstStyle/>
+          <a:p>
+            <a:pPr marL="0" marR="0" lvl="0" indent="0" algn="ctr" defTabSz="914400" eaLnBrk="1" fontAlgn="auto" latinLnBrk="0" hangingPunct="1">
+              <a:lnSpc>
+                <a:spcPct val="100000"/>
+              </a:lnSpc>
+              <a:spcBef>
+                <a:spcPts val="0"/>
+              </a:spcBef>
+              <a:spcAft>
+                <a:spcPts val="0"/>
+              </a:spcAft>
+              <a:buClrTx/>
+              <a:buSzTx/>
+              <a:buFontTx/>
+              <a:buNone/>
+              <a:tabLst/>
+              <a:defRPr/>
+            </a:pPr>
+            <a:endParaRPr kumimoji="0" lang="en-US" sz="1800" b="0" i="0" u="none" strike="noStrike" kern="0" cap="none" spc="0" normalizeH="0" baseline="0" noProof="0">
+              <a:ln>
+                <a:noFill/>
+              </a:ln>
+              <a:solidFill>
+                <a:prstClr val="white"/>
+              </a:solidFill>
+              <a:effectLst/>
+              <a:uLnTx/>
+              <a:uFillTx/>
+              <a:latin typeface="Calibri" panose="020F0502020204030204"/>
+              <a:ea typeface="+mn-ea"/>
+              <a:cs typeface="+mn-cs"/>
+            </a:endParaRPr>
+          </a:p>
+        </p:txBody>
+      </p:sp>
+      <p:pic>
+        <p:nvPicPr>
+          <p:cNvPr id="38" name="Graphic 121">
+            <a:extLst>
+              <a:ext uri="{FF2B5EF4-FFF2-40B4-BE49-F238E27FC236}">
+                <a16:creationId xmlns:a16="http://schemas.microsoft.com/office/drawing/2014/main" id="{2C9FF427-13D1-C84E-8C68-BE7B9C03809B}"/>
+              </a:ext>
+            </a:extLst>
+          </p:cNvPr>
+          <p:cNvPicPr>
+            <a:picLocks noChangeAspect="1"/>
+          </p:cNvPicPr>
+          <p:nvPr/>
+        </p:nvPicPr>
+        <p:blipFill>
+          <a:blip r:embed="rId4" cstate="print">
+            <a:extLst>
+              <a:ext uri="{28A0092B-C50C-407E-A947-70E740481C1C}">
+                <a14:useLocalDpi xmlns:a14="http://schemas.microsoft.com/office/drawing/2010/main" val="0"/>
+              </a:ext>
+              <a:ext uri="{96DAC541-7B7A-43D3-8B79-37D633B846F1}">
+                <asvg:svgBlip xmlns:asvg="http://schemas.microsoft.com/office/drawing/2016/SVG/main" r:embed="rId5"/>
+              </a:ext>
+            </a:extLst>
+          </a:blip>
+          <a:stretch>
+            <a:fillRect/>
+          </a:stretch>
+        </p:blipFill>
+        <p:spPr>
+          <a:xfrm>
+            <a:off x="1901579" y="4069359"/>
+            <a:ext cx="493895" cy="493895"/>
+          </a:xfrm>
+          <a:prstGeom prst="rect">
+            <a:avLst/>
+          </a:prstGeom>
+          <a:solidFill>
+            <a:srgbClr val="4775CA"/>
+          </a:solidFill>
+          <a:ln w="12700" cap="flat" cmpd="sng" algn="ctr">
+            <a:solidFill>
+              <a:srgbClr val="ED7D31">
+                <a:shade val="50000"/>
+              </a:srgbClr>
+            </a:solidFill>
+            <a:prstDash val="solid"/>
+            <a:miter lim="800000"/>
+          </a:ln>
+          <a:effectLst/>
+        </p:spPr>
+      </p:pic>
+      <p:sp>
+        <p:nvSpPr>
+          <p:cNvPr id="42" name="TextBox 41"/>
+          <p:cNvSpPr txBox="1"/>
+          <p:nvPr/>
+        </p:nvSpPr>
+        <p:spPr>
+          <a:xfrm>
+            <a:off x="143462" y="2692708"/>
+            <a:ext cx="3368102" cy="954107"/>
+          </a:xfrm>
+          <a:prstGeom prst="rect">
+            <a:avLst/>
+          </a:prstGeom>
+          <a:noFill/>
+        </p:spPr>
+        <p:txBody>
+          <a:bodyPr wrap="none" rtlCol="0">
+            <a:spAutoFit/>
+          </a:bodyPr>
+          <a:lstStyle/>
+          <a:p>
+            <a:pPr defTabSz="914400"/>
+            <a:r>
+              <a:rPr lang="en-US" sz="2800" b="1" dirty="0">
+                <a:solidFill>
+                  <a:prstClr val="white">
+                    <a:lumMod val="50000"/>
+                  </a:prstClr>
+                </a:solidFill>
+                <a:latin typeface="Calibri" panose="020F0502020204030204"/>
+              </a:rPr>
+              <a:t>System that</a:t>
+            </a:r>
+          </a:p>
+          <a:p>
+            <a:pPr defTabSz="914400"/>
+            <a:r>
+              <a:rPr lang="en-US" sz="2800" b="1" dirty="0">
+                <a:solidFill>
+                  <a:prstClr val="white">
+                    <a:lumMod val="50000"/>
+                  </a:prstClr>
+                </a:solidFill>
+                <a:latin typeface="Calibri" panose="020F0502020204030204"/>
+              </a:rPr>
+              <a:t>Publishes Documents</a:t>
+            </a:r>
+          </a:p>
+        </p:txBody>
+      </p:sp>
+      <p:sp>
+        <p:nvSpPr>
+          <p:cNvPr id="44" name="TextBox 43"/>
+          <p:cNvSpPr txBox="1"/>
+          <p:nvPr/>
+        </p:nvSpPr>
+        <p:spPr>
+          <a:xfrm>
+            <a:off x="8671560" y="2610005"/>
+            <a:ext cx="3519078" cy="954107"/>
+          </a:xfrm>
+          <a:prstGeom prst="rect">
+            <a:avLst/>
+          </a:prstGeom>
+          <a:noFill/>
+        </p:spPr>
+        <p:txBody>
+          <a:bodyPr wrap="square" rtlCol="0">
+            <a:spAutoFit/>
+          </a:bodyPr>
+          <a:lstStyle/>
+          <a:p>
+            <a:pPr algn="r" defTabSz="914400"/>
+            <a:r>
+              <a:rPr lang="en-US" sz="2800" b="1" dirty="0">
+                <a:solidFill>
+                  <a:prstClr val="white">
+                    <a:lumMod val="50000"/>
+                  </a:prstClr>
+                </a:solidFill>
+                <a:latin typeface="Calibri" panose="020F0502020204030204"/>
+              </a:rPr>
+              <a:t>System that </a:t>
+            </a:r>
+          </a:p>
+          <a:p>
+            <a:pPr defTabSz="914400"/>
+            <a:r>
+              <a:rPr lang="en-US" sz="2800" b="1" dirty="0">
+                <a:solidFill>
+                  <a:prstClr val="white">
+                    <a:lumMod val="50000"/>
+                  </a:prstClr>
+                </a:solidFill>
+                <a:latin typeface="Calibri" panose="020F0502020204030204"/>
+              </a:rPr>
+              <a:t>Consumes Documents</a:t>
+            </a:r>
+            <a:endParaRPr lang="en-US" sz="1600" dirty="0">
+              <a:solidFill>
+                <a:prstClr val="white">
+                  <a:lumMod val="50000"/>
+                </a:prstClr>
+              </a:solidFill>
+              <a:latin typeface="Calibri" panose="020F0502020204030204"/>
+            </a:endParaRPr>
+          </a:p>
+        </p:txBody>
+      </p:sp>
+      <p:sp>
+        <p:nvSpPr>
+          <p:cNvPr id="45" name="Flowchart: Magnetic Disk 44"/>
+          <p:cNvSpPr/>
+          <p:nvPr/>
+        </p:nvSpPr>
+        <p:spPr>
+          <a:xfrm>
+            <a:off x="4539861" y="1284051"/>
+            <a:ext cx="3251636" cy="4805022"/>
+          </a:xfrm>
+          <a:prstGeom prst="flowChartMagneticDisk">
+            <a:avLst/>
+          </a:prstGeom>
+          <a:solidFill>
+            <a:sysClr val="window" lastClr="FFFFFF"/>
+          </a:solidFill>
+          <a:ln w="76200" cap="flat" cmpd="sng" algn="ctr">
+            <a:solidFill>
+              <a:srgbClr val="7030A0"/>
+            </a:solidFill>
+            <a:prstDash val="solid"/>
+            <a:miter lim="800000"/>
+          </a:ln>
+          <a:effectLst/>
+        </p:spPr>
+        <p:txBody>
+          <a:bodyPr rtlCol="0" anchor="ctr"/>
+          <a:lstStyle/>
+          <a:p>
+            <a:pPr marL="0" marR="0" lvl="0" indent="0" algn="ctr" defTabSz="914400" eaLnBrk="1" fontAlgn="auto" latinLnBrk="0" hangingPunct="1">
+              <a:lnSpc>
+                <a:spcPct val="100000"/>
+              </a:lnSpc>
+              <a:spcBef>
+                <a:spcPts val="0"/>
+              </a:spcBef>
+              <a:spcAft>
+                <a:spcPts val="0"/>
+              </a:spcAft>
+              <a:buClrTx/>
+              <a:buSzTx/>
+              <a:buFontTx/>
+              <a:buNone/>
+              <a:tabLst/>
+              <a:defRPr/>
+            </a:pPr>
+            <a:endParaRPr kumimoji="0" lang="en-US" sz="1800" b="1" i="0" u="none" strike="noStrike" kern="0" cap="none" spc="0" normalizeH="0" baseline="0" noProof="0" dirty="0">
+              <a:ln>
+                <a:noFill/>
+              </a:ln>
+              <a:solidFill>
+                <a:prstClr val="black"/>
+              </a:solidFill>
+              <a:effectLst/>
+              <a:uLnTx/>
+              <a:uFillTx/>
+              <a:latin typeface="Calibri" panose="020F0502020204030204"/>
+              <a:ea typeface="+mn-ea"/>
+              <a:cs typeface="+mn-cs"/>
+            </a:endParaRPr>
+          </a:p>
+          <a:p>
+            <a:pPr marL="0" marR="0" lvl="0" indent="0" algn="ctr" defTabSz="914400" eaLnBrk="1" fontAlgn="auto" latinLnBrk="0" hangingPunct="1">
+              <a:lnSpc>
+                <a:spcPct val="100000"/>
+              </a:lnSpc>
+              <a:spcBef>
+                <a:spcPts val="0"/>
+              </a:spcBef>
+              <a:spcAft>
+                <a:spcPts val="0"/>
+              </a:spcAft>
+              <a:buClrTx/>
+              <a:buSzTx/>
+              <a:buFontTx/>
+              <a:buNone/>
+              <a:tabLst/>
+              <a:defRPr/>
+            </a:pPr>
+            <a:endParaRPr kumimoji="0" lang="en-US" sz="1800" b="1" i="0" u="none" strike="noStrike" kern="0" cap="none" spc="0" normalizeH="0" baseline="0" noProof="0" dirty="0">
+              <a:ln>
+                <a:noFill/>
+              </a:ln>
+              <a:solidFill>
+                <a:prstClr val="black"/>
+              </a:solidFill>
+              <a:effectLst/>
+              <a:uLnTx/>
+              <a:uFillTx/>
+              <a:latin typeface="Calibri" panose="020F0502020204030204"/>
+              <a:ea typeface="+mn-ea"/>
+              <a:cs typeface="+mn-cs"/>
+            </a:endParaRPr>
+          </a:p>
+          <a:p>
+            <a:pPr marL="0" marR="0" lvl="0" indent="0" algn="ctr" defTabSz="914400" eaLnBrk="1" fontAlgn="auto" latinLnBrk="0" hangingPunct="1">
+              <a:lnSpc>
+                <a:spcPct val="100000"/>
+              </a:lnSpc>
+              <a:spcBef>
+                <a:spcPts val="0"/>
+              </a:spcBef>
+              <a:spcAft>
+                <a:spcPts val="0"/>
+              </a:spcAft>
+              <a:buClrTx/>
+              <a:buSzTx/>
+              <a:buFontTx/>
+              <a:buNone/>
+              <a:tabLst/>
+              <a:defRPr/>
+            </a:pPr>
+            <a:endParaRPr kumimoji="0" lang="en-US" sz="1800" b="1" i="0" u="none" strike="noStrike" kern="0" cap="none" spc="0" normalizeH="0" baseline="0" noProof="0" dirty="0">
+              <a:ln>
+                <a:noFill/>
+              </a:ln>
+              <a:solidFill>
+                <a:prstClr val="black"/>
+              </a:solidFill>
+              <a:effectLst/>
+              <a:uLnTx/>
+              <a:uFillTx/>
+              <a:latin typeface="Calibri" panose="020F0502020204030204"/>
+              <a:ea typeface="+mn-ea"/>
+              <a:cs typeface="+mn-cs"/>
+            </a:endParaRPr>
+          </a:p>
+          <a:p>
+            <a:pPr marL="0" marR="0" lvl="0" indent="0" algn="ctr" defTabSz="914400" eaLnBrk="1" fontAlgn="auto" latinLnBrk="0" hangingPunct="1">
+              <a:lnSpc>
+                <a:spcPct val="100000"/>
+              </a:lnSpc>
+              <a:spcBef>
+                <a:spcPts val="0"/>
+              </a:spcBef>
+              <a:spcAft>
+                <a:spcPts val="0"/>
+              </a:spcAft>
+              <a:buClrTx/>
+              <a:buSzTx/>
+              <a:buFontTx/>
+              <a:buNone/>
+              <a:tabLst/>
+              <a:defRPr/>
+            </a:pPr>
+            <a:r>
+              <a:rPr kumimoji="0" lang="en-US" sz="2400" b="1" i="0" u="none" strike="noStrike" kern="0" cap="none" spc="0" normalizeH="0" baseline="0" noProof="0" dirty="0">
+                <a:ln>
+                  <a:noFill/>
+                </a:ln>
+                <a:solidFill>
+                  <a:prstClr val="black"/>
+                </a:solidFill>
+                <a:effectLst/>
+                <a:uLnTx/>
+                <a:uFillTx/>
+                <a:latin typeface="Calibri" panose="020F0502020204030204"/>
+                <a:ea typeface="+mn-ea"/>
+                <a:cs typeface="+mn-cs"/>
+              </a:rPr>
+              <a:t>MHDS </a:t>
+            </a:r>
+            <a:r>
+              <a:rPr kumimoji="0" lang="en-US" b="0" i="1" u="none" strike="noStrike" kern="0" cap="none" spc="0" normalizeH="0" baseline="0" noProof="0" dirty="0">
+                <a:ln>
+                  <a:noFill/>
+                </a:ln>
+                <a:solidFill>
+                  <a:prstClr val="black"/>
+                </a:solidFill>
+                <a:effectLst/>
+                <a:uLnTx/>
+                <a:uFillTx/>
+                <a:latin typeface="Calibri" panose="020F0502020204030204"/>
+                <a:ea typeface="+mn-ea"/>
+                <a:cs typeface="+mn-cs"/>
+              </a:rPr>
+              <a:t>Document Registry</a:t>
+            </a:r>
+          </a:p>
+          <a:p>
+            <a:pPr marL="0" marR="0" lvl="0" indent="0" algn="ctr" defTabSz="914400" eaLnBrk="1" fontAlgn="auto" latinLnBrk="0" hangingPunct="1">
+              <a:lnSpc>
+                <a:spcPct val="100000"/>
+              </a:lnSpc>
+              <a:spcBef>
+                <a:spcPts val="0"/>
+              </a:spcBef>
+              <a:spcAft>
+                <a:spcPts val="0"/>
+              </a:spcAft>
+              <a:buClrTx/>
+              <a:buSzTx/>
+              <a:buFontTx/>
+              <a:buNone/>
+              <a:tabLst/>
+              <a:defRPr/>
+            </a:pPr>
+            <a:r>
+              <a:rPr lang="en-US" sz="2400" b="1" kern="0" dirty="0">
+                <a:solidFill>
+                  <a:prstClr val="black"/>
+                </a:solidFill>
+                <a:latin typeface="Calibri" panose="020F0502020204030204"/>
+              </a:rPr>
+              <a:t>IUA</a:t>
+            </a:r>
+            <a:r>
+              <a:rPr lang="en-US" i="1" kern="0" dirty="0">
+                <a:solidFill>
+                  <a:prstClr val="black"/>
+                </a:solidFill>
+                <a:latin typeface="Calibri" panose="020F0502020204030204"/>
+              </a:rPr>
+              <a:t> Authorization Service</a:t>
+            </a:r>
+            <a:endParaRPr kumimoji="0" lang="en-US" b="0" i="1" u="none" strike="noStrike" kern="0" cap="none" spc="0" normalizeH="0" baseline="0" noProof="0" dirty="0">
+              <a:ln>
+                <a:noFill/>
+              </a:ln>
+              <a:solidFill>
+                <a:prstClr val="black"/>
+              </a:solidFill>
+              <a:effectLst/>
+              <a:uLnTx/>
+              <a:uFillTx/>
+              <a:latin typeface="Calibri" panose="020F0502020204030204"/>
+              <a:ea typeface="+mn-ea"/>
+              <a:cs typeface="+mn-cs"/>
+            </a:endParaRPr>
+          </a:p>
+          <a:p>
+            <a:pPr marL="0" marR="0" lvl="0" indent="0" algn="ctr" defTabSz="914400" eaLnBrk="1" fontAlgn="auto" latinLnBrk="0" hangingPunct="1">
+              <a:lnSpc>
+                <a:spcPct val="100000"/>
+              </a:lnSpc>
+              <a:spcBef>
+                <a:spcPts val="0"/>
+              </a:spcBef>
+              <a:spcAft>
+                <a:spcPts val="0"/>
+              </a:spcAft>
+              <a:buClrTx/>
+              <a:buSzTx/>
+              <a:buFontTx/>
+              <a:buNone/>
+              <a:tabLst/>
+              <a:defRPr/>
+            </a:pPr>
+            <a:r>
+              <a:rPr kumimoji="0" lang="en-US" sz="2400" b="1" i="0" u="none" strike="noStrike" kern="0" cap="none" spc="0" normalizeH="0" baseline="0" noProof="0" dirty="0">
+                <a:ln>
+                  <a:noFill/>
+                </a:ln>
+                <a:solidFill>
+                  <a:prstClr val="black"/>
+                </a:solidFill>
+                <a:effectLst/>
+                <a:uLnTx/>
+                <a:uFillTx/>
+                <a:latin typeface="Calibri" panose="020F0502020204030204"/>
+                <a:ea typeface="+mn-ea"/>
+                <a:cs typeface="+mn-cs"/>
+              </a:rPr>
+              <a:t>CA</a:t>
+            </a:r>
+            <a:r>
+              <a:rPr kumimoji="0" lang="en-US" sz="2400" b="0" i="0" u="none" strike="noStrike" kern="0" cap="none" spc="0" normalizeH="0" baseline="0" noProof="0" dirty="0">
+                <a:ln>
+                  <a:noFill/>
+                </a:ln>
+                <a:solidFill>
+                  <a:prstClr val="black"/>
+                </a:solidFill>
+                <a:effectLst/>
+                <a:uLnTx/>
+                <a:uFillTx/>
+                <a:latin typeface="Calibri" panose="020F0502020204030204"/>
+                <a:ea typeface="+mn-ea"/>
+                <a:cs typeface="+mn-cs"/>
+              </a:rPr>
+              <a:t> </a:t>
+            </a:r>
+            <a:r>
+              <a:rPr kumimoji="0" lang="en-US" b="0" i="1" u="none" strike="noStrike" kern="0" cap="none" spc="0" normalizeH="0" baseline="0" noProof="0" dirty="0">
+                <a:ln>
+                  <a:noFill/>
+                </a:ln>
+                <a:solidFill>
+                  <a:prstClr val="black"/>
+                </a:solidFill>
+                <a:effectLst/>
+                <a:uLnTx/>
+                <a:uFillTx/>
+                <a:latin typeface="Calibri" panose="020F0502020204030204"/>
+                <a:ea typeface="+mn-ea"/>
+                <a:cs typeface="+mn-cs"/>
+              </a:rPr>
+              <a:t>Certificate Authority</a:t>
+            </a:r>
+          </a:p>
+          <a:p>
+            <a:pPr marL="0" marR="0" lvl="0" indent="0" algn="ctr" defTabSz="914400" eaLnBrk="1" fontAlgn="auto" latinLnBrk="0" hangingPunct="1">
+              <a:lnSpc>
+                <a:spcPct val="100000"/>
+              </a:lnSpc>
+              <a:spcBef>
+                <a:spcPts val="0"/>
+              </a:spcBef>
+              <a:spcAft>
+                <a:spcPts val="0"/>
+              </a:spcAft>
+              <a:buClrTx/>
+              <a:buSzTx/>
+              <a:buFontTx/>
+              <a:buNone/>
+              <a:tabLst/>
+              <a:defRPr/>
+            </a:pPr>
+            <a:r>
+              <a:rPr kumimoji="0" lang="en-US" sz="2400" b="1" i="0" u="none" strike="noStrike" kern="0" cap="none" spc="0" normalizeH="0" baseline="0" noProof="0" dirty="0">
+                <a:ln>
+                  <a:noFill/>
+                </a:ln>
+                <a:solidFill>
+                  <a:prstClr val="black"/>
+                </a:solidFill>
+                <a:effectLst/>
+                <a:uLnTx/>
+                <a:uFillTx/>
+                <a:latin typeface="Calibri" panose="020F0502020204030204"/>
+                <a:ea typeface="+mn-ea"/>
+                <a:cs typeface="+mn-cs"/>
+              </a:rPr>
+              <a:t>CT</a:t>
+            </a:r>
+            <a:r>
+              <a:rPr kumimoji="0" lang="en-US" sz="2400" b="0" i="0" u="none" strike="noStrike" kern="0" cap="none" spc="0" normalizeH="0" baseline="0" noProof="0" dirty="0">
+                <a:ln>
+                  <a:noFill/>
+                </a:ln>
+                <a:solidFill>
+                  <a:prstClr val="black"/>
+                </a:solidFill>
+                <a:effectLst/>
+                <a:uLnTx/>
+                <a:uFillTx/>
+                <a:latin typeface="Calibri" panose="020F0502020204030204"/>
+                <a:ea typeface="+mn-ea"/>
+                <a:cs typeface="+mn-cs"/>
+              </a:rPr>
+              <a:t> </a:t>
+            </a:r>
+            <a:r>
+              <a:rPr kumimoji="0" lang="en-US" b="0" i="1" u="none" strike="noStrike" kern="0" cap="none" spc="0" normalizeH="0" baseline="0" noProof="0" dirty="0">
+                <a:ln>
+                  <a:noFill/>
+                </a:ln>
+                <a:solidFill>
+                  <a:prstClr val="black"/>
+                </a:solidFill>
+                <a:effectLst/>
+                <a:uLnTx/>
+                <a:uFillTx/>
+                <a:latin typeface="Calibri" panose="020F0502020204030204"/>
+                <a:ea typeface="+mn-ea"/>
+                <a:cs typeface="+mn-cs"/>
+              </a:rPr>
+              <a:t>Time Service</a:t>
+            </a:r>
+          </a:p>
+          <a:p>
+            <a:pPr marL="0" marR="0" lvl="0" indent="0" algn="ctr" defTabSz="914400" eaLnBrk="1" fontAlgn="auto" latinLnBrk="0" hangingPunct="1">
+              <a:lnSpc>
+                <a:spcPct val="100000"/>
+              </a:lnSpc>
+              <a:spcBef>
+                <a:spcPts val="0"/>
+              </a:spcBef>
+              <a:spcAft>
+                <a:spcPts val="0"/>
+              </a:spcAft>
+              <a:buClrTx/>
+              <a:buSzTx/>
+              <a:buFontTx/>
+              <a:buNone/>
+              <a:tabLst/>
+              <a:defRPr/>
+            </a:pPr>
+            <a:r>
+              <a:rPr kumimoji="0" lang="en-US" sz="2400" b="1" i="0" u="none" strike="noStrike" kern="0" cap="none" spc="0" normalizeH="0" baseline="0" noProof="0" dirty="0">
+                <a:ln>
+                  <a:noFill/>
+                </a:ln>
+                <a:solidFill>
+                  <a:prstClr val="black"/>
+                </a:solidFill>
+                <a:effectLst/>
+                <a:uLnTx/>
+                <a:uFillTx/>
+                <a:latin typeface="Calibri" panose="020F0502020204030204"/>
+                <a:ea typeface="+mn-ea"/>
+                <a:cs typeface="+mn-cs"/>
+              </a:rPr>
+              <a:t>PMIR</a:t>
+            </a:r>
+            <a:r>
+              <a:rPr kumimoji="0" lang="en-US" sz="2400" b="0" i="0" u="none" strike="noStrike" kern="0" cap="none" spc="0" normalizeH="0" baseline="0" noProof="0" dirty="0">
+                <a:ln>
+                  <a:noFill/>
+                </a:ln>
+                <a:solidFill>
+                  <a:prstClr val="black"/>
+                </a:solidFill>
+                <a:effectLst/>
+                <a:uLnTx/>
+                <a:uFillTx/>
+                <a:latin typeface="Calibri" panose="020F0502020204030204"/>
+                <a:ea typeface="+mn-ea"/>
+                <a:cs typeface="+mn-cs"/>
+              </a:rPr>
+              <a:t> </a:t>
+            </a:r>
+            <a:r>
+              <a:rPr kumimoji="0" lang="en-US" b="0" i="1" u="none" strike="noStrike" kern="0" cap="none" spc="0" normalizeH="0" baseline="0" noProof="0" dirty="0">
+                <a:ln>
+                  <a:noFill/>
+                </a:ln>
+                <a:solidFill>
+                  <a:prstClr val="black"/>
+                </a:solidFill>
+                <a:effectLst/>
+                <a:uLnTx/>
+                <a:uFillTx/>
+                <a:latin typeface="Calibri" panose="020F0502020204030204"/>
+                <a:ea typeface="+mn-ea"/>
+                <a:cs typeface="+mn-cs"/>
+              </a:rPr>
+              <a:t>Patient </a:t>
+            </a:r>
+            <a:r>
+              <a:rPr lang="en-US" i="1" kern="0" dirty="0">
+                <a:solidFill>
+                  <a:prstClr val="black"/>
+                </a:solidFill>
+                <a:latin typeface="Calibri" panose="020F0502020204030204"/>
+              </a:rPr>
+              <a:t>Id Management</a:t>
+            </a:r>
+            <a:endParaRPr kumimoji="0" lang="en-US" b="0" i="1" u="none" strike="noStrike" kern="0" cap="none" spc="0" normalizeH="0" baseline="0" noProof="0" dirty="0">
+              <a:ln>
+                <a:noFill/>
+              </a:ln>
+              <a:solidFill>
+                <a:prstClr val="black"/>
+              </a:solidFill>
+              <a:effectLst/>
+              <a:uLnTx/>
+              <a:uFillTx/>
+              <a:latin typeface="Calibri" panose="020F0502020204030204"/>
+              <a:ea typeface="+mn-ea"/>
+              <a:cs typeface="+mn-cs"/>
+            </a:endParaRPr>
+          </a:p>
+          <a:p>
+            <a:pPr marL="0" marR="0" lvl="0" indent="0" algn="ctr" defTabSz="914400" eaLnBrk="1" fontAlgn="auto" latinLnBrk="0" hangingPunct="1">
+              <a:lnSpc>
+                <a:spcPct val="100000"/>
+              </a:lnSpc>
+              <a:spcBef>
+                <a:spcPts val="0"/>
+              </a:spcBef>
+              <a:spcAft>
+                <a:spcPts val="0"/>
+              </a:spcAft>
+              <a:buClrTx/>
+              <a:buSzTx/>
+              <a:buFontTx/>
+              <a:buNone/>
+              <a:tabLst/>
+              <a:defRPr/>
+            </a:pPr>
+            <a:r>
+              <a:rPr kumimoji="0" lang="en-US" sz="2400" b="1" i="0" u="none" strike="noStrike" kern="0" cap="none" spc="0" normalizeH="0" baseline="0" noProof="0" dirty="0">
+                <a:ln>
+                  <a:noFill/>
+                </a:ln>
+                <a:solidFill>
+                  <a:prstClr val="black"/>
+                </a:solidFill>
+                <a:effectLst/>
+                <a:uLnTx/>
+                <a:uFillTx/>
+                <a:latin typeface="Calibri" panose="020F0502020204030204"/>
+                <a:ea typeface="+mn-ea"/>
+                <a:cs typeface="+mn-cs"/>
+              </a:rPr>
+              <a:t>SVCM </a:t>
+            </a:r>
+            <a:r>
+              <a:rPr kumimoji="0" lang="en-US" b="0" i="1" u="none" strike="noStrike" kern="0" cap="none" spc="0" normalizeH="0" baseline="0" noProof="0" dirty="0">
+                <a:ln>
+                  <a:noFill/>
+                </a:ln>
+                <a:solidFill>
+                  <a:prstClr val="black"/>
+                </a:solidFill>
+                <a:effectLst/>
+                <a:uLnTx/>
+                <a:uFillTx/>
+                <a:latin typeface="Calibri" panose="020F0502020204030204"/>
+                <a:ea typeface="+mn-ea"/>
+                <a:cs typeface="+mn-cs"/>
+              </a:rPr>
+              <a:t>Vocab Management</a:t>
+            </a:r>
+          </a:p>
+          <a:p>
+            <a:pPr marL="0" marR="0" lvl="0" indent="0" algn="ctr" defTabSz="914400" eaLnBrk="1" fontAlgn="auto" latinLnBrk="0" hangingPunct="1">
+              <a:lnSpc>
+                <a:spcPct val="100000"/>
+              </a:lnSpc>
+              <a:spcBef>
+                <a:spcPts val="0"/>
+              </a:spcBef>
+              <a:spcAft>
+                <a:spcPts val="0"/>
+              </a:spcAft>
+              <a:buClrTx/>
+              <a:buSzTx/>
+              <a:buFontTx/>
+              <a:buNone/>
+              <a:tabLst/>
+              <a:defRPr/>
+            </a:pPr>
+            <a:r>
+              <a:rPr kumimoji="0" lang="en-US" sz="2400" b="1" i="0" u="none" strike="noStrike" kern="0" cap="none" spc="0" normalizeH="0" baseline="0" noProof="0" dirty="0">
+                <a:ln>
+                  <a:noFill/>
+                </a:ln>
+                <a:solidFill>
+                  <a:prstClr val="black"/>
+                </a:solidFill>
+                <a:effectLst/>
+                <a:uLnTx/>
+                <a:uFillTx/>
+                <a:latin typeface="Calibri" panose="020F0502020204030204"/>
+                <a:ea typeface="+mn-ea"/>
+                <a:cs typeface="+mn-cs"/>
+              </a:rPr>
+              <a:t>ATNA</a:t>
+            </a:r>
+            <a:r>
+              <a:rPr kumimoji="0" lang="en-US" sz="2400" b="0" i="0" u="none" strike="noStrike" kern="0" cap="none" spc="0" normalizeH="0" baseline="0" noProof="0" dirty="0">
+                <a:ln>
+                  <a:noFill/>
+                </a:ln>
+                <a:solidFill>
+                  <a:prstClr val="black"/>
+                </a:solidFill>
+                <a:effectLst/>
+                <a:uLnTx/>
+                <a:uFillTx/>
+                <a:latin typeface="Calibri" panose="020F0502020204030204"/>
+                <a:ea typeface="+mn-ea"/>
+                <a:cs typeface="+mn-cs"/>
+              </a:rPr>
+              <a:t> </a:t>
+            </a:r>
+            <a:r>
+              <a:rPr kumimoji="0" lang="en-US" b="0" i="1" u="none" strike="noStrike" kern="0" cap="none" spc="0" normalizeH="0" baseline="0" noProof="0" dirty="0">
+                <a:ln>
+                  <a:noFill/>
+                </a:ln>
+                <a:solidFill>
+                  <a:prstClr val="black"/>
+                </a:solidFill>
+                <a:effectLst/>
+                <a:uLnTx/>
+                <a:uFillTx/>
+                <a:latin typeface="Calibri" panose="020F0502020204030204"/>
+                <a:ea typeface="+mn-ea"/>
+                <a:cs typeface="+mn-cs"/>
+              </a:rPr>
+              <a:t>Audit Record Repository</a:t>
+            </a:r>
+          </a:p>
+          <a:p>
+            <a:pPr marL="0" marR="0" lvl="0" indent="0" algn="ctr" defTabSz="914400" eaLnBrk="1" fontAlgn="auto" latinLnBrk="0" hangingPunct="1">
+              <a:lnSpc>
+                <a:spcPct val="100000"/>
+              </a:lnSpc>
+              <a:spcBef>
+                <a:spcPts val="0"/>
+              </a:spcBef>
+              <a:spcAft>
+                <a:spcPts val="0"/>
+              </a:spcAft>
+              <a:buClrTx/>
+              <a:buSzTx/>
+              <a:buFontTx/>
+              <a:buNone/>
+              <a:tabLst/>
+              <a:defRPr/>
+            </a:pPr>
+            <a:r>
+              <a:rPr kumimoji="0" lang="en-US" sz="2400" b="1" i="0" u="none" strike="noStrike" kern="0" cap="none" spc="0" normalizeH="0" baseline="0" noProof="0" dirty="0">
+                <a:ln>
+                  <a:noFill/>
+                </a:ln>
+                <a:solidFill>
+                  <a:prstClr val="black"/>
+                </a:solidFill>
+                <a:effectLst/>
+                <a:uLnTx/>
+                <a:uFillTx/>
+                <a:latin typeface="Calibri" panose="020F0502020204030204"/>
+                <a:ea typeface="+mn-ea"/>
+                <a:cs typeface="+mn-cs"/>
+              </a:rPr>
+              <a:t>mCSD</a:t>
+            </a:r>
+            <a:r>
+              <a:rPr kumimoji="0" lang="en-US" sz="2400" b="0" i="0" u="none" strike="noStrike" kern="0" cap="none" spc="0" normalizeH="0" baseline="0" noProof="0" dirty="0">
+                <a:ln>
+                  <a:noFill/>
+                </a:ln>
+                <a:solidFill>
+                  <a:prstClr val="black"/>
+                </a:solidFill>
+                <a:effectLst/>
+                <a:uLnTx/>
+                <a:uFillTx/>
+                <a:latin typeface="Calibri" panose="020F0502020204030204"/>
+                <a:ea typeface="+mn-ea"/>
+                <a:cs typeface="+mn-cs"/>
+              </a:rPr>
+              <a:t> </a:t>
+            </a:r>
+            <a:r>
+              <a:rPr kumimoji="0" lang="en-US" b="0" i="1" u="none" strike="noStrike" kern="0" cap="none" spc="0" normalizeH="0" baseline="0" noProof="0" dirty="0">
+                <a:ln>
+                  <a:noFill/>
+                </a:ln>
+                <a:solidFill>
+                  <a:prstClr val="black"/>
+                </a:solidFill>
+                <a:effectLst/>
+                <a:uLnTx/>
+                <a:uFillTx/>
+                <a:latin typeface="Calibri" panose="020F0502020204030204"/>
+                <a:ea typeface="+mn-ea"/>
+                <a:cs typeface="+mn-cs"/>
+              </a:rPr>
+              <a:t>Provider Directory</a:t>
+            </a:r>
+          </a:p>
+        </p:txBody>
+      </p:sp>
+      <p:pic>
+        <p:nvPicPr>
+          <p:cNvPr id="50" name="Graphic 17">
+            <a:extLst>
+              <a:ext uri="{FF2B5EF4-FFF2-40B4-BE49-F238E27FC236}">
+                <a16:creationId xmlns:a16="http://schemas.microsoft.com/office/drawing/2014/main" id="{056BD314-7081-6B44-8D40-EDE604FF3CB0}"/>
+              </a:ext>
+            </a:extLst>
+          </p:cNvPr>
+          <p:cNvPicPr>
+            <a:picLocks noChangeAspect="1"/>
+          </p:cNvPicPr>
+          <p:nvPr/>
+        </p:nvPicPr>
+        <p:blipFill>
+          <a:blip r:embed="rId6" cstate="print">
+            <a:extLst>
+              <a:ext uri="{28A0092B-C50C-407E-A947-70E740481C1C}">
+                <a14:useLocalDpi xmlns:a14="http://schemas.microsoft.com/office/drawing/2010/main" val="0"/>
+              </a:ext>
+              <a:ext uri="{96DAC541-7B7A-43D3-8B79-37D633B846F1}">
+                <asvg:svgBlip xmlns:asvg="http://schemas.microsoft.com/office/drawing/2016/SVG/main" r:embed="rId7"/>
+              </a:ext>
+            </a:extLst>
+          </a:blip>
+          <a:stretch>
+            <a:fillRect/>
+          </a:stretch>
+        </p:blipFill>
+        <p:spPr>
+          <a:xfrm>
+            <a:off x="10009099" y="4277101"/>
+            <a:ext cx="255417" cy="207898"/>
+          </a:xfrm>
+          <a:prstGeom prst="rect">
+            <a:avLst/>
+          </a:prstGeom>
+        </p:spPr>
+      </p:pic>
+      <p:pic>
+        <p:nvPicPr>
+          <p:cNvPr id="51" name="Graphic 22">
+            <a:extLst>
+              <a:ext uri="{FF2B5EF4-FFF2-40B4-BE49-F238E27FC236}">
+                <a16:creationId xmlns:a16="http://schemas.microsoft.com/office/drawing/2014/main" id="{FF61B486-1C74-AC4C-9588-497291980B60}"/>
+              </a:ext>
+            </a:extLst>
+          </p:cNvPr>
+          <p:cNvPicPr>
+            <a:picLocks noChangeAspect="1"/>
+          </p:cNvPicPr>
+          <p:nvPr/>
+        </p:nvPicPr>
+        <p:blipFill>
+          <a:blip r:embed="rId8" cstate="print">
+            <a:extLst>
+              <a:ext uri="{28A0092B-C50C-407E-A947-70E740481C1C}">
+                <a14:useLocalDpi xmlns:a14="http://schemas.microsoft.com/office/drawing/2010/main" val="0"/>
+              </a:ext>
+              <a:ext uri="{96DAC541-7B7A-43D3-8B79-37D633B846F1}">
+                <asvg:svgBlip xmlns:asvg="http://schemas.microsoft.com/office/drawing/2016/SVG/main" r:embed="rId9"/>
+              </a:ext>
+            </a:extLst>
+          </a:blip>
+          <a:stretch>
+            <a:fillRect/>
+          </a:stretch>
+        </p:blipFill>
+        <p:spPr>
+          <a:xfrm flipH="1" flipV="1">
+            <a:off x="2452511" y="4144325"/>
+            <a:ext cx="223975" cy="343961"/>
+          </a:xfrm>
+          <a:prstGeom prst="rect">
+            <a:avLst/>
+          </a:prstGeom>
+        </p:spPr>
+      </p:pic>
+      <p:sp>
+        <p:nvSpPr>
+          <p:cNvPr id="53" name="Right Arrow 52"/>
+          <p:cNvSpPr/>
+          <p:nvPr/>
+        </p:nvSpPr>
+        <p:spPr>
+          <a:xfrm rot="10800000">
+            <a:off x="8250276" y="1084352"/>
+            <a:ext cx="3895758" cy="5418168"/>
+          </a:xfrm>
+          <a:prstGeom prst="rightArrow">
+            <a:avLst/>
+          </a:prstGeom>
+          <a:noFill/>
+          <a:ln w="76200" cap="flat" cmpd="sng" algn="ctr">
+            <a:solidFill>
+              <a:srgbClr val="A5A5A5">
+                <a:lumMod val="40000"/>
+                <a:lumOff val="60000"/>
+              </a:srgbClr>
+            </a:solidFill>
+            <a:prstDash val="dash"/>
+            <a:miter lim="800000"/>
+          </a:ln>
+          <a:effectLst/>
+        </p:spPr>
+        <p:txBody>
+          <a:bodyPr rtlCol="0" anchor="ctr"/>
+          <a:lstStyle/>
+          <a:p>
+            <a:pPr marL="0" marR="0" lvl="0" indent="0" algn="ctr" defTabSz="914400" eaLnBrk="1" fontAlgn="auto" latinLnBrk="0" hangingPunct="1">
+              <a:lnSpc>
+                <a:spcPct val="100000"/>
+              </a:lnSpc>
+              <a:spcBef>
+                <a:spcPts val="0"/>
+              </a:spcBef>
+              <a:spcAft>
+                <a:spcPts val="0"/>
+              </a:spcAft>
+              <a:buClrTx/>
+              <a:buSzTx/>
+              <a:buFontTx/>
+              <a:buNone/>
+              <a:tabLst/>
+              <a:defRPr/>
+            </a:pPr>
+            <a:endParaRPr kumimoji="0" lang="en-US" sz="1800" b="0" i="0" u="none" strike="noStrike" kern="0" cap="none" spc="0" normalizeH="0" baseline="0" noProof="0">
+              <a:ln>
+                <a:noFill/>
+              </a:ln>
+              <a:solidFill>
+                <a:prstClr val="white"/>
+              </a:solidFill>
+              <a:effectLst/>
+              <a:uLnTx/>
+              <a:uFillTx/>
+              <a:latin typeface="Calibri" panose="020F0502020204030204"/>
+              <a:ea typeface="+mn-ea"/>
+              <a:cs typeface="+mn-cs"/>
+            </a:endParaRPr>
+          </a:p>
+        </p:txBody>
+      </p:sp>
+      <p:sp>
+        <p:nvSpPr>
+          <p:cNvPr id="54" name="TextBox 53"/>
+          <p:cNvSpPr txBox="1"/>
+          <p:nvPr/>
+        </p:nvSpPr>
+        <p:spPr>
+          <a:xfrm>
+            <a:off x="4523248" y="1423125"/>
+            <a:ext cx="3326860" cy="830997"/>
+          </a:xfrm>
+          <a:prstGeom prst="rect">
+            <a:avLst/>
+          </a:prstGeom>
+          <a:noFill/>
+        </p:spPr>
+        <p:txBody>
+          <a:bodyPr wrap="square" rtlCol="0">
+            <a:spAutoFit/>
+          </a:bodyPr>
+          <a:lstStyle/>
+          <a:p>
+            <a:pPr algn="ctr" defTabSz="914400"/>
+            <a:r>
+              <a:rPr lang="en-US" sz="4800" b="1" dirty="0">
+                <a:solidFill>
+                  <a:prstClr val="black"/>
+                </a:solidFill>
+                <a:latin typeface="Calibri" panose="020F0502020204030204"/>
+              </a:rPr>
+              <a:t>Services</a:t>
+            </a:r>
+          </a:p>
+        </p:txBody>
+      </p:sp>
+      <p:sp>
+        <p:nvSpPr>
+          <p:cNvPr id="55" name="TextBox 54"/>
+          <p:cNvSpPr txBox="1"/>
+          <p:nvPr/>
+        </p:nvSpPr>
+        <p:spPr>
+          <a:xfrm>
+            <a:off x="8186474" y="3593381"/>
+            <a:ext cx="1147627" cy="400110"/>
+          </a:xfrm>
+          <a:prstGeom prst="rect">
+            <a:avLst/>
+          </a:prstGeom>
+          <a:noFill/>
+        </p:spPr>
+        <p:txBody>
+          <a:bodyPr wrap="square" rtlCol="0">
+            <a:spAutoFit/>
+          </a:bodyPr>
+          <a:lstStyle/>
+          <a:p>
+            <a:pPr algn="ctr" defTabSz="914400"/>
+            <a:r>
+              <a:rPr lang="en-US" sz="2000" b="1" dirty="0">
+                <a:solidFill>
+                  <a:prstClr val="black"/>
+                </a:solidFill>
+                <a:latin typeface="Calibri" panose="020F0502020204030204"/>
+              </a:rPr>
+              <a:t>Pull</a:t>
+            </a:r>
+          </a:p>
+        </p:txBody>
+      </p:sp>
+      <p:sp>
+        <p:nvSpPr>
+          <p:cNvPr id="56" name="TextBox 55"/>
+          <p:cNvSpPr txBox="1"/>
+          <p:nvPr/>
+        </p:nvSpPr>
+        <p:spPr>
+          <a:xfrm>
+            <a:off x="2928813" y="3593381"/>
+            <a:ext cx="1147627" cy="400110"/>
+          </a:xfrm>
+          <a:prstGeom prst="rect">
+            <a:avLst/>
+          </a:prstGeom>
+          <a:noFill/>
+        </p:spPr>
+        <p:txBody>
+          <a:bodyPr wrap="square" rtlCol="0">
+            <a:spAutoFit/>
+          </a:bodyPr>
+          <a:lstStyle/>
+          <a:p>
+            <a:pPr algn="ctr" defTabSz="914400"/>
+            <a:r>
+              <a:rPr lang="en-US" sz="2000" b="1" dirty="0">
+                <a:solidFill>
+                  <a:prstClr val="black"/>
+                </a:solidFill>
+                <a:latin typeface="Calibri" panose="020F0502020204030204"/>
+              </a:rPr>
+              <a:t>Push</a:t>
+            </a:r>
+          </a:p>
+        </p:txBody>
+      </p:sp>
+      <p:sp>
+        <p:nvSpPr>
+          <p:cNvPr id="57" name="Right Arrow 56"/>
+          <p:cNvSpPr/>
+          <p:nvPr/>
+        </p:nvSpPr>
+        <p:spPr>
+          <a:xfrm>
+            <a:off x="44601" y="1011794"/>
+            <a:ext cx="4018457" cy="5418168"/>
+          </a:xfrm>
+          <a:prstGeom prst="rightArrow">
+            <a:avLst/>
+          </a:prstGeom>
+          <a:noFill/>
+          <a:ln w="76200" cap="flat" cmpd="sng" algn="ctr">
+            <a:solidFill>
+              <a:srgbClr val="A5A5A5">
+                <a:lumMod val="40000"/>
+                <a:lumOff val="60000"/>
+              </a:srgbClr>
+            </a:solidFill>
+            <a:prstDash val="dash"/>
+            <a:miter lim="800000"/>
+          </a:ln>
+          <a:effectLst/>
+        </p:spPr>
+        <p:txBody>
+          <a:bodyPr rtlCol="0" anchor="ctr"/>
+          <a:lstStyle/>
+          <a:p>
+            <a:pPr marL="0" marR="0" lvl="0" indent="0" algn="ctr" defTabSz="914400" eaLnBrk="1" fontAlgn="auto" latinLnBrk="0" hangingPunct="1">
+              <a:lnSpc>
+                <a:spcPct val="100000"/>
+              </a:lnSpc>
+              <a:spcBef>
+                <a:spcPts val="0"/>
+              </a:spcBef>
+              <a:spcAft>
+                <a:spcPts val="0"/>
+              </a:spcAft>
+              <a:buClrTx/>
+              <a:buSzTx/>
+              <a:buFontTx/>
+              <a:buNone/>
+              <a:tabLst/>
+              <a:defRPr/>
+            </a:pPr>
+            <a:endParaRPr kumimoji="0" lang="en-US" sz="1800" b="0" i="0" u="none" strike="noStrike" kern="0" cap="none" spc="0" normalizeH="0" baseline="0" noProof="0">
+              <a:ln>
+                <a:noFill/>
+              </a:ln>
+              <a:solidFill>
+                <a:prstClr val="white"/>
+              </a:solidFill>
+              <a:effectLst/>
+              <a:uLnTx/>
+              <a:uFillTx/>
+              <a:latin typeface="Calibri" panose="020F0502020204030204"/>
+              <a:ea typeface="+mn-ea"/>
+              <a:cs typeface="+mn-cs"/>
+            </a:endParaRPr>
+          </a:p>
+        </p:txBody>
+      </p:sp>
+    </p:spTree>
+    <p:extLst>
+      <p:ext uri="{BB962C8B-B14F-4D97-AF65-F5344CB8AC3E}">
+        <p14:creationId xmlns:p14="http://schemas.microsoft.com/office/powerpoint/2010/main" val="2765196792"/>
+      </p:ext>
+    </p:extLst>
+  </p:cSld>
+  <p:clrMapOvr>
+    <a:masterClrMapping/>
+  </p:clrMapOvr>
+  <mc:AlternateContent xmlns:mc="http://schemas.openxmlformats.org/markup-compatibility/2006" xmlns:p14="http://schemas.microsoft.com/office/powerpoint/2010/main">
+    <mc:Choice Requires="p14">
+      <p:transition p14:dur="0" advClick="0"/>
+    </mc:Choice>
+    <mc:Fallback xmlns="">
+      <p:transition advClick="0"/>
+    </mc:Fallback>
+  </mc:AlternateContent>
 </p:sld>
 </file>
 

--- a/MHDS/Diagrams.pptx
+++ b/MHDS/Diagrams.pptx
@@ -267,7 +267,7 @@
           <a:p>
             <a:fld id="{03431FED-738C-45FE-8DA9-95C611B1D2F8}" type="datetimeFigureOut">
               <a:rPr lang="en-US" smtClean="0"/>
-              <a:t>2/18/2020</a:t>
+              <a:t>2/20/2020</a:t>
             </a:fld>
             <a:endParaRPr lang="en-US"/>
           </a:p>
@@ -465,7 +465,7 @@
           <a:p>
             <a:fld id="{03431FED-738C-45FE-8DA9-95C611B1D2F8}" type="datetimeFigureOut">
               <a:rPr lang="en-US" smtClean="0"/>
-              <a:t>2/18/2020</a:t>
+              <a:t>2/20/2020</a:t>
             </a:fld>
             <a:endParaRPr lang="en-US"/>
           </a:p>
@@ -673,7 +673,7 @@
           <a:p>
             <a:fld id="{03431FED-738C-45FE-8DA9-95C611B1D2F8}" type="datetimeFigureOut">
               <a:rPr lang="en-US" smtClean="0"/>
-              <a:t>2/18/2020</a:t>
+              <a:t>2/20/2020</a:t>
             </a:fld>
             <a:endParaRPr lang="en-US"/>
           </a:p>
@@ -954,7 +954,7 @@
           <a:p>
             <a:fld id="{BFF328E6-E46B-6E40-8B27-5B2DDCCC311D}" type="datetime1">
               <a:rPr lang="en-US" smtClean="0"/>
-              <a:t>2/18/2020</a:t>
+              <a:t>2/20/2020</a:t>
             </a:fld>
             <a:endParaRPr lang="en-US" dirty="0"/>
           </a:p>
@@ -1576,7 +1576,7 @@
           <a:p>
             <a:fld id="{03431FED-738C-45FE-8DA9-95C611B1D2F8}" type="datetimeFigureOut">
               <a:rPr lang="en-US" smtClean="0"/>
-              <a:t>2/18/2020</a:t>
+              <a:t>2/20/2020</a:t>
             </a:fld>
             <a:endParaRPr lang="en-US"/>
           </a:p>
@@ -1851,7 +1851,7 @@
           <a:p>
             <a:fld id="{03431FED-738C-45FE-8DA9-95C611B1D2F8}" type="datetimeFigureOut">
               <a:rPr lang="en-US" smtClean="0"/>
-              <a:t>2/18/2020</a:t>
+              <a:t>2/20/2020</a:t>
             </a:fld>
             <a:endParaRPr lang="en-US"/>
           </a:p>
@@ -2116,7 +2116,7 @@
           <a:p>
             <a:fld id="{03431FED-738C-45FE-8DA9-95C611B1D2F8}" type="datetimeFigureOut">
               <a:rPr lang="en-US" smtClean="0"/>
-              <a:t>2/18/2020</a:t>
+              <a:t>2/20/2020</a:t>
             </a:fld>
             <a:endParaRPr lang="en-US"/>
           </a:p>
@@ -2528,7 +2528,7 @@
           <a:p>
             <a:fld id="{03431FED-738C-45FE-8DA9-95C611B1D2F8}" type="datetimeFigureOut">
               <a:rPr lang="en-US" smtClean="0"/>
-              <a:t>2/18/2020</a:t>
+              <a:t>2/20/2020</a:t>
             </a:fld>
             <a:endParaRPr lang="en-US"/>
           </a:p>
@@ -2669,7 +2669,7 @@
           <a:p>
             <a:fld id="{03431FED-738C-45FE-8DA9-95C611B1D2F8}" type="datetimeFigureOut">
               <a:rPr lang="en-US" smtClean="0"/>
-              <a:t>2/18/2020</a:t>
+              <a:t>2/20/2020</a:t>
             </a:fld>
             <a:endParaRPr lang="en-US"/>
           </a:p>
@@ -2782,7 +2782,7 @@
           <a:p>
             <a:fld id="{03431FED-738C-45FE-8DA9-95C611B1D2F8}" type="datetimeFigureOut">
               <a:rPr lang="en-US" smtClean="0"/>
-              <a:t>2/18/2020</a:t>
+              <a:t>2/20/2020</a:t>
             </a:fld>
             <a:endParaRPr lang="en-US"/>
           </a:p>
@@ -3093,7 +3093,7 @@
           <a:p>
             <a:fld id="{03431FED-738C-45FE-8DA9-95C611B1D2F8}" type="datetimeFigureOut">
               <a:rPr lang="en-US" smtClean="0"/>
-              <a:t>2/18/2020</a:t>
+              <a:t>2/20/2020</a:t>
             </a:fld>
             <a:endParaRPr lang="en-US"/>
           </a:p>
@@ -3381,7 +3381,7 @@
           <a:p>
             <a:fld id="{03431FED-738C-45FE-8DA9-95C611B1D2F8}" type="datetimeFigureOut">
               <a:rPr lang="en-US" smtClean="0"/>
-              <a:t>2/18/2020</a:t>
+              <a:t>2/20/2020</a:t>
             </a:fld>
             <a:endParaRPr lang="en-US"/>
           </a:p>
@@ -3622,7 +3622,7 @@
           <a:p>
             <a:fld id="{03431FED-738C-45FE-8DA9-95C611B1D2F8}" type="datetimeFigureOut">
               <a:rPr lang="en-US" smtClean="0"/>
-              <a:t>2/18/2020</a:t>
+              <a:t>2/20/2020</a:t>
             </a:fld>
             <a:endParaRPr lang="en-US"/>
           </a:p>
@@ -12103,7 +12103,7 @@
         <p:spPr>
           <a:xfrm>
             <a:off x="143462" y="2692708"/>
-            <a:ext cx="3368102" cy="954107"/>
+            <a:ext cx="3044295" cy="954107"/>
           </a:xfrm>
           <a:prstGeom prst="rect">
             <a:avLst/>
@@ -12126,7 +12126,7 @@
                 </a:solidFill>
                 <a:latin typeface="Calibri" panose="020F0502020204030204"/>
               </a:rPr>
-              <a:t>System that</a:t>
+              <a:t>Systems that</a:t>
             </a:r>
           </a:p>
           <a:p>
@@ -12140,7 +12140,7 @@
                 </a:solidFill>
                 <a:latin typeface="Calibri" panose="020F0502020204030204"/>
               </a:rPr>
-              <a:t>Publishes Documents</a:t>
+              <a:t>Publish Documents</a:t>
             </a:r>
           </a:p>
         </p:txBody>
@@ -12154,7 +12154,7 @@
         <p:spPr>
           <a:xfrm>
             <a:off x="8671560" y="2610005"/>
-            <a:ext cx="3519078" cy="954107"/>
+            <a:ext cx="3376978" cy="954107"/>
           </a:xfrm>
           <a:prstGeom prst="rect">
             <a:avLst/>
@@ -12177,7 +12177,7 @@
                 </a:solidFill>
                 <a:latin typeface="Calibri" panose="020F0502020204030204"/>
               </a:rPr>
-              <a:t>System that </a:t>
+              <a:t>Systems that </a:t>
             </a:r>
           </a:p>
           <a:p>
@@ -12191,7 +12191,7 @@
                 </a:solidFill>
                 <a:latin typeface="Calibri" panose="020F0502020204030204"/>
               </a:rPr>
-              <a:t>Consumes Documents</a:t>
+              <a:t>Consume Documents</a:t>
             </a:r>
             <a:endParaRPr lang="en-US" sz="1600" dirty="0">
               <a:solidFill>
@@ -12351,23 +12351,6 @@
               <a:defRPr/>
             </a:pPr>
             <a:r>
-              <a:rPr kumimoji="0" lang="en-US" sz="2400" b="1" i="0" u="none" strike="noStrike" kern="0" cap="none" spc="0" normalizeH="0" baseline="0" noProof="0" dirty="0">
-                <a:ln>
-                  <a:noFill/>
-                </a:ln>
-                <a:solidFill>
-                  <a:prstClr val="black"/>
-                </a:solidFill>
-                <a:effectLst/>
-                <a:uLnTx/>
-                <a:uFillTx/>
-                <a:latin typeface="Calibri" panose="020F0502020204030204"/>
-                <a:ea typeface="+mn-ea"/>
-                <a:cs typeface="+mn-cs"/>
-              </a:rPr>
-              <a:t>MHDS </a:t>
-            </a:r>
-            <a:r>
               <a:rPr kumimoji="0" lang="en-US" b="0" i="1" u="none" strike="noStrike" kern="0" cap="none" spc="0" normalizeH="0" baseline="0" noProof="0" dirty="0">
                 <a:ln>
                   <a:noFill/>
@@ -12404,22 +12387,13 @@
               <a:defRPr/>
             </a:pPr>
             <a:r>
-              <a:rPr lang="en-US" sz="2400" b="1" kern="0" dirty="0">
-                <a:solidFill>
-                  <a:prstClr val="black"/>
-                </a:solidFill>
-                <a:latin typeface="Calibri" panose="020F0502020204030204"/>
-              </a:rPr>
-              <a:t>IUA</a:t>
-            </a:r>
-            <a:r>
               <a:rPr lang="en-US" i="1" kern="0" dirty="0">
                 <a:solidFill>
                   <a:prstClr val="black"/>
                 </a:solidFill>
                 <a:latin typeface="Calibri" panose="020F0502020204030204"/>
               </a:rPr>
-              <a:t> Authorization Service</a:t>
+              <a:t>Authorization Service</a:t>
             </a:r>
             <a:endParaRPr kumimoji="0" lang="en-US" b="0" i="1" u="none" strike="noStrike" kern="0" cap="none" spc="0" normalizeH="0" baseline="0" noProof="0" dirty="0">
               <a:ln>
@@ -12455,40 +12429,6 @@
               <a:defRPr/>
             </a:pPr>
             <a:r>
-              <a:rPr kumimoji="0" lang="en-US" sz="2400" b="1" i="0" u="none" strike="noStrike" kern="0" cap="none" spc="0" normalizeH="0" baseline="0" noProof="0" dirty="0">
-                <a:ln>
-                  <a:noFill/>
-                </a:ln>
-                <a:solidFill>
-                  <a:prstClr val="black"/>
-                </a:solidFill>
-                <a:effectLst/>
-                <a:uLnTx/>
-                <a:uFillTx/>
-                <a:latin typeface="Calibri" panose="020F0502020204030204"/>
-                <a:ea typeface="+mn-ea"/>
-                <a:cs typeface="+mn-cs"/>
-              </a:rPr>
-              <a:t>CA</a:t>
-            </a:r>
-            <a:r>
-              <a:rPr kumimoji="0" lang="en-US" sz="2400" b="0" i="0" u="none" strike="noStrike" kern="0" cap="none" spc="0" normalizeH="0" baseline="0" noProof="0" dirty="0">
-                <a:ln>
-                  <a:noFill/>
-                </a:ln>
-                <a:solidFill>
-                  <a:prstClr val="black"/>
-                </a:solidFill>
-                <a:effectLst/>
-                <a:uLnTx/>
-                <a:uFillTx/>
-                <a:latin typeface="Calibri" panose="020F0502020204030204"/>
-                <a:ea typeface="+mn-ea"/>
-                <a:cs typeface="+mn-cs"/>
-              </a:rPr>
-              <a:t> </a:t>
-            </a:r>
-            <a:r>
               <a:rPr kumimoji="0" lang="en-US" b="0" i="1" u="none" strike="noStrike" kern="0" cap="none" spc="0" normalizeH="0" baseline="0" noProof="0" dirty="0">
                 <a:ln>
                   <a:noFill/>
@@ -12503,7 +12443,7 @@
                 <a:ea typeface="+mn-ea"/>
                 <a:cs typeface="+mn-cs"/>
               </a:rPr>
-              <a:t>Certificate Authority</a:t>
+              <a:t>Consent Management</a:t>
             </a:r>
           </a:p>
           <a:p>
@@ -12525,40 +12465,6 @@
               <a:defRPr/>
             </a:pPr>
             <a:r>
-              <a:rPr kumimoji="0" lang="en-US" sz="2400" b="1" i="0" u="none" strike="noStrike" kern="0" cap="none" spc="0" normalizeH="0" baseline="0" noProof="0" dirty="0">
-                <a:ln>
-                  <a:noFill/>
-                </a:ln>
-                <a:solidFill>
-                  <a:prstClr val="black"/>
-                </a:solidFill>
-                <a:effectLst/>
-                <a:uLnTx/>
-                <a:uFillTx/>
-                <a:latin typeface="Calibri" panose="020F0502020204030204"/>
-                <a:ea typeface="+mn-ea"/>
-                <a:cs typeface="+mn-cs"/>
-              </a:rPr>
-              <a:t>CT</a:t>
-            </a:r>
-            <a:r>
-              <a:rPr kumimoji="0" lang="en-US" sz="2400" b="0" i="0" u="none" strike="noStrike" kern="0" cap="none" spc="0" normalizeH="0" baseline="0" noProof="0" dirty="0">
-                <a:ln>
-                  <a:noFill/>
-                </a:ln>
-                <a:solidFill>
-                  <a:prstClr val="black"/>
-                </a:solidFill>
-                <a:effectLst/>
-                <a:uLnTx/>
-                <a:uFillTx/>
-                <a:latin typeface="Calibri" panose="020F0502020204030204"/>
-                <a:ea typeface="+mn-ea"/>
-                <a:cs typeface="+mn-cs"/>
-              </a:rPr>
-              <a:t> </a:t>
-            </a:r>
-            <a:r>
               <a:rPr kumimoji="0" lang="en-US" b="0" i="1" u="none" strike="noStrike" kern="0" cap="none" spc="0" normalizeH="0" baseline="0" noProof="0" dirty="0">
                 <a:ln>
                   <a:noFill/>
@@ -12573,7 +12479,7 @@
                 <a:ea typeface="+mn-ea"/>
                 <a:cs typeface="+mn-cs"/>
               </a:rPr>
-              <a:t>Time Service</a:t>
+              <a:t>Certificate Authority</a:t>
             </a:r>
           </a:p>
           <a:p>
@@ -12595,40 +12501,6 @@
               <a:defRPr/>
             </a:pPr>
             <a:r>
-              <a:rPr kumimoji="0" lang="en-US" sz="2400" b="1" i="0" u="none" strike="noStrike" kern="0" cap="none" spc="0" normalizeH="0" baseline="0" noProof="0" dirty="0">
-                <a:ln>
-                  <a:noFill/>
-                </a:ln>
-                <a:solidFill>
-                  <a:prstClr val="black"/>
-                </a:solidFill>
-                <a:effectLst/>
-                <a:uLnTx/>
-                <a:uFillTx/>
-                <a:latin typeface="Calibri" panose="020F0502020204030204"/>
-                <a:ea typeface="+mn-ea"/>
-                <a:cs typeface="+mn-cs"/>
-              </a:rPr>
-              <a:t>PMIR</a:t>
-            </a:r>
-            <a:r>
-              <a:rPr kumimoji="0" lang="en-US" sz="2400" b="0" i="0" u="none" strike="noStrike" kern="0" cap="none" spc="0" normalizeH="0" baseline="0" noProof="0" dirty="0">
-                <a:ln>
-                  <a:noFill/>
-                </a:ln>
-                <a:solidFill>
-                  <a:prstClr val="black"/>
-                </a:solidFill>
-                <a:effectLst/>
-                <a:uLnTx/>
-                <a:uFillTx/>
-                <a:latin typeface="Calibri" panose="020F0502020204030204"/>
-                <a:ea typeface="+mn-ea"/>
-                <a:cs typeface="+mn-cs"/>
-              </a:rPr>
-              <a:t> </a:t>
-            </a:r>
-            <a:r>
               <a:rPr kumimoji="0" lang="en-US" b="0" i="1" u="none" strike="noStrike" kern="0" cap="none" spc="0" normalizeH="0" baseline="0" noProof="0" dirty="0">
                 <a:ln>
                   <a:noFill/>
@@ -12643,31 +12515,8 @@
                 <a:ea typeface="+mn-ea"/>
                 <a:cs typeface="+mn-cs"/>
               </a:rPr>
-              <a:t>Patient </a:t>
-            </a:r>
-            <a:r>
-              <a:rPr lang="en-US" i="1" kern="0" dirty="0">
-                <a:solidFill>
-                  <a:prstClr val="black"/>
-                </a:solidFill>
-                <a:latin typeface="Calibri" panose="020F0502020204030204"/>
-              </a:rPr>
-              <a:t>Id Management</a:t>
-            </a:r>
-            <a:endParaRPr kumimoji="0" lang="en-US" b="0" i="1" u="none" strike="noStrike" kern="0" cap="none" spc="0" normalizeH="0" baseline="0" noProof="0" dirty="0">
-              <a:ln>
-                <a:noFill/>
-              </a:ln>
-              <a:solidFill>
-                <a:prstClr val="black"/>
-              </a:solidFill>
-              <a:effectLst/>
-              <a:uLnTx/>
-              <a:uFillTx/>
-              <a:latin typeface="Calibri" panose="020F0502020204030204"/>
-              <a:ea typeface="+mn-ea"/>
-              <a:cs typeface="+mn-cs"/>
-            </a:endParaRPr>
+              <a:t>Time Service</a:t>
+            </a:r>
           </a:p>
           <a:p>
             <a:pPr marL="0" marR="0" lvl="0" indent="0" algn="ctr" defTabSz="914400" eaLnBrk="1" fontAlgn="auto" latinLnBrk="0" hangingPunct="1">
@@ -12688,23 +12537,6 @@
               <a:defRPr/>
             </a:pPr>
             <a:r>
-              <a:rPr kumimoji="0" lang="en-US" sz="2400" b="1" i="0" u="none" strike="noStrike" kern="0" cap="none" spc="0" normalizeH="0" baseline="0" noProof="0" dirty="0">
-                <a:ln>
-                  <a:noFill/>
-                </a:ln>
-                <a:solidFill>
-                  <a:prstClr val="black"/>
-                </a:solidFill>
-                <a:effectLst/>
-                <a:uLnTx/>
-                <a:uFillTx/>
-                <a:latin typeface="Calibri" panose="020F0502020204030204"/>
-                <a:ea typeface="+mn-ea"/>
-                <a:cs typeface="+mn-cs"/>
-              </a:rPr>
-              <a:t>SVCM </a:t>
-            </a:r>
-            <a:r>
               <a:rPr kumimoji="0" lang="en-US" b="0" i="1" u="none" strike="noStrike" kern="0" cap="none" spc="0" normalizeH="0" baseline="0" noProof="0" dirty="0">
                 <a:ln>
                   <a:noFill/>
@@ -12719,8 +12551,31 @@
                 <a:ea typeface="+mn-ea"/>
                 <a:cs typeface="+mn-cs"/>
               </a:rPr>
-              <a:t>Vocab Management</a:t>
-            </a:r>
+              <a:t>Patient </a:t>
+            </a:r>
+            <a:r>
+              <a:rPr lang="en-US" i="1" kern="0" dirty="0">
+                <a:solidFill>
+                  <a:prstClr val="black"/>
+                </a:solidFill>
+                <a:latin typeface="Calibri" panose="020F0502020204030204"/>
+              </a:rPr>
+              <a:t>Id Management</a:t>
+            </a:r>
+            <a:endParaRPr kumimoji="0" lang="en-US" b="0" i="1" u="none" strike="noStrike" kern="0" cap="none" spc="0" normalizeH="0" baseline="0" noProof="0" dirty="0">
+              <a:ln>
+                <a:noFill/>
+              </a:ln>
+              <a:solidFill>
+                <a:prstClr val="black"/>
+              </a:solidFill>
+              <a:effectLst/>
+              <a:uLnTx/>
+              <a:uFillTx/>
+              <a:latin typeface="Calibri" panose="020F0502020204030204"/>
+              <a:ea typeface="+mn-ea"/>
+              <a:cs typeface="+mn-cs"/>
+            </a:endParaRPr>
           </a:p>
           <a:p>
             <a:pPr marL="0" marR="0" lvl="0" indent="0" algn="ctr" defTabSz="914400" eaLnBrk="1" fontAlgn="auto" latinLnBrk="0" hangingPunct="1">
@@ -12741,40 +12596,6 @@
               <a:defRPr/>
             </a:pPr>
             <a:r>
-              <a:rPr kumimoji="0" lang="en-US" sz="2400" b="1" i="0" u="none" strike="noStrike" kern="0" cap="none" spc="0" normalizeH="0" baseline="0" noProof="0" dirty="0">
-                <a:ln>
-                  <a:noFill/>
-                </a:ln>
-                <a:solidFill>
-                  <a:prstClr val="black"/>
-                </a:solidFill>
-                <a:effectLst/>
-                <a:uLnTx/>
-                <a:uFillTx/>
-                <a:latin typeface="Calibri" panose="020F0502020204030204"/>
-                <a:ea typeface="+mn-ea"/>
-                <a:cs typeface="+mn-cs"/>
-              </a:rPr>
-              <a:t>ATNA</a:t>
-            </a:r>
-            <a:r>
-              <a:rPr kumimoji="0" lang="en-US" sz="2400" b="0" i="0" u="none" strike="noStrike" kern="0" cap="none" spc="0" normalizeH="0" baseline="0" noProof="0" dirty="0">
-                <a:ln>
-                  <a:noFill/>
-                </a:ln>
-                <a:solidFill>
-                  <a:prstClr val="black"/>
-                </a:solidFill>
-                <a:effectLst/>
-                <a:uLnTx/>
-                <a:uFillTx/>
-                <a:latin typeface="Calibri" panose="020F0502020204030204"/>
-                <a:ea typeface="+mn-ea"/>
-                <a:cs typeface="+mn-cs"/>
-              </a:rPr>
-              <a:t> </a:t>
-            </a:r>
-            <a:r>
               <a:rPr kumimoji="0" lang="en-US" b="0" i="1" u="none" strike="noStrike" kern="0" cap="none" spc="0" normalizeH="0" baseline="0" noProof="0" dirty="0">
                 <a:ln>
                   <a:noFill/>
@@ -12789,7 +12610,7 @@
                 <a:ea typeface="+mn-ea"/>
                 <a:cs typeface="+mn-cs"/>
               </a:rPr>
-              <a:t>Audit Record Repository</a:t>
+              <a:t>Vocabulary Management</a:t>
             </a:r>
           </a:p>
           <a:p>
@@ -12811,7 +12632,7 @@
               <a:defRPr/>
             </a:pPr>
             <a:r>
-              <a:rPr kumimoji="0" lang="en-US" sz="2400" b="1" i="0" u="none" strike="noStrike" kern="0" cap="none" spc="0" normalizeH="0" baseline="0" noProof="0" dirty="0">
+              <a:rPr kumimoji="0" lang="en-US" b="0" i="1" u="none" strike="noStrike" kern="0" cap="none" spc="0" normalizeH="0" baseline="0" noProof="0" dirty="0">
                 <a:ln>
                   <a:noFill/>
                 </a:ln>
@@ -12825,25 +12646,27 @@
                 <a:ea typeface="+mn-ea"/>
                 <a:cs typeface="+mn-cs"/>
               </a:rPr>
-              <a:t>mCSD</a:t>
-            </a:r>
-            <a:r>
-              <a:rPr kumimoji="0" lang="en-US" sz="2400" b="0" i="0" u="none" strike="noStrike" kern="0" cap="none" spc="0" normalizeH="0" baseline="0" noProof="0" dirty="0">
-                <a:ln>
-                  <a:noFill/>
-                </a:ln>
-                <a:solidFill>
-                  <a:prstClr val="black"/>
-                </a:solidFill>
-                <a:effectLst/>
-                <a:uLnTx/>
-                <a:uFillTx/>
-                <a:latin typeface="Calibri" panose="020F0502020204030204"/>
-                <a:ea typeface="+mn-ea"/>
-                <a:cs typeface="+mn-cs"/>
-              </a:rPr>
-              <a:t> </a:t>
-            </a:r>
+              <a:t>Audit Record Repository</a:t>
+            </a:r>
+          </a:p>
+          <a:p>
+            <a:pPr marL="0" marR="0" lvl="0" indent="0" algn="ctr" defTabSz="914400" eaLnBrk="1" fontAlgn="auto" latinLnBrk="0" hangingPunct="1">
+              <a:lnSpc>
+                <a:spcPct val="100000"/>
+              </a:lnSpc>
+              <a:spcBef>
+                <a:spcPts val="0"/>
+              </a:spcBef>
+              <a:spcAft>
+                <a:spcPts val="0"/>
+              </a:spcAft>
+              <a:buClrTx/>
+              <a:buSzTx/>
+              <a:buFontTx/>
+              <a:buNone/>
+              <a:tabLst/>
+              <a:defRPr/>
+            </a:pPr>
             <a:r>
               <a:rPr kumimoji="0" lang="en-US" b="0" i="1" u="none" strike="noStrike" kern="0" cap="none" spc="0" normalizeH="0" baseline="0" noProof="0" dirty="0">
                 <a:ln>
